--- a/presentation.pptx
+++ b/presentation.pptx
@@ -4,15 +4,21 @@
   <p:sldMasterIdLst>
     <p:sldMasterId id="2147483660" r:id="rId1"/>
   </p:sldMasterIdLst>
+  <p:notesMasterIdLst>
+    <p:notesMasterId r:id="rId13"/>
+  </p:notesMasterIdLst>
   <p:sldIdLst>
     <p:sldId id="256" r:id="rId2"/>
     <p:sldId id="258" r:id="rId3"/>
-    <p:sldId id="257" r:id="rId4"/>
+    <p:sldId id="264" r:id="rId4"/>
     <p:sldId id="259" r:id="rId5"/>
-    <p:sldId id="260" r:id="rId6"/>
-    <p:sldId id="261" r:id="rId7"/>
-    <p:sldId id="262" r:id="rId8"/>
-    <p:sldId id="263" r:id="rId9"/>
+    <p:sldId id="265" r:id="rId6"/>
+    <p:sldId id="260" r:id="rId7"/>
+    <p:sldId id="266" r:id="rId8"/>
+    <p:sldId id="261" r:id="rId9"/>
+    <p:sldId id="267" r:id="rId10"/>
+    <p:sldId id="262" r:id="rId11"/>
+    <p:sldId id="263" r:id="rId12"/>
   </p:sldIdLst>
   <p:sldSz cx="9144000" cy="6858000" type="screen4x3"/>
   <p:notesSz cx="6858000" cy="9144000"/>
@@ -112,6 +118,488 @@
     </a:lvl9pPr>
   </p:defaultTextStyle>
 </p:presentation>
+</file>
+
+<file path=ppt/notesMasters/notesMaster1.xml><?xml version="1.0" encoding="utf-8"?>
+<p:notesMaster xmlns:a="http://schemas.openxmlformats.org/drawingml/2006/main" xmlns:r="http://schemas.openxmlformats.org/officeDocument/2006/relationships" xmlns:p="http://schemas.openxmlformats.org/presentationml/2006/main">
+  <p:cSld>
+    <p:bg>
+      <p:bgRef idx="1001">
+        <a:schemeClr val="bg1"/>
+      </p:bgRef>
+    </p:bg>
+    <p:spTree>
+      <p:nvGrpSpPr>
+        <p:cNvPr id="1" name=""/>
+        <p:cNvGrpSpPr/>
+        <p:nvPr/>
+      </p:nvGrpSpPr>
+      <p:grpSpPr>
+        <a:xfrm>
+          <a:off x="0" y="0"/>
+          <a:ext cx="0" cy="0"/>
+          <a:chOff x="0" y="0"/>
+          <a:chExt cx="0" cy="0"/>
+        </a:xfrm>
+      </p:grpSpPr>
+      <p:sp>
+        <p:nvSpPr>
+          <p:cNvPr id="2" name="Header Placeholder 1"/>
+          <p:cNvSpPr>
+            <a:spLocks noGrp="1"/>
+          </p:cNvSpPr>
+          <p:nvPr>
+            <p:ph type="hdr" sz="quarter"/>
+          </p:nvPr>
+        </p:nvSpPr>
+        <p:spPr>
+          <a:xfrm>
+            <a:off x="0" y="0"/>
+            <a:ext cx="2971800" cy="457200"/>
+          </a:xfrm>
+          <a:prstGeom prst="rect">
+            <a:avLst/>
+          </a:prstGeom>
+        </p:spPr>
+        <p:txBody>
+          <a:bodyPr vert="horz" lIns="91440" tIns="45720" rIns="91440" bIns="45720" rtlCol="0"/>
+          <a:lstStyle>
+            <a:lvl1pPr algn="l">
+              <a:defRPr sz="1200"/>
+            </a:lvl1pPr>
+          </a:lstStyle>
+          <a:p>
+            <a:endParaRPr lang="en-US"/>
+          </a:p>
+        </p:txBody>
+      </p:sp>
+      <p:sp>
+        <p:nvSpPr>
+          <p:cNvPr id="3" name="Date Placeholder 2"/>
+          <p:cNvSpPr>
+            <a:spLocks noGrp="1"/>
+          </p:cNvSpPr>
+          <p:nvPr>
+            <p:ph type="dt" idx="1"/>
+          </p:nvPr>
+        </p:nvSpPr>
+        <p:spPr>
+          <a:xfrm>
+            <a:off x="3884613" y="0"/>
+            <a:ext cx="2971800" cy="457200"/>
+          </a:xfrm>
+          <a:prstGeom prst="rect">
+            <a:avLst/>
+          </a:prstGeom>
+        </p:spPr>
+        <p:txBody>
+          <a:bodyPr vert="horz" lIns="91440" tIns="45720" rIns="91440" bIns="45720" rtlCol="0"/>
+          <a:lstStyle>
+            <a:lvl1pPr algn="r">
+              <a:defRPr sz="1200"/>
+            </a:lvl1pPr>
+          </a:lstStyle>
+          <a:p>
+            <a:fld id="{44201544-D0D1-5B41-A16A-F722EC0150C2}" type="datetimeFigureOut">
+              <a:rPr lang="en-US" smtClean="0"/>
+              <a:t>6/4/15</a:t>
+            </a:fld>
+            <a:endParaRPr lang="en-US"/>
+          </a:p>
+        </p:txBody>
+      </p:sp>
+      <p:sp>
+        <p:nvSpPr>
+          <p:cNvPr id="4" name="Slide Image Placeholder 3"/>
+          <p:cNvSpPr>
+            <a:spLocks noGrp="1" noRot="1" noChangeAspect="1"/>
+          </p:cNvSpPr>
+          <p:nvPr>
+            <p:ph type="sldImg" idx="2"/>
+          </p:nvPr>
+        </p:nvSpPr>
+        <p:spPr>
+          <a:xfrm>
+            <a:off x="1143000" y="685800"/>
+            <a:ext cx="4572000" cy="3429000"/>
+          </a:xfrm>
+          <a:prstGeom prst="rect">
+            <a:avLst/>
+          </a:prstGeom>
+          <a:noFill/>
+          <a:ln w="12700">
+            <a:solidFill>
+              <a:prstClr val="black"/>
+            </a:solidFill>
+          </a:ln>
+        </p:spPr>
+        <p:txBody>
+          <a:bodyPr vert="horz" lIns="91440" tIns="45720" rIns="91440" bIns="45720" rtlCol="0" anchor="ctr"/>
+          <a:lstStyle/>
+          <a:p>
+            <a:endParaRPr lang="en-US"/>
+          </a:p>
+        </p:txBody>
+      </p:sp>
+      <p:sp>
+        <p:nvSpPr>
+          <p:cNvPr id="5" name="Notes Placeholder 4"/>
+          <p:cNvSpPr>
+            <a:spLocks noGrp="1"/>
+          </p:cNvSpPr>
+          <p:nvPr>
+            <p:ph type="body" sz="quarter" idx="3"/>
+          </p:nvPr>
+        </p:nvSpPr>
+        <p:spPr>
+          <a:xfrm>
+            <a:off x="685800" y="4343400"/>
+            <a:ext cx="5486400" cy="4114800"/>
+          </a:xfrm>
+          <a:prstGeom prst="rect">
+            <a:avLst/>
+          </a:prstGeom>
+        </p:spPr>
+        <p:txBody>
+          <a:bodyPr vert="horz" lIns="91440" tIns="45720" rIns="91440" bIns="45720" rtlCol="0"/>
+          <a:lstStyle/>
+          <a:p>
+            <a:pPr lvl="0"/>
+            <a:r>
+              <a:rPr lang="en-US" smtClean="0"/>
+              <a:t>Click to edit Master text styles</a:t>
+            </a:r>
+          </a:p>
+          <a:p>
+            <a:pPr lvl="1"/>
+            <a:r>
+              <a:rPr lang="en-US" smtClean="0"/>
+              <a:t>Second level</a:t>
+            </a:r>
+          </a:p>
+          <a:p>
+            <a:pPr lvl="2"/>
+            <a:r>
+              <a:rPr lang="en-US" smtClean="0"/>
+              <a:t>Third level</a:t>
+            </a:r>
+          </a:p>
+          <a:p>
+            <a:pPr lvl="3"/>
+            <a:r>
+              <a:rPr lang="en-US" smtClean="0"/>
+              <a:t>Fourth level</a:t>
+            </a:r>
+          </a:p>
+          <a:p>
+            <a:pPr lvl="4"/>
+            <a:r>
+              <a:rPr lang="en-US" smtClean="0"/>
+              <a:t>Fifth level</a:t>
+            </a:r>
+            <a:endParaRPr lang="en-US"/>
+          </a:p>
+        </p:txBody>
+      </p:sp>
+      <p:sp>
+        <p:nvSpPr>
+          <p:cNvPr id="6" name="Footer Placeholder 5"/>
+          <p:cNvSpPr>
+            <a:spLocks noGrp="1"/>
+          </p:cNvSpPr>
+          <p:nvPr>
+            <p:ph type="ftr" sz="quarter" idx="4"/>
+          </p:nvPr>
+        </p:nvSpPr>
+        <p:spPr>
+          <a:xfrm>
+            <a:off x="0" y="8685213"/>
+            <a:ext cx="2971800" cy="457200"/>
+          </a:xfrm>
+          <a:prstGeom prst="rect">
+            <a:avLst/>
+          </a:prstGeom>
+        </p:spPr>
+        <p:txBody>
+          <a:bodyPr vert="horz" lIns="91440" tIns="45720" rIns="91440" bIns="45720" rtlCol="0" anchor="b"/>
+          <a:lstStyle>
+            <a:lvl1pPr algn="l">
+              <a:defRPr sz="1200"/>
+            </a:lvl1pPr>
+          </a:lstStyle>
+          <a:p>
+            <a:endParaRPr lang="en-US"/>
+          </a:p>
+        </p:txBody>
+      </p:sp>
+      <p:sp>
+        <p:nvSpPr>
+          <p:cNvPr id="7" name="Slide Number Placeholder 6"/>
+          <p:cNvSpPr>
+            <a:spLocks noGrp="1"/>
+          </p:cNvSpPr>
+          <p:nvPr>
+            <p:ph type="sldNum" sz="quarter" idx="5"/>
+          </p:nvPr>
+        </p:nvSpPr>
+        <p:spPr>
+          <a:xfrm>
+            <a:off x="3884613" y="8685213"/>
+            <a:ext cx="2971800" cy="457200"/>
+          </a:xfrm>
+          <a:prstGeom prst="rect">
+            <a:avLst/>
+          </a:prstGeom>
+        </p:spPr>
+        <p:txBody>
+          <a:bodyPr vert="horz" lIns="91440" tIns="45720" rIns="91440" bIns="45720" rtlCol="0" anchor="b"/>
+          <a:lstStyle>
+            <a:lvl1pPr algn="r">
+              <a:defRPr sz="1200"/>
+            </a:lvl1pPr>
+          </a:lstStyle>
+          <a:p>
+            <a:fld id="{A5403194-167F-AC44-900D-A8D876675B66}" type="slidenum">
+              <a:rPr lang="en-US" smtClean="0"/>
+              <a:t>‹#›</a:t>
+            </a:fld>
+            <a:endParaRPr lang="en-US"/>
+          </a:p>
+        </p:txBody>
+      </p:sp>
+    </p:spTree>
+    <p:extLst>
+      <p:ext uri="{BB962C8B-B14F-4D97-AF65-F5344CB8AC3E}">
+        <p14:creationId xmlns:p14="http://schemas.microsoft.com/office/powerpoint/2010/main" val="3447268611"/>
+      </p:ext>
+    </p:extLst>
+  </p:cSld>
+  <p:clrMap bg1="lt1" tx1="dk1" bg2="lt2" tx2="dk2" accent1="accent1" accent2="accent2" accent3="accent3" accent4="accent4" accent5="accent5" accent6="accent6" hlink="hlink" folHlink="folHlink"/>
+  <p:notesStyle>
+    <a:lvl1pPr marL="0" algn="l" defTabSz="457200" rtl="0" eaLnBrk="1" latinLnBrk="0" hangingPunct="1">
+      <a:defRPr sz="1200" kern="1200">
+        <a:solidFill>
+          <a:schemeClr val="tx1"/>
+        </a:solidFill>
+        <a:latin typeface="+mn-lt"/>
+        <a:ea typeface="+mn-ea"/>
+        <a:cs typeface="+mn-cs"/>
+      </a:defRPr>
+    </a:lvl1pPr>
+    <a:lvl2pPr marL="457200" algn="l" defTabSz="457200" rtl="0" eaLnBrk="1" latinLnBrk="0" hangingPunct="1">
+      <a:defRPr sz="1200" kern="1200">
+        <a:solidFill>
+          <a:schemeClr val="tx1"/>
+        </a:solidFill>
+        <a:latin typeface="+mn-lt"/>
+        <a:ea typeface="+mn-ea"/>
+        <a:cs typeface="+mn-cs"/>
+      </a:defRPr>
+    </a:lvl2pPr>
+    <a:lvl3pPr marL="914400" algn="l" defTabSz="457200" rtl="0" eaLnBrk="1" latinLnBrk="0" hangingPunct="1">
+      <a:defRPr sz="1200" kern="1200">
+        <a:solidFill>
+          <a:schemeClr val="tx1"/>
+        </a:solidFill>
+        <a:latin typeface="+mn-lt"/>
+        <a:ea typeface="+mn-ea"/>
+        <a:cs typeface="+mn-cs"/>
+      </a:defRPr>
+    </a:lvl3pPr>
+    <a:lvl4pPr marL="1371600" algn="l" defTabSz="457200" rtl="0" eaLnBrk="1" latinLnBrk="0" hangingPunct="1">
+      <a:defRPr sz="1200" kern="1200">
+        <a:solidFill>
+          <a:schemeClr val="tx1"/>
+        </a:solidFill>
+        <a:latin typeface="+mn-lt"/>
+        <a:ea typeface="+mn-ea"/>
+        <a:cs typeface="+mn-cs"/>
+      </a:defRPr>
+    </a:lvl4pPr>
+    <a:lvl5pPr marL="1828800" algn="l" defTabSz="457200" rtl="0" eaLnBrk="1" latinLnBrk="0" hangingPunct="1">
+      <a:defRPr sz="1200" kern="1200">
+        <a:solidFill>
+          <a:schemeClr val="tx1"/>
+        </a:solidFill>
+        <a:latin typeface="+mn-lt"/>
+        <a:ea typeface="+mn-ea"/>
+        <a:cs typeface="+mn-cs"/>
+      </a:defRPr>
+    </a:lvl5pPr>
+    <a:lvl6pPr marL="2286000" algn="l" defTabSz="457200" rtl="0" eaLnBrk="1" latinLnBrk="0" hangingPunct="1">
+      <a:defRPr sz="1200" kern="1200">
+        <a:solidFill>
+          <a:schemeClr val="tx1"/>
+        </a:solidFill>
+        <a:latin typeface="+mn-lt"/>
+        <a:ea typeface="+mn-ea"/>
+        <a:cs typeface="+mn-cs"/>
+      </a:defRPr>
+    </a:lvl6pPr>
+    <a:lvl7pPr marL="2743200" algn="l" defTabSz="457200" rtl="0" eaLnBrk="1" latinLnBrk="0" hangingPunct="1">
+      <a:defRPr sz="1200" kern="1200">
+        <a:solidFill>
+          <a:schemeClr val="tx1"/>
+        </a:solidFill>
+        <a:latin typeface="+mn-lt"/>
+        <a:ea typeface="+mn-ea"/>
+        <a:cs typeface="+mn-cs"/>
+      </a:defRPr>
+    </a:lvl7pPr>
+    <a:lvl8pPr marL="3200400" algn="l" defTabSz="457200" rtl="0" eaLnBrk="1" latinLnBrk="0" hangingPunct="1">
+      <a:defRPr sz="1200" kern="1200">
+        <a:solidFill>
+          <a:schemeClr val="tx1"/>
+        </a:solidFill>
+        <a:latin typeface="+mn-lt"/>
+        <a:ea typeface="+mn-ea"/>
+        <a:cs typeface="+mn-cs"/>
+      </a:defRPr>
+    </a:lvl8pPr>
+    <a:lvl9pPr marL="3657600" algn="l" defTabSz="457200" rtl="0" eaLnBrk="1" latinLnBrk="0" hangingPunct="1">
+      <a:defRPr sz="1200" kern="1200">
+        <a:solidFill>
+          <a:schemeClr val="tx1"/>
+        </a:solidFill>
+        <a:latin typeface="+mn-lt"/>
+        <a:ea typeface="+mn-ea"/>
+        <a:cs typeface="+mn-cs"/>
+      </a:defRPr>
+    </a:lvl9pPr>
+  </p:notesStyle>
+</p:notesMaster>
+</file>
+
+<file path=ppt/notesSlides/notesSlide1.xml><?xml version="1.0" encoding="utf-8"?>
+<p:notes xmlns:a="http://schemas.openxmlformats.org/drawingml/2006/main" xmlns:r="http://schemas.openxmlformats.org/officeDocument/2006/relationships" xmlns:p="http://schemas.openxmlformats.org/presentationml/2006/main">
+  <p:cSld>
+    <p:spTree>
+      <p:nvGrpSpPr>
+        <p:cNvPr id="1" name=""/>
+        <p:cNvGrpSpPr/>
+        <p:nvPr/>
+      </p:nvGrpSpPr>
+      <p:grpSpPr>
+        <a:xfrm>
+          <a:off x="0" y="0"/>
+          <a:ext cx="0" cy="0"/>
+          <a:chOff x="0" y="0"/>
+          <a:chExt cx="0" cy="0"/>
+        </a:xfrm>
+      </p:grpSpPr>
+      <p:sp>
+        <p:nvSpPr>
+          <p:cNvPr id="2" name="Slide Image Placeholder 1"/>
+          <p:cNvSpPr>
+            <a:spLocks noGrp="1" noRot="1" noChangeAspect="1"/>
+          </p:cNvSpPr>
+          <p:nvPr>
+            <p:ph type="sldImg"/>
+          </p:nvPr>
+        </p:nvSpPr>
+        <p:spPr/>
+      </p:sp>
+      <p:sp>
+        <p:nvSpPr>
+          <p:cNvPr id="3" name="Notes Placeholder 2"/>
+          <p:cNvSpPr>
+            <a:spLocks noGrp="1"/>
+          </p:cNvSpPr>
+          <p:nvPr>
+            <p:ph type="body" idx="1"/>
+          </p:nvPr>
+        </p:nvSpPr>
+        <p:spPr/>
+        <p:txBody>
+          <a:bodyPr/>
+          <a:lstStyle/>
+          <a:p>
+            <a:pPr marL="342900" indent="-342900">
+              <a:buFont typeface="+mj-lt"/>
+              <a:buAutoNum type="arabicPeriod"/>
+            </a:pPr>
+            <a:r>
+              <a:rPr lang="en-US" dirty="0" smtClean="0"/>
+              <a:t> The virus injects genetic material (RNA or DNA) into the host.</a:t>
+            </a:r>
+          </a:p>
+          <a:p>
+            <a:pPr marL="800100" lvl="1" indent="-342900">
+              <a:buFont typeface="Arial" panose="020B0604020202020204" pitchFamily="34" charset="0"/>
+              <a:buChar char="•"/>
+            </a:pPr>
+            <a:r>
+              <a:rPr lang="en-US" dirty="0" smtClean="0"/>
+              <a:t>This can be incorporated into the host to silently replicate, but we are not </a:t>
+            </a:r>
+            <a:r>
+              <a:rPr lang="en-US" dirty="0" err="1" smtClean="0"/>
+              <a:t>modelling</a:t>
+            </a:r>
+            <a:r>
+              <a:rPr lang="en-US" dirty="0" smtClean="0"/>
+              <a:t> it.</a:t>
+            </a:r>
+          </a:p>
+          <a:p>
+            <a:pPr marL="342900" indent="-342900">
+              <a:buFont typeface="+mj-lt"/>
+              <a:buAutoNum type="arabicPeriod"/>
+            </a:pPr>
+            <a:r>
+              <a:rPr lang="en-US" dirty="0" smtClean="0"/>
+              <a:t> The genetic material is used to take over the host’s replication machinery and create viral genetic material and proteins.</a:t>
+            </a:r>
+          </a:p>
+          <a:p>
+            <a:pPr marL="342900" indent="-342900">
+              <a:buFont typeface="+mj-lt"/>
+              <a:buAutoNum type="arabicPeriod"/>
+            </a:pPr>
+            <a:r>
+              <a:rPr lang="en-US" dirty="0" smtClean="0"/>
+              <a:t>These are assembled into viruses and the cell is lysed to release them.</a:t>
+            </a:r>
+          </a:p>
+          <a:p>
+            <a:endParaRPr lang="en-US" dirty="0"/>
+          </a:p>
+        </p:txBody>
+      </p:sp>
+      <p:sp>
+        <p:nvSpPr>
+          <p:cNvPr id="4" name="Slide Number Placeholder 3"/>
+          <p:cNvSpPr>
+            <a:spLocks noGrp="1"/>
+          </p:cNvSpPr>
+          <p:nvPr>
+            <p:ph type="sldNum" sz="quarter" idx="10"/>
+          </p:nvPr>
+        </p:nvSpPr>
+        <p:spPr/>
+        <p:txBody>
+          <a:bodyPr/>
+          <a:lstStyle/>
+          <a:p>
+            <a:fld id="{A5403194-167F-AC44-900D-A8D876675B66}" type="slidenum">
+              <a:rPr lang="en-US" smtClean="0"/>
+              <a:t>3</a:t>
+            </a:fld>
+            <a:endParaRPr lang="en-US"/>
+          </a:p>
+        </p:txBody>
+      </p:sp>
+    </p:spTree>
+    <p:extLst>
+      <p:ext uri="{BB962C8B-B14F-4D97-AF65-F5344CB8AC3E}">
+        <p14:creationId xmlns:p14="http://schemas.microsoft.com/office/powerpoint/2010/main" val="1497919997"/>
+      </p:ext>
+    </p:extLst>
+  </p:cSld>
+  <p:clrMapOvr>
+    <a:masterClrMapping/>
+  </p:clrMapOvr>
+</p:notes>
 </file>
 
 <file path=ppt/slideLayouts/slideLayout1.xml><?xml version="1.0" encoding="utf-8"?>
@@ -3834,6 +4322,36 @@
           <a:chExt cx="0" cy="0"/>
         </a:xfrm>
       </p:grpSpPr>
+      <p:pic>
+        <p:nvPicPr>
+          <p:cNvPr id="4" name="Picture 3" descr="phages.jpg"/>
+          <p:cNvPicPr>
+            <a:picLocks noChangeAspect="1"/>
+          </p:cNvPicPr>
+          <p:nvPr/>
+        </p:nvPicPr>
+        <p:blipFill rotWithShape="1">
+          <a:blip r:embed="rId2">
+            <a:alphaModFix/>
+            <a:extLst>
+              <a:ext uri="{28A0092B-C50C-407E-A947-70E740481C1C}">
+                <a14:useLocalDpi xmlns:a14="http://schemas.microsoft.com/office/drawing/2010/main" val="0"/>
+              </a:ext>
+            </a:extLst>
+          </a:blip>
+          <a:srcRect l="17065"/>
+          <a:stretch/>
+        </p:blipFill>
+        <p:spPr>
+          <a:xfrm>
+            <a:off x="0" y="0"/>
+            <a:ext cx="9144000" cy="6877139"/>
+          </a:xfrm>
+          <a:prstGeom prst="rect">
+            <a:avLst/>
+          </a:prstGeom>
+        </p:spPr>
+      </p:pic>
       <p:sp>
         <p:nvSpPr>
           <p:cNvPr id="2" name="Title 1"/>
@@ -3844,16 +4362,60 @@
             <p:ph type="ctrTitle"/>
           </p:nvPr>
         </p:nvSpPr>
-        <p:spPr/>
+        <p:spPr>
+          <a:xfrm>
+            <a:off x="698504" y="4445239"/>
+            <a:ext cx="7772400" cy="1599853"/>
+          </a:xfrm>
+          <a:solidFill>
+            <a:schemeClr val="tx2">
+              <a:alpha val="22000"/>
+            </a:schemeClr>
+          </a:solidFill>
+        </p:spPr>
         <p:txBody>
           <a:bodyPr/>
           <a:lstStyle/>
           <a:p>
             <a:r>
-              <a:rPr lang="en-US" dirty="0" smtClean="0"/>
+              <a:rPr lang="en-US" dirty="0" smtClean="0">
+                <a:ln w="10160">
+                  <a:solidFill>
+                    <a:schemeClr val="bg1"/>
+                  </a:solidFill>
+                  <a:prstDash val="solid"/>
+                </a:ln>
+                <a:solidFill>
+                  <a:schemeClr val="tx2"/>
+                </a:solidFill>
+                <a:effectLst>
+                  <a:outerShdw blurRad="38100" dist="32000" dir="5400000" algn="tl">
+                    <a:srgbClr val="000000">
+                      <a:alpha val="30000"/>
+                    </a:srgbClr>
+                  </a:outerShdw>
+                </a:effectLst>
+              </a:rPr>
               <a:t>Simulating Virus and Host Coevolution</a:t>
             </a:r>
-            <a:endParaRPr lang="en-US" dirty="0"/>
+            <a:endParaRPr lang="en-US" dirty="0">
+              <a:ln w="10160">
+                <a:solidFill>
+                  <a:schemeClr val="bg1"/>
+                </a:solidFill>
+                <a:prstDash val="solid"/>
+              </a:ln>
+              <a:solidFill>
+                <a:schemeClr val="tx2"/>
+              </a:solidFill>
+              <a:effectLst>
+                <a:outerShdw blurRad="38100" dist="32000" dir="5400000" algn="tl">
+                  <a:srgbClr val="000000">
+                    <a:alpha val="30000"/>
+                  </a:srgbClr>
+                </a:outerShdw>
+              </a:effectLst>
+            </a:endParaRPr>
           </a:p>
         </p:txBody>
       </p:sp>
@@ -3867,24 +4429,104 @@
             <p:ph type="subTitle" idx="1"/>
           </p:nvPr>
         </p:nvSpPr>
-        <p:spPr/>
-        <p:txBody>
-          <a:bodyPr/>
-          <a:lstStyle/>
-          <a:p>
-            <a:r>
-              <a:rPr lang="en-US" dirty="0" smtClean="0"/>
+        <p:spPr>
+          <a:xfrm>
+            <a:off x="2185405" y="6187891"/>
+            <a:ext cx="5419214" cy="472584"/>
+          </a:xfrm>
+          <a:solidFill>
+            <a:schemeClr val="tx2">
+              <a:alpha val="37000"/>
+            </a:schemeClr>
+          </a:solidFill>
+        </p:spPr>
+        <p:txBody>
+          <a:bodyPr>
+            <a:normAutofit/>
+          </a:bodyPr>
+          <a:lstStyle/>
+          <a:p>
+            <a:r>
+              <a:rPr lang="en-US" sz="2000" dirty="0" smtClean="0">
+                <a:ln w="3175" cmpd="sng">
+                  <a:solidFill>
+                    <a:srgbClr val="000000"/>
+                  </a:solidFill>
+                  <a:prstDash val="solid"/>
+                </a:ln>
+                <a:solidFill>
+                  <a:schemeClr val="tx2"/>
+                </a:solidFill>
+                <a:effectLst>
+                  <a:outerShdw blurRad="38100" dist="32000" dir="5400000" algn="tl">
+                    <a:srgbClr val="000000">
+                      <a:alpha val="30000"/>
+                    </a:srgbClr>
+                  </a:outerShdw>
+                </a:effectLst>
+              </a:rPr>
               <a:t>Laura </a:t>
             </a:r>
             <a:r>
-              <a:rPr lang="en-US" dirty="0" err="1" smtClean="0"/>
+              <a:rPr lang="en-US" sz="2000" dirty="0" err="1" smtClean="0">
+                <a:ln w="3175" cmpd="sng">
+                  <a:solidFill>
+                    <a:srgbClr val="000000"/>
+                  </a:solidFill>
+                  <a:prstDash val="solid"/>
+                </a:ln>
+                <a:solidFill>
+                  <a:schemeClr val="tx2"/>
+                </a:solidFill>
+                <a:effectLst>
+                  <a:outerShdw blurRad="38100" dist="32000" dir="5400000" algn="tl">
+                    <a:srgbClr val="000000">
+                      <a:alpha val="30000"/>
+                    </a:srgbClr>
+                  </a:outerShdw>
+                </a:effectLst>
+              </a:rPr>
               <a:t>Colbran</a:t>
             </a:r>
             <a:r>
-              <a:rPr lang="en-US" dirty="0" smtClean="0"/>
+              <a:rPr lang="en-US" sz="2000" dirty="0" smtClean="0">
+                <a:ln w="3175" cmpd="sng">
+                  <a:solidFill>
+                    <a:srgbClr val="000000"/>
+                  </a:solidFill>
+                  <a:prstDash val="solid"/>
+                </a:ln>
+                <a:solidFill>
+                  <a:schemeClr val="tx2"/>
+                </a:solidFill>
+                <a:effectLst>
+                  <a:outerShdw blurRad="38100" dist="32000" dir="5400000" algn="tl">
+                    <a:srgbClr val="000000">
+                      <a:alpha val="30000"/>
+                    </a:srgbClr>
+                  </a:outerShdw>
+                </a:effectLst>
+              </a:rPr>
               <a:t>, Samuel Greaves, Liz Shank</a:t>
             </a:r>
-            <a:endParaRPr lang="en-US" dirty="0"/>
+            <a:endParaRPr lang="en-US" sz="2000" dirty="0">
+              <a:ln w="3175" cmpd="sng">
+                <a:solidFill>
+                  <a:srgbClr val="000000"/>
+                </a:solidFill>
+                <a:prstDash val="solid"/>
+              </a:ln>
+              <a:solidFill>
+                <a:schemeClr val="tx2"/>
+              </a:solidFill>
+              <a:effectLst>
+                <a:outerShdw blurRad="38100" dist="32000" dir="5400000" algn="tl">
+                  <a:srgbClr val="000000">
+                    <a:alpha val="30000"/>
+                  </a:srgbClr>
+                </a:outerShdw>
+              </a:effectLst>
+            </a:endParaRPr>
           </a:p>
         </p:txBody>
       </p:sp>
@@ -3892,6 +4534,153 @@
     <p:extLst>
       <p:ext uri="{BB962C8B-B14F-4D97-AF65-F5344CB8AC3E}">
         <p14:creationId xmlns:p14="http://schemas.microsoft.com/office/powerpoint/2010/main" val="3648360982"/>
+      </p:ext>
+    </p:extLst>
+  </p:cSld>
+  <p:clrMapOvr>
+    <a:masterClrMapping/>
+  </p:clrMapOvr>
+</p:sld>
+</file>
+
+<file path=ppt/slides/slide10.xml><?xml version="1.0" encoding="utf-8"?>
+<p:sld xmlns:a="http://schemas.openxmlformats.org/drawingml/2006/main" xmlns:r="http://schemas.openxmlformats.org/officeDocument/2006/relationships" xmlns:p="http://schemas.openxmlformats.org/presentationml/2006/main">
+  <p:cSld>
+    <p:spTree>
+      <p:nvGrpSpPr>
+        <p:cNvPr id="1" name=""/>
+        <p:cNvGrpSpPr/>
+        <p:nvPr/>
+      </p:nvGrpSpPr>
+      <p:grpSpPr>
+        <a:xfrm>
+          <a:off x="0" y="0"/>
+          <a:ext cx="0" cy="0"/>
+          <a:chOff x="0" y="0"/>
+          <a:chExt cx="0" cy="0"/>
+        </a:xfrm>
+      </p:grpSpPr>
+      <p:sp>
+        <p:nvSpPr>
+          <p:cNvPr id="2" name="Title 1"/>
+          <p:cNvSpPr>
+            <a:spLocks noGrp="1"/>
+          </p:cNvSpPr>
+          <p:nvPr>
+            <p:ph type="title"/>
+          </p:nvPr>
+        </p:nvSpPr>
+        <p:spPr/>
+        <p:txBody>
+          <a:bodyPr/>
+          <a:lstStyle/>
+          <a:p>
+            <a:r>
+              <a:rPr lang="en-US" dirty="0" smtClean="0"/>
+              <a:t>Any interesting results?</a:t>
+            </a:r>
+            <a:endParaRPr lang="en-US" dirty="0"/>
+          </a:p>
+        </p:txBody>
+      </p:sp>
+      <p:pic>
+        <p:nvPicPr>
+          <p:cNvPr id="6" name="Content Placeholder 5"/>
+          <p:cNvPicPr>
+            <a:picLocks noGrp="1" noChangeAspect="1"/>
+          </p:cNvPicPr>
+          <p:nvPr>
+            <p:ph idx="1"/>
+          </p:nvPr>
+        </p:nvPicPr>
+        <p:blipFill rotWithShape="1">
+          <a:blip r:embed="rId2"/>
+          <a:srcRect l="-7" r="62"/>
+          <a:stretch/>
+        </p:blipFill>
+        <p:spPr>
+          <a:xfrm>
+            <a:off x="685800" y="2681185"/>
+            <a:ext cx="4870690" cy="3657600"/>
+          </a:xfrm>
+        </p:spPr>
+      </p:pic>
+    </p:spTree>
+    <p:extLst>
+      <p:ext uri="{BB962C8B-B14F-4D97-AF65-F5344CB8AC3E}">
+        <p14:creationId xmlns:p14="http://schemas.microsoft.com/office/powerpoint/2010/main" val="2083320753"/>
+      </p:ext>
+    </p:extLst>
+  </p:cSld>
+  <p:clrMapOvr>
+    <a:masterClrMapping/>
+  </p:clrMapOvr>
+</p:sld>
+</file>
+
+<file path=ppt/slides/slide11.xml><?xml version="1.0" encoding="utf-8"?>
+<p:sld xmlns:a="http://schemas.openxmlformats.org/drawingml/2006/main" xmlns:r="http://schemas.openxmlformats.org/officeDocument/2006/relationships" xmlns:p="http://schemas.openxmlformats.org/presentationml/2006/main">
+  <p:cSld>
+    <p:spTree>
+      <p:nvGrpSpPr>
+        <p:cNvPr id="1" name=""/>
+        <p:cNvGrpSpPr/>
+        <p:nvPr/>
+      </p:nvGrpSpPr>
+      <p:grpSpPr>
+        <a:xfrm>
+          <a:off x="0" y="0"/>
+          <a:ext cx="0" cy="0"/>
+          <a:chOff x="0" y="0"/>
+          <a:chExt cx="0" cy="0"/>
+        </a:xfrm>
+      </p:grpSpPr>
+      <p:sp>
+        <p:nvSpPr>
+          <p:cNvPr id="2" name="Title 1"/>
+          <p:cNvSpPr>
+            <a:spLocks noGrp="1"/>
+          </p:cNvSpPr>
+          <p:nvPr>
+            <p:ph type="title"/>
+          </p:nvPr>
+        </p:nvSpPr>
+        <p:spPr/>
+        <p:txBody>
+          <a:bodyPr/>
+          <a:lstStyle/>
+          <a:p>
+            <a:r>
+              <a:rPr lang="en-US" dirty="0" smtClean="0"/>
+              <a:t>What do we still need to do?</a:t>
+            </a:r>
+            <a:endParaRPr lang="en-US" dirty="0"/>
+          </a:p>
+        </p:txBody>
+      </p:sp>
+      <p:sp>
+        <p:nvSpPr>
+          <p:cNvPr id="3" name="Content Placeholder 2"/>
+          <p:cNvSpPr>
+            <a:spLocks noGrp="1"/>
+          </p:cNvSpPr>
+          <p:nvPr>
+            <p:ph idx="1"/>
+          </p:nvPr>
+        </p:nvSpPr>
+        <p:spPr/>
+        <p:txBody>
+          <a:bodyPr/>
+          <a:lstStyle/>
+          <a:p>
+            <a:endParaRPr lang="en-US"/>
+          </a:p>
+        </p:txBody>
+      </p:sp>
+    </p:spTree>
+    <p:extLst>
+      <p:ext uri="{BB962C8B-B14F-4D97-AF65-F5344CB8AC3E}">
+        <p14:creationId xmlns:p14="http://schemas.microsoft.com/office/powerpoint/2010/main" val="2670437510"/>
       </p:ext>
     </p:extLst>
   </p:cSld>
@@ -3941,22 +4730,56 @@
           </a:p>
         </p:txBody>
       </p:sp>
-      <p:sp>
-        <p:nvSpPr>
-          <p:cNvPr id="3" name="Content Placeholder 2"/>
-          <p:cNvSpPr>
-            <a:spLocks noGrp="1"/>
-          </p:cNvSpPr>
-          <p:nvPr>
-            <p:ph idx="1"/>
-          </p:nvPr>
-        </p:nvSpPr>
+      <p:pic>
+        <p:nvPicPr>
+          <p:cNvPr id="10" name="Content Placeholder 9"/>
+          <p:cNvPicPr>
+            <a:picLocks noGrp="1" noChangeAspect="1"/>
+          </p:cNvPicPr>
+          <p:nvPr>
+            <p:ph sz="half" idx="1"/>
+          </p:nvPr>
+        </p:nvPicPr>
+        <p:blipFill>
+          <a:blip r:embed="rId2"/>
+          <a:srcRect l="1923" r="1923"/>
+          <a:stretch>
+            <a:fillRect/>
+          </a:stretch>
+        </p:blipFill>
         <p:spPr/>
+      </p:pic>
+      <p:sp>
+        <p:nvSpPr>
+          <p:cNvPr id="9" name="Content Placeholder 8"/>
+          <p:cNvSpPr>
+            <a:spLocks noGrp="1"/>
+          </p:cNvSpPr>
+          <p:nvPr>
+            <p:ph sz="half" idx="2"/>
+          </p:nvPr>
+        </p:nvSpPr>
+        <p:spPr>
+          <a:xfrm>
+            <a:off x="4800600" y="3016250"/>
+            <a:ext cx="3657600" cy="2851150"/>
+          </a:xfrm>
+        </p:spPr>
         <p:txBody>
           <a:bodyPr/>
           <a:lstStyle/>
           <a:p>
-            <a:endParaRPr lang="en-US"/>
+            <a:r>
+              <a:rPr lang="en-US" dirty="0" smtClean="0"/>
+              <a:t>Bacteria- single cells, have a genome</a:t>
+            </a:r>
+          </a:p>
+          <a:p>
+            <a:r>
+              <a:rPr lang="en-US" dirty="0" smtClean="0"/>
+              <a:t>Bacteriophages- type of virus that is a bacteria specialist</a:t>
+            </a:r>
+            <a:endParaRPr lang="en-US" dirty="0"/>
           </a:p>
         </p:txBody>
       </p:sp>
@@ -4013,29 +4836,216 @@
           </a:p>
         </p:txBody>
       </p:sp>
-      <p:sp>
-        <p:nvSpPr>
-          <p:cNvPr id="3" name="Content Placeholder 2"/>
-          <p:cNvSpPr>
-            <a:spLocks noGrp="1"/>
-          </p:cNvSpPr>
+      <p:pic>
+        <p:nvPicPr>
+          <p:cNvPr id="4" name="Content Placeholder 3"/>
+          <p:cNvPicPr>
+            <a:picLocks noGrp="1" noChangeAspect="1"/>
+          </p:cNvPicPr>
           <p:nvPr>
             <p:ph idx="1"/>
           </p:nvPr>
-        </p:nvSpPr>
-        <p:spPr/>
-        <p:txBody>
-          <a:bodyPr/>
-          <a:lstStyle/>
-          <a:p>
-            <a:endParaRPr lang="en-US"/>
+        </p:nvPicPr>
+        <p:blipFill>
+          <a:blip r:embed="rId3"/>
+          <a:stretch>
+            <a:fillRect/>
+          </a:stretch>
+        </p:blipFill>
+        <p:spPr>
+          <a:xfrm>
+            <a:off x="1801482" y="1890334"/>
+            <a:ext cx="5655474" cy="4758240"/>
+          </a:xfrm>
+          <a:prstGeom prst="rect">
+            <a:avLst/>
+          </a:prstGeom>
+        </p:spPr>
+      </p:pic>
+      <p:sp>
+        <p:nvSpPr>
+          <p:cNvPr id="6" name="TextBox 5"/>
+          <p:cNvSpPr txBox="1"/>
+          <p:nvPr/>
+        </p:nvSpPr>
+        <p:spPr>
+          <a:xfrm>
+            <a:off x="1314195" y="4340250"/>
+            <a:ext cx="6570981" cy="2308324"/>
+          </a:xfrm>
+          <a:prstGeom prst="rect">
+            <a:avLst/>
+          </a:prstGeom>
+          <a:noFill/>
+          <a:ln w="28575" cmpd="sng">
+            <a:solidFill>
+              <a:srgbClr val="FF0000"/>
+            </a:solidFill>
+          </a:ln>
+        </p:spPr>
+        <p:txBody>
+          <a:bodyPr wrap="square" rtlCol="0">
+            <a:spAutoFit/>
+          </a:bodyPr>
+          <a:lstStyle/>
+          <a:p>
+            <a:endParaRPr lang="en-US" dirty="0" smtClean="0"/>
+          </a:p>
+          <a:p>
+            <a:endParaRPr lang="en-US" dirty="0"/>
+          </a:p>
+          <a:p>
+            <a:endParaRPr lang="en-US" dirty="0" smtClean="0"/>
+          </a:p>
+          <a:p>
+            <a:endParaRPr lang="en-US" dirty="0"/>
+          </a:p>
+          <a:p>
+            <a:endParaRPr lang="en-US" dirty="0" smtClean="0"/>
+          </a:p>
+          <a:p>
+            <a:endParaRPr lang="en-US" dirty="0"/>
+          </a:p>
+          <a:p>
+            <a:endParaRPr lang="en-US" dirty="0" smtClean="0"/>
+          </a:p>
+          <a:p>
+            <a:endParaRPr lang="en-US" dirty="0"/>
+          </a:p>
+        </p:txBody>
+      </p:sp>
+      <p:sp>
+        <p:nvSpPr>
+          <p:cNvPr id="7" name="TextBox 6"/>
+          <p:cNvSpPr txBox="1"/>
+          <p:nvPr/>
+        </p:nvSpPr>
+        <p:spPr>
+          <a:xfrm>
+            <a:off x="5903101" y="5767238"/>
+            <a:ext cx="2244470" cy="923330"/>
+          </a:xfrm>
+          <a:prstGeom prst="rect">
+            <a:avLst/>
+          </a:prstGeom>
+          <a:noFill/>
+        </p:spPr>
+        <p:txBody>
+          <a:bodyPr wrap="square" rtlCol="0">
+            <a:spAutoFit/>
+          </a:bodyPr>
+          <a:lstStyle/>
+          <a:p>
+            <a:r>
+              <a:rPr lang="en-US" dirty="0" smtClean="0">
+                <a:solidFill>
+                  <a:srgbClr val="FF0000"/>
+                </a:solidFill>
+              </a:rPr>
+              <a:t>Replication in host genome. We’re ignoring this.</a:t>
+            </a:r>
+            <a:endParaRPr lang="en-US" dirty="0">
+              <a:solidFill>
+                <a:srgbClr val="FF0000"/>
+              </a:solidFill>
+            </a:endParaRPr>
+          </a:p>
+        </p:txBody>
+      </p:sp>
+      <p:sp>
+        <p:nvSpPr>
+          <p:cNvPr id="8" name="TextBox 7"/>
+          <p:cNvSpPr txBox="1"/>
+          <p:nvPr/>
+        </p:nvSpPr>
+        <p:spPr>
+          <a:xfrm>
+            <a:off x="7025336" y="3596003"/>
+            <a:ext cx="1062122" cy="369332"/>
+          </a:xfrm>
+          <a:prstGeom prst="rect">
+            <a:avLst/>
+          </a:prstGeom>
+          <a:noFill/>
+        </p:spPr>
+        <p:txBody>
+          <a:bodyPr wrap="none" rtlCol="0">
+            <a:spAutoFit/>
+          </a:bodyPr>
+          <a:lstStyle/>
+          <a:p>
+            <a:r>
+              <a:rPr lang="en-US" dirty="0" smtClean="0"/>
+              <a:t>Infection</a:t>
+            </a:r>
+            <a:endParaRPr lang="en-US" dirty="0"/>
+          </a:p>
+        </p:txBody>
+      </p:sp>
+      <p:sp>
+        <p:nvSpPr>
+          <p:cNvPr id="9" name="TextBox 8"/>
+          <p:cNvSpPr txBox="1"/>
+          <p:nvPr/>
+        </p:nvSpPr>
+        <p:spPr>
+          <a:xfrm>
+            <a:off x="1609521" y="2119179"/>
+            <a:ext cx="1133919" cy="369332"/>
+          </a:xfrm>
+          <a:prstGeom prst="rect">
+            <a:avLst/>
+          </a:prstGeom>
+          <a:noFill/>
+        </p:spPr>
+        <p:txBody>
+          <a:bodyPr wrap="none" rtlCol="0">
+            <a:spAutoFit/>
+          </a:bodyPr>
+          <a:lstStyle/>
+          <a:p>
+            <a:r>
+              <a:rPr lang="en-US" dirty="0" smtClean="0"/>
+              <a:t>Assembly</a:t>
+            </a:r>
+            <a:endParaRPr lang="en-US" dirty="0"/>
+          </a:p>
+        </p:txBody>
+      </p:sp>
+      <p:sp>
+        <p:nvSpPr>
+          <p:cNvPr id="10" name="TextBox 9"/>
+          <p:cNvSpPr txBox="1"/>
+          <p:nvPr/>
+        </p:nvSpPr>
+        <p:spPr>
+          <a:xfrm>
+            <a:off x="7397152" y="2303845"/>
+            <a:ext cx="1172116" cy="369332"/>
+          </a:xfrm>
+          <a:prstGeom prst="rect">
+            <a:avLst/>
+          </a:prstGeom>
+          <a:noFill/>
+        </p:spPr>
+        <p:txBody>
+          <a:bodyPr wrap="none" rtlCol="0">
+            <a:spAutoFit/>
+          </a:bodyPr>
+          <a:lstStyle/>
+          <a:p>
+            <a:r>
+              <a:rPr lang="en-US" dirty="0" smtClean="0"/>
+              <a:t>Spreading</a:t>
+            </a:r>
+            <a:endParaRPr lang="en-US" dirty="0"/>
           </a:p>
         </p:txBody>
       </p:sp>
     </p:spTree>
     <p:extLst>
       <p:ext uri="{BB962C8B-B14F-4D97-AF65-F5344CB8AC3E}">
-        <p14:creationId xmlns:p14="http://schemas.microsoft.com/office/powerpoint/2010/main" val="1699470319"/>
+        <p14:creationId xmlns:p14="http://schemas.microsoft.com/office/powerpoint/2010/main" val="3045650714"/>
       </p:ext>
     </p:extLst>
   </p:cSld>
@@ -4079,7 +5089,11 @@
           <a:p>
             <a:r>
               <a:rPr lang="en-US" dirty="0" smtClean="0"/>
-              <a:t>Gene-for-Gene Model</a:t>
+              <a:t>Gene-for-Gene </a:t>
+            </a:r>
+            <a:r>
+              <a:rPr lang="en-US" dirty="0" smtClean="0"/>
+              <a:t>Interaction</a:t>
             </a:r>
             <a:endParaRPr lang="en-US" dirty="0"/>
           </a:p>
@@ -4095,15 +5109,61 @@
             <p:ph idx="1"/>
           </p:nvPr>
         </p:nvSpPr>
-        <p:spPr/>
+        <p:spPr>
+          <a:xfrm>
+            <a:off x="685801" y="2209800"/>
+            <a:ext cx="5029200" cy="3657600"/>
+          </a:xfrm>
+        </p:spPr>
         <p:txBody>
           <a:bodyPr/>
           <a:lstStyle/>
           <a:p>
-            <a:endParaRPr lang="en-US"/>
-          </a:p>
-        </p:txBody>
-      </p:sp>
+            <a:r>
+              <a:rPr lang="en-US" dirty="0" smtClean="0"/>
+              <a:t>Viruses have genes that make proteins that help them do their thing.</a:t>
+            </a:r>
+          </a:p>
+          <a:p>
+            <a:r>
+              <a:rPr lang="en-US" dirty="0" smtClean="0"/>
+              <a:t>Bacteria evolve resistance genes to recognize and destroy specific viral proteins. </a:t>
+            </a:r>
+          </a:p>
+          <a:p>
+            <a:r>
+              <a:rPr lang="en-US" dirty="0" smtClean="0"/>
+              <a:t>It’s an arms race!</a:t>
+            </a:r>
+          </a:p>
+          <a:p>
+            <a:endParaRPr lang="en-US" dirty="0"/>
+          </a:p>
+        </p:txBody>
+      </p:sp>
+      <p:pic>
+        <p:nvPicPr>
+          <p:cNvPr id="4" name="Picture 3"/>
+          <p:cNvPicPr>
+            <a:picLocks noChangeAspect="1"/>
+          </p:cNvPicPr>
+          <p:nvPr/>
+        </p:nvPicPr>
+        <p:blipFill rotWithShape="1">
+          <a:blip r:embed="rId2"/>
+          <a:srcRect l="22266" r="33399"/>
+          <a:stretch/>
+        </p:blipFill>
+        <p:spPr>
+          <a:xfrm>
+            <a:off x="5572126" y="1977184"/>
+            <a:ext cx="3143250" cy="4253773"/>
+          </a:xfrm>
+          <a:prstGeom prst="rect">
+            <a:avLst/>
+          </a:prstGeom>
+        </p:spPr>
+      </p:pic>
     </p:spTree>
     <p:extLst>
       <p:ext uri="{BB962C8B-B14F-4D97-AF65-F5344CB8AC3E}">
@@ -4151,7 +5211,7 @@
           <a:p>
             <a:r>
               <a:rPr lang="en-US" dirty="0" smtClean="0"/>
-              <a:t>What are we trying to do?</a:t>
+              <a:t>For example….</a:t>
             </a:r>
             <a:endParaRPr lang="en-US" dirty="0"/>
           </a:p>
@@ -4167,19 +5227,283 @@
             <p:ph idx="1"/>
           </p:nvPr>
         </p:nvSpPr>
-        <p:spPr/>
-        <p:txBody>
-          <a:bodyPr/>
-          <a:lstStyle/>
-          <a:p>
-            <a:endParaRPr lang="en-US"/>
+        <p:spPr>
+          <a:xfrm>
+            <a:off x="1073829" y="3617166"/>
+            <a:ext cx="4575091" cy="546424"/>
+          </a:xfrm>
+        </p:spPr>
+        <p:txBody>
+          <a:bodyPr>
+            <a:noAutofit/>
+          </a:bodyPr>
+          <a:lstStyle/>
+          <a:p>
+            <a:pPr marL="0" indent="0">
+              <a:buNone/>
+            </a:pPr>
+            <a:r>
+              <a:rPr lang="en-US" sz="1800" dirty="0" smtClean="0"/>
+              <a:t>The bacteria can resist this virus, because it has a resistance gene for every protein.</a:t>
+            </a:r>
+            <a:endParaRPr lang="en-US" sz="1800" dirty="0"/>
+          </a:p>
+        </p:txBody>
+      </p:sp>
+      <p:sp>
+        <p:nvSpPr>
+          <p:cNvPr id="4" name="TextBox 3"/>
+          <p:cNvSpPr txBox="1"/>
+          <p:nvPr/>
+        </p:nvSpPr>
+        <p:spPr>
+          <a:xfrm>
+            <a:off x="3729310" y="2620561"/>
+            <a:ext cx="1465966" cy="523220"/>
+          </a:xfrm>
+          <a:prstGeom prst="rect">
+            <a:avLst/>
+          </a:prstGeom>
+          <a:noFill/>
+        </p:spPr>
+        <p:txBody>
+          <a:bodyPr wrap="none" rtlCol="0">
+            <a:spAutoFit/>
+          </a:bodyPr>
+          <a:lstStyle/>
+          <a:p>
+            <a:pPr algn="ctr"/>
+            <a:r>
+              <a:rPr lang="en-US" sz="2800" b="1" dirty="0" smtClean="0">
+                <a:solidFill>
+                  <a:srgbClr val="FF0000"/>
+                </a:solidFill>
+              </a:rPr>
+              <a:t>0100011</a:t>
+            </a:r>
+            <a:endParaRPr lang="en-US" sz="2800" b="1" dirty="0">
+              <a:solidFill>
+                <a:srgbClr val="FF0000"/>
+              </a:solidFill>
+            </a:endParaRPr>
+          </a:p>
+        </p:txBody>
+      </p:sp>
+      <p:sp>
+        <p:nvSpPr>
+          <p:cNvPr id="5" name="TextBox 4"/>
+          <p:cNvSpPr txBox="1"/>
+          <p:nvPr/>
+        </p:nvSpPr>
+        <p:spPr>
+          <a:xfrm>
+            <a:off x="6523554" y="3640370"/>
+            <a:ext cx="1465966" cy="523220"/>
+          </a:xfrm>
+          <a:prstGeom prst="rect">
+            <a:avLst/>
+          </a:prstGeom>
+          <a:noFill/>
+        </p:spPr>
+        <p:txBody>
+          <a:bodyPr wrap="none" rtlCol="0">
+            <a:spAutoFit/>
+          </a:bodyPr>
+          <a:lstStyle/>
+          <a:p>
+            <a:r>
+              <a:rPr lang="en-US" sz="2800" b="1" dirty="0" smtClean="0">
+                <a:solidFill>
+                  <a:srgbClr val="008000"/>
+                </a:solidFill>
+              </a:rPr>
+              <a:t>0100001</a:t>
+            </a:r>
+            <a:endParaRPr lang="en-US" sz="2800" b="1" dirty="0">
+              <a:solidFill>
+                <a:srgbClr val="008000"/>
+              </a:solidFill>
+            </a:endParaRPr>
+          </a:p>
+        </p:txBody>
+      </p:sp>
+      <p:sp>
+        <p:nvSpPr>
+          <p:cNvPr id="6" name="TextBox 5"/>
+          <p:cNvSpPr txBox="1"/>
+          <p:nvPr/>
+        </p:nvSpPr>
+        <p:spPr>
+          <a:xfrm>
+            <a:off x="3965570" y="2373468"/>
+            <a:ext cx="1005403" cy="369332"/>
+          </a:xfrm>
+          <a:prstGeom prst="rect">
+            <a:avLst/>
+          </a:prstGeom>
+          <a:noFill/>
+        </p:spPr>
+        <p:txBody>
+          <a:bodyPr wrap="none" rtlCol="0">
+            <a:spAutoFit/>
+          </a:bodyPr>
+          <a:lstStyle/>
+          <a:p>
+            <a:pPr algn="ctr"/>
+            <a:r>
+              <a:rPr lang="en-US" dirty="0" smtClean="0"/>
+              <a:t>Bacteria</a:t>
+            </a:r>
+            <a:endParaRPr lang="en-US" dirty="0"/>
+          </a:p>
+        </p:txBody>
+      </p:sp>
+      <p:sp>
+        <p:nvSpPr>
+          <p:cNvPr id="8" name="TextBox 7"/>
+          <p:cNvSpPr txBox="1"/>
+          <p:nvPr/>
+        </p:nvSpPr>
+        <p:spPr>
+          <a:xfrm>
+            <a:off x="1073829" y="4567612"/>
+            <a:ext cx="5218407" cy="646331"/>
+          </a:xfrm>
+          <a:prstGeom prst="rect">
+            <a:avLst/>
+          </a:prstGeom>
+          <a:noFill/>
+        </p:spPr>
+        <p:txBody>
+          <a:bodyPr wrap="square" rtlCol="0">
+            <a:spAutoFit/>
+          </a:bodyPr>
+          <a:lstStyle/>
+          <a:p>
+            <a:r>
+              <a:rPr lang="en-US" dirty="0" smtClean="0"/>
+              <a:t>It cannot resist this virus, as the virus has a protein the bacteria doesn’t recognize.</a:t>
+            </a:r>
+            <a:endParaRPr lang="en-US" dirty="0"/>
+          </a:p>
+        </p:txBody>
+      </p:sp>
+      <p:sp>
+        <p:nvSpPr>
+          <p:cNvPr id="9" name="TextBox 8"/>
+          <p:cNvSpPr txBox="1"/>
+          <p:nvPr/>
+        </p:nvSpPr>
+        <p:spPr>
+          <a:xfrm>
+            <a:off x="6523554" y="4627440"/>
+            <a:ext cx="1465966" cy="523220"/>
+          </a:xfrm>
+          <a:prstGeom prst="rect">
+            <a:avLst/>
+          </a:prstGeom>
+          <a:noFill/>
+        </p:spPr>
+        <p:txBody>
+          <a:bodyPr wrap="none" rtlCol="0">
+            <a:spAutoFit/>
+          </a:bodyPr>
+          <a:lstStyle/>
+          <a:p>
+            <a:r>
+              <a:rPr lang="en-US" sz="2800" b="1" dirty="0" smtClean="0">
+                <a:solidFill>
+                  <a:srgbClr val="008000"/>
+                </a:solidFill>
+              </a:rPr>
+              <a:t>0100100</a:t>
+            </a:r>
+            <a:endParaRPr lang="en-US" sz="2800" b="1" dirty="0">
+              <a:solidFill>
+                <a:srgbClr val="008000"/>
+              </a:solidFill>
+            </a:endParaRPr>
+          </a:p>
+        </p:txBody>
+      </p:sp>
+      <p:sp>
+        <p:nvSpPr>
+          <p:cNvPr id="10" name="TextBox 9"/>
+          <p:cNvSpPr txBox="1"/>
+          <p:nvPr/>
+        </p:nvSpPr>
+        <p:spPr>
+          <a:xfrm>
+            <a:off x="685800" y="3455768"/>
+            <a:ext cx="7450403" cy="923330"/>
+          </a:xfrm>
+          <a:prstGeom prst="rect">
+            <a:avLst/>
+          </a:prstGeom>
+          <a:noFill/>
+          <a:ln>
+            <a:solidFill>
+              <a:srgbClr val="000000"/>
+            </a:solidFill>
+          </a:ln>
+        </p:spPr>
+        <p:txBody>
+          <a:bodyPr wrap="square" rtlCol="0">
+            <a:spAutoFit/>
+          </a:bodyPr>
+          <a:lstStyle/>
+          <a:p>
+            <a:endParaRPr lang="en-US" dirty="0" smtClean="0"/>
+          </a:p>
+          <a:p>
+            <a:endParaRPr lang="en-US" dirty="0"/>
+          </a:p>
+          <a:p>
+            <a:endParaRPr lang="en-US" dirty="0" smtClean="0"/>
+          </a:p>
+        </p:txBody>
+      </p:sp>
+      <p:sp>
+        <p:nvSpPr>
+          <p:cNvPr id="11" name="TextBox 10"/>
+          <p:cNvSpPr txBox="1"/>
+          <p:nvPr/>
+        </p:nvSpPr>
+        <p:spPr>
+          <a:xfrm>
+            <a:off x="685800" y="4398848"/>
+            <a:ext cx="7450403" cy="923330"/>
+          </a:xfrm>
+          <a:prstGeom prst="rect">
+            <a:avLst/>
+          </a:prstGeom>
+          <a:noFill/>
+          <a:ln>
+            <a:solidFill>
+              <a:srgbClr val="000000"/>
+            </a:solidFill>
+          </a:ln>
+        </p:spPr>
+        <p:txBody>
+          <a:bodyPr wrap="square" rtlCol="0">
+            <a:spAutoFit/>
+          </a:bodyPr>
+          <a:lstStyle/>
+          <a:p>
+            <a:endParaRPr lang="en-US" dirty="0" smtClean="0"/>
+          </a:p>
+          <a:p>
+            <a:endParaRPr lang="en-US" dirty="0"/>
+          </a:p>
+          <a:p>
+            <a:endParaRPr lang="en-US" dirty="0"/>
           </a:p>
         </p:txBody>
       </p:sp>
     </p:spTree>
     <p:extLst>
       <p:ext uri="{BB962C8B-B14F-4D97-AF65-F5344CB8AC3E}">
-        <p14:creationId xmlns:p14="http://schemas.microsoft.com/office/powerpoint/2010/main" val="2415046952"/>
+        <p14:creationId xmlns:p14="http://schemas.microsoft.com/office/powerpoint/2010/main" val="1078886886"/>
       </p:ext>
     </p:extLst>
   </p:cSld>
@@ -4223,7 +5547,11 @@
           <a:p>
             <a:r>
               <a:rPr lang="en-US" dirty="0" smtClean="0"/>
-              <a:t>What have we done?</a:t>
+              <a:t>What are we </a:t>
+            </a:r>
+            <a:r>
+              <a:rPr lang="en-US" dirty="0" smtClean="0"/>
+              <a:t>doing?</a:t>
             </a:r>
             <a:endParaRPr lang="en-US" dirty="0"/>
           </a:p>
@@ -4239,19 +5567,154 @@
             <p:ph idx="1"/>
           </p:nvPr>
         </p:nvSpPr>
-        <p:spPr/>
-        <p:txBody>
-          <a:bodyPr/>
-          <a:lstStyle/>
-          <a:p>
-            <a:endParaRPr lang="en-US"/>
+        <p:spPr>
+          <a:xfrm>
+            <a:off x="685800" y="1958414"/>
+            <a:ext cx="8047399" cy="4826994"/>
+          </a:xfrm>
+        </p:spPr>
+        <p:txBody>
+          <a:bodyPr>
+            <a:normAutofit/>
+          </a:bodyPr>
+          <a:lstStyle/>
+          <a:p>
+            <a:r>
+              <a:rPr lang="en-US" dirty="0" smtClean="0"/>
+              <a:t>Replicating and </a:t>
+            </a:r>
+            <a:r>
+              <a:rPr lang="en-US" dirty="0"/>
+              <a:t>i</a:t>
+            </a:r>
+            <a:r>
+              <a:rPr lang="en-US" dirty="0" smtClean="0"/>
+              <a:t>mproving on this paper</a:t>
+            </a:r>
+          </a:p>
+          <a:p>
+            <a:endParaRPr lang="en-US" dirty="0"/>
+          </a:p>
+          <a:p>
+            <a:endParaRPr lang="en-US" dirty="0" smtClean="0"/>
+          </a:p>
+          <a:p>
+            <a:endParaRPr lang="en-US" dirty="0"/>
+          </a:p>
+          <a:p>
+            <a:endParaRPr lang="en-US" dirty="0" smtClean="0"/>
+          </a:p>
+          <a:p>
+            <a:r>
+              <a:rPr lang="en-US" dirty="0" smtClean="0"/>
+              <a:t>Used a GA to simulate evolution of mutation rates in hosts</a:t>
+            </a:r>
+          </a:p>
+          <a:p>
+            <a:r>
+              <a:rPr lang="en-US" dirty="0" smtClean="0"/>
+              <a:t>Explored further and confirmed using wet lab methods</a:t>
+            </a:r>
+            <a:endParaRPr lang="en-US" dirty="0"/>
+          </a:p>
+        </p:txBody>
+      </p:sp>
+      <p:pic>
+        <p:nvPicPr>
+          <p:cNvPr id="5" name="Picture 4" descr="Screen Shot 2015-06-04 at 1.58.33 PM.png"/>
+          <p:cNvPicPr>
+            <a:picLocks noChangeAspect="1"/>
+          </p:cNvPicPr>
+          <p:nvPr/>
+        </p:nvPicPr>
+        <p:blipFill>
+          <a:blip r:embed="rId2">
+            <a:extLst>
+              <a:ext uri="{28A0092B-C50C-407E-A947-70E740481C1C}">
+                <a14:useLocalDpi xmlns:a14="http://schemas.microsoft.com/office/drawing/2010/main" val="0"/>
+              </a:ext>
+            </a:extLst>
+          </a:blip>
+          <a:stretch>
+            <a:fillRect/>
+          </a:stretch>
+        </p:blipFill>
+        <p:spPr>
+          <a:xfrm>
+            <a:off x="0" y="2540000"/>
+            <a:ext cx="9144000" cy="1540144"/>
+          </a:xfrm>
+          <a:prstGeom prst="rect">
+            <a:avLst/>
+          </a:prstGeom>
+        </p:spPr>
+      </p:pic>
+      <p:pic>
+        <p:nvPicPr>
+          <p:cNvPr id="6" name="Picture 5" descr="Screen Shot 2015-06-04 at 1.58.19 PM.png"/>
+          <p:cNvPicPr>
+            <a:picLocks noChangeAspect="1"/>
+          </p:cNvPicPr>
+          <p:nvPr/>
+        </p:nvPicPr>
+        <p:blipFill>
+          <a:blip r:embed="rId3">
+            <a:extLst>
+              <a:ext uri="{28A0092B-C50C-407E-A947-70E740481C1C}">
+                <a14:useLocalDpi xmlns:a14="http://schemas.microsoft.com/office/drawing/2010/main" val="0"/>
+              </a:ext>
+            </a:extLst>
+          </a:blip>
+          <a:stretch>
+            <a:fillRect/>
+          </a:stretch>
+        </p:blipFill>
+        <p:spPr>
+          <a:xfrm>
+            <a:off x="0" y="3977399"/>
+            <a:ext cx="9144000" cy="877214"/>
+          </a:xfrm>
+          <a:prstGeom prst="rect">
+            <a:avLst/>
+          </a:prstGeom>
+        </p:spPr>
+      </p:pic>
+      <p:sp>
+        <p:nvSpPr>
+          <p:cNvPr id="7" name="TextBox 6"/>
+          <p:cNvSpPr txBox="1"/>
+          <p:nvPr/>
+        </p:nvSpPr>
+        <p:spPr>
+          <a:xfrm>
+            <a:off x="8576080" y="4386501"/>
+            <a:ext cx="463174" cy="369332"/>
+          </a:xfrm>
+          <a:prstGeom prst="rect">
+            <a:avLst/>
+          </a:prstGeom>
+          <a:solidFill>
+            <a:schemeClr val="bg1"/>
+          </a:solidFill>
+        </p:spPr>
+        <p:txBody>
+          <a:bodyPr wrap="square" rtlCol="0">
+            <a:spAutoFit/>
+          </a:bodyPr>
+          <a:lstStyle/>
+          <a:p>
+            <a:r>
+              <a:rPr lang="en-US" dirty="0" smtClean="0"/>
+              <a:t>    </a:t>
+            </a:r>
+            <a:endParaRPr lang="en-US" dirty="0"/>
           </a:p>
         </p:txBody>
       </p:sp>
     </p:spTree>
     <p:extLst>
       <p:ext uri="{BB962C8B-B14F-4D97-AF65-F5344CB8AC3E}">
-        <p14:creationId xmlns:p14="http://schemas.microsoft.com/office/powerpoint/2010/main" val="4093501149"/>
+        <p14:creationId xmlns:p14="http://schemas.microsoft.com/office/powerpoint/2010/main" val="2415046952"/>
       </p:ext>
     </p:extLst>
   </p:cSld>
@@ -4295,7 +5758,7 @@
           <a:p>
             <a:r>
               <a:rPr lang="en-US" dirty="0" smtClean="0"/>
-              <a:t>Any interesting results?</a:t>
+              <a:t>What did they find?</a:t>
             </a:r>
             <a:endParaRPr lang="en-US" dirty="0"/>
           </a:p>
@@ -4311,19 +5774,277 @@
             <p:ph idx="1"/>
           </p:nvPr>
         </p:nvSpPr>
-        <p:spPr/>
+        <p:spPr>
+          <a:xfrm>
+            <a:off x="379937" y="2042669"/>
+            <a:ext cx="8076676" cy="3824731"/>
+          </a:xfrm>
+        </p:spPr>
         <p:txBody>
           <a:bodyPr/>
           <a:lstStyle/>
           <a:p>
-            <a:endParaRPr lang="en-US"/>
+            <a:r>
+              <a:rPr lang="en-US" dirty="0" smtClean="0"/>
+              <a:t>Coevolution with viruses drives relatively high mutation rates in bacteria</a:t>
+            </a:r>
+          </a:p>
+          <a:p>
+            <a:endParaRPr lang="en-US" dirty="0"/>
+          </a:p>
+        </p:txBody>
+      </p:sp>
+      <p:pic>
+        <p:nvPicPr>
+          <p:cNvPr id="4" name="Picture 3" descr="Screen Shot 2015-06-04 at 2.11.25 PM.png"/>
+          <p:cNvPicPr>
+            <a:picLocks noChangeAspect="1"/>
+          </p:cNvPicPr>
+          <p:nvPr/>
+        </p:nvPicPr>
+        <p:blipFill>
+          <a:blip r:embed="rId2">
+            <a:extLst>
+              <a:ext uri="{28A0092B-C50C-407E-A947-70E740481C1C}">
+                <a14:useLocalDpi xmlns:a14="http://schemas.microsoft.com/office/drawing/2010/main" val="0"/>
+              </a:ext>
+            </a:extLst>
+          </a:blip>
+          <a:stretch>
+            <a:fillRect/>
+          </a:stretch>
+        </p:blipFill>
+        <p:spPr>
+          <a:xfrm>
+            <a:off x="3792418" y="2704438"/>
+            <a:ext cx="4953873" cy="3621252"/>
+          </a:xfrm>
+          <a:prstGeom prst="rect">
+            <a:avLst/>
+          </a:prstGeom>
+        </p:spPr>
+      </p:pic>
+      <p:sp>
+        <p:nvSpPr>
+          <p:cNvPr id="6" name="Content Placeholder 2"/>
+          <p:cNvSpPr txBox="1">
+            <a:spLocks/>
+          </p:cNvSpPr>
+          <p:nvPr/>
+        </p:nvSpPr>
+        <p:spPr>
+          <a:xfrm>
+            <a:off x="379937" y="2922308"/>
+            <a:ext cx="3259988" cy="3824731"/>
+          </a:xfrm>
+          <a:prstGeom prst="rect">
+            <a:avLst/>
+          </a:prstGeom>
+        </p:spPr>
+        <p:txBody>
+          <a:bodyPr vert="horz" lIns="91440" tIns="45720" rIns="91440" bIns="45720" rtlCol="0">
+            <a:normAutofit/>
+          </a:bodyPr>
+          <a:lstStyle>
+            <a:lvl1pPr marL="457200" indent="-457200" algn="l" defTabSz="914400" rtl="0" eaLnBrk="1" latinLnBrk="0" hangingPunct="1">
+              <a:spcBef>
+                <a:spcPts val="2000"/>
+              </a:spcBef>
+              <a:buClr>
+                <a:schemeClr val="accent3"/>
+              </a:buClr>
+              <a:buFont typeface="Wingdings" pitchFamily="2" charset="2"/>
+              <a:buChar char=""/>
+              <a:defRPr sz="2400" kern="1200">
+                <a:solidFill>
+                  <a:schemeClr val="tx2"/>
+                </a:solidFill>
+                <a:latin typeface="+mn-lt"/>
+                <a:ea typeface="+mn-ea"/>
+                <a:cs typeface="+mn-cs"/>
+              </a:defRPr>
+            </a:lvl1pPr>
+            <a:lvl2pPr marL="914400" indent="-457200" algn="l" defTabSz="914400" rtl="0" eaLnBrk="1" latinLnBrk="0" hangingPunct="1">
+              <a:spcBef>
+                <a:spcPts val="600"/>
+              </a:spcBef>
+              <a:buClr>
+                <a:schemeClr val="accent3">
+                  <a:lumMod val="50000"/>
+                </a:schemeClr>
+              </a:buClr>
+              <a:buFont typeface="Wingdings" pitchFamily="2" charset="2"/>
+              <a:buChar char=""/>
+              <a:defRPr sz="2200" kern="1200">
+                <a:solidFill>
+                  <a:schemeClr val="tx2"/>
+                </a:solidFill>
+                <a:latin typeface="+mn-lt"/>
+                <a:ea typeface="+mn-ea"/>
+                <a:cs typeface="+mn-cs"/>
+              </a:defRPr>
+            </a:lvl2pPr>
+            <a:lvl3pPr marL="1371600" indent="-457200" algn="l" defTabSz="914400" rtl="0" eaLnBrk="1" latinLnBrk="0" hangingPunct="1">
+              <a:spcBef>
+                <a:spcPts val="600"/>
+              </a:spcBef>
+              <a:buClr>
+                <a:schemeClr val="accent3"/>
+              </a:buClr>
+              <a:buFont typeface="Wingdings" pitchFamily="2" charset="2"/>
+              <a:buChar char=""/>
+              <a:defRPr sz="2000" kern="1200">
+                <a:solidFill>
+                  <a:schemeClr val="tx2"/>
+                </a:solidFill>
+                <a:latin typeface="+mn-lt"/>
+                <a:ea typeface="+mn-ea"/>
+                <a:cs typeface="+mn-cs"/>
+              </a:defRPr>
+            </a:lvl3pPr>
+            <a:lvl4pPr marL="1828800" indent="-457200" algn="l" defTabSz="914400" rtl="0" eaLnBrk="1" latinLnBrk="0" hangingPunct="1">
+              <a:spcBef>
+                <a:spcPts val="600"/>
+              </a:spcBef>
+              <a:buClr>
+                <a:schemeClr val="accent3">
+                  <a:lumMod val="50000"/>
+                </a:schemeClr>
+              </a:buClr>
+              <a:buFont typeface="Wingdings" pitchFamily="2" charset="2"/>
+              <a:buChar char=""/>
+              <a:defRPr sz="1800" kern="1200">
+                <a:solidFill>
+                  <a:schemeClr val="tx2"/>
+                </a:solidFill>
+                <a:latin typeface="+mn-lt"/>
+                <a:ea typeface="+mn-ea"/>
+                <a:cs typeface="+mn-cs"/>
+              </a:defRPr>
+            </a:lvl4pPr>
+            <a:lvl5pPr marL="2286000" indent="-457200" algn="l" defTabSz="914400" rtl="0" eaLnBrk="1" latinLnBrk="0" hangingPunct="1">
+              <a:spcBef>
+                <a:spcPts val="600"/>
+              </a:spcBef>
+              <a:buClr>
+                <a:schemeClr val="accent3"/>
+              </a:buClr>
+              <a:buFont typeface="Wingdings" pitchFamily="2" charset="2"/>
+              <a:buChar char=""/>
+              <a:defRPr sz="1800" kern="1200">
+                <a:solidFill>
+                  <a:schemeClr val="tx2"/>
+                </a:solidFill>
+                <a:latin typeface="+mn-lt"/>
+                <a:ea typeface="+mn-ea"/>
+                <a:cs typeface="+mn-cs"/>
+              </a:defRPr>
+            </a:lvl5pPr>
+            <a:lvl6pPr marL="2743200" indent="-461963" algn="l" defTabSz="914400" rtl="0" eaLnBrk="1" latinLnBrk="0" hangingPunct="1">
+              <a:spcBef>
+                <a:spcPct val="20000"/>
+              </a:spcBef>
+              <a:buClr>
+                <a:schemeClr val="accent3">
+                  <a:lumMod val="50000"/>
+                </a:schemeClr>
+              </a:buClr>
+              <a:buFont typeface="Wingdings" pitchFamily="2" charset="2"/>
+              <a:buChar char=""/>
+              <a:defRPr sz="1800" kern="1200">
+                <a:solidFill>
+                  <a:schemeClr val="tx1"/>
+                </a:solidFill>
+                <a:latin typeface="+mn-lt"/>
+                <a:ea typeface="+mn-ea"/>
+                <a:cs typeface="+mn-cs"/>
+              </a:defRPr>
+            </a:lvl6pPr>
+            <a:lvl7pPr marL="3205163" indent="-461963" algn="l" defTabSz="914400" rtl="0" eaLnBrk="1" latinLnBrk="0" hangingPunct="1">
+              <a:spcBef>
+                <a:spcPct val="20000"/>
+              </a:spcBef>
+              <a:buClr>
+                <a:schemeClr val="accent3"/>
+              </a:buClr>
+              <a:buFont typeface="Wingdings" pitchFamily="2" charset="2"/>
+              <a:buChar char=""/>
+              <a:defRPr sz="1800" kern="1200">
+                <a:solidFill>
+                  <a:schemeClr val="tx1"/>
+                </a:solidFill>
+                <a:latin typeface="+mn-lt"/>
+                <a:ea typeface="+mn-ea"/>
+                <a:cs typeface="+mn-cs"/>
+              </a:defRPr>
+            </a:lvl7pPr>
+            <a:lvl8pPr marL="3657600" indent="-461963" algn="l" defTabSz="914400" rtl="0" eaLnBrk="1" latinLnBrk="0" hangingPunct="1">
+              <a:spcBef>
+                <a:spcPct val="20000"/>
+              </a:spcBef>
+              <a:buClr>
+                <a:schemeClr val="accent3">
+                  <a:lumMod val="50000"/>
+                </a:schemeClr>
+              </a:buClr>
+              <a:buFont typeface="Wingdings" pitchFamily="2" charset="2"/>
+              <a:buChar char=""/>
+              <a:defRPr sz="1800" kern="1200">
+                <a:solidFill>
+                  <a:schemeClr val="tx1"/>
+                </a:solidFill>
+                <a:latin typeface="+mn-lt"/>
+                <a:ea typeface="+mn-ea"/>
+                <a:cs typeface="+mn-cs"/>
+              </a:defRPr>
+            </a:lvl8pPr>
+            <a:lvl9pPr marL="4119563" indent="-461963" algn="l" defTabSz="914400" rtl="0" eaLnBrk="1" latinLnBrk="0" hangingPunct="1">
+              <a:spcBef>
+                <a:spcPct val="20000"/>
+              </a:spcBef>
+              <a:buClr>
+                <a:schemeClr val="accent3"/>
+              </a:buClr>
+              <a:buFont typeface="Wingdings" pitchFamily="2" charset="2"/>
+              <a:buChar char=""/>
+              <a:defRPr sz="1800" kern="1200">
+                <a:solidFill>
+                  <a:schemeClr val="tx1"/>
+                </a:solidFill>
+                <a:latin typeface="+mn-lt"/>
+                <a:ea typeface="+mn-ea"/>
+                <a:cs typeface="+mn-cs"/>
+              </a:defRPr>
+            </a:lvl9pPr>
+          </a:lstStyle>
+          <a:p>
+            <a:r>
+              <a:rPr lang="en-US" dirty="0" err="1" smtClean="0"/>
+              <a:t>Mutator</a:t>
+            </a:r>
+            <a:r>
+              <a:rPr lang="en-US" dirty="0" smtClean="0"/>
+              <a:t>- gene that increases mutation rate</a:t>
+            </a:r>
+          </a:p>
+          <a:p>
+            <a:r>
+              <a:rPr lang="en-US" dirty="0" smtClean="0"/>
+              <a:t>Specific host genotype frequencies fluctuate in response to viruses</a:t>
+            </a:r>
+          </a:p>
+          <a:p>
+            <a:pPr marL="0" indent="0">
+              <a:buNone/>
+            </a:pPr>
+            <a:endParaRPr lang="en-US" dirty="0"/>
           </a:p>
         </p:txBody>
       </p:sp>
     </p:spTree>
     <p:extLst>
       <p:ext uri="{BB962C8B-B14F-4D97-AF65-F5344CB8AC3E}">
-        <p14:creationId xmlns:p14="http://schemas.microsoft.com/office/powerpoint/2010/main" val="2083320753"/>
+        <p14:creationId xmlns:p14="http://schemas.microsoft.com/office/powerpoint/2010/main" val="2013713022"/>
       </p:ext>
     </p:extLst>
   </p:cSld>
@@ -4367,7 +6088,7 @@
           <a:p>
             <a:r>
               <a:rPr lang="en-US" dirty="0" smtClean="0"/>
-              <a:t>What do we still need to do?</a:t>
+              <a:t>What have we done?</a:t>
             </a:r>
             <a:endParaRPr lang="en-US" dirty="0"/>
           </a:p>
@@ -4388,14 +6109,156 @@
           <a:bodyPr/>
           <a:lstStyle/>
           <a:p>
-            <a:endParaRPr lang="en-US"/>
-          </a:p>
-        </p:txBody>
-      </p:sp>
+            <a:r>
+              <a:rPr lang="en-US" dirty="0" smtClean="0"/>
+              <a:t>Implemented a </a:t>
+            </a:r>
+            <a:r>
+              <a:rPr lang="en-US" dirty="0" smtClean="0"/>
+              <a:t>coevolution </a:t>
+            </a:r>
+            <a:r>
+              <a:rPr lang="en-US" dirty="0" smtClean="0"/>
+              <a:t>GA using the Gene-for-gene interaction model</a:t>
+            </a:r>
+            <a:endParaRPr lang="en-US" dirty="0"/>
+          </a:p>
+        </p:txBody>
+      </p:sp>
+      <p:pic>
+        <p:nvPicPr>
+          <p:cNvPr id="9" name="Picture 8" descr="Screen Shot 2015-06-04 at 2.20.37 PM.png"/>
+          <p:cNvPicPr>
+            <a:picLocks noChangeAspect="1"/>
+          </p:cNvPicPr>
+          <p:nvPr/>
+        </p:nvPicPr>
+        <p:blipFill>
+          <a:blip r:embed="rId2">
+            <a:extLst>
+              <a:ext uri="{28A0092B-C50C-407E-A947-70E740481C1C}">
+                <a14:useLocalDpi xmlns:a14="http://schemas.microsoft.com/office/drawing/2010/main" val="0"/>
+              </a:ext>
+            </a:extLst>
+          </a:blip>
+          <a:stretch>
+            <a:fillRect/>
+          </a:stretch>
+        </p:blipFill>
+        <p:spPr>
+          <a:xfrm>
+            <a:off x="1078597" y="3270012"/>
+            <a:ext cx="7104686" cy="3279086"/>
+          </a:xfrm>
+          <a:prstGeom prst="rect">
+            <a:avLst/>
+          </a:prstGeom>
+        </p:spPr>
+      </p:pic>
     </p:spTree>
     <p:extLst>
       <p:ext uri="{BB962C8B-B14F-4D97-AF65-F5344CB8AC3E}">
-        <p14:creationId xmlns:p14="http://schemas.microsoft.com/office/powerpoint/2010/main" val="2670437510"/>
+        <p14:creationId xmlns:p14="http://schemas.microsoft.com/office/powerpoint/2010/main" val="4093501149"/>
+      </p:ext>
+    </p:extLst>
+  </p:cSld>
+  <p:clrMapOvr>
+    <a:masterClrMapping/>
+  </p:clrMapOvr>
+</p:sld>
+</file>
+
+<file path=ppt/slides/slide9.xml><?xml version="1.0" encoding="utf-8"?>
+<p:sld xmlns:a="http://schemas.openxmlformats.org/drawingml/2006/main" xmlns:r="http://schemas.openxmlformats.org/officeDocument/2006/relationships" xmlns:p="http://schemas.openxmlformats.org/presentationml/2006/main">
+  <p:cSld>
+    <p:spTree>
+      <p:nvGrpSpPr>
+        <p:cNvPr id="1" name=""/>
+        <p:cNvGrpSpPr/>
+        <p:nvPr/>
+      </p:nvGrpSpPr>
+      <p:grpSpPr>
+        <a:xfrm>
+          <a:off x="0" y="0"/>
+          <a:ext cx="0" cy="0"/>
+          <a:chOff x="0" y="0"/>
+          <a:chExt cx="0" cy="0"/>
+        </a:xfrm>
+      </p:grpSpPr>
+      <p:sp>
+        <p:nvSpPr>
+          <p:cNvPr id="2" name="Title 1"/>
+          <p:cNvSpPr>
+            <a:spLocks noGrp="1"/>
+          </p:cNvSpPr>
+          <p:nvPr>
+            <p:ph type="title"/>
+          </p:nvPr>
+        </p:nvSpPr>
+        <p:spPr/>
+        <p:txBody>
+          <a:bodyPr/>
+          <a:lstStyle/>
+          <a:p>
+            <a:r>
+              <a:rPr lang="en-US" dirty="0" smtClean="0"/>
+              <a:t>How does it work?</a:t>
+            </a:r>
+            <a:endParaRPr lang="en-US" dirty="0"/>
+          </a:p>
+        </p:txBody>
+      </p:sp>
+      <p:sp>
+        <p:nvSpPr>
+          <p:cNvPr id="3" name="Content Placeholder 2"/>
+          <p:cNvSpPr>
+            <a:spLocks noGrp="1"/>
+          </p:cNvSpPr>
+          <p:nvPr>
+            <p:ph idx="1"/>
+          </p:nvPr>
+        </p:nvSpPr>
+        <p:spPr/>
+        <p:txBody>
+          <a:bodyPr/>
+          <a:lstStyle/>
+          <a:p>
+            <a:r>
+              <a:rPr lang="en-US" dirty="0" smtClean="0"/>
+              <a:t>Representation?</a:t>
+            </a:r>
+          </a:p>
+          <a:p>
+            <a:r>
+              <a:rPr lang="en-US" dirty="0" smtClean="0"/>
+              <a:t>No crossover (both reproduce asexually in nature)</a:t>
+            </a:r>
+          </a:p>
+          <a:p>
+            <a:r>
+              <a:rPr lang="en-US" dirty="0" smtClean="0"/>
+              <a:t>Mutation rate?</a:t>
+            </a:r>
+          </a:p>
+          <a:p>
+            <a:r>
+              <a:rPr lang="en-US" dirty="0" smtClean="0"/>
+              <a:t>Fitness functions?</a:t>
+            </a:r>
+          </a:p>
+          <a:p>
+            <a:r>
+              <a:rPr lang="en-US" dirty="0" smtClean="0"/>
+              <a:t>Selection?</a:t>
+            </a:r>
+            <a:endParaRPr lang="en-US" dirty="0"/>
+          </a:p>
+        </p:txBody>
+      </p:sp>
+    </p:spTree>
+    <p:extLst>
+      <p:ext uri="{BB962C8B-B14F-4D97-AF65-F5344CB8AC3E}">
+        <p14:creationId xmlns:p14="http://schemas.microsoft.com/office/powerpoint/2010/main" val="615378970"/>
       </p:ext>
     </p:extLst>
   </p:cSld>
@@ -4652,4 +6515,324 @@
   </a:objectDefaults>
   <a:extraClrSchemeLst/>
 </a:theme>
+</file>
+
+<file path=ppt/theme/theme2.xml><?xml version="1.0" encoding="utf-8"?>
+<a:theme xmlns:a="http://schemas.openxmlformats.org/drawingml/2006/main" name="Office Theme">
+  <a:themeElements>
+    <a:clrScheme name="Office">
+      <a:dk1>
+        <a:sysClr val="windowText" lastClr="000000"/>
+      </a:dk1>
+      <a:lt1>
+        <a:sysClr val="window" lastClr="FFFFFF"/>
+      </a:lt1>
+      <a:dk2>
+        <a:srgbClr val="1F497D"/>
+      </a:dk2>
+      <a:lt2>
+        <a:srgbClr val="EEECE1"/>
+      </a:lt2>
+      <a:accent1>
+        <a:srgbClr val="4F81BD"/>
+      </a:accent1>
+      <a:accent2>
+        <a:srgbClr val="C0504D"/>
+      </a:accent2>
+      <a:accent3>
+        <a:srgbClr val="9BBB59"/>
+      </a:accent3>
+      <a:accent4>
+        <a:srgbClr val="8064A2"/>
+      </a:accent4>
+      <a:accent5>
+        <a:srgbClr val="4BACC6"/>
+      </a:accent5>
+      <a:accent6>
+        <a:srgbClr val="F79646"/>
+      </a:accent6>
+      <a:hlink>
+        <a:srgbClr val="0000FF"/>
+      </a:hlink>
+      <a:folHlink>
+        <a:srgbClr val="800080"/>
+      </a:folHlink>
+    </a:clrScheme>
+    <a:fontScheme name="Office">
+      <a:majorFont>
+        <a:latin typeface="Calibri"/>
+        <a:ea typeface=""/>
+        <a:cs typeface=""/>
+        <a:font script="Jpan" typeface="ＭＳ Ｐゴシック"/>
+        <a:font script="Hang" typeface="맑은 고딕"/>
+        <a:font script="Hans" typeface="宋体"/>
+        <a:font script="Hant" typeface="新細明體"/>
+        <a:font script="Arab" typeface="Times New Roman"/>
+        <a:font script="Hebr" typeface="Times New Roman"/>
+        <a:font script="Thai" typeface="Angsana New"/>
+        <a:font script="Ethi" typeface="Nyala"/>
+        <a:font script="Beng" typeface="Vrinda"/>
+        <a:font script="Gujr" typeface="Shruti"/>
+        <a:font script="Khmr" typeface="MoolBoran"/>
+        <a:font script="Knda" typeface="Tunga"/>
+        <a:font script="Guru" typeface="Raavi"/>
+        <a:font script="Cans" typeface="Euphemia"/>
+        <a:font script="Cher" typeface="Plantagenet Cherokee"/>
+        <a:font script="Yiii" typeface="Microsoft Yi Baiti"/>
+        <a:font script="Tibt" typeface="Microsoft Himalaya"/>
+        <a:font script="Thaa" typeface="MV Boli"/>
+        <a:font script="Deva" typeface="Mangal"/>
+        <a:font script="Telu" typeface="Gautami"/>
+        <a:font script="Taml" typeface="Latha"/>
+        <a:font script="Syrc" typeface="Estrangelo Edessa"/>
+        <a:font script="Orya" typeface="Kalinga"/>
+        <a:font script="Mlym" typeface="Kartika"/>
+        <a:font script="Laoo" typeface="DokChampa"/>
+        <a:font script="Sinh" typeface="Iskoola Pota"/>
+        <a:font script="Mong" typeface="Mongolian Baiti"/>
+        <a:font script="Viet" typeface="Times New Roman"/>
+        <a:font script="Uigh" typeface="Microsoft Uighur"/>
+        <a:font script="Geor" typeface="Sylfaen"/>
+      </a:majorFont>
+      <a:minorFont>
+        <a:latin typeface="Calibri"/>
+        <a:ea typeface=""/>
+        <a:cs typeface=""/>
+        <a:font script="Jpan" typeface="ＭＳ Ｐゴシック"/>
+        <a:font script="Hang" typeface="맑은 고딕"/>
+        <a:font script="Hans" typeface="宋体"/>
+        <a:font script="Hant" typeface="新細明體"/>
+        <a:font script="Arab" typeface="Arial"/>
+        <a:font script="Hebr" typeface="Arial"/>
+        <a:font script="Thai" typeface="Cordia New"/>
+        <a:font script="Ethi" typeface="Nyala"/>
+        <a:font script="Beng" typeface="Vrinda"/>
+        <a:font script="Gujr" typeface="Shruti"/>
+        <a:font script="Khmr" typeface="DaunPenh"/>
+        <a:font script="Knda" typeface="Tunga"/>
+        <a:font script="Guru" typeface="Raavi"/>
+        <a:font script="Cans" typeface="Euphemia"/>
+        <a:font script="Cher" typeface="Plantagenet Cherokee"/>
+        <a:font script="Yiii" typeface="Microsoft Yi Baiti"/>
+        <a:font script="Tibt" typeface="Microsoft Himalaya"/>
+        <a:font script="Thaa" typeface="MV Boli"/>
+        <a:font script="Deva" typeface="Mangal"/>
+        <a:font script="Telu" typeface="Gautami"/>
+        <a:font script="Taml" typeface="Latha"/>
+        <a:font script="Syrc" typeface="Estrangelo Edessa"/>
+        <a:font script="Orya" typeface="Kalinga"/>
+        <a:font script="Mlym" typeface="Kartika"/>
+        <a:font script="Laoo" typeface="DokChampa"/>
+        <a:font script="Sinh" typeface="Iskoola Pota"/>
+        <a:font script="Mong" typeface="Mongolian Baiti"/>
+        <a:font script="Viet" typeface="Arial"/>
+        <a:font script="Uigh" typeface="Microsoft Uighur"/>
+        <a:font script="Geor" typeface="Sylfaen"/>
+      </a:minorFont>
+    </a:fontScheme>
+    <a:fmtScheme name="Office">
+      <a:fillStyleLst>
+        <a:solidFill>
+          <a:schemeClr val="phClr"/>
+        </a:solidFill>
+        <a:gradFill rotWithShape="1">
+          <a:gsLst>
+            <a:gs pos="0">
+              <a:schemeClr val="phClr">
+                <a:tint val="50000"/>
+                <a:satMod val="300000"/>
+              </a:schemeClr>
+            </a:gs>
+            <a:gs pos="35000">
+              <a:schemeClr val="phClr">
+                <a:tint val="37000"/>
+                <a:satMod val="300000"/>
+              </a:schemeClr>
+            </a:gs>
+            <a:gs pos="100000">
+              <a:schemeClr val="phClr">
+                <a:tint val="15000"/>
+                <a:satMod val="350000"/>
+              </a:schemeClr>
+            </a:gs>
+          </a:gsLst>
+          <a:lin ang="16200000" scaled="1"/>
+        </a:gradFill>
+        <a:gradFill rotWithShape="1">
+          <a:gsLst>
+            <a:gs pos="0">
+              <a:schemeClr val="phClr">
+                <a:tint val="100000"/>
+                <a:shade val="100000"/>
+                <a:satMod val="130000"/>
+              </a:schemeClr>
+            </a:gs>
+            <a:gs pos="100000">
+              <a:schemeClr val="phClr">
+                <a:tint val="50000"/>
+                <a:shade val="100000"/>
+                <a:satMod val="350000"/>
+              </a:schemeClr>
+            </a:gs>
+          </a:gsLst>
+          <a:lin ang="16200000" scaled="0"/>
+        </a:gradFill>
+      </a:fillStyleLst>
+      <a:lnStyleLst>
+        <a:ln w="9525" cap="flat" cmpd="sng" algn="ctr">
+          <a:solidFill>
+            <a:schemeClr val="phClr">
+              <a:shade val="95000"/>
+              <a:satMod val="105000"/>
+            </a:schemeClr>
+          </a:solidFill>
+          <a:prstDash val="solid"/>
+        </a:ln>
+        <a:ln w="25400" cap="flat" cmpd="sng" algn="ctr">
+          <a:solidFill>
+            <a:schemeClr val="phClr"/>
+          </a:solidFill>
+          <a:prstDash val="solid"/>
+        </a:ln>
+        <a:ln w="38100" cap="flat" cmpd="sng" algn="ctr">
+          <a:solidFill>
+            <a:schemeClr val="phClr"/>
+          </a:solidFill>
+          <a:prstDash val="solid"/>
+        </a:ln>
+      </a:lnStyleLst>
+      <a:effectStyleLst>
+        <a:effectStyle>
+          <a:effectLst>
+            <a:outerShdw blurRad="40000" dist="20000" dir="5400000" rotWithShape="0">
+              <a:srgbClr val="000000">
+                <a:alpha val="38000"/>
+              </a:srgbClr>
+            </a:outerShdw>
+          </a:effectLst>
+        </a:effectStyle>
+        <a:effectStyle>
+          <a:effectLst>
+            <a:outerShdw blurRad="40000" dist="23000" dir="5400000" rotWithShape="0">
+              <a:srgbClr val="000000">
+                <a:alpha val="35000"/>
+              </a:srgbClr>
+            </a:outerShdw>
+          </a:effectLst>
+        </a:effectStyle>
+        <a:effectStyle>
+          <a:effectLst>
+            <a:outerShdw blurRad="40000" dist="23000" dir="5400000" rotWithShape="0">
+              <a:srgbClr val="000000">
+                <a:alpha val="35000"/>
+              </a:srgbClr>
+            </a:outerShdw>
+          </a:effectLst>
+          <a:scene3d>
+            <a:camera prst="orthographicFront">
+              <a:rot lat="0" lon="0" rev="0"/>
+            </a:camera>
+            <a:lightRig rig="threePt" dir="t">
+              <a:rot lat="0" lon="0" rev="1200000"/>
+            </a:lightRig>
+          </a:scene3d>
+          <a:sp3d>
+            <a:bevelT w="63500" h="25400"/>
+          </a:sp3d>
+        </a:effectStyle>
+      </a:effectStyleLst>
+      <a:bgFillStyleLst>
+        <a:solidFill>
+          <a:schemeClr val="phClr"/>
+        </a:solidFill>
+        <a:gradFill rotWithShape="1">
+          <a:gsLst>
+            <a:gs pos="0">
+              <a:schemeClr val="phClr">
+                <a:tint val="40000"/>
+                <a:satMod val="350000"/>
+              </a:schemeClr>
+            </a:gs>
+            <a:gs pos="40000">
+              <a:schemeClr val="phClr">
+                <a:tint val="45000"/>
+                <a:shade val="99000"/>
+                <a:satMod val="350000"/>
+              </a:schemeClr>
+            </a:gs>
+            <a:gs pos="100000">
+              <a:schemeClr val="phClr">
+                <a:shade val="20000"/>
+                <a:satMod val="255000"/>
+              </a:schemeClr>
+            </a:gs>
+          </a:gsLst>
+          <a:path path="circle">
+            <a:fillToRect l="50000" t="-80000" r="50000" b="180000"/>
+          </a:path>
+        </a:gradFill>
+        <a:gradFill rotWithShape="1">
+          <a:gsLst>
+            <a:gs pos="0">
+              <a:schemeClr val="phClr">
+                <a:tint val="80000"/>
+                <a:satMod val="300000"/>
+              </a:schemeClr>
+            </a:gs>
+            <a:gs pos="100000">
+              <a:schemeClr val="phClr">
+                <a:shade val="30000"/>
+                <a:satMod val="200000"/>
+              </a:schemeClr>
+            </a:gs>
+          </a:gsLst>
+          <a:path path="circle">
+            <a:fillToRect l="50000" t="50000" r="50000" b="50000"/>
+          </a:path>
+        </a:gradFill>
+      </a:bgFillStyleLst>
+    </a:fmtScheme>
+  </a:themeElements>
+  <a:objectDefaults>
+    <a:spDef>
+      <a:spPr/>
+      <a:bodyPr/>
+      <a:lstStyle/>
+      <a:style>
+        <a:lnRef idx="1">
+          <a:schemeClr val="accent1"/>
+        </a:lnRef>
+        <a:fillRef idx="3">
+          <a:schemeClr val="accent1"/>
+        </a:fillRef>
+        <a:effectRef idx="2">
+          <a:schemeClr val="accent1"/>
+        </a:effectRef>
+        <a:fontRef idx="minor">
+          <a:schemeClr val="lt1"/>
+        </a:fontRef>
+      </a:style>
+    </a:spDef>
+    <a:lnDef>
+      <a:spPr/>
+      <a:bodyPr/>
+      <a:lstStyle/>
+      <a:style>
+        <a:lnRef idx="2">
+          <a:schemeClr val="accent1"/>
+        </a:lnRef>
+        <a:fillRef idx="0">
+          <a:schemeClr val="accent1"/>
+        </a:fillRef>
+        <a:effectRef idx="1">
+          <a:schemeClr val="accent1"/>
+        </a:effectRef>
+        <a:fontRef idx="minor">
+          <a:schemeClr val="tx1"/>
+        </a:fontRef>
+      </a:style>
+    </a:lnDef>
+  </a:objectDefaults>
+  <a:extraClrSchemeLst/>
+</a:theme>
 </file>
--- a/presentation.pptx
+++ b/presentation.pptx
@@ -5,7 +5,7 @@
     <p:sldMasterId id="2147483660" r:id="rId1"/>
   </p:sldMasterIdLst>
   <p:notesMasterIdLst>
-    <p:notesMasterId r:id="rId13"/>
+    <p:notesMasterId r:id="rId15"/>
   </p:notesMasterIdLst>
   <p:sldIdLst>
     <p:sldId id="256" r:id="rId2"/>
@@ -13,12 +13,14 @@
     <p:sldId id="264" r:id="rId4"/>
     <p:sldId id="259" r:id="rId5"/>
     <p:sldId id="265" r:id="rId6"/>
-    <p:sldId id="260" r:id="rId7"/>
-    <p:sldId id="266" r:id="rId8"/>
-    <p:sldId id="261" r:id="rId9"/>
-    <p:sldId id="267" r:id="rId10"/>
-    <p:sldId id="262" r:id="rId11"/>
-    <p:sldId id="263" r:id="rId12"/>
+    <p:sldId id="268" r:id="rId7"/>
+    <p:sldId id="260" r:id="rId8"/>
+    <p:sldId id="266" r:id="rId9"/>
+    <p:sldId id="261" r:id="rId10"/>
+    <p:sldId id="267" r:id="rId11"/>
+    <p:sldId id="269" r:id="rId12"/>
+    <p:sldId id="262" r:id="rId13"/>
+    <p:sldId id="263" r:id="rId14"/>
   </p:sldIdLst>
   <p:sldSz cx="9144000" cy="6858000" type="screen4x3"/>
   <p:notesSz cx="6858000" cy="9144000"/>
@@ -117,6 +119,22 @@
       </a:defRPr>
     </a:lvl9pPr>
   </p:defaultTextStyle>
+  <p:extLst>
+    <p:ext uri="{EFAFB233-063F-42B5-8137-9DF3F51BA10A}">
+      <p15:sldGuideLst xmlns:p15="http://schemas.microsoft.com/office/powerpoint/2012/main">
+        <p15:guide id="1" orient="horz" pos="2160">
+          <p15:clr>
+            <a:srgbClr val="A4A3A4"/>
+          </p15:clr>
+        </p15:guide>
+        <p15:guide id="2" pos="2880">
+          <p15:clr>
+            <a:srgbClr val="A4A3A4"/>
+          </p15:clr>
+        </p15:guide>
+      </p15:sldGuideLst>
+    </p:ext>
+  </p:extLst>
 </p:presentation>
 </file>
 
@@ -202,7 +220,7 @@
           <a:p>
             <a:fld id="{44201544-D0D1-5B41-A16A-F722EC0150C2}" type="datetimeFigureOut">
               <a:rPr lang="en-US" smtClean="0"/>
-              <a:t>6/4/15</a:t>
+              <a:t>6/5/2015</a:t>
             </a:fld>
             <a:endParaRPr lang="en-US"/>
           </a:p>
@@ -833,7 +851,7 @@
           <a:p>
             <a:fld id="{1778F24D-EB19-4AE0-B015-2BEA6D5224F2}" type="datetimeFigureOut">
               <a:rPr lang="en-US" smtClean="0"/>
-              <a:t>6/4/15</a:t>
+              <a:t>6/5/2015</a:t>
             </a:fld>
             <a:endParaRPr lang="en-US"/>
           </a:p>
@@ -1146,7 +1164,7 @@
           <a:p>
             <a:fld id="{1778F24D-EB19-4AE0-B015-2BEA6D5224F2}" type="datetimeFigureOut">
               <a:rPr lang="en-US" smtClean="0"/>
-              <a:t>6/4/15</a:t>
+              <a:t>6/5/2015</a:t>
             </a:fld>
             <a:endParaRPr lang="en-US"/>
           </a:p>
@@ -1353,7 +1371,7 @@
           <a:p>
             <a:fld id="{1778F24D-EB19-4AE0-B015-2BEA6D5224F2}" type="datetimeFigureOut">
               <a:rPr lang="en-US" smtClean="0"/>
-              <a:t>6/4/15</a:t>
+              <a:t>6/5/2015</a:t>
             </a:fld>
             <a:endParaRPr lang="en-US"/>
           </a:p>
@@ -1558,7 +1576,7 @@
           <a:p>
             <a:fld id="{1778F24D-EB19-4AE0-B015-2BEA6D5224F2}" type="datetimeFigureOut">
               <a:rPr lang="en-US" smtClean="0"/>
-              <a:t>6/4/15</a:t>
+              <a:t>6/5/2015</a:t>
             </a:fld>
             <a:endParaRPr lang="en-US"/>
           </a:p>
@@ -1753,7 +1771,7 @@
           <a:p>
             <a:fld id="{1778F24D-EB19-4AE0-B015-2BEA6D5224F2}" type="datetimeFigureOut">
               <a:rPr lang="en-US" smtClean="0"/>
-              <a:t>6/4/15</a:t>
+              <a:t>6/5/2015</a:t>
             </a:fld>
             <a:endParaRPr lang="en-US"/>
           </a:p>
@@ -2023,7 +2041,7 @@
           <a:p>
             <a:fld id="{1778F24D-EB19-4AE0-B015-2BEA6D5224F2}" type="datetimeFigureOut">
               <a:rPr lang="en-US" smtClean="0"/>
-              <a:t>6/4/15</a:t>
+              <a:t>6/5/2015</a:t>
             </a:fld>
             <a:endParaRPr lang="en-US"/>
           </a:p>
@@ -2334,7 +2352,7 @@
           <a:p>
             <a:fld id="{1778F24D-EB19-4AE0-B015-2BEA6D5224F2}" type="datetimeFigureOut">
               <a:rPr lang="en-US" smtClean="0"/>
-              <a:t>6/4/15</a:t>
+              <a:t>6/5/2015</a:t>
             </a:fld>
             <a:endParaRPr lang="en-US"/>
           </a:p>
@@ -2795,7 +2813,7 @@
           <a:p>
             <a:fld id="{1778F24D-EB19-4AE0-B015-2BEA6D5224F2}" type="datetimeFigureOut">
               <a:rPr lang="en-US" smtClean="0"/>
-              <a:t>6/4/15</a:t>
+              <a:t>6/5/2015</a:t>
             </a:fld>
             <a:endParaRPr lang="en-US"/>
           </a:p>
@@ -2934,7 +2952,7 @@
           <a:p>
             <a:fld id="{1778F24D-EB19-4AE0-B015-2BEA6D5224F2}" type="datetimeFigureOut">
               <a:rPr lang="en-US" smtClean="0"/>
-              <a:t>6/4/15</a:t>
+              <a:t>6/5/2015</a:t>
             </a:fld>
             <a:endParaRPr lang="en-US"/>
           </a:p>
@@ -3050,7 +3068,7 @@
           <a:p>
             <a:fld id="{1778F24D-EB19-4AE0-B015-2BEA6D5224F2}" type="datetimeFigureOut">
               <a:rPr lang="en-US" smtClean="0"/>
-              <a:t>6/4/15</a:t>
+              <a:t>6/5/2015</a:t>
             </a:fld>
             <a:endParaRPr lang="en-US"/>
           </a:p>
@@ -3336,7 +3354,7 @@
           <a:p>
             <a:fld id="{1778F24D-EB19-4AE0-B015-2BEA6D5224F2}" type="datetimeFigureOut">
               <a:rPr lang="en-US" smtClean="0"/>
-              <a:t>6/4/15</a:t>
+              <a:t>6/5/2015</a:t>
             </a:fld>
             <a:endParaRPr lang="en-US"/>
           </a:p>
@@ -3674,7 +3692,7 @@
           <a:p>
             <a:fld id="{1778F24D-EB19-4AE0-B015-2BEA6D5224F2}" type="datetimeFigureOut">
               <a:rPr lang="en-US" smtClean="0"/>
-              <a:t>6/4/15</a:t>
+              <a:t>6/5/2015</a:t>
             </a:fld>
             <a:endParaRPr lang="en-US"/>
           </a:p>
@@ -3950,7 +3968,7 @@
           <a:p>
             <a:fld id="{1778F24D-EB19-4AE0-B015-2BEA6D5224F2}" type="datetimeFigureOut">
               <a:rPr lang="en-US" smtClean="0"/>
-              <a:t>6/4/15</a:t>
+              <a:t>6/5/2015</a:t>
             </a:fld>
             <a:endParaRPr lang="en-US"/>
           </a:p>
@@ -4577,6 +4595,684 @@
           <a:p>
             <a:r>
               <a:rPr lang="en-US" dirty="0" smtClean="0"/>
+              <a:t>How does it work?</a:t>
+            </a:r>
+            <a:endParaRPr lang="en-US" dirty="0"/>
+          </a:p>
+        </p:txBody>
+      </p:sp>
+      <p:sp>
+        <p:nvSpPr>
+          <p:cNvPr id="3" name="Content Placeholder 2"/>
+          <p:cNvSpPr>
+            <a:spLocks noGrp="1"/>
+          </p:cNvSpPr>
+          <p:nvPr>
+            <p:ph idx="1"/>
+          </p:nvPr>
+        </p:nvSpPr>
+        <p:spPr/>
+        <p:txBody>
+          <a:bodyPr numCol="1">
+            <a:normAutofit/>
+          </a:bodyPr>
+          <a:lstStyle/>
+          <a:p>
+            <a:pPr>
+              <a:spcBef>
+                <a:spcPts val="0"/>
+              </a:spcBef>
+            </a:pPr>
+            <a:r>
+              <a:rPr lang="en-US" dirty="0" smtClean="0"/>
+              <a:t>Representation</a:t>
+            </a:r>
+          </a:p>
+          <a:p>
+            <a:pPr lvl="1">
+              <a:spcBef>
+                <a:spcPts val="0"/>
+              </a:spcBef>
+            </a:pPr>
+            <a:r>
+              <a:rPr lang="en-US" dirty="0" smtClean="0"/>
+              <a:t>Genome</a:t>
+            </a:r>
+          </a:p>
+          <a:p>
+            <a:pPr lvl="2">
+              <a:spcBef>
+                <a:spcPts val="0"/>
+              </a:spcBef>
+            </a:pPr>
+            <a:r>
+              <a:rPr lang="en-US" sz="1600" dirty="0" smtClean="0"/>
+              <a:t>Virus</a:t>
+            </a:r>
+          </a:p>
+          <a:p>
+            <a:pPr lvl="2">
+              <a:spcBef>
+                <a:spcPts val="0"/>
+              </a:spcBef>
+            </a:pPr>
+            <a:endParaRPr lang="en-US" sz="1600" dirty="0"/>
+          </a:p>
+          <a:p>
+            <a:pPr lvl="2">
+              <a:spcBef>
+                <a:spcPts val="0"/>
+              </a:spcBef>
+            </a:pPr>
+            <a:endParaRPr lang="en-US" sz="1600" dirty="0" smtClean="0"/>
+          </a:p>
+          <a:p>
+            <a:pPr lvl="2">
+              <a:spcBef>
+                <a:spcPts val="0"/>
+              </a:spcBef>
+            </a:pPr>
+            <a:r>
+              <a:rPr lang="en-US" sz="1600" dirty="0" smtClean="0"/>
+              <a:t>Bacteria</a:t>
+            </a:r>
+            <a:endParaRPr lang="en-US" dirty="0" smtClean="0"/>
+          </a:p>
+        </p:txBody>
+      </p:sp>
+      <p:graphicFrame>
+        <p:nvGraphicFramePr>
+          <p:cNvPr id="4" name="Table 3"/>
+          <p:cNvGraphicFramePr>
+            <a:graphicFrameLocks noGrp="1"/>
+          </p:cNvGraphicFramePr>
+          <p:nvPr>
+            <p:extLst>
+              <p:ext uri="{D42A27DB-BD31-4B8C-83A1-F6EECF244321}">
+                <p14:modId xmlns:p14="http://schemas.microsoft.com/office/powerpoint/2010/main" val="167514128"/>
+              </p:ext>
+            </p:extLst>
+          </p:nvPr>
+        </p:nvGraphicFramePr>
+        <p:xfrm>
+          <a:off x="1668776" y="3256280"/>
+          <a:ext cx="6328416" cy="370840"/>
+        </p:xfrm>
+        <a:graphic>
+          <a:graphicData uri="http://schemas.openxmlformats.org/drawingml/2006/table">
+            <a:tbl>
+              <a:tblPr firstRow="1">
+                <a:tableStyleId>{5C22544A-7EE6-4342-B048-85BDC9FD1C3A}</a:tableStyleId>
+              </a:tblPr>
+              <a:tblGrid>
+                <a:gridCol w="2109472"/>
+                <a:gridCol w="2109472"/>
+                <a:gridCol w="527368"/>
+                <a:gridCol w="527368"/>
+                <a:gridCol w="527368"/>
+                <a:gridCol w="527368"/>
+              </a:tblGrid>
+              <a:tr h="370840">
+                <a:tc>
+                  <a:txBody>
+                    <a:bodyPr/>
+                    <a:lstStyle/>
+                    <a:p>
+                      <a:r>
+                        <a:rPr lang="en-US" dirty="0" smtClean="0"/>
+                        <a:t>Interaction Model</a:t>
+                      </a:r>
+                      <a:endParaRPr lang="en-US" dirty="0"/>
+                    </a:p>
+                  </a:txBody>
+                  <a:tcPr/>
+                </a:tc>
+                <a:tc>
+                  <a:txBody>
+                    <a:bodyPr/>
+                    <a:lstStyle/>
+                    <a:p>
+                      <a:r>
+                        <a:rPr lang="en-US" dirty="0" smtClean="0"/>
+                        <a:t>Mutation Rate</a:t>
+                      </a:r>
+                      <a:endParaRPr lang="en-US" dirty="0"/>
+                    </a:p>
+                  </a:txBody>
+                  <a:tcPr>
+                    <a:solidFill>
+                      <a:schemeClr val="accent6"/>
+                    </a:solidFill>
+                  </a:tcPr>
+                </a:tc>
+                <a:tc>
+                  <a:txBody>
+                    <a:bodyPr/>
+                    <a:lstStyle/>
+                    <a:p>
+                      <a:endParaRPr lang="en-US" dirty="0"/>
+                    </a:p>
+                  </a:txBody>
+                  <a:tcPr anchor="ctr" anchorCtr="1">
+                    <a:solidFill>
+                      <a:schemeClr val="accent4"/>
+                    </a:solidFill>
+                  </a:tcPr>
+                </a:tc>
+                <a:tc>
+                  <a:txBody>
+                    <a:bodyPr/>
+                    <a:lstStyle/>
+                    <a:p>
+                      <a:endParaRPr lang="en-US" dirty="0"/>
+                    </a:p>
+                  </a:txBody>
+                  <a:tcPr>
+                    <a:solidFill>
+                      <a:schemeClr val="accent4"/>
+                    </a:solidFill>
+                  </a:tcPr>
+                </a:tc>
+                <a:tc>
+                  <a:txBody>
+                    <a:bodyPr/>
+                    <a:lstStyle/>
+                    <a:p>
+                      <a:endParaRPr lang="en-US" dirty="0"/>
+                    </a:p>
+                  </a:txBody>
+                  <a:tcPr>
+                    <a:solidFill>
+                      <a:schemeClr val="accent4"/>
+                    </a:solidFill>
+                  </a:tcPr>
+                </a:tc>
+                <a:tc>
+                  <a:txBody>
+                    <a:bodyPr/>
+                    <a:lstStyle/>
+                    <a:p>
+                      <a:endParaRPr lang="en-US" dirty="0"/>
+                    </a:p>
+                  </a:txBody>
+                  <a:tcPr>
+                    <a:solidFill>
+                      <a:schemeClr val="accent4"/>
+                    </a:solidFill>
+                  </a:tcPr>
+                </a:tc>
+              </a:tr>
+            </a:tbl>
+          </a:graphicData>
+        </a:graphic>
+      </p:graphicFrame>
+      <p:sp>
+        <p:nvSpPr>
+          <p:cNvPr id="5" name="TextBox 4"/>
+          <p:cNvSpPr txBox="1"/>
+          <p:nvPr/>
+        </p:nvSpPr>
+        <p:spPr>
+          <a:xfrm>
+            <a:off x="5977890" y="3251200"/>
+            <a:ext cx="2019300" cy="370840"/>
+          </a:xfrm>
+          <a:prstGeom prst="rect">
+            <a:avLst/>
+          </a:prstGeom>
+          <a:noFill/>
+        </p:spPr>
+        <p:txBody>
+          <a:bodyPr wrap="square" rtlCol="0">
+            <a:spAutoFit/>
+          </a:bodyPr>
+          <a:lstStyle/>
+          <a:p>
+            <a:r>
+              <a:rPr lang="en-US" b="1" dirty="0" smtClean="0">
+                <a:solidFill>
+                  <a:schemeClr val="bg1"/>
+                </a:solidFill>
+              </a:rPr>
+              <a:t>Virulence</a:t>
+            </a:r>
+            <a:endParaRPr lang="en-US" b="1" dirty="0">
+              <a:solidFill>
+                <a:schemeClr val="bg1"/>
+              </a:solidFill>
+            </a:endParaRPr>
+          </a:p>
+        </p:txBody>
+      </p:sp>
+      <p:graphicFrame>
+        <p:nvGraphicFramePr>
+          <p:cNvPr id="7" name="Table 6"/>
+          <p:cNvGraphicFramePr>
+            <a:graphicFrameLocks noGrp="1"/>
+          </p:cNvGraphicFramePr>
+          <p:nvPr>
+            <p:extLst>
+              <p:ext uri="{D42A27DB-BD31-4B8C-83A1-F6EECF244321}">
+                <p14:modId xmlns:p14="http://schemas.microsoft.com/office/powerpoint/2010/main" val="3038073654"/>
+              </p:ext>
+            </p:extLst>
+          </p:nvPr>
+        </p:nvGraphicFramePr>
+        <p:xfrm>
+          <a:off x="1668776" y="4022164"/>
+          <a:ext cx="6328417" cy="370840"/>
+        </p:xfrm>
+        <a:graphic>
+          <a:graphicData uri="http://schemas.openxmlformats.org/drawingml/2006/table">
+            <a:tbl>
+              <a:tblPr firstRow="1">
+                <a:tableStyleId>{5C22544A-7EE6-4342-B048-85BDC9FD1C3A}</a:tableStyleId>
+              </a:tblPr>
+              <a:tblGrid>
+                <a:gridCol w="2068834"/>
+                <a:gridCol w="1680210"/>
+                <a:gridCol w="336369"/>
+                <a:gridCol w="336369"/>
+                <a:gridCol w="336369"/>
+                <a:gridCol w="336369"/>
+                <a:gridCol w="336369"/>
+                <a:gridCol w="336369"/>
+                <a:gridCol w="336369"/>
+                <a:gridCol w="224790"/>
+              </a:tblGrid>
+              <a:tr h="370840">
+                <a:tc>
+                  <a:txBody>
+                    <a:bodyPr/>
+                    <a:lstStyle/>
+                    <a:p>
+                      <a:r>
+                        <a:rPr lang="en-US" dirty="0" smtClean="0"/>
+                        <a:t>Interaction Model</a:t>
+                      </a:r>
+                      <a:endParaRPr lang="en-US" dirty="0"/>
+                    </a:p>
+                  </a:txBody>
+                  <a:tcPr/>
+                </a:tc>
+                <a:tc>
+                  <a:txBody>
+                    <a:bodyPr/>
+                    <a:lstStyle/>
+                    <a:p>
+                      <a:r>
+                        <a:rPr lang="en-US" dirty="0" smtClean="0"/>
+                        <a:t>Mutation Rate</a:t>
+                      </a:r>
+                      <a:endParaRPr lang="en-US" dirty="0"/>
+                    </a:p>
+                  </a:txBody>
+                  <a:tcPr>
+                    <a:solidFill>
+                      <a:schemeClr val="accent6"/>
+                    </a:solidFill>
+                  </a:tcPr>
+                </a:tc>
+                <a:tc>
+                  <a:txBody>
+                    <a:bodyPr/>
+                    <a:lstStyle/>
+                    <a:p>
+                      <a:endParaRPr lang="en-US" dirty="0"/>
+                    </a:p>
+                  </a:txBody>
+                  <a:tcPr anchor="ctr" anchorCtr="1">
+                    <a:solidFill>
+                      <a:schemeClr val="accent4"/>
+                    </a:solidFill>
+                  </a:tcPr>
+                </a:tc>
+                <a:tc>
+                  <a:txBody>
+                    <a:bodyPr/>
+                    <a:lstStyle/>
+                    <a:p>
+                      <a:endParaRPr lang="en-US" dirty="0"/>
+                    </a:p>
+                  </a:txBody>
+                  <a:tcPr>
+                    <a:solidFill>
+                      <a:schemeClr val="accent4"/>
+                    </a:solidFill>
+                  </a:tcPr>
+                </a:tc>
+                <a:tc>
+                  <a:txBody>
+                    <a:bodyPr/>
+                    <a:lstStyle/>
+                    <a:p>
+                      <a:endParaRPr lang="en-US" dirty="0"/>
+                    </a:p>
+                  </a:txBody>
+                  <a:tcPr>
+                    <a:solidFill>
+                      <a:schemeClr val="accent4"/>
+                    </a:solidFill>
+                  </a:tcPr>
+                </a:tc>
+                <a:tc>
+                  <a:txBody>
+                    <a:bodyPr/>
+                    <a:lstStyle/>
+                    <a:p>
+                      <a:endParaRPr lang="en-US" dirty="0"/>
+                    </a:p>
+                  </a:txBody>
+                  <a:tcPr anchor="ctr" anchorCtr="1">
+                    <a:solidFill>
+                      <a:schemeClr val="accent4"/>
+                    </a:solidFill>
+                  </a:tcPr>
+                </a:tc>
+                <a:tc>
+                  <a:txBody>
+                    <a:bodyPr/>
+                    <a:lstStyle/>
+                    <a:p>
+                      <a:endParaRPr lang="en-US" dirty="0"/>
+                    </a:p>
+                  </a:txBody>
+                  <a:tcPr>
+                    <a:solidFill>
+                      <a:schemeClr val="accent1">
+                        <a:lumMod val="40000"/>
+                        <a:lumOff val="60000"/>
+                      </a:schemeClr>
+                    </a:solidFill>
+                  </a:tcPr>
+                </a:tc>
+                <a:tc>
+                  <a:txBody>
+                    <a:bodyPr/>
+                    <a:lstStyle/>
+                    <a:p>
+                      <a:endParaRPr lang="en-US" dirty="0"/>
+                    </a:p>
+                  </a:txBody>
+                  <a:tcPr>
+                    <a:solidFill>
+                      <a:schemeClr val="accent1">
+                        <a:lumMod val="40000"/>
+                        <a:lumOff val="60000"/>
+                      </a:schemeClr>
+                    </a:solidFill>
+                  </a:tcPr>
+                </a:tc>
+                <a:tc>
+                  <a:txBody>
+                    <a:bodyPr/>
+                    <a:lstStyle/>
+                    <a:p>
+                      <a:endParaRPr lang="en-US" dirty="0"/>
+                    </a:p>
+                  </a:txBody>
+                  <a:tcPr>
+                    <a:solidFill>
+                      <a:schemeClr val="accent1">
+                        <a:lumMod val="40000"/>
+                        <a:lumOff val="60000"/>
+                      </a:schemeClr>
+                    </a:solidFill>
+                  </a:tcPr>
+                </a:tc>
+                <a:tc>
+                  <a:txBody>
+                    <a:bodyPr/>
+                    <a:lstStyle/>
+                    <a:p>
+                      <a:endParaRPr lang="en-US" dirty="0"/>
+                    </a:p>
+                  </a:txBody>
+                  <a:tcPr>
+                    <a:solidFill>
+                      <a:schemeClr val="accent1">
+                        <a:lumMod val="40000"/>
+                        <a:lumOff val="60000"/>
+                      </a:schemeClr>
+                    </a:solidFill>
+                  </a:tcPr>
+                </a:tc>
+              </a:tr>
+            </a:tbl>
+          </a:graphicData>
+        </a:graphic>
+      </p:graphicFrame>
+      <p:sp>
+        <p:nvSpPr>
+          <p:cNvPr id="8" name="TextBox 7"/>
+          <p:cNvSpPr txBox="1"/>
+          <p:nvPr/>
+        </p:nvSpPr>
+        <p:spPr>
+          <a:xfrm>
+            <a:off x="5453700" y="4022164"/>
+            <a:ext cx="1497330" cy="369332"/>
+          </a:xfrm>
+          <a:prstGeom prst="rect">
+            <a:avLst/>
+          </a:prstGeom>
+          <a:noFill/>
+        </p:spPr>
+        <p:txBody>
+          <a:bodyPr wrap="square" rtlCol="0">
+            <a:spAutoFit/>
+          </a:bodyPr>
+          <a:lstStyle/>
+          <a:p>
+            <a:r>
+              <a:rPr lang="en-US" b="1" dirty="0" smtClean="0">
+                <a:solidFill>
+                  <a:schemeClr val="bg1">
+                    <a:lumMod val="95000"/>
+                  </a:schemeClr>
+                </a:solidFill>
+              </a:rPr>
+              <a:t>Resistance</a:t>
+            </a:r>
+            <a:endParaRPr lang="en-US" b="1" dirty="0">
+              <a:solidFill>
+                <a:schemeClr val="bg1">
+                  <a:lumMod val="95000"/>
+                </a:schemeClr>
+              </a:solidFill>
+            </a:endParaRPr>
+          </a:p>
+        </p:txBody>
+      </p:sp>
+      <p:sp>
+        <p:nvSpPr>
+          <p:cNvPr id="9" name="TextBox 8"/>
+          <p:cNvSpPr txBox="1"/>
+          <p:nvPr/>
+        </p:nvSpPr>
+        <p:spPr>
+          <a:xfrm>
+            <a:off x="6697980" y="4020968"/>
+            <a:ext cx="1299213" cy="369332"/>
+          </a:xfrm>
+          <a:prstGeom prst="rect">
+            <a:avLst/>
+          </a:prstGeom>
+          <a:noFill/>
+        </p:spPr>
+        <p:txBody>
+          <a:bodyPr wrap="square" rtlCol="0">
+            <a:spAutoFit/>
+          </a:bodyPr>
+          <a:lstStyle/>
+          <a:p>
+            <a:r>
+              <a:rPr lang="en-US" b="1" dirty="0" smtClean="0">
+                <a:solidFill>
+                  <a:schemeClr val="bg1">
+                    <a:lumMod val="95000"/>
+                  </a:schemeClr>
+                </a:solidFill>
+              </a:rPr>
+              <a:t>Viability </a:t>
+            </a:r>
+            <a:endParaRPr lang="en-US" b="1" dirty="0">
+              <a:solidFill>
+                <a:schemeClr val="bg1">
+                  <a:lumMod val="95000"/>
+                </a:schemeClr>
+              </a:solidFill>
+            </a:endParaRPr>
+          </a:p>
+        </p:txBody>
+      </p:sp>
+    </p:spTree>
+    <p:extLst>
+      <p:ext uri="{BB962C8B-B14F-4D97-AF65-F5344CB8AC3E}">
+        <p14:creationId xmlns:p14="http://schemas.microsoft.com/office/powerpoint/2010/main" val="615378970"/>
+      </p:ext>
+    </p:extLst>
+  </p:cSld>
+  <p:clrMapOvr>
+    <a:masterClrMapping/>
+  </p:clrMapOvr>
+</p:sld>
+</file>
+
+<file path=ppt/slides/slide11.xml><?xml version="1.0" encoding="utf-8"?>
+<p:sld xmlns:a="http://schemas.openxmlformats.org/drawingml/2006/main" xmlns:r="http://schemas.openxmlformats.org/officeDocument/2006/relationships" xmlns:p="http://schemas.openxmlformats.org/presentationml/2006/main">
+  <p:cSld>
+    <p:spTree>
+      <p:nvGrpSpPr>
+        <p:cNvPr id="1" name=""/>
+        <p:cNvGrpSpPr/>
+        <p:nvPr/>
+      </p:nvGrpSpPr>
+      <p:grpSpPr>
+        <a:xfrm>
+          <a:off x="0" y="0"/>
+          <a:ext cx="0" cy="0"/>
+          <a:chOff x="0" y="0"/>
+          <a:chExt cx="0" cy="0"/>
+        </a:xfrm>
+      </p:grpSpPr>
+      <p:sp>
+        <p:nvSpPr>
+          <p:cNvPr id="2" name="Title 1"/>
+          <p:cNvSpPr>
+            <a:spLocks noGrp="1"/>
+          </p:cNvSpPr>
+          <p:nvPr>
+            <p:ph type="title"/>
+          </p:nvPr>
+        </p:nvSpPr>
+        <p:spPr/>
+        <p:txBody>
+          <a:bodyPr/>
+          <a:lstStyle/>
+          <a:p>
+            <a:r>
+              <a:rPr lang="en-US" dirty="0" smtClean="0"/>
+              <a:t>How does it work?</a:t>
+            </a:r>
+            <a:endParaRPr lang="en-US" dirty="0"/>
+          </a:p>
+        </p:txBody>
+      </p:sp>
+      <p:sp>
+        <p:nvSpPr>
+          <p:cNvPr id="3" name="Content Placeholder 2"/>
+          <p:cNvSpPr>
+            <a:spLocks noGrp="1"/>
+          </p:cNvSpPr>
+          <p:nvPr>
+            <p:ph idx="1"/>
+          </p:nvPr>
+        </p:nvSpPr>
+        <p:spPr/>
+        <p:txBody>
+          <a:bodyPr>
+            <a:normAutofit/>
+          </a:bodyPr>
+          <a:lstStyle/>
+          <a:p>
+            <a:r>
+              <a:rPr lang="en-US" dirty="0" smtClean="0"/>
+              <a:t>No </a:t>
+            </a:r>
+            <a:r>
+              <a:rPr lang="en-US" dirty="0" smtClean="0"/>
+              <a:t>crossover (both reproduce asexually in nature)</a:t>
+            </a:r>
+          </a:p>
+          <a:p>
+            <a:r>
+              <a:rPr lang="en-US" dirty="0" smtClean="0"/>
+              <a:t>Mutation rate?</a:t>
+            </a:r>
+          </a:p>
+          <a:p>
+            <a:r>
+              <a:rPr lang="en-US" dirty="0" smtClean="0"/>
+              <a:t>Fitness functions?</a:t>
+            </a:r>
+          </a:p>
+          <a:p>
+            <a:r>
+              <a:rPr lang="en-US" dirty="0" smtClean="0"/>
+              <a:t>Selection?</a:t>
+            </a:r>
+            <a:endParaRPr lang="en-US" dirty="0"/>
+          </a:p>
+        </p:txBody>
+      </p:sp>
+    </p:spTree>
+    <p:extLst>
+      <p:ext uri="{BB962C8B-B14F-4D97-AF65-F5344CB8AC3E}">
+        <p14:creationId xmlns:p14="http://schemas.microsoft.com/office/powerpoint/2010/main" val="2952753790"/>
+      </p:ext>
+    </p:extLst>
+  </p:cSld>
+  <p:clrMapOvr>
+    <a:masterClrMapping/>
+  </p:clrMapOvr>
+</p:sld>
+</file>
+
+<file path=ppt/slides/slide12.xml><?xml version="1.0" encoding="utf-8"?>
+<p:sld xmlns:a="http://schemas.openxmlformats.org/drawingml/2006/main" xmlns:r="http://schemas.openxmlformats.org/officeDocument/2006/relationships" xmlns:p="http://schemas.openxmlformats.org/presentationml/2006/main">
+  <p:cSld>
+    <p:spTree>
+      <p:nvGrpSpPr>
+        <p:cNvPr id="1" name=""/>
+        <p:cNvGrpSpPr/>
+        <p:nvPr/>
+      </p:nvGrpSpPr>
+      <p:grpSpPr>
+        <a:xfrm>
+          <a:off x="0" y="0"/>
+          <a:ext cx="0" cy="0"/>
+          <a:chOff x="0" y="0"/>
+          <a:chExt cx="0" cy="0"/>
+        </a:xfrm>
+      </p:grpSpPr>
+      <p:sp>
+        <p:nvSpPr>
+          <p:cNvPr id="2" name="Title 1"/>
+          <p:cNvSpPr>
+            <a:spLocks noGrp="1"/>
+          </p:cNvSpPr>
+          <p:nvPr>
+            <p:ph type="title"/>
+          </p:nvPr>
+        </p:nvSpPr>
+        <p:spPr/>
+        <p:txBody>
+          <a:bodyPr/>
+          <a:lstStyle/>
+          <a:p>
+            <a:r>
+              <a:rPr lang="en-US" dirty="0" smtClean="0"/>
               <a:t>Any interesting results?</a:t>
             </a:r>
             <a:endParaRPr lang="en-US" dirty="0"/>
@@ -4618,7 +5314,7 @@
 </p:sld>
 </file>
 
-<file path=ppt/slides/slide11.xml><?xml version="1.0" encoding="utf-8"?>
+<file path=ppt/slides/slide13.xml><?xml version="1.0" encoding="utf-8"?>
 <p:sld xmlns:a="http://schemas.openxmlformats.org/drawingml/2006/main" xmlns:r="http://schemas.openxmlformats.org/officeDocument/2006/relationships" xmlns:p="http://schemas.openxmlformats.org/presentationml/2006/main">
   <p:cSld>
     <p:spTree>
@@ -5089,11 +5785,7 @@
           <a:p>
             <a:r>
               <a:rPr lang="en-US" dirty="0" smtClean="0"/>
-              <a:t>Gene-for-Gene </a:t>
-            </a:r>
-            <a:r>
-              <a:rPr lang="en-US" dirty="0" smtClean="0"/>
-              <a:t>Interaction</a:t>
+              <a:t>Gene-for-Gene Interaction</a:t>
             </a:r>
             <a:endParaRPr lang="en-US" dirty="0"/>
           </a:p>
@@ -5196,245 +5888,13 @@
       </p:grpSpPr>
       <p:sp>
         <p:nvSpPr>
-          <p:cNvPr id="2" name="Title 1"/>
-          <p:cNvSpPr>
-            <a:spLocks noGrp="1"/>
-          </p:cNvSpPr>
-          <p:nvPr>
-            <p:ph type="title"/>
-          </p:nvPr>
-        </p:nvSpPr>
-        <p:spPr/>
-        <p:txBody>
-          <a:bodyPr/>
-          <a:lstStyle/>
-          <a:p>
-            <a:r>
-              <a:rPr lang="en-US" dirty="0" smtClean="0"/>
-              <a:t>For example….</a:t>
-            </a:r>
-            <a:endParaRPr lang="en-US" dirty="0"/>
-          </a:p>
-        </p:txBody>
-      </p:sp>
-      <p:sp>
-        <p:nvSpPr>
-          <p:cNvPr id="3" name="Content Placeholder 2"/>
-          <p:cNvSpPr>
-            <a:spLocks noGrp="1"/>
-          </p:cNvSpPr>
-          <p:nvPr>
-            <p:ph idx="1"/>
-          </p:nvPr>
-        </p:nvSpPr>
-        <p:spPr>
-          <a:xfrm>
-            <a:off x="1073829" y="3617166"/>
-            <a:ext cx="4575091" cy="546424"/>
-          </a:xfrm>
-        </p:spPr>
-        <p:txBody>
-          <a:bodyPr>
-            <a:noAutofit/>
-          </a:bodyPr>
-          <a:lstStyle/>
-          <a:p>
-            <a:pPr marL="0" indent="0">
-              <a:buNone/>
-            </a:pPr>
-            <a:r>
-              <a:rPr lang="en-US" sz="1800" dirty="0" smtClean="0"/>
-              <a:t>The bacteria can resist this virus, because it has a resistance gene for every protein.</a:t>
-            </a:r>
-            <a:endParaRPr lang="en-US" sz="1800" dirty="0"/>
-          </a:p>
-        </p:txBody>
-      </p:sp>
-      <p:sp>
-        <p:nvSpPr>
-          <p:cNvPr id="4" name="TextBox 3"/>
+          <p:cNvPr id="11" name="TextBox 10"/>
           <p:cNvSpPr txBox="1"/>
           <p:nvPr/>
         </p:nvSpPr>
         <p:spPr>
           <a:xfrm>
-            <a:off x="3729310" y="2620561"/>
-            <a:ext cx="1465966" cy="523220"/>
-          </a:xfrm>
-          <a:prstGeom prst="rect">
-            <a:avLst/>
-          </a:prstGeom>
-          <a:noFill/>
-        </p:spPr>
-        <p:txBody>
-          <a:bodyPr wrap="none" rtlCol="0">
-            <a:spAutoFit/>
-          </a:bodyPr>
-          <a:lstStyle/>
-          <a:p>
-            <a:pPr algn="ctr"/>
-            <a:r>
-              <a:rPr lang="en-US" sz="2800" b="1" dirty="0" smtClean="0">
-                <a:solidFill>
-                  <a:srgbClr val="FF0000"/>
-                </a:solidFill>
-              </a:rPr>
-              <a:t>0100011</a:t>
-            </a:r>
-            <a:endParaRPr lang="en-US" sz="2800" b="1" dirty="0">
-              <a:solidFill>
-                <a:srgbClr val="FF0000"/>
-              </a:solidFill>
-            </a:endParaRPr>
-          </a:p>
-        </p:txBody>
-      </p:sp>
-      <p:sp>
-        <p:nvSpPr>
-          <p:cNvPr id="5" name="TextBox 4"/>
-          <p:cNvSpPr txBox="1"/>
-          <p:nvPr/>
-        </p:nvSpPr>
-        <p:spPr>
-          <a:xfrm>
-            <a:off x="6523554" y="3640370"/>
-            <a:ext cx="1465966" cy="523220"/>
-          </a:xfrm>
-          <a:prstGeom prst="rect">
-            <a:avLst/>
-          </a:prstGeom>
-          <a:noFill/>
-        </p:spPr>
-        <p:txBody>
-          <a:bodyPr wrap="none" rtlCol="0">
-            <a:spAutoFit/>
-          </a:bodyPr>
-          <a:lstStyle/>
-          <a:p>
-            <a:r>
-              <a:rPr lang="en-US" sz="2800" b="1" dirty="0" smtClean="0">
-                <a:solidFill>
-                  <a:srgbClr val="008000"/>
-                </a:solidFill>
-              </a:rPr>
-              <a:t>0100001</a:t>
-            </a:r>
-            <a:endParaRPr lang="en-US" sz="2800" b="1" dirty="0">
-              <a:solidFill>
-                <a:srgbClr val="008000"/>
-              </a:solidFill>
-            </a:endParaRPr>
-          </a:p>
-        </p:txBody>
-      </p:sp>
-      <p:sp>
-        <p:nvSpPr>
-          <p:cNvPr id="6" name="TextBox 5"/>
-          <p:cNvSpPr txBox="1"/>
-          <p:nvPr/>
-        </p:nvSpPr>
-        <p:spPr>
-          <a:xfrm>
-            <a:off x="3965570" y="2373468"/>
-            <a:ext cx="1005403" cy="369332"/>
-          </a:xfrm>
-          <a:prstGeom prst="rect">
-            <a:avLst/>
-          </a:prstGeom>
-          <a:noFill/>
-        </p:spPr>
-        <p:txBody>
-          <a:bodyPr wrap="none" rtlCol="0">
-            <a:spAutoFit/>
-          </a:bodyPr>
-          <a:lstStyle/>
-          <a:p>
-            <a:pPr algn="ctr"/>
-            <a:r>
-              <a:rPr lang="en-US" dirty="0" smtClean="0"/>
-              <a:t>Bacteria</a:t>
-            </a:r>
-            <a:endParaRPr lang="en-US" dirty="0"/>
-          </a:p>
-        </p:txBody>
-      </p:sp>
-      <p:sp>
-        <p:nvSpPr>
-          <p:cNvPr id="8" name="TextBox 7"/>
-          <p:cNvSpPr txBox="1"/>
-          <p:nvPr/>
-        </p:nvSpPr>
-        <p:spPr>
-          <a:xfrm>
-            <a:off x="1073829" y="4567612"/>
-            <a:ext cx="5218407" cy="646331"/>
-          </a:xfrm>
-          <a:prstGeom prst="rect">
-            <a:avLst/>
-          </a:prstGeom>
-          <a:noFill/>
-        </p:spPr>
-        <p:txBody>
-          <a:bodyPr wrap="square" rtlCol="0">
-            <a:spAutoFit/>
-          </a:bodyPr>
-          <a:lstStyle/>
-          <a:p>
-            <a:r>
-              <a:rPr lang="en-US" dirty="0" smtClean="0"/>
-              <a:t>It cannot resist this virus, as the virus has a protein the bacteria doesn’t recognize.</a:t>
-            </a:r>
-            <a:endParaRPr lang="en-US" dirty="0"/>
-          </a:p>
-        </p:txBody>
-      </p:sp>
-      <p:sp>
-        <p:nvSpPr>
-          <p:cNvPr id="9" name="TextBox 8"/>
-          <p:cNvSpPr txBox="1"/>
-          <p:nvPr/>
-        </p:nvSpPr>
-        <p:spPr>
-          <a:xfrm>
-            <a:off x="6523554" y="4627440"/>
-            <a:ext cx="1465966" cy="523220"/>
-          </a:xfrm>
-          <a:prstGeom prst="rect">
-            <a:avLst/>
-          </a:prstGeom>
-          <a:noFill/>
-        </p:spPr>
-        <p:txBody>
-          <a:bodyPr wrap="none" rtlCol="0">
-            <a:spAutoFit/>
-          </a:bodyPr>
-          <a:lstStyle/>
-          <a:p>
-            <a:r>
-              <a:rPr lang="en-US" sz="2800" b="1" dirty="0" smtClean="0">
-                <a:solidFill>
-                  <a:srgbClr val="008000"/>
-                </a:solidFill>
-              </a:rPr>
-              <a:t>0100100</a:t>
-            </a:r>
-            <a:endParaRPr lang="en-US" sz="2800" b="1" dirty="0">
-              <a:solidFill>
-                <a:srgbClr val="008000"/>
-              </a:solidFill>
-            </a:endParaRPr>
-          </a:p>
-        </p:txBody>
-      </p:sp>
-      <p:sp>
-        <p:nvSpPr>
-          <p:cNvPr id="10" name="TextBox 9"/>
-          <p:cNvSpPr txBox="1"/>
-          <p:nvPr/>
-        </p:nvSpPr>
-        <p:spPr>
-          <a:xfrm>
-            <a:off x="685800" y="3455768"/>
+            <a:off x="685800" y="4398848"/>
             <a:ext cx="7450403" cy="923330"/>
           </a:xfrm>
           <a:prstGeom prst="rect">
@@ -5459,19 +5919,19 @@
             <a:endParaRPr lang="en-US" dirty="0"/>
           </a:p>
           <a:p>
-            <a:endParaRPr lang="en-US" dirty="0" smtClean="0"/>
-          </a:p>
-        </p:txBody>
-      </p:sp>
-      <p:sp>
-        <p:nvSpPr>
-          <p:cNvPr id="11" name="TextBox 10"/>
+            <a:endParaRPr lang="en-US" dirty="0"/>
+          </a:p>
+        </p:txBody>
+      </p:sp>
+      <p:sp>
+        <p:nvSpPr>
+          <p:cNvPr id="10" name="TextBox 9"/>
           <p:cNvSpPr txBox="1"/>
           <p:nvPr/>
         </p:nvSpPr>
         <p:spPr>
           <a:xfrm>
-            <a:off x="685800" y="4398848"/>
+            <a:off x="685800" y="3455768"/>
             <a:ext cx="7450403" cy="923330"/>
           </a:xfrm>
           <a:prstGeom prst="rect">
@@ -5496,10 +5956,314 @@
             <a:endParaRPr lang="en-US" dirty="0"/>
           </a:p>
           <a:p>
+            <a:endParaRPr lang="en-US" dirty="0" smtClean="0"/>
+          </a:p>
+        </p:txBody>
+      </p:sp>
+      <p:sp>
+        <p:nvSpPr>
+          <p:cNvPr id="2" name="Title 1"/>
+          <p:cNvSpPr>
+            <a:spLocks noGrp="1"/>
+          </p:cNvSpPr>
+          <p:nvPr>
+            <p:ph type="title"/>
+          </p:nvPr>
+        </p:nvSpPr>
+        <p:spPr/>
+        <p:txBody>
+          <a:bodyPr/>
+          <a:lstStyle/>
+          <a:p>
+            <a:r>
+              <a:rPr lang="en-US" dirty="0" smtClean="0"/>
+              <a:t>For example….</a:t>
+            </a:r>
             <a:endParaRPr lang="en-US" dirty="0"/>
           </a:p>
         </p:txBody>
       </p:sp>
+      <p:sp>
+        <p:nvSpPr>
+          <p:cNvPr id="3" name="Content Placeholder 2"/>
+          <p:cNvSpPr>
+            <a:spLocks noGrp="1"/>
+          </p:cNvSpPr>
+          <p:nvPr>
+            <p:ph idx="1"/>
+          </p:nvPr>
+        </p:nvSpPr>
+        <p:spPr>
+          <a:xfrm>
+            <a:off x="685800" y="3628768"/>
+            <a:ext cx="4575091" cy="546424"/>
+          </a:xfrm>
+        </p:spPr>
+        <p:txBody>
+          <a:bodyPr>
+            <a:noAutofit/>
+          </a:bodyPr>
+          <a:lstStyle/>
+          <a:p>
+            <a:pPr marL="0" indent="0">
+              <a:buNone/>
+            </a:pPr>
+            <a:r>
+              <a:rPr lang="en-US" sz="1800" dirty="0" smtClean="0"/>
+              <a:t>The bacteria can resist this virus, because it has a resistance gene for every protein.</a:t>
+            </a:r>
+            <a:endParaRPr lang="en-US" sz="1800" dirty="0"/>
+          </a:p>
+        </p:txBody>
+      </p:sp>
+      <p:sp>
+        <p:nvSpPr>
+          <p:cNvPr id="4" name="TextBox 3"/>
+          <p:cNvSpPr txBox="1"/>
+          <p:nvPr/>
+        </p:nvSpPr>
+        <p:spPr>
+          <a:xfrm>
+            <a:off x="3729310" y="2620561"/>
+            <a:ext cx="1465966" cy="523220"/>
+          </a:xfrm>
+          <a:prstGeom prst="rect">
+            <a:avLst/>
+          </a:prstGeom>
+          <a:noFill/>
+        </p:spPr>
+        <p:txBody>
+          <a:bodyPr wrap="none" rtlCol="0">
+            <a:spAutoFit/>
+          </a:bodyPr>
+          <a:lstStyle/>
+          <a:p>
+            <a:pPr algn="ctr"/>
+            <a:r>
+              <a:rPr lang="en-US" sz="2800" b="1" dirty="0" smtClean="0">
+                <a:solidFill>
+                  <a:srgbClr val="FF0000"/>
+                </a:solidFill>
+              </a:rPr>
+              <a:t>0100011</a:t>
+            </a:r>
+            <a:endParaRPr lang="en-US" sz="2800" b="1" dirty="0">
+              <a:solidFill>
+                <a:srgbClr val="FF0000"/>
+              </a:solidFill>
+            </a:endParaRPr>
+          </a:p>
+        </p:txBody>
+      </p:sp>
+      <p:sp>
+        <p:nvSpPr>
+          <p:cNvPr id="5" name="TextBox 4"/>
+          <p:cNvSpPr txBox="1"/>
+          <p:nvPr/>
+        </p:nvSpPr>
+        <p:spPr>
+          <a:xfrm>
+            <a:off x="6523554" y="3640370"/>
+            <a:ext cx="1465966" cy="523220"/>
+          </a:xfrm>
+          <a:prstGeom prst="rect">
+            <a:avLst/>
+          </a:prstGeom>
+          <a:noFill/>
+        </p:spPr>
+        <p:txBody>
+          <a:bodyPr wrap="none" rtlCol="0">
+            <a:spAutoFit/>
+          </a:bodyPr>
+          <a:lstStyle/>
+          <a:p>
+            <a:r>
+              <a:rPr lang="en-US" sz="2800" b="1" dirty="0" smtClean="0">
+                <a:solidFill>
+                  <a:srgbClr val="008000"/>
+                </a:solidFill>
+              </a:rPr>
+              <a:t>0100001</a:t>
+            </a:r>
+            <a:endParaRPr lang="en-US" sz="2800" b="1" dirty="0">
+              <a:solidFill>
+                <a:srgbClr val="008000"/>
+              </a:solidFill>
+            </a:endParaRPr>
+          </a:p>
+        </p:txBody>
+      </p:sp>
+      <p:sp>
+        <p:nvSpPr>
+          <p:cNvPr id="6" name="TextBox 5"/>
+          <p:cNvSpPr txBox="1"/>
+          <p:nvPr/>
+        </p:nvSpPr>
+        <p:spPr>
+          <a:xfrm>
+            <a:off x="3965570" y="2373468"/>
+            <a:ext cx="1005403" cy="369332"/>
+          </a:xfrm>
+          <a:prstGeom prst="rect">
+            <a:avLst/>
+          </a:prstGeom>
+          <a:noFill/>
+        </p:spPr>
+        <p:txBody>
+          <a:bodyPr wrap="none" rtlCol="0">
+            <a:spAutoFit/>
+          </a:bodyPr>
+          <a:lstStyle/>
+          <a:p>
+            <a:pPr algn="ctr"/>
+            <a:r>
+              <a:rPr lang="en-US" dirty="0" smtClean="0"/>
+              <a:t>Bacteria</a:t>
+            </a:r>
+            <a:endParaRPr lang="en-US" dirty="0"/>
+          </a:p>
+        </p:txBody>
+      </p:sp>
+      <p:sp>
+        <p:nvSpPr>
+          <p:cNvPr id="8" name="TextBox 7"/>
+          <p:cNvSpPr txBox="1"/>
+          <p:nvPr/>
+        </p:nvSpPr>
+        <p:spPr>
+          <a:xfrm>
+            <a:off x="685800" y="4552098"/>
+            <a:ext cx="5218407" cy="646331"/>
+          </a:xfrm>
+          <a:prstGeom prst="rect">
+            <a:avLst/>
+          </a:prstGeom>
+          <a:noFill/>
+        </p:spPr>
+        <p:txBody>
+          <a:bodyPr wrap="square" rtlCol="0">
+            <a:spAutoFit/>
+          </a:bodyPr>
+          <a:lstStyle/>
+          <a:p>
+            <a:r>
+              <a:rPr lang="en-US" dirty="0" smtClean="0"/>
+              <a:t>It cannot resist this virus, as the virus has a protein the bacteria doesn’t recognize.</a:t>
+            </a:r>
+            <a:endParaRPr lang="en-US" dirty="0"/>
+          </a:p>
+        </p:txBody>
+      </p:sp>
+      <p:sp>
+        <p:nvSpPr>
+          <p:cNvPr id="9" name="TextBox 8"/>
+          <p:cNvSpPr txBox="1"/>
+          <p:nvPr/>
+        </p:nvSpPr>
+        <p:spPr>
+          <a:xfrm>
+            <a:off x="6523554" y="4627440"/>
+            <a:ext cx="1465966" cy="523220"/>
+          </a:xfrm>
+          <a:prstGeom prst="rect">
+            <a:avLst/>
+          </a:prstGeom>
+          <a:noFill/>
+        </p:spPr>
+        <p:txBody>
+          <a:bodyPr wrap="none" rtlCol="0">
+            <a:spAutoFit/>
+          </a:bodyPr>
+          <a:lstStyle/>
+          <a:p>
+            <a:r>
+              <a:rPr lang="en-US" sz="2800" b="1" dirty="0" smtClean="0">
+                <a:solidFill>
+                  <a:srgbClr val="008000"/>
+                </a:solidFill>
+              </a:rPr>
+              <a:t>0100100</a:t>
+            </a:r>
+            <a:endParaRPr lang="en-US" sz="2800" b="1" dirty="0">
+              <a:solidFill>
+                <a:srgbClr val="008000"/>
+              </a:solidFill>
+            </a:endParaRPr>
+          </a:p>
+        </p:txBody>
+      </p:sp>
+      <p:pic>
+        <p:nvPicPr>
+          <p:cNvPr id="12" name="Picture 11"/>
+          <p:cNvPicPr>
+            <a:picLocks noChangeAspect="1"/>
+          </p:cNvPicPr>
+          <p:nvPr/>
+        </p:nvPicPr>
+        <p:blipFill>
+          <a:blip r:embed="rId2"/>
+          <a:stretch>
+            <a:fillRect/>
+          </a:stretch>
+        </p:blipFill>
+        <p:spPr>
+          <a:xfrm>
+            <a:off x="5928064" y="3494993"/>
+            <a:ext cx="802952" cy="872774"/>
+          </a:xfrm>
+          <a:prstGeom prst="rect">
+            <a:avLst/>
+          </a:prstGeom>
+        </p:spPr>
+      </p:pic>
+      <p:pic>
+        <p:nvPicPr>
+          <p:cNvPr id="13" name="Picture 12"/>
+          <p:cNvPicPr>
+            <a:picLocks noChangeAspect="1"/>
+          </p:cNvPicPr>
+          <p:nvPr/>
+        </p:nvPicPr>
+        <p:blipFill>
+          <a:blip r:embed="rId2"/>
+          <a:stretch>
+            <a:fillRect/>
+          </a:stretch>
+        </p:blipFill>
+        <p:spPr>
+          <a:xfrm>
+            <a:off x="5812405" y="4438876"/>
+            <a:ext cx="802952" cy="872774"/>
+          </a:xfrm>
+          <a:prstGeom prst="rect">
+            <a:avLst/>
+          </a:prstGeom>
+        </p:spPr>
+      </p:pic>
+      <p:pic>
+        <p:nvPicPr>
+          <p:cNvPr id="14" name="Picture 13"/>
+          <p:cNvPicPr>
+            <a:picLocks noChangeAspect="1"/>
+          </p:cNvPicPr>
+          <p:nvPr/>
+        </p:nvPicPr>
+        <p:blipFill>
+          <a:blip r:embed="rId3"/>
+          <a:stretch>
+            <a:fillRect/>
+          </a:stretch>
+        </p:blipFill>
+        <p:spPr>
+          <a:xfrm>
+            <a:off x="1581650" y="2008648"/>
+            <a:ext cx="2029530" cy="1098972"/>
+          </a:xfrm>
+          <a:prstGeom prst="rect">
+            <a:avLst/>
+          </a:prstGeom>
+        </p:spPr>
+      </p:pic>
     </p:spTree>
     <p:extLst>
       <p:ext uri="{BB962C8B-B14F-4D97-AF65-F5344CB8AC3E}">
@@ -5532,6 +6296,80 @@
       </p:grpSpPr>
       <p:sp>
         <p:nvSpPr>
+          <p:cNvPr id="12" name="TextBox 11"/>
+          <p:cNvSpPr txBox="1"/>
+          <p:nvPr/>
+        </p:nvSpPr>
+        <p:spPr>
+          <a:xfrm>
+            <a:off x="685800" y="4398848"/>
+            <a:ext cx="7450403" cy="923330"/>
+          </a:xfrm>
+          <a:prstGeom prst="rect">
+            <a:avLst/>
+          </a:prstGeom>
+          <a:noFill/>
+          <a:ln>
+            <a:solidFill>
+              <a:srgbClr val="000000"/>
+            </a:solidFill>
+          </a:ln>
+        </p:spPr>
+        <p:txBody>
+          <a:bodyPr wrap="square" rtlCol="0">
+            <a:spAutoFit/>
+          </a:bodyPr>
+          <a:lstStyle/>
+          <a:p>
+            <a:endParaRPr lang="en-US" dirty="0" smtClean="0"/>
+          </a:p>
+          <a:p>
+            <a:endParaRPr lang="en-US" dirty="0"/>
+          </a:p>
+          <a:p>
+            <a:endParaRPr lang="en-US" dirty="0"/>
+          </a:p>
+        </p:txBody>
+      </p:sp>
+      <p:sp>
+        <p:nvSpPr>
+          <p:cNvPr id="11" name="TextBox 10"/>
+          <p:cNvSpPr txBox="1"/>
+          <p:nvPr/>
+        </p:nvSpPr>
+        <p:spPr>
+          <a:xfrm>
+            <a:off x="685800" y="3455768"/>
+            <a:ext cx="7450403" cy="923330"/>
+          </a:xfrm>
+          <a:prstGeom prst="rect">
+            <a:avLst/>
+          </a:prstGeom>
+          <a:noFill/>
+          <a:ln>
+            <a:solidFill>
+              <a:srgbClr val="000000"/>
+            </a:solidFill>
+          </a:ln>
+        </p:spPr>
+        <p:txBody>
+          <a:bodyPr wrap="square" rtlCol="0">
+            <a:spAutoFit/>
+          </a:bodyPr>
+          <a:lstStyle/>
+          <a:p>
+            <a:endParaRPr lang="en-US" dirty="0" smtClean="0"/>
+          </a:p>
+          <a:p>
+            <a:endParaRPr lang="en-US" dirty="0"/>
+          </a:p>
+          <a:p>
+            <a:endParaRPr lang="en-US" dirty="0" smtClean="0"/>
+          </a:p>
+        </p:txBody>
+      </p:sp>
+      <p:sp>
+        <p:nvSpPr>
           <p:cNvPr id="2" name="Title 1"/>
           <p:cNvSpPr>
             <a:spLocks noGrp="1"/>
@@ -5547,11 +6385,371 @@
           <a:p>
             <a:r>
               <a:rPr lang="en-US" dirty="0" smtClean="0"/>
-              <a:t>What are we </a:t>
-            </a:r>
+              <a:t>Matching Allele Interaction</a:t>
+            </a:r>
+            <a:endParaRPr lang="en-US" dirty="0"/>
+          </a:p>
+        </p:txBody>
+      </p:sp>
+      <p:sp>
+        <p:nvSpPr>
+          <p:cNvPr id="4" name="Title 1"/>
+          <p:cNvSpPr txBox="1">
+            <a:spLocks/>
+          </p:cNvSpPr>
+          <p:nvPr/>
+        </p:nvSpPr>
+        <p:spPr>
+          <a:xfrm>
+            <a:off x="685800" y="67236"/>
+            <a:ext cx="7770813" cy="1371600"/>
+          </a:xfrm>
+          <a:prstGeom prst="rect">
+            <a:avLst/>
+          </a:prstGeom>
+          <a:effectLst/>
+        </p:spPr>
+        <p:txBody>
+          <a:bodyPr vert="horz" lIns="91440" tIns="45720" rIns="91440" bIns="45720" rtlCol="0" anchor="ctr" anchorCtr="0">
+            <a:noAutofit/>
+          </a:bodyPr>
+          <a:lstStyle>
+            <a:lvl1pPr algn="ctr" defTabSz="914400" rtl="0" eaLnBrk="1" latinLnBrk="0" hangingPunct="1">
+              <a:spcBef>
+                <a:spcPct val="0"/>
+              </a:spcBef>
+              <a:buNone/>
+              <a:defRPr sz="5000" kern="1200">
+                <a:solidFill>
+                  <a:schemeClr val="tx2"/>
+                </a:solidFill>
+                <a:effectLst>
+                  <a:outerShdw blurRad="38100" dist="12700" algn="l" rotWithShape="0">
+                    <a:prstClr val="black">
+                      <a:alpha val="40000"/>
+                    </a:prstClr>
+                  </a:outerShdw>
+                </a:effectLst>
+                <a:latin typeface="+mj-lt"/>
+                <a:ea typeface="+mj-ea"/>
+                <a:cs typeface="+mj-cs"/>
+              </a:defRPr>
+            </a:lvl1pPr>
+          </a:lstStyle>
+          <a:p>
+            <a:endParaRPr lang="en-US" dirty="0"/>
+          </a:p>
+        </p:txBody>
+      </p:sp>
+      <p:sp>
+        <p:nvSpPr>
+          <p:cNvPr id="5" name="Content Placeholder 2"/>
+          <p:cNvSpPr txBox="1">
+            <a:spLocks/>
+          </p:cNvSpPr>
+          <p:nvPr/>
+        </p:nvSpPr>
+        <p:spPr>
+          <a:xfrm>
+            <a:off x="685800" y="3597483"/>
+            <a:ext cx="5449725" cy="546424"/>
+          </a:xfrm>
+          <a:prstGeom prst="rect">
+            <a:avLst/>
+          </a:prstGeom>
+        </p:spPr>
+        <p:txBody>
+          <a:bodyPr vert="horz" lIns="91440" tIns="45720" rIns="91440" bIns="45720" rtlCol="0">
+            <a:noAutofit/>
+          </a:bodyPr>
+          <a:lstStyle>
+            <a:lvl1pPr marL="457200" indent="-457200" algn="l" defTabSz="914400" rtl="0" eaLnBrk="1" latinLnBrk="0" hangingPunct="1">
+              <a:spcBef>
+                <a:spcPts val="2000"/>
+              </a:spcBef>
+              <a:buClr>
+                <a:schemeClr val="accent3"/>
+              </a:buClr>
+              <a:buFont typeface="Wingdings" pitchFamily="2" charset="2"/>
+              <a:buChar char=""/>
+              <a:defRPr sz="2400" kern="1200">
+                <a:solidFill>
+                  <a:schemeClr val="tx2"/>
+                </a:solidFill>
+                <a:latin typeface="+mn-lt"/>
+                <a:ea typeface="+mn-ea"/>
+                <a:cs typeface="+mn-cs"/>
+              </a:defRPr>
+            </a:lvl1pPr>
+            <a:lvl2pPr marL="914400" indent="-457200" algn="l" defTabSz="914400" rtl="0" eaLnBrk="1" latinLnBrk="0" hangingPunct="1">
+              <a:spcBef>
+                <a:spcPts val="600"/>
+              </a:spcBef>
+              <a:buClr>
+                <a:schemeClr val="accent3">
+                  <a:lumMod val="50000"/>
+                </a:schemeClr>
+              </a:buClr>
+              <a:buFont typeface="Wingdings" pitchFamily="2" charset="2"/>
+              <a:buChar char=""/>
+              <a:defRPr sz="2200" kern="1200">
+                <a:solidFill>
+                  <a:schemeClr val="tx2"/>
+                </a:solidFill>
+                <a:latin typeface="+mn-lt"/>
+                <a:ea typeface="+mn-ea"/>
+                <a:cs typeface="+mn-cs"/>
+              </a:defRPr>
+            </a:lvl2pPr>
+            <a:lvl3pPr marL="1371600" indent="-457200" algn="l" defTabSz="914400" rtl="0" eaLnBrk="1" latinLnBrk="0" hangingPunct="1">
+              <a:spcBef>
+                <a:spcPts val="600"/>
+              </a:spcBef>
+              <a:buClr>
+                <a:schemeClr val="accent3"/>
+              </a:buClr>
+              <a:buFont typeface="Wingdings" pitchFamily="2" charset="2"/>
+              <a:buChar char=""/>
+              <a:defRPr sz="2000" kern="1200">
+                <a:solidFill>
+                  <a:schemeClr val="tx2"/>
+                </a:solidFill>
+                <a:latin typeface="+mn-lt"/>
+                <a:ea typeface="+mn-ea"/>
+                <a:cs typeface="+mn-cs"/>
+              </a:defRPr>
+            </a:lvl3pPr>
+            <a:lvl4pPr marL="1828800" indent="-457200" algn="l" defTabSz="914400" rtl="0" eaLnBrk="1" latinLnBrk="0" hangingPunct="1">
+              <a:spcBef>
+                <a:spcPts val="600"/>
+              </a:spcBef>
+              <a:buClr>
+                <a:schemeClr val="accent3">
+                  <a:lumMod val="50000"/>
+                </a:schemeClr>
+              </a:buClr>
+              <a:buFont typeface="Wingdings" pitchFamily="2" charset="2"/>
+              <a:buChar char=""/>
+              <a:defRPr sz="1800" kern="1200">
+                <a:solidFill>
+                  <a:schemeClr val="tx2"/>
+                </a:solidFill>
+                <a:latin typeface="+mn-lt"/>
+                <a:ea typeface="+mn-ea"/>
+                <a:cs typeface="+mn-cs"/>
+              </a:defRPr>
+            </a:lvl4pPr>
+            <a:lvl5pPr marL="2286000" indent="-457200" algn="l" defTabSz="914400" rtl="0" eaLnBrk="1" latinLnBrk="0" hangingPunct="1">
+              <a:spcBef>
+                <a:spcPts val="600"/>
+              </a:spcBef>
+              <a:buClr>
+                <a:schemeClr val="accent3"/>
+              </a:buClr>
+              <a:buFont typeface="Wingdings" pitchFamily="2" charset="2"/>
+              <a:buChar char=""/>
+              <a:defRPr sz="1800" kern="1200">
+                <a:solidFill>
+                  <a:schemeClr val="tx2"/>
+                </a:solidFill>
+                <a:latin typeface="+mn-lt"/>
+                <a:ea typeface="+mn-ea"/>
+                <a:cs typeface="+mn-cs"/>
+              </a:defRPr>
+            </a:lvl5pPr>
+            <a:lvl6pPr marL="2743200" indent="-461963" algn="l" defTabSz="914400" rtl="0" eaLnBrk="1" latinLnBrk="0" hangingPunct="1">
+              <a:spcBef>
+                <a:spcPct val="20000"/>
+              </a:spcBef>
+              <a:buClr>
+                <a:schemeClr val="accent3">
+                  <a:lumMod val="50000"/>
+                </a:schemeClr>
+              </a:buClr>
+              <a:buFont typeface="Wingdings" pitchFamily="2" charset="2"/>
+              <a:buChar char=""/>
+              <a:defRPr sz="1800" kern="1200">
+                <a:solidFill>
+                  <a:schemeClr val="tx1"/>
+                </a:solidFill>
+                <a:latin typeface="+mn-lt"/>
+                <a:ea typeface="+mn-ea"/>
+                <a:cs typeface="+mn-cs"/>
+              </a:defRPr>
+            </a:lvl6pPr>
+            <a:lvl7pPr marL="3205163" indent="-461963" algn="l" defTabSz="914400" rtl="0" eaLnBrk="1" latinLnBrk="0" hangingPunct="1">
+              <a:spcBef>
+                <a:spcPct val="20000"/>
+              </a:spcBef>
+              <a:buClr>
+                <a:schemeClr val="accent3"/>
+              </a:buClr>
+              <a:buFont typeface="Wingdings" pitchFamily="2" charset="2"/>
+              <a:buChar char=""/>
+              <a:defRPr sz="1800" kern="1200">
+                <a:solidFill>
+                  <a:schemeClr val="tx1"/>
+                </a:solidFill>
+                <a:latin typeface="+mn-lt"/>
+                <a:ea typeface="+mn-ea"/>
+                <a:cs typeface="+mn-cs"/>
+              </a:defRPr>
+            </a:lvl7pPr>
+            <a:lvl8pPr marL="3657600" indent="-461963" algn="l" defTabSz="914400" rtl="0" eaLnBrk="1" latinLnBrk="0" hangingPunct="1">
+              <a:spcBef>
+                <a:spcPct val="20000"/>
+              </a:spcBef>
+              <a:buClr>
+                <a:schemeClr val="accent3">
+                  <a:lumMod val="50000"/>
+                </a:schemeClr>
+              </a:buClr>
+              <a:buFont typeface="Wingdings" pitchFamily="2" charset="2"/>
+              <a:buChar char=""/>
+              <a:defRPr sz="1800" kern="1200">
+                <a:solidFill>
+                  <a:schemeClr val="tx1"/>
+                </a:solidFill>
+                <a:latin typeface="+mn-lt"/>
+                <a:ea typeface="+mn-ea"/>
+                <a:cs typeface="+mn-cs"/>
+              </a:defRPr>
+            </a:lvl8pPr>
+            <a:lvl9pPr marL="4119563" indent="-461963" algn="l" defTabSz="914400" rtl="0" eaLnBrk="1" latinLnBrk="0" hangingPunct="1">
+              <a:spcBef>
+                <a:spcPct val="20000"/>
+              </a:spcBef>
+              <a:buClr>
+                <a:schemeClr val="accent3"/>
+              </a:buClr>
+              <a:buFont typeface="Wingdings" pitchFamily="2" charset="2"/>
+              <a:buChar char=""/>
+              <a:defRPr sz="1800" kern="1200">
+                <a:solidFill>
+                  <a:schemeClr val="tx1"/>
+                </a:solidFill>
+                <a:latin typeface="+mn-lt"/>
+                <a:ea typeface="+mn-ea"/>
+                <a:cs typeface="+mn-cs"/>
+              </a:defRPr>
+            </a:lvl9pPr>
+          </a:lstStyle>
+          <a:p>
+            <a:pPr marL="0" indent="0">
+              <a:buFont typeface="Wingdings" pitchFamily="2" charset="2"/>
+              <a:buNone/>
+            </a:pPr>
+            <a:r>
+              <a:rPr lang="en-US" sz="1800" dirty="0" smtClean="0"/>
+              <a:t>The bacteria can resist this virus, because it can detect the difference between itself and the viral genome</a:t>
+            </a:r>
+            <a:endParaRPr lang="en-US" sz="1800" dirty="0"/>
+          </a:p>
+        </p:txBody>
+      </p:sp>
+      <p:sp>
+        <p:nvSpPr>
+          <p:cNvPr id="6" name="TextBox 5"/>
+          <p:cNvSpPr txBox="1"/>
+          <p:nvPr/>
+        </p:nvSpPr>
+        <p:spPr>
+          <a:xfrm>
+            <a:off x="3729310" y="2620561"/>
+            <a:ext cx="1465966" cy="523220"/>
+          </a:xfrm>
+          <a:prstGeom prst="rect">
+            <a:avLst/>
+          </a:prstGeom>
+          <a:noFill/>
+        </p:spPr>
+        <p:txBody>
+          <a:bodyPr wrap="none" rtlCol="0">
+            <a:spAutoFit/>
+          </a:bodyPr>
+          <a:lstStyle/>
+          <a:p>
+            <a:pPr algn="ctr"/>
+            <a:r>
+              <a:rPr lang="en-US" sz="2800" b="1" dirty="0" smtClean="0">
+                <a:solidFill>
+                  <a:srgbClr val="FF0000"/>
+                </a:solidFill>
+              </a:rPr>
+              <a:t>0100011</a:t>
+            </a:r>
+            <a:endParaRPr lang="en-US" sz="2800" b="1" dirty="0">
+              <a:solidFill>
+                <a:srgbClr val="FF0000"/>
+              </a:solidFill>
+            </a:endParaRPr>
+          </a:p>
+        </p:txBody>
+      </p:sp>
+      <p:sp>
+        <p:nvSpPr>
+          <p:cNvPr id="7" name="TextBox 6"/>
+          <p:cNvSpPr txBox="1"/>
+          <p:nvPr/>
+        </p:nvSpPr>
+        <p:spPr>
+          <a:xfrm>
+            <a:off x="6523554" y="3640370"/>
+            <a:ext cx="1465966" cy="523220"/>
+          </a:xfrm>
+          <a:prstGeom prst="rect">
+            <a:avLst/>
+          </a:prstGeom>
+          <a:noFill/>
+        </p:spPr>
+        <p:txBody>
+          <a:bodyPr wrap="none" rtlCol="0">
+            <a:spAutoFit/>
+          </a:bodyPr>
+          <a:lstStyle/>
+          <a:p>
+            <a:r>
+              <a:rPr lang="en-US" sz="2800" b="1" dirty="0" smtClean="0">
+                <a:solidFill>
+                  <a:srgbClr val="008000"/>
+                </a:solidFill>
+              </a:rPr>
+              <a:t>0100001</a:t>
+            </a:r>
+            <a:endParaRPr lang="en-US" sz="2800" b="1" dirty="0">
+              <a:solidFill>
+                <a:srgbClr val="008000"/>
+              </a:solidFill>
+            </a:endParaRPr>
+          </a:p>
+        </p:txBody>
+      </p:sp>
+      <p:sp>
+        <p:nvSpPr>
+          <p:cNvPr id="8" name="TextBox 7"/>
+          <p:cNvSpPr txBox="1"/>
+          <p:nvPr/>
+        </p:nvSpPr>
+        <p:spPr>
+          <a:xfrm>
+            <a:off x="3965570" y="2373468"/>
+            <a:ext cx="1005403" cy="369332"/>
+          </a:xfrm>
+          <a:prstGeom prst="rect">
+            <a:avLst/>
+          </a:prstGeom>
+          <a:noFill/>
+        </p:spPr>
+        <p:txBody>
+          <a:bodyPr wrap="none" rtlCol="0">
+            <a:spAutoFit/>
+          </a:bodyPr>
+          <a:lstStyle/>
+          <a:p>
+            <a:pPr algn="ctr"/>
             <a:r>
               <a:rPr lang="en-US" dirty="0" smtClean="0"/>
-              <a:t>doing?</a:t>
+              <a:t>Bacteria</a:t>
             </a:r>
             <a:endParaRPr lang="en-US" dirty="0"/>
           </a:p>
@@ -5559,90 +6757,94 @@
       </p:sp>
       <p:sp>
         <p:nvSpPr>
-          <p:cNvPr id="3" name="Content Placeholder 2"/>
-          <p:cNvSpPr>
-            <a:spLocks noGrp="1"/>
-          </p:cNvSpPr>
-          <p:nvPr>
-            <p:ph idx="1"/>
-          </p:nvPr>
+          <p:cNvPr id="9" name="TextBox 8"/>
+          <p:cNvSpPr txBox="1"/>
+          <p:nvPr/>
         </p:nvSpPr>
         <p:spPr>
           <a:xfrm>
-            <a:off x="685800" y="1958414"/>
-            <a:ext cx="8047399" cy="4826994"/>
-          </a:xfrm>
-        </p:spPr>
-        <p:txBody>
-          <a:bodyPr>
-            <a:normAutofit/>
+            <a:off x="719013" y="4539285"/>
+            <a:ext cx="5218407" cy="646331"/>
+          </a:xfrm>
+          <a:prstGeom prst="rect">
+            <a:avLst/>
+          </a:prstGeom>
+          <a:noFill/>
+        </p:spPr>
+        <p:txBody>
+          <a:bodyPr wrap="square" rtlCol="0">
+            <a:spAutoFit/>
           </a:bodyPr>
           <a:lstStyle/>
           <a:p>
             <a:r>
               <a:rPr lang="en-US" dirty="0" smtClean="0"/>
-              <a:t>Replicating and </a:t>
-            </a:r>
-            <a:r>
-              <a:rPr lang="en-US" dirty="0"/>
-              <a:t>i</a:t>
+              <a:t>It cannot resist this virus, as the virus </a:t>
             </a:r>
             <a:r>
               <a:rPr lang="en-US" dirty="0" smtClean="0"/>
-              <a:t>mproving on this paper</a:t>
-            </a:r>
-          </a:p>
-          <a:p>
+              <a:t>matches the host recognition sequence perfectly.</a:t>
+            </a:r>
             <a:endParaRPr lang="en-US" dirty="0"/>
           </a:p>
-          <a:p>
-            <a:endParaRPr lang="en-US" dirty="0" smtClean="0"/>
-          </a:p>
-          <a:p>
-            <a:endParaRPr lang="en-US" dirty="0"/>
-          </a:p>
-          <a:p>
-            <a:endParaRPr lang="en-US" dirty="0" smtClean="0"/>
-          </a:p>
-          <a:p>
-            <a:r>
-              <a:rPr lang="en-US" dirty="0" smtClean="0"/>
-              <a:t>Used a GA to simulate evolution of mutation rates in hosts</a:t>
-            </a:r>
-          </a:p>
-          <a:p>
-            <a:r>
-              <a:rPr lang="en-US" dirty="0" smtClean="0"/>
-              <a:t>Explored further and confirmed using wet lab methods</a:t>
-            </a:r>
-            <a:endParaRPr lang="en-US" dirty="0"/>
+        </p:txBody>
+      </p:sp>
+      <p:sp>
+        <p:nvSpPr>
+          <p:cNvPr id="10" name="TextBox 9"/>
+          <p:cNvSpPr txBox="1"/>
+          <p:nvPr/>
+        </p:nvSpPr>
+        <p:spPr>
+          <a:xfrm>
+            <a:off x="6523554" y="4627440"/>
+            <a:ext cx="1463862" cy="523220"/>
+          </a:xfrm>
+          <a:prstGeom prst="rect">
+            <a:avLst/>
+          </a:prstGeom>
+          <a:noFill/>
+        </p:spPr>
+        <p:txBody>
+          <a:bodyPr wrap="none" rtlCol="0">
+            <a:spAutoFit/>
+          </a:bodyPr>
+          <a:lstStyle/>
+          <a:p>
+            <a:r>
+              <a:rPr lang="en-US" sz="2800" b="1" dirty="0" smtClean="0">
+                <a:solidFill>
+                  <a:srgbClr val="008000"/>
+                </a:solidFill>
+              </a:rPr>
+              <a:t>0100011</a:t>
+            </a:r>
+            <a:endParaRPr lang="en-US" sz="2800" b="1" dirty="0">
+              <a:solidFill>
+                <a:srgbClr val="008000"/>
+              </a:solidFill>
+            </a:endParaRPr>
           </a:p>
         </p:txBody>
       </p:sp>
       <p:pic>
         <p:nvPicPr>
-          <p:cNvPr id="5" name="Picture 4" descr="Screen Shot 2015-06-04 at 1.58.33 PM.png"/>
+          <p:cNvPr id="14" name="Picture 13"/>
           <p:cNvPicPr>
             <a:picLocks noChangeAspect="1"/>
           </p:cNvPicPr>
           <p:nvPr/>
         </p:nvPicPr>
         <p:blipFill>
-          <a:blip r:embed="rId2">
-            <a:extLst>
-              <a:ext uri="{28A0092B-C50C-407E-A947-70E740481C1C}">
-                <a14:useLocalDpi xmlns:a14="http://schemas.microsoft.com/office/drawing/2010/main" val="0"/>
-              </a:ext>
-            </a:extLst>
-          </a:blip>
+          <a:blip r:embed="rId2"/>
           <a:stretch>
             <a:fillRect/>
           </a:stretch>
         </p:blipFill>
         <p:spPr>
           <a:xfrm>
-            <a:off x="0" y="2540000"/>
-            <a:ext cx="9144000" cy="1540144"/>
+            <a:off x="1581650" y="2008648"/>
+            <a:ext cx="2029530" cy="1098972"/>
           </a:xfrm>
           <a:prstGeom prst="rect">
             <a:avLst/>
@@ -5651,34 +6853,167 @@
       </p:pic>
       <p:pic>
         <p:nvPicPr>
-          <p:cNvPr id="6" name="Picture 5" descr="Screen Shot 2015-06-04 at 1.58.19 PM.png"/>
+          <p:cNvPr id="15" name="Picture 14"/>
           <p:cNvPicPr>
             <a:picLocks noChangeAspect="1"/>
           </p:cNvPicPr>
           <p:nvPr/>
         </p:nvPicPr>
         <p:blipFill>
-          <a:blip r:embed="rId3">
-            <a:extLst>
-              <a:ext uri="{28A0092B-C50C-407E-A947-70E740481C1C}">
-                <a14:useLocalDpi xmlns:a14="http://schemas.microsoft.com/office/drawing/2010/main" val="0"/>
-              </a:ext>
-            </a:extLst>
-          </a:blip>
+          <a:blip r:embed="rId3"/>
           <a:stretch>
             <a:fillRect/>
           </a:stretch>
         </p:blipFill>
         <p:spPr>
           <a:xfrm>
-            <a:off x="0" y="3977399"/>
-            <a:ext cx="9144000" cy="877214"/>
+            <a:off x="5928064" y="3494993"/>
+            <a:ext cx="802952" cy="872774"/>
           </a:xfrm>
           <a:prstGeom prst="rect">
             <a:avLst/>
           </a:prstGeom>
         </p:spPr>
       </p:pic>
+      <p:pic>
+        <p:nvPicPr>
+          <p:cNvPr id="16" name="Picture 15"/>
+          <p:cNvPicPr>
+            <a:picLocks noChangeAspect="1"/>
+          </p:cNvPicPr>
+          <p:nvPr/>
+        </p:nvPicPr>
+        <p:blipFill>
+          <a:blip r:embed="rId3"/>
+          <a:stretch>
+            <a:fillRect/>
+          </a:stretch>
+        </p:blipFill>
+        <p:spPr>
+          <a:xfrm>
+            <a:off x="5832383" y="4449404"/>
+            <a:ext cx="802952" cy="872774"/>
+          </a:xfrm>
+          <a:prstGeom prst="rect">
+            <a:avLst/>
+          </a:prstGeom>
+        </p:spPr>
+      </p:pic>
+    </p:spTree>
+    <p:extLst>
+      <p:ext uri="{BB962C8B-B14F-4D97-AF65-F5344CB8AC3E}">
+        <p14:creationId xmlns:p14="http://schemas.microsoft.com/office/powerpoint/2010/main" val="1388171485"/>
+      </p:ext>
+    </p:extLst>
+  </p:cSld>
+  <p:clrMapOvr>
+    <a:masterClrMapping/>
+  </p:clrMapOvr>
+</p:sld>
+</file>
+
+<file path=ppt/slides/slide7.xml><?xml version="1.0" encoding="utf-8"?>
+<p:sld xmlns:a="http://schemas.openxmlformats.org/drawingml/2006/main" xmlns:r="http://schemas.openxmlformats.org/officeDocument/2006/relationships" xmlns:p="http://schemas.openxmlformats.org/presentationml/2006/main">
+  <p:cSld>
+    <p:spTree>
+      <p:nvGrpSpPr>
+        <p:cNvPr id="1" name=""/>
+        <p:cNvGrpSpPr/>
+        <p:nvPr/>
+      </p:nvGrpSpPr>
+      <p:grpSpPr>
+        <a:xfrm>
+          <a:off x="0" y="0"/>
+          <a:ext cx="0" cy="0"/>
+          <a:chOff x="0" y="0"/>
+          <a:chExt cx="0" cy="0"/>
+        </a:xfrm>
+      </p:grpSpPr>
+      <p:sp>
+        <p:nvSpPr>
+          <p:cNvPr id="2" name="Title 1"/>
+          <p:cNvSpPr>
+            <a:spLocks noGrp="1"/>
+          </p:cNvSpPr>
+          <p:nvPr>
+            <p:ph type="title"/>
+          </p:nvPr>
+        </p:nvSpPr>
+        <p:spPr/>
+        <p:txBody>
+          <a:bodyPr/>
+          <a:lstStyle/>
+          <a:p>
+            <a:r>
+              <a:rPr lang="en-US" dirty="0" smtClean="0"/>
+              <a:t>What are we doing?</a:t>
+            </a:r>
+            <a:endParaRPr lang="en-US" dirty="0"/>
+          </a:p>
+        </p:txBody>
+      </p:sp>
+      <p:sp>
+        <p:nvSpPr>
+          <p:cNvPr id="3" name="Content Placeholder 2"/>
+          <p:cNvSpPr>
+            <a:spLocks noGrp="1"/>
+          </p:cNvSpPr>
+          <p:nvPr>
+            <p:ph idx="1"/>
+          </p:nvPr>
+        </p:nvSpPr>
+        <p:spPr>
+          <a:xfrm>
+            <a:off x="685800" y="1958414"/>
+            <a:ext cx="8047399" cy="4826994"/>
+          </a:xfrm>
+        </p:spPr>
+        <p:txBody>
+          <a:bodyPr>
+            <a:normAutofit/>
+          </a:bodyPr>
+          <a:lstStyle/>
+          <a:p>
+            <a:r>
+              <a:rPr lang="en-US" dirty="0" smtClean="0"/>
+              <a:t>Replicating and </a:t>
+            </a:r>
+            <a:r>
+              <a:rPr lang="en-US" dirty="0"/>
+              <a:t>i</a:t>
+            </a:r>
+            <a:r>
+              <a:rPr lang="en-US" dirty="0" smtClean="0"/>
+              <a:t>mproving on this paper</a:t>
+            </a:r>
+          </a:p>
+          <a:p>
+            <a:endParaRPr lang="en-US" dirty="0"/>
+          </a:p>
+          <a:p>
+            <a:endParaRPr lang="en-US" dirty="0" smtClean="0"/>
+          </a:p>
+          <a:p>
+            <a:endParaRPr lang="en-US" dirty="0"/>
+          </a:p>
+          <a:p>
+            <a:endParaRPr lang="en-US" dirty="0" smtClean="0"/>
+          </a:p>
+          <a:p>
+            <a:r>
+              <a:rPr lang="en-US" dirty="0" smtClean="0"/>
+              <a:t>Used a GA to simulate evolution of mutation rates in hosts</a:t>
+            </a:r>
+          </a:p>
+          <a:p>
+            <a:r>
+              <a:rPr lang="en-US" dirty="0" smtClean="0"/>
+              <a:t>Explored further and confirmed using wet lab methods</a:t>
+            </a:r>
+            <a:endParaRPr lang="en-US" dirty="0"/>
+          </a:p>
+        </p:txBody>
+      </p:sp>
       <p:sp>
         <p:nvSpPr>
           <p:cNvPr id="7" name="TextBox 6"/>
@@ -5708,6 +7043,113 @@
               <a:t>    </a:t>
             </a:r>
             <a:endParaRPr lang="en-US" dirty="0"/>
+          </a:p>
+        </p:txBody>
+      </p:sp>
+      <p:sp>
+        <p:nvSpPr>
+          <p:cNvPr id="4" name="Rectangle 3"/>
+          <p:cNvSpPr/>
+          <p:nvPr/>
+        </p:nvSpPr>
+        <p:spPr>
+          <a:xfrm>
+            <a:off x="0" y="3977399"/>
+            <a:ext cx="9144000" cy="877214"/>
+          </a:xfrm>
+          <a:prstGeom prst="rect">
+            <a:avLst/>
+          </a:prstGeom>
+          <a:blipFill dpi="0" rotWithShape="1">
+            <a:blip r:embed="rId2">
+              <a:alphaModFix amt="81000"/>
+            </a:blip>
+            <a:srcRect/>
+            <a:stretch>
+              <a:fillRect/>
+            </a:stretch>
+          </a:blipFill>
+          <a:ln>
+            <a:noFill/>
+          </a:ln>
+        </p:spPr>
+        <p:style>
+          <a:lnRef idx="1">
+            <a:schemeClr val="accent1"/>
+          </a:lnRef>
+          <a:fillRef idx="3">
+            <a:schemeClr val="accent1"/>
+          </a:fillRef>
+          <a:effectRef idx="2">
+            <a:schemeClr val="accent1"/>
+          </a:effectRef>
+          <a:fontRef idx="minor">
+            <a:schemeClr val="lt1"/>
+          </a:fontRef>
+        </p:style>
+        <p:txBody>
+          <a:bodyPr rtlCol="0" anchor="ctr"/>
+          <a:lstStyle/>
+          <a:p>
+            <a:pPr algn="ctr"/>
+            <a:endParaRPr lang="en-US"/>
+          </a:p>
+        </p:txBody>
+      </p:sp>
+      <p:sp>
+        <p:nvSpPr>
+          <p:cNvPr id="12" name="Rectangle 11"/>
+          <p:cNvSpPr/>
+          <p:nvPr/>
+        </p:nvSpPr>
+        <p:spPr>
+          <a:xfrm>
+            <a:off x="0" y="2472556"/>
+            <a:ext cx="9144000" cy="1519949"/>
+          </a:xfrm>
+          <a:prstGeom prst="rect">
+            <a:avLst/>
+          </a:prstGeom>
+          <a:blipFill dpi="0" rotWithShape="1">
+            <a:blip r:embed="rId3">
+              <a:alphaModFix amt="80000"/>
+            </a:blip>
+            <a:srcRect/>
+            <a:stretch>
+              <a:fillRect/>
+            </a:stretch>
+          </a:blipFill>
+          <a:ln>
+            <a:noFill/>
+          </a:ln>
+          <a:effectLst>
+            <a:outerShdw blurRad="38100" dir="5400000" algn="br" rotWithShape="0">
+              <a:schemeClr val="tx1">
+                <a:alpha val="50000"/>
+              </a:schemeClr>
+            </a:outerShdw>
+          </a:effectLst>
+        </p:spPr>
+        <p:style>
+          <a:lnRef idx="1">
+            <a:schemeClr val="accent1"/>
+          </a:lnRef>
+          <a:fillRef idx="3">
+            <a:schemeClr val="accent1"/>
+          </a:fillRef>
+          <a:effectRef idx="2">
+            <a:schemeClr val="accent1"/>
+          </a:effectRef>
+          <a:fontRef idx="minor">
+            <a:schemeClr val="lt1"/>
+          </a:fontRef>
+        </p:style>
+        <p:txBody>
+          <a:bodyPr rtlCol="0" anchor="ctr"/>
+          <a:lstStyle/>
+          <a:p>
+            <a:pPr algn="ctr"/>
+            <a:endParaRPr lang="en-US"/>
           </a:p>
         </p:txBody>
       </p:sp>
@@ -5724,7 +7166,7 @@
 </p:sld>
 </file>
 
-<file path=ppt/slides/slide7.xml><?xml version="1.0" encoding="utf-8"?>
+<file path=ppt/slides/slide8.xml><?xml version="1.0" encoding="utf-8"?>
 <p:sld xmlns:a="http://schemas.openxmlformats.org/drawingml/2006/main" xmlns:r="http://schemas.openxmlformats.org/officeDocument/2006/relationships" xmlns:p="http://schemas.openxmlformats.org/presentationml/2006/main">
   <p:cSld>
     <p:spTree>
@@ -6054,7 +7496,7 @@
 </p:sld>
 </file>
 
-<file path=ppt/slides/slide8.xml><?xml version="1.0" encoding="utf-8"?>
+<file path=ppt/slides/slide9.xml><?xml version="1.0" encoding="utf-8"?>
 <p:sld xmlns:a="http://schemas.openxmlformats.org/drawingml/2006/main" xmlns:r="http://schemas.openxmlformats.org/officeDocument/2006/relationships" xmlns:p="http://schemas.openxmlformats.org/presentationml/2006/main">
   <p:cSld>
     <p:spTree>
@@ -6111,15 +7553,7 @@
           <a:p>
             <a:r>
               <a:rPr lang="en-US" dirty="0" smtClean="0"/>
-              <a:t>Implemented a </a:t>
-            </a:r>
-            <a:r>
-              <a:rPr lang="en-US" dirty="0" smtClean="0"/>
-              <a:t>coevolution </a:t>
-            </a:r>
-            <a:r>
-              <a:rPr lang="en-US" dirty="0" smtClean="0"/>
-              <a:t>GA using the Gene-for-gene interaction model</a:t>
+              <a:t>Implemented a coevolution GA using the Gene-for-gene interaction model</a:t>
             </a:r>
             <a:endParaRPr lang="en-US" dirty="0"/>
           </a:p>
@@ -6159,106 +7593,6 @@
     <p:extLst>
       <p:ext uri="{BB962C8B-B14F-4D97-AF65-F5344CB8AC3E}">
         <p14:creationId xmlns:p14="http://schemas.microsoft.com/office/powerpoint/2010/main" val="4093501149"/>
-      </p:ext>
-    </p:extLst>
-  </p:cSld>
-  <p:clrMapOvr>
-    <a:masterClrMapping/>
-  </p:clrMapOvr>
-</p:sld>
-</file>
-
-<file path=ppt/slides/slide9.xml><?xml version="1.0" encoding="utf-8"?>
-<p:sld xmlns:a="http://schemas.openxmlformats.org/drawingml/2006/main" xmlns:r="http://schemas.openxmlformats.org/officeDocument/2006/relationships" xmlns:p="http://schemas.openxmlformats.org/presentationml/2006/main">
-  <p:cSld>
-    <p:spTree>
-      <p:nvGrpSpPr>
-        <p:cNvPr id="1" name=""/>
-        <p:cNvGrpSpPr/>
-        <p:nvPr/>
-      </p:nvGrpSpPr>
-      <p:grpSpPr>
-        <a:xfrm>
-          <a:off x="0" y="0"/>
-          <a:ext cx="0" cy="0"/>
-          <a:chOff x="0" y="0"/>
-          <a:chExt cx="0" cy="0"/>
-        </a:xfrm>
-      </p:grpSpPr>
-      <p:sp>
-        <p:nvSpPr>
-          <p:cNvPr id="2" name="Title 1"/>
-          <p:cNvSpPr>
-            <a:spLocks noGrp="1"/>
-          </p:cNvSpPr>
-          <p:nvPr>
-            <p:ph type="title"/>
-          </p:nvPr>
-        </p:nvSpPr>
-        <p:spPr/>
-        <p:txBody>
-          <a:bodyPr/>
-          <a:lstStyle/>
-          <a:p>
-            <a:r>
-              <a:rPr lang="en-US" dirty="0" smtClean="0"/>
-              <a:t>How does it work?</a:t>
-            </a:r>
-            <a:endParaRPr lang="en-US" dirty="0"/>
-          </a:p>
-        </p:txBody>
-      </p:sp>
-      <p:sp>
-        <p:nvSpPr>
-          <p:cNvPr id="3" name="Content Placeholder 2"/>
-          <p:cNvSpPr>
-            <a:spLocks noGrp="1"/>
-          </p:cNvSpPr>
-          <p:nvPr>
-            <p:ph idx="1"/>
-          </p:nvPr>
-        </p:nvSpPr>
-        <p:spPr/>
-        <p:txBody>
-          <a:bodyPr/>
-          <a:lstStyle/>
-          <a:p>
-            <a:r>
-              <a:rPr lang="en-US" dirty="0" smtClean="0"/>
-              <a:t>Representation?</a:t>
-            </a:r>
-          </a:p>
-          <a:p>
-            <a:r>
-              <a:rPr lang="en-US" dirty="0" smtClean="0"/>
-              <a:t>No crossover (both reproduce asexually in nature)</a:t>
-            </a:r>
-          </a:p>
-          <a:p>
-            <a:r>
-              <a:rPr lang="en-US" dirty="0" smtClean="0"/>
-              <a:t>Mutation rate?</a:t>
-            </a:r>
-          </a:p>
-          <a:p>
-            <a:r>
-              <a:rPr lang="en-US" dirty="0" smtClean="0"/>
-              <a:t>Fitness functions?</a:t>
-            </a:r>
-          </a:p>
-          <a:p>
-            <a:r>
-              <a:rPr lang="en-US" dirty="0" smtClean="0"/>
-              <a:t>Selection?</a:t>
-            </a:r>
-            <a:endParaRPr lang="en-US" dirty="0"/>
-          </a:p>
-        </p:txBody>
-      </p:sp>
-    </p:spTree>
-    <p:extLst>
-      <p:ext uri="{BB962C8B-B14F-4D97-AF65-F5344CB8AC3E}">
-        <p14:creationId xmlns:p14="http://schemas.microsoft.com/office/powerpoint/2010/main" val="615378970"/>
       </p:ext>
     </p:extLst>
   </p:cSld>

--- a/presentation.pptx
+++ b/presentation.pptx
@@ -121,7 +121,7 @@
   </p:defaultTextStyle>
   <p:extLst>
     <p:ext uri="{EFAFB233-063F-42B5-8137-9DF3F51BA10A}">
-      <p15:sldGuideLst xmlns:p15="http://schemas.microsoft.com/office/powerpoint/2012/main">
+      <p15:sldGuideLst xmlns:p15="http://schemas.microsoft.com/office/powerpoint/2012/main" xmlns="">
         <p15:guide id="1" orient="horz" pos="2160">
           <p15:clr>
             <a:srgbClr val="A4A3A4"/>
@@ -220,7 +220,7 @@
           <a:p>
             <a:fld id="{44201544-D0D1-5B41-A16A-F722EC0150C2}" type="datetimeFigureOut">
               <a:rPr lang="en-US" smtClean="0"/>
-              <a:t>6/5/2015</a:t>
+              <a:t>6/5/15</a:t>
             </a:fld>
             <a:endParaRPr lang="en-US"/>
           </a:p>
@@ -851,7 +851,7 @@
           <a:p>
             <a:fld id="{1778F24D-EB19-4AE0-B015-2BEA6D5224F2}" type="datetimeFigureOut">
               <a:rPr lang="en-US" smtClean="0"/>
-              <a:t>6/5/2015</a:t>
+              <a:t>6/5/15</a:t>
             </a:fld>
             <a:endParaRPr lang="en-US"/>
           </a:p>
@@ -1164,7 +1164,7 @@
           <a:p>
             <a:fld id="{1778F24D-EB19-4AE0-B015-2BEA6D5224F2}" type="datetimeFigureOut">
               <a:rPr lang="en-US" smtClean="0"/>
-              <a:t>6/5/2015</a:t>
+              <a:t>6/5/15</a:t>
             </a:fld>
             <a:endParaRPr lang="en-US"/>
           </a:p>
@@ -1371,7 +1371,7 @@
           <a:p>
             <a:fld id="{1778F24D-EB19-4AE0-B015-2BEA6D5224F2}" type="datetimeFigureOut">
               <a:rPr lang="en-US" smtClean="0"/>
-              <a:t>6/5/2015</a:t>
+              <a:t>6/5/15</a:t>
             </a:fld>
             <a:endParaRPr lang="en-US"/>
           </a:p>
@@ -1576,7 +1576,7 @@
           <a:p>
             <a:fld id="{1778F24D-EB19-4AE0-B015-2BEA6D5224F2}" type="datetimeFigureOut">
               <a:rPr lang="en-US" smtClean="0"/>
-              <a:t>6/5/2015</a:t>
+              <a:t>6/5/15</a:t>
             </a:fld>
             <a:endParaRPr lang="en-US"/>
           </a:p>
@@ -1771,7 +1771,7 @@
           <a:p>
             <a:fld id="{1778F24D-EB19-4AE0-B015-2BEA6D5224F2}" type="datetimeFigureOut">
               <a:rPr lang="en-US" smtClean="0"/>
-              <a:t>6/5/2015</a:t>
+              <a:t>6/5/15</a:t>
             </a:fld>
             <a:endParaRPr lang="en-US"/>
           </a:p>
@@ -2041,7 +2041,7 @@
           <a:p>
             <a:fld id="{1778F24D-EB19-4AE0-B015-2BEA6D5224F2}" type="datetimeFigureOut">
               <a:rPr lang="en-US" smtClean="0"/>
-              <a:t>6/5/2015</a:t>
+              <a:t>6/5/15</a:t>
             </a:fld>
             <a:endParaRPr lang="en-US"/>
           </a:p>
@@ -2352,7 +2352,7 @@
           <a:p>
             <a:fld id="{1778F24D-EB19-4AE0-B015-2BEA6D5224F2}" type="datetimeFigureOut">
               <a:rPr lang="en-US" smtClean="0"/>
-              <a:t>6/5/2015</a:t>
+              <a:t>6/5/15</a:t>
             </a:fld>
             <a:endParaRPr lang="en-US"/>
           </a:p>
@@ -2813,7 +2813,7 @@
           <a:p>
             <a:fld id="{1778F24D-EB19-4AE0-B015-2BEA6D5224F2}" type="datetimeFigureOut">
               <a:rPr lang="en-US" smtClean="0"/>
-              <a:t>6/5/2015</a:t>
+              <a:t>6/5/15</a:t>
             </a:fld>
             <a:endParaRPr lang="en-US"/>
           </a:p>
@@ -2952,7 +2952,7 @@
           <a:p>
             <a:fld id="{1778F24D-EB19-4AE0-B015-2BEA6D5224F2}" type="datetimeFigureOut">
               <a:rPr lang="en-US" smtClean="0"/>
-              <a:t>6/5/2015</a:t>
+              <a:t>6/5/15</a:t>
             </a:fld>
             <a:endParaRPr lang="en-US"/>
           </a:p>
@@ -3068,7 +3068,7 @@
           <a:p>
             <a:fld id="{1778F24D-EB19-4AE0-B015-2BEA6D5224F2}" type="datetimeFigureOut">
               <a:rPr lang="en-US" smtClean="0"/>
-              <a:t>6/5/2015</a:t>
+              <a:t>6/5/15</a:t>
             </a:fld>
             <a:endParaRPr lang="en-US"/>
           </a:p>
@@ -3354,7 +3354,7 @@
           <a:p>
             <a:fld id="{1778F24D-EB19-4AE0-B015-2BEA6D5224F2}" type="datetimeFigureOut">
               <a:rPr lang="en-US" smtClean="0"/>
-              <a:t>6/5/2015</a:t>
+              <a:t>6/5/15</a:t>
             </a:fld>
             <a:endParaRPr lang="en-US"/>
           </a:p>
@@ -3692,7 +3692,7 @@
           <a:p>
             <a:fld id="{1778F24D-EB19-4AE0-B015-2BEA6D5224F2}" type="datetimeFigureOut">
               <a:rPr lang="en-US" smtClean="0"/>
-              <a:t>6/5/2015</a:t>
+              <a:t>6/5/15</a:t>
             </a:fld>
             <a:endParaRPr lang="en-US"/>
           </a:p>
@@ -3968,7 +3968,7 @@
           <a:p>
             <a:fld id="{1778F24D-EB19-4AE0-B015-2BEA6D5224F2}" type="datetimeFigureOut">
               <a:rPr lang="en-US" smtClean="0"/>
-              <a:t>6/5/2015</a:t>
+              <a:t>6/5/15</a:t>
             </a:fld>
             <a:endParaRPr lang="en-US"/>
           </a:p>
@@ -4689,14 +4689,14 @@
           <p:nvPr>
             <p:extLst>
               <p:ext uri="{D42A27DB-BD31-4B8C-83A1-F6EECF244321}">
-                <p14:modId xmlns:p14="http://schemas.microsoft.com/office/powerpoint/2010/main" val="167514128"/>
+                <p14:modId xmlns:p14="http://schemas.microsoft.com/office/powerpoint/2010/main" val="1279833664"/>
               </p:ext>
             </p:extLst>
           </p:nvPr>
         </p:nvGraphicFramePr>
         <p:xfrm>
           <a:off x="1668776" y="3256280"/>
-          <a:ext cx="6328416" cy="370840"/>
+          <a:ext cx="4218944" cy="370840"/>
         </p:xfrm>
         <a:graphic>
           <a:graphicData uri="http://schemas.openxmlformats.org/drawingml/2006/table">
@@ -4705,7 +4705,6 @@
                 <a:tableStyleId>{5C22544A-7EE6-4342-B048-85BDC9FD1C3A}</a:tableStyleId>
               </a:tblPr>
               <a:tblGrid>
-                <a:gridCol w="2109472"/>
                 <a:gridCol w="2109472"/>
                 <a:gridCol w="527368"/>
                 <a:gridCol w="527368"/>
@@ -4726,24 +4725,6 @@
                     </a:p>
                   </a:txBody>
                   <a:tcPr/>
-                </a:tc>
-                <a:tc>
-                  <a:txBody>
-                    <a:bodyPr/>
-                    <a:lstStyle/>
-                    <a:p>
-                      <a:r>
-                        <a:rPr lang="en-US" dirty="0" smtClean="0"/>
-                        <a:t>Mutation Rate</a:t>
-                      </a:r>
-                      <a:endParaRPr lang="en-US" dirty="0"/>
-                    </a:p>
-                  </a:txBody>
-                  <a:tcPr>
-                    <a:solidFill>
-                      <a:schemeClr val="accent6"/>
-                    </a:solidFill>
-                  </a:tcPr>
                 </a:tc>
                 <a:tc>
                   <a:txBody>
@@ -4814,7 +4795,7 @@
         </p:nvSpPr>
         <p:spPr>
           <a:xfrm>
-            <a:off x="5977890" y="3251200"/>
+            <a:off x="4221938" y="3256280"/>
             <a:ext cx="2019300" cy="370840"/>
           </a:xfrm>
           <a:prstGeom prst="rect">
@@ -4853,7 +4834,7 @@
           <p:nvPr>
             <p:extLst>
               <p:ext uri="{D42A27DB-BD31-4B8C-83A1-F6EECF244321}">
-                <p14:modId xmlns:p14="http://schemas.microsoft.com/office/powerpoint/2010/main" val="3038073654"/>
+                <p14:modId xmlns:p14="http://schemas.microsoft.com/office/powerpoint/2010/main" val="121496959"/>
               </p:ext>
             </p:extLst>
           </p:nvPr>
@@ -4901,8 +4882,8 @@
                     <a:lstStyle/>
                     <a:p>
                       <a:r>
-                        <a:rPr lang="en-US" dirty="0" smtClean="0"/>
-                        <a:t>Mutation Rate</a:t>
+                        <a:rPr lang="en-US" dirty="0" err="1" smtClean="0"/>
+                        <a:t>Mutator</a:t>
                       </a:r>
                       <a:endParaRPr lang="en-US" dirty="0"/>
                     </a:p>
@@ -5198,11 +5179,7 @@
           <a:p>
             <a:r>
               <a:rPr lang="en-US" dirty="0" smtClean="0"/>
-              <a:t>No </a:t>
-            </a:r>
-            <a:r>
-              <a:rPr lang="en-US" dirty="0" smtClean="0"/>
-              <a:t>crossover (both reproduce asexually in nature)</a:t>
+              <a:t>No crossover (both reproduce asexually in nature)</a:t>
             </a:r>
           </a:p>
           <a:p>
@@ -6779,11 +6756,7 @@
           <a:p>
             <a:r>
               <a:rPr lang="en-US" dirty="0" smtClean="0"/>
-              <a:t>It cannot resist this virus, as the virus </a:t>
-            </a:r>
-            <a:r>
-              <a:rPr lang="en-US" dirty="0" smtClean="0"/>
-              <a:t>matches the host recognition sequence perfectly.</a:t>
+              <a:t>It cannot resist this virus, as the virus matches the host recognition sequence perfectly.</a:t>
             </a:r>
             <a:endParaRPr lang="en-US" dirty="0"/>
           </a:p>

--- a/presentation.pptx
+++ b/presentation.pptx
@@ -5197,12 +5197,72 @@
           <a:p>
             <a:r>
               <a:rPr lang="en-US" dirty="0" smtClean="0"/>
-              <a:t>Selection?</a:t>
+              <a:t>Selection- fitness-proportional</a:t>
             </a:r>
             <a:endParaRPr lang="en-US" dirty="0"/>
           </a:p>
         </p:txBody>
       </p:sp>
+      <p:pic>
+        <p:nvPicPr>
+          <p:cNvPr id="4" name="Picture 3" descr="Screen Shot 2015-06-05 at 2.55.48 PM.png"/>
+          <p:cNvPicPr>
+            <a:picLocks noChangeAspect="1"/>
+          </p:cNvPicPr>
+          <p:nvPr/>
+        </p:nvPicPr>
+        <p:blipFill>
+          <a:blip r:embed="rId2">
+            <a:extLst>
+              <a:ext uri="{28A0092B-C50C-407E-A947-70E740481C1C}">
+                <a14:useLocalDpi xmlns:a14="http://schemas.microsoft.com/office/drawing/2010/main" val="0"/>
+              </a:ext>
+            </a:extLst>
+          </a:blip>
+          <a:stretch>
+            <a:fillRect/>
+          </a:stretch>
+        </p:blipFill>
+        <p:spPr>
+          <a:xfrm>
+            <a:off x="4965700" y="2924167"/>
+            <a:ext cx="4178300" cy="546100"/>
+          </a:xfrm>
+          <a:prstGeom prst="rect">
+            <a:avLst/>
+          </a:prstGeom>
+        </p:spPr>
+      </p:pic>
+      <p:pic>
+        <p:nvPicPr>
+          <p:cNvPr id="5" name="Picture 4" descr="Screen Shot 2015-06-05 at 2.55.54 PM.png"/>
+          <p:cNvPicPr>
+            <a:picLocks noChangeAspect="1"/>
+          </p:cNvPicPr>
+          <p:nvPr/>
+        </p:nvPicPr>
+        <p:blipFill>
+          <a:blip r:embed="rId3">
+            <a:extLst>
+              <a:ext uri="{28A0092B-C50C-407E-A947-70E740481C1C}">
+                <a14:useLocalDpi xmlns:a14="http://schemas.microsoft.com/office/drawing/2010/main" val="0"/>
+              </a:ext>
+            </a:extLst>
+          </a:blip>
+          <a:stretch>
+            <a:fillRect/>
+          </a:stretch>
+        </p:blipFill>
+        <p:spPr>
+          <a:xfrm>
+            <a:off x="3691279" y="3470267"/>
+            <a:ext cx="1625600" cy="444500"/>
+          </a:xfrm>
+          <a:prstGeom prst="rect">
+            <a:avLst/>
+          </a:prstGeom>
+        </p:spPr>
+      </p:pic>
     </p:spTree>
     <p:extLst>
       <p:ext uri="{BB962C8B-B14F-4D97-AF65-F5344CB8AC3E}">
@@ -5346,6 +5406,30 @@
           <a:bodyPr/>
           <a:lstStyle/>
           <a:p>
+            <a:r>
+              <a:rPr lang="en-US" dirty="0" smtClean="0"/>
+              <a:t>Allow mutation </a:t>
+            </a:r>
+            <a:r>
+              <a:rPr lang="en-US" dirty="0" smtClean="0"/>
+              <a:t>evolution in both populations</a:t>
+            </a:r>
+          </a:p>
+          <a:p>
+            <a:r>
+              <a:rPr lang="en-US" dirty="0" smtClean="0"/>
+              <a:t>Allow mutation in interaction model</a:t>
+            </a:r>
+          </a:p>
+          <a:p>
+            <a:r>
+              <a:rPr lang="en-US" dirty="0" smtClean="0"/>
+              <a:t>How does sampling bacteria methods </a:t>
+            </a:r>
+            <a:r>
+              <a:rPr lang="en-US" smtClean="0"/>
+              <a:t>affect evolution?</a:t>
+            </a:r>
             <a:endParaRPr lang="en-US"/>
           </a:p>
         </p:txBody>

--- a/presentation.pptx
+++ b/presentation.pptx
@@ -5,7 +5,7 @@
     <p:sldMasterId id="2147483660" r:id="rId1"/>
   </p:sldMasterIdLst>
   <p:notesMasterIdLst>
-    <p:notesMasterId r:id="rId15"/>
+    <p:notesMasterId r:id="rId19"/>
   </p:notesMasterIdLst>
   <p:sldIdLst>
     <p:sldId id="256" r:id="rId2"/>
@@ -18,9 +18,13 @@
     <p:sldId id="266" r:id="rId9"/>
     <p:sldId id="261" r:id="rId10"/>
     <p:sldId id="267" r:id="rId11"/>
-    <p:sldId id="269" r:id="rId12"/>
-    <p:sldId id="262" r:id="rId13"/>
-    <p:sldId id="263" r:id="rId14"/>
+    <p:sldId id="273" r:id="rId12"/>
+    <p:sldId id="269" r:id="rId13"/>
+    <p:sldId id="272" r:id="rId14"/>
+    <p:sldId id="270" r:id="rId15"/>
+    <p:sldId id="271" r:id="rId16"/>
+    <p:sldId id="262" r:id="rId17"/>
+    <p:sldId id="263" r:id="rId18"/>
   </p:sldIdLst>
   <p:sldSz cx="9144000" cy="6858000" type="screen4x3"/>
   <p:notesSz cx="6858000" cy="9144000"/>
@@ -121,7 +125,7 @@
   </p:defaultTextStyle>
   <p:extLst>
     <p:ext uri="{EFAFB233-063F-42B5-8137-9DF3F51BA10A}">
-      <p15:sldGuideLst xmlns:p15="http://schemas.microsoft.com/office/powerpoint/2012/main" xmlns="">
+      <p15:sldGuideLst xmlns:p15="http://schemas.microsoft.com/office/powerpoint/2012/main">
         <p15:guide id="1" orient="horz" pos="2160">
           <p15:clr>
             <a:srgbClr val="A4A3A4"/>
@@ -136,6 +140,2948 @@
     </p:ext>
   </p:extLst>
 </p:presentation>
+</file>
+
+<file path=ppt/diagrams/colors1.xml><?xml version="1.0" encoding="utf-8"?>
+<dgm:colorsDef xmlns:dgm="http://schemas.openxmlformats.org/drawingml/2006/diagram" xmlns:a="http://schemas.openxmlformats.org/drawingml/2006/main" uniqueId="urn:microsoft.com/office/officeart/2005/8/colors/accent1_2">
+  <dgm:title val=""/>
+  <dgm:desc val=""/>
+  <dgm:catLst>
+    <dgm:cat type="accent1" pri="11200"/>
+  </dgm:catLst>
+  <dgm:styleLbl name="node0">
+    <dgm:fillClrLst meth="repeat">
+      <a:schemeClr val="accent1"/>
+    </dgm:fillClrLst>
+    <dgm:linClrLst meth="repeat">
+      <a:schemeClr val="lt1"/>
+    </dgm:linClrLst>
+    <dgm:effectClrLst/>
+    <dgm:txLinClrLst/>
+    <dgm:txFillClrLst/>
+    <dgm:txEffectClrLst/>
+  </dgm:styleLbl>
+  <dgm:styleLbl name="alignNode1">
+    <dgm:fillClrLst meth="repeat">
+      <a:schemeClr val="accent1"/>
+    </dgm:fillClrLst>
+    <dgm:linClrLst meth="repeat">
+      <a:schemeClr val="accent1"/>
+    </dgm:linClrLst>
+    <dgm:effectClrLst/>
+    <dgm:txLinClrLst/>
+    <dgm:txFillClrLst/>
+    <dgm:txEffectClrLst/>
+  </dgm:styleLbl>
+  <dgm:styleLbl name="node1">
+    <dgm:fillClrLst meth="repeat">
+      <a:schemeClr val="accent1"/>
+    </dgm:fillClrLst>
+    <dgm:linClrLst meth="repeat">
+      <a:schemeClr val="lt1"/>
+    </dgm:linClrLst>
+    <dgm:effectClrLst/>
+    <dgm:txLinClrLst/>
+    <dgm:txFillClrLst/>
+    <dgm:txEffectClrLst/>
+  </dgm:styleLbl>
+  <dgm:styleLbl name="lnNode1">
+    <dgm:fillClrLst meth="repeat">
+      <a:schemeClr val="accent1"/>
+    </dgm:fillClrLst>
+    <dgm:linClrLst meth="repeat">
+      <a:schemeClr val="lt1"/>
+    </dgm:linClrLst>
+    <dgm:effectClrLst/>
+    <dgm:txLinClrLst/>
+    <dgm:txFillClrLst/>
+    <dgm:txEffectClrLst/>
+  </dgm:styleLbl>
+  <dgm:styleLbl name="vennNode1">
+    <dgm:fillClrLst meth="repeat">
+      <a:schemeClr val="accent1">
+        <a:alpha val="50000"/>
+      </a:schemeClr>
+    </dgm:fillClrLst>
+    <dgm:linClrLst meth="repeat">
+      <a:schemeClr val="lt1"/>
+    </dgm:linClrLst>
+    <dgm:effectClrLst/>
+    <dgm:txLinClrLst/>
+    <dgm:txFillClrLst/>
+    <dgm:txEffectClrLst/>
+  </dgm:styleLbl>
+  <dgm:styleLbl name="node2">
+    <dgm:fillClrLst meth="repeat">
+      <a:schemeClr val="accent1"/>
+    </dgm:fillClrLst>
+    <dgm:linClrLst meth="repeat">
+      <a:schemeClr val="lt1"/>
+    </dgm:linClrLst>
+    <dgm:effectClrLst/>
+    <dgm:txLinClrLst/>
+    <dgm:txFillClrLst/>
+    <dgm:txEffectClrLst/>
+  </dgm:styleLbl>
+  <dgm:styleLbl name="node3">
+    <dgm:fillClrLst meth="repeat">
+      <a:schemeClr val="accent1"/>
+    </dgm:fillClrLst>
+    <dgm:linClrLst meth="repeat">
+      <a:schemeClr val="lt1"/>
+    </dgm:linClrLst>
+    <dgm:effectClrLst/>
+    <dgm:txLinClrLst/>
+    <dgm:txFillClrLst/>
+    <dgm:txEffectClrLst/>
+  </dgm:styleLbl>
+  <dgm:styleLbl name="node4">
+    <dgm:fillClrLst meth="repeat">
+      <a:schemeClr val="accent1"/>
+    </dgm:fillClrLst>
+    <dgm:linClrLst meth="repeat">
+      <a:schemeClr val="lt1"/>
+    </dgm:linClrLst>
+    <dgm:effectClrLst/>
+    <dgm:txLinClrLst/>
+    <dgm:txFillClrLst/>
+    <dgm:txEffectClrLst/>
+  </dgm:styleLbl>
+  <dgm:styleLbl name="fgImgPlace1">
+    <dgm:fillClrLst meth="repeat">
+      <a:schemeClr val="accent1">
+        <a:tint val="50000"/>
+      </a:schemeClr>
+    </dgm:fillClrLst>
+    <dgm:linClrLst meth="repeat">
+      <a:schemeClr val="lt1"/>
+    </dgm:linClrLst>
+    <dgm:effectClrLst/>
+    <dgm:txLinClrLst/>
+    <dgm:txFillClrLst meth="repeat">
+      <a:schemeClr val="lt1"/>
+    </dgm:txFillClrLst>
+    <dgm:txEffectClrLst/>
+  </dgm:styleLbl>
+  <dgm:styleLbl name="alignImgPlace1">
+    <dgm:fillClrLst meth="repeat">
+      <a:schemeClr val="accent1">
+        <a:tint val="50000"/>
+      </a:schemeClr>
+    </dgm:fillClrLst>
+    <dgm:linClrLst meth="repeat">
+      <a:schemeClr val="lt1"/>
+    </dgm:linClrLst>
+    <dgm:effectClrLst/>
+    <dgm:txLinClrLst/>
+    <dgm:txFillClrLst meth="repeat">
+      <a:schemeClr val="lt1"/>
+    </dgm:txFillClrLst>
+    <dgm:txEffectClrLst/>
+  </dgm:styleLbl>
+  <dgm:styleLbl name="bgImgPlace1">
+    <dgm:fillClrLst meth="repeat">
+      <a:schemeClr val="accent1">
+        <a:tint val="50000"/>
+      </a:schemeClr>
+    </dgm:fillClrLst>
+    <dgm:linClrLst meth="repeat">
+      <a:schemeClr val="lt1"/>
+    </dgm:linClrLst>
+    <dgm:effectClrLst/>
+    <dgm:txLinClrLst/>
+    <dgm:txFillClrLst meth="repeat">
+      <a:schemeClr val="lt1"/>
+    </dgm:txFillClrLst>
+    <dgm:txEffectClrLst/>
+  </dgm:styleLbl>
+  <dgm:styleLbl name="sibTrans2D1">
+    <dgm:fillClrLst meth="repeat">
+      <a:schemeClr val="accent1">
+        <a:tint val="60000"/>
+      </a:schemeClr>
+    </dgm:fillClrLst>
+    <dgm:linClrLst meth="repeat">
+      <a:schemeClr val="accent1">
+        <a:tint val="60000"/>
+      </a:schemeClr>
+    </dgm:linClrLst>
+    <dgm:effectClrLst/>
+    <dgm:txLinClrLst/>
+    <dgm:txFillClrLst/>
+    <dgm:txEffectClrLst/>
+  </dgm:styleLbl>
+  <dgm:styleLbl name="fgSibTrans2D1">
+    <dgm:fillClrLst meth="repeat">
+      <a:schemeClr val="accent1">
+        <a:tint val="60000"/>
+      </a:schemeClr>
+    </dgm:fillClrLst>
+    <dgm:linClrLst meth="repeat">
+      <a:schemeClr val="accent1">
+        <a:tint val="60000"/>
+      </a:schemeClr>
+    </dgm:linClrLst>
+    <dgm:effectClrLst/>
+    <dgm:txLinClrLst/>
+    <dgm:txFillClrLst/>
+    <dgm:txEffectClrLst/>
+  </dgm:styleLbl>
+  <dgm:styleLbl name="bgSibTrans2D1">
+    <dgm:fillClrLst meth="repeat">
+      <a:schemeClr val="accent1">
+        <a:tint val="60000"/>
+      </a:schemeClr>
+    </dgm:fillClrLst>
+    <dgm:linClrLst meth="repeat">
+      <a:schemeClr val="accent1">
+        <a:tint val="60000"/>
+      </a:schemeClr>
+    </dgm:linClrLst>
+    <dgm:effectClrLst/>
+    <dgm:txLinClrLst/>
+    <dgm:txFillClrLst/>
+    <dgm:txEffectClrLst/>
+  </dgm:styleLbl>
+  <dgm:styleLbl name="sibTrans1D1">
+    <dgm:fillClrLst meth="repeat">
+      <a:schemeClr val="accent1"/>
+    </dgm:fillClrLst>
+    <dgm:linClrLst meth="repeat">
+      <a:schemeClr val="accent1"/>
+    </dgm:linClrLst>
+    <dgm:effectClrLst/>
+    <dgm:txLinClrLst/>
+    <dgm:txFillClrLst meth="repeat">
+      <a:schemeClr val="tx1"/>
+    </dgm:txFillClrLst>
+    <dgm:txEffectClrLst/>
+  </dgm:styleLbl>
+  <dgm:styleLbl name="callout">
+    <dgm:fillClrLst meth="repeat">
+      <a:schemeClr val="accent1"/>
+    </dgm:fillClrLst>
+    <dgm:linClrLst meth="repeat">
+      <a:schemeClr val="accent1">
+        <a:tint val="50000"/>
+      </a:schemeClr>
+    </dgm:linClrLst>
+    <dgm:effectClrLst/>
+    <dgm:txLinClrLst/>
+    <dgm:txFillClrLst meth="repeat">
+      <a:schemeClr val="tx1"/>
+    </dgm:txFillClrLst>
+    <dgm:txEffectClrLst/>
+  </dgm:styleLbl>
+  <dgm:styleLbl name="asst0">
+    <dgm:fillClrLst meth="repeat">
+      <a:schemeClr val="accent1"/>
+    </dgm:fillClrLst>
+    <dgm:linClrLst meth="repeat">
+      <a:schemeClr val="lt1"/>
+    </dgm:linClrLst>
+    <dgm:effectClrLst/>
+    <dgm:txLinClrLst/>
+    <dgm:txFillClrLst/>
+    <dgm:txEffectClrLst/>
+  </dgm:styleLbl>
+  <dgm:styleLbl name="asst1">
+    <dgm:fillClrLst meth="repeat">
+      <a:schemeClr val="accent1"/>
+    </dgm:fillClrLst>
+    <dgm:linClrLst meth="repeat">
+      <a:schemeClr val="lt1"/>
+    </dgm:linClrLst>
+    <dgm:effectClrLst/>
+    <dgm:txLinClrLst/>
+    <dgm:txFillClrLst/>
+    <dgm:txEffectClrLst/>
+  </dgm:styleLbl>
+  <dgm:styleLbl name="asst2">
+    <dgm:fillClrLst meth="repeat">
+      <a:schemeClr val="accent1"/>
+    </dgm:fillClrLst>
+    <dgm:linClrLst meth="repeat">
+      <a:schemeClr val="lt1"/>
+    </dgm:linClrLst>
+    <dgm:effectClrLst/>
+    <dgm:txLinClrLst/>
+    <dgm:txFillClrLst/>
+    <dgm:txEffectClrLst/>
+  </dgm:styleLbl>
+  <dgm:styleLbl name="asst3">
+    <dgm:fillClrLst meth="repeat">
+      <a:schemeClr val="accent1"/>
+    </dgm:fillClrLst>
+    <dgm:linClrLst meth="repeat">
+      <a:schemeClr val="lt1"/>
+    </dgm:linClrLst>
+    <dgm:effectClrLst/>
+    <dgm:txLinClrLst/>
+    <dgm:txFillClrLst/>
+    <dgm:txEffectClrLst/>
+  </dgm:styleLbl>
+  <dgm:styleLbl name="asst4">
+    <dgm:fillClrLst meth="repeat">
+      <a:schemeClr val="accent1"/>
+    </dgm:fillClrLst>
+    <dgm:linClrLst meth="repeat">
+      <a:schemeClr val="lt1"/>
+    </dgm:linClrLst>
+    <dgm:effectClrLst/>
+    <dgm:txLinClrLst/>
+    <dgm:txFillClrLst/>
+    <dgm:txEffectClrLst/>
+  </dgm:styleLbl>
+  <dgm:styleLbl name="parChTrans2D1">
+    <dgm:fillClrLst meth="repeat">
+      <a:schemeClr val="accent1">
+        <a:tint val="60000"/>
+      </a:schemeClr>
+    </dgm:fillClrLst>
+    <dgm:linClrLst meth="repeat">
+      <a:schemeClr val="accent1">
+        <a:tint val="60000"/>
+      </a:schemeClr>
+    </dgm:linClrLst>
+    <dgm:effectClrLst/>
+    <dgm:txLinClrLst/>
+    <dgm:txFillClrLst meth="repeat">
+      <a:schemeClr val="lt1"/>
+    </dgm:txFillClrLst>
+    <dgm:txEffectClrLst/>
+  </dgm:styleLbl>
+  <dgm:styleLbl name="parChTrans2D2">
+    <dgm:fillClrLst meth="repeat">
+      <a:schemeClr val="accent1"/>
+    </dgm:fillClrLst>
+    <dgm:linClrLst meth="repeat">
+      <a:schemeClr val="accent1"/>
+    </dgm:linClrLst>
+    <dgm:effectClrLst/>
+    <dgm:txLinClrLst/>
+    <dgm:txFillClrLst meth="repeat">
+      <a:schemeClr val="lt1"/>
+    </dgm:txFillClrLst>
+    <dgm:txEffectClrLst/>
+  </dgm:styleLbl>
+  <dgm:styleLbl name="parChTrans2D3">
+    <dgm:fillClrLst meth="repeat">
+      <a:schemeClr val="accent1"/>
+    </dgm:fillClrLst>
+    <dgm:linClrLst meth="repeat">
+      <a:schemeClr val="accent1"/>
+    </dgm:linClrLst>
+    <dgm:effectClrLst/>
+    <dgm:txLinClrLst/>
+    <dgm:txFillClrLst meth="repeat">
+      <a:schemeClr val="lt1"/>
+    </dgm:txFillClrLst>
+    <dgm:txEffectClrLst/>
+  </dgm:styleLbl>
+  <dgm:styleLbl name="parChTrans2D4">
+    <dgm:fillClrLst meth="repeat">
+      <a:schemeClr val="accent1"/>
+    </dgm:fillClrLst>
+    <dgm:linClrLst meth="repeat">
+      <a:schemeClr val="accent1"/>
+    </dgm:linClrLst>
+    <dgm:effectClrLst/>
+    <dgm:txLinClrLst/>
+    <dgm:txFillClrLst meth="repeat">
+      <a:schemeClr val="lt1"/>
+    </dgm:txFillClrLst>
+    <dgm:txEffectClrLst/>
+  </dgm:styleLbl>
+  <dgm:styleLbl name="parChTrans1D1">
+    <dgm:fillClrLst meth="repeat">
+      <a:schemeClr val="accent1"/>
+    </dgm:fillClrLst>
+    <dgm:linClrLst meth="repeat">
+      <a:schemeClr val="accent1">
+        <a:shade val="60000"/>
+      </a:schemeClr>
+    </dgm:linClrLst>
+    <dgm:effectClrLst/>
+    <dgm:txLinClrLst/>
+    <dgm:txFillClrLst meth="repeat">
+      <a:schemeClr val="tx1"/>
+    </dgm:txFillClrLst>
+    <dgm:txEffectClrLst/>
+  </dgm:styleLbl>
+  <dgm:styleLbl name="parChTrans1D2">
+    <dgm:fillClrLst meth="repeat">
+      <a:schemeClr val="accent1"/>
+    </dgm:fillClrLst>
+    <dgm:linClrLst meth="repeat">
+      <a:schemeClr val="accent1">
+        <a:shade val="60000"/>
+      </a:schemeClr>
+    </dgm:linClrLst>
+    <dgm:effectClrLst/>
+    <dgm:txLinClrLst/>
+    <dgm:txFillClrLst meth="repeat">
+      <a:schemeClr val="tx1"/>
+    </dgm:txFillClrLst>
+    <dgm:txEffectClrLst/>
+  </dgm:styleLbl>
+  <dgm:styleLbl name="parChTrans1D3">
+    <dgm:fillClrLst meth="repeat">
+      <a:schemeClr val="accent1"/>
+    </dgm:fillClrLst>
+    <dgm:linClrLst meth="repeat">
+      <a:schemeClr val="accent1">
+        <a:shade val="80000"/>
+      </a:schemeClr>
+    </dgm:linClrLst>
+    <dgm:effectClrLst/>
+    <dgm:txLinClrLst/>
+    <dgm:txFillClrLst meth="repeat">
+      <a:schemeClr val="tx1"/>
+    </dgm:txFillClrLst>
+    <dgm:txEffectClrLst/>
+  </dgm:styleLbl>
+  <dgm:styleLbl name="parChTrans1D4">
+    <dgm:fillClrLst meth="repeat">
+      <a:schemeClr val="accent1"/>
+    </dgm:fillClrLst>
+    <dgm:linClrLst meth="repeat">
+      <a:schemeClr val="accent1">
+        <a:shade val="80000"/>
+      </a:schemeClr>
+    </dgm:linClrLst>
+    <dgm:effectClrLst/>
+    <dgm:txLinClrLst/>
+    <dgm:txFillClrLst meth="repeat">
+      <a:schemeClr val="tx1"/>
+    </dgm:txFillClrLst>
+    <dgm:txEffectClrLst/>
+  </dgm:styleLbl>
+  <dgm:styleLbl name="fgAcc1">
+    <dgm:fillClrLst meth="repeat">
+      <a:schemeClr val="lt1">
+        <a:alpha val="90000"/>
+      </a:schemeClr>
+    </dgm:fillClrLst>
+    <dgm:linClrLst meth="repeat">
+      <a:schemeClr val="accent1"/>
+    </dgm:linClrLst>
+    <dgm:effectClrLst/>
+    <dgm:txLinClrLst/>
+    <dgm:txFillClrLst meth="repeat">
+      <a:schemeClr val="dk1"/>
+    </dgm:txFillClrLst>
+    <dgm:txEffectClrLst/>
+  </dgm:styleLbl>
+  <dgm:styleLbl name="conFgAcc1">
+    <dgm:fillClrLst meth="repeat">
+      <a:schemeClr val="lt1">
+        <a:alpha val="90000"/>
+      </a:schemeClr>
+    </dgm:fillClrLst>
+    <dgm:linClrLst meth="repeat">
+      <a:schemeClr val="accent1"/>
+    </dgm:linClrLst>
+    <dgm:effectClrLst/>
+    <dgm:txLinClrLst/>
+    <dgm:txFillClrLst meth="repeat">
+      <a:schemeClr val="dk1"/>
+    </dgm:txFillClrLst>
+    <dgm:txEffectClrLst/>
+  </dgm:styleLbl>
+  <dgm:styleLbl name="alignAcc1">
+    <dgm:fillClrLst meth="repeat">
+      <a:schemeClr val="lt1">
+        <a:alpha val="90000"/>
+      </a:schemeClr>
+    </dgm:fillClrLst>
+    <dgm:linClrLst meth="repeat">
+      <a:schemeClr val="accent1"/>
+    </dgm:linClrLst>
+    <dgm:effectClrLst/>
+    <dgm:txLinClrLst/>
+    <dgm:txFillClrLst meth="repeat">
+      <a:schemeClr val="dk1"/>
+    </dgm:txFillClrLst>
+    <dgm:txEffectClrLst/>
+  </dgm:styleLbl>
+  <dgm:styleLbl name="trAlignAcc1">
+    <dgm:fillClrLst meth="repeat">
+      <a:schemeClr val="lt1">
+        <a:alpha val="40000"/>
+      </a:schemeClr>
+    </dgm:fillClrLst>
+    <dgm:linClrLst meth="repeat">
+      <a:schemeClr val="accent1"/>
+    </dgm:linClrLst>
+    <dgm:effectClrLst/>
+    <dgm:txLinClrLst/>
+    <dgm:txFillClrLst meth="repeat">
+      <a:schemeClr val="dk1"/>
+    </dgm:txFillClrLst>
+    <dgm:txEffectClrLst/>
+  </dgm:styleLbl>
+  <dgm:styleLbl name="bgAcc1">
+    <dgm:fillClrLst meth="repeat">
+      <a:schemeClr val="lt1">
+        <a:alpha val="90000"/>
+      </a:schemeClr>
+    </dgm:fillClrLst>
+    <dgm:linClrLst meth="repeat">
+      <a:schemeClr val="accent1"/>
+    </dgm:linClrLst>
+    <dgm:effectClrLst/>
+    <dgm:txLinClrLst/>
+    <dgm:txFillClrLst meth="repeat">
+      <a:schemeClr val="dk1"/>
+    </dgm:txFillClrLst>
+    <dgm:txEffectClrLst/>
+  </dgm:styleLbl>
+  <dgm:styleLbl name="solidFgAcc1">
+    <dgm:fillClrLst meth="repeat">
+      <a:schemeClr val="lt1"/>
+    </dgm:fillClrLst>
+    <dgm:linClrLst meth="repeat">
+      <a:schemeClr val="accent1"/>
+    </dgm:linClrLst>
+    <dgm:effectClrLst/>
+    <dgm:txLinClrLst/>
+    <dgm:txFillClrLst meth="repeat">
+      <a:schemeClr val="dk1"/>
+    </dgm:txFillClrLst>
+    <dgm:txEffectClrLst/>
+  </dgm:styleLbl>
+  <dgm:styleLbl name="solidAlignAcc1">
+    <dgm:fillClrLst meth="repeat">
+      <a:schemeClr val="lt1"/>
+    </dgm:fillClrLst>
+    <dgm:linClrLst meth="repeat">
+      <a:schemeClr val="accent1"/>
+    </dgm:linClrLst>
+    <dgm:effectClrLst/>
+    <dgm:txLinClrLst/>
+    <dgm:txFillClrLst meth="repeat">
+      <a:schemeClr val="dk1"/>
+    </dgm:txFillClrLst>
+    <dgm:txEffectClrLst/>
+  </dgm:styleLbl>
+  <dgm:styleLbl name="solidBgAcc1">
+    <dgm:fillClrLst meth="repeat">
+      <a:schemeClr val="lt1"/>
+    </dgm:fillClrLst>
+    <dgm:linClrLst meth="repeat">
+      <a:schemeClr val="accent1"/>
+    </dgm:linClrLst>
+    <dgm:effectClrLst/>
+    <dgm:txLinClrLst/>
+    <dgm:txFillClrLst meth="repeat">
+      <a:schemeClr val="dk1"/>
+    </dgm:txFillClrLst>
+    <dgm:txEffectClrLst/>
+  </dgm:styleLbl>
+  <dgm:styleLbl name="fgAccFollowNode1">
+    <dgm:fillClrLst meth="repeat">
+      <a:schemeClr val="accent1">
+        <a:alpha val="90000"/>
+        <a:tint val="40000"/>
+      </a:schemeClr>
+    </dgm:fillClrLst>
+    <dgm:linClrLst meth="repeat">
+      <a:schemeClr val="accent1">
+        <a:alpha val="90000"/>
+        <a:tint val="40000"/>
+      </a:schemeClr>
+    </dgm:linClrLst>
+    <dgm:effectClrLst/>
+    <dgm:txLinClrLst/>
+    <dgm:txFillClrLst meth="repeat">
+      <a:schemeClr val="dk1"/>
+    </dgm:txFillClrLst>
+    <dgm:txEffectClrLst/>
+  </dgm:styleLbl>
+  <dgm:styleLbl name="alignAccFollowNode1">
+    <dgm:fillClrLst meth="repeat">
+      <a:schemeClr val="accent1">
+        <a:alpha val="90000"/>
+        <a:tint val="40000"/>
+      </a:schemeClr>
+    </dgm:fillClrLst>
+    <dgm:linClrLst meth="repeat">
+      <a:schemeClr val="accent1">
+        <a:alpha val="90000"/>
+        <a:tint val="40000"/>
+      </a:schemeClr>
+    </dgm:linClrLst>
+    <dgm:effectClrLst/>
+    <dgm:txLinClrLst/>
+    <dgm:txFillClrLst meth="repeat">
+      <a:schemeClr val="dk1"/>
+    </dgm:txFillClrLst>
+    <dgm:txEffectClrLst/>
+  </dgm:styleLbl>
+  <dgm:styleLbl name="bgAccFollowNode1">
+    <dgm:fillClrLst meth="repeat">
+      <a:schemeClr val="accent1">
+        <a:alpha val="90000"/>
+        <a:tint val="40000"/>
+      </a:schemeClr>
+    </dgm:fillClrLst>
+    <dgm:linClrLst meth="repeat">
+      <a:schemeClr val="accent1">
+        <a:alpha val="90000"/>
+        <a:tint val="40000"/>
+      </a:schemeClr>
+    </dgm:linClrLst>
+    <dgm:effectClrLst/>
+    <dgm:txLinClrLst/>
+    <dgm:txFillClrLst meth="repeat">
+      <a:schemeClr val="dk1"/>
+    </dgm:txFillClrLst>
+    <dgm:txEffectClrLst/>
+  </dgm:styleLbl>
+  <dgm:styleLbl name="fgAcc0">
+    <dgm:fillClrLst meth="repeat">
+      <a:schemeClr val="lt1">
+        <a:alpha val="90000"/>
+      </a:schemeClr>
+    </dgm:fillClrLst>
+    <dgm:linClrLst meth="repeat">
+      <a:schemeClr val="accent1"/>
+    </dgm:linClrLst>
+    <dgm:effectClrLst/>
+    <dgm:txLinClrLst/>
+    <dgm:txFillClrLst meth="repeat">
+      <a:schemeClr val="dk1"/>
+    </dgm:txFillClrLst>
+    <dgm:txEffectClrLst/>
+  </dgm:styleLbl>
+  <dgm:styleLbl name="fgAcc2">
+    <dgm:fillClrLst meth="repeat">
+      <a:schemeClr val="lt1">
+        <a:alpha val="90000"/>
+      </a:schemeClr>
+    </dgm:fillClrLst>
+    <dgm:linClrLst meth="repeat">
+      <a:schemeClr val="accent1"/>
+    </dgm:linClrLst>
+    <dgm:effectClrLst/>
+    <dgm:txLinClrLst/>
+    <dgm:txFillClrLst meth="repeat">
+      <a:schemeClr val="dk1"/>
+    </dgm:txFillClrLst>
+    <dgm:txEffectClrLst/>
+  </dgm:styleLbl>
+  <dgm:styleLbl name="fgAcc3">
+    <dgm:fillClrLst meth="repeat">
+      <a:schemeClr val="lt1">
+        <a:alpha val="90000"/>
+      </a:schemeClr>
+    </dgm:fillClrLst>
+    <dgm:linClrLst meth="repeat">
+      <a:schemeClr val="accent1"/>
+    </dgm:linClrLst>
+    <dgm:effectClrLst/>
+    <dgm:txLinClrLst/>
+    <dgm:txFillClrLst meth="repeat">
+      <a:schemeClr val="dk1"/>
+    </dgm:txFillClrLst>
+    <dgm:txEffectClrLst/>
+  </dgm:styleLbl>
+  <dgm:styleLbl name="fgAcc4">
+    <dgm:fillClrLst meth="repeat">
+      <a:schemeClr val="lt1">
+        <a:alpha val="90000"/>
+      </a:schemeClr>
+    </dgm:fillClrLst>
+    <dgm:linClrLst meth="repeat">
+      <a:schemeClr val="accent1"/>
+    </dgm:linClrLst>
+    <dgm:effectClrLst/>
+    <dgm:txLinClrLst/>
+    <dgm:txFillClrLst meth="repeat">
+      <a:schemeClr val="dk1"/>
+    </dgm:txFillClrLst>
+    <dgm:txEffectClrLst/>
+  </dgm:styleLbl>
+  <dgm:styleLbl name="bgShp">
+    <dgm:fillClrLst meth="repeat">
+      <a:schemeClr val="accent1">
+        <a:tint val="40000"/>
+      </a:schemeClr>
+    </dgm:fillClrLst>
+    <dgm:linClrLst meth="repeat">
+      <a:schemeClr val="accent1"/>
+    </dgm:linClrLst>
+    <dgm:effectClrLst/>
+    <dgm:txLinClrLst/>
+    <dgm:txFillClrLst meth="repeat">
+      <a:schemeClr val="dk1"/>
+    </dgm:txFillClrLst>
+    <dgm:txEffectClrLst/>
+  </dgm:styleLbl>
+  <dgm:styleLbl name="dkBgShp">
+    <dgm:fillClrLst meth="repeat">
+      <a:schemeClr val="accent1">
+        <a:shade val="80000"/>
+      </a:schemeClr>
+    </dgm:fillClrLst>
+    <dgm:linClrLst meth="repeat">
+      <a:schemeClr val="accent1"/>
+    </dgm:linClrLst>
+    <dgm:effectClrLst/>
+    <dgm:txLinClrLst/>
+    <dgm:txFillClrLst meth="repeat">
+      <a:schemeClr val="lt1"/>
+    </dgm:txFillClrLst>
+    <dgm:txEffectClrLst/>
+  </dgm:styleLbl>
+  <dgm:styleLbl name="trBgShp">
+    <dgm:fillClrLst meth="repeat">
+      <a:schemeClr val="accent1">
+        <a:tint val="50000"/>
+        <a:alpha val="40000"/>
+      </a:schemeClr>
+    </dgm:fillClrLst>
+    <dgm:linClrLst meth="repeat">
+      <a:schemeClr val="accent1"/>
+    </dgm:linClrLst>
+    <dgm:effectClrLst/>
+    <dgm:txLinClrLst/>
+    <dgm:txFillClrLst meth="repeat">
+      <a:schemeClr val="lt1"/>
+    </dgm:txFillClrLst>
+    <dgm:txEffectClrLst/>
+  </dgm:styleLbl>
+  <dgm:styleLbl name="fgShp">
+    <dgm:fillClrLst meth="repeat">
+      <a:schemeClr val="accent1">
+        <a:tint val="60000"/>
+      </a:schemeClr>
+    </dgm:fillClrLst>
+    <dgm:linClrLst meth="repeat">
+      <a:schemeClr val="lt1"/>
+    </dgm:linClrLst>
+    <dgm:effectClrLst/>
+    <dgm:txLinClrLst/>
+    <dgm:txFillClrLst meth="repeat">
+      <a:schemeClr val="dk1"/>
+    </dgm:txFillClrLst>
+    <dgm:txEffectClrLst/>
+  </dgm:styleLbl>
+  <dgm:styleLbl name="revTx">
+    <dgm:fillClrLst meth="repeat">
+      <a:schemeClr val="lt1">
+        <a:alpha val="0"/>
+      </a:schemeClr>
+    </dgm:fillClrLst>
+    <dgm:linClrLst meth="repeat">
+      <a:schemeClr val="dk1">
+        <a:alpha val="0"/>
+      </a:schemeClr>
+    </dgm:linClrLst>
+    <dgm:effectClrLst/>
+    <dgm:txLinClrLst/>
+    <dgm:txFillClrLst meth="repeat">
+      <a:schemeClr val="tx1"/>
+    </dgm:txFillClrLst>
+    <dgm:txEffectClrLst/>
+  </dgm:styleLbl>
+</dgm:colorsDef>
+</file>
+
+<file path=ppt/diagrams/data1.xml><?xml version="1.0" encoding="utf-8"?>
+<dgm:dataModel xmlns:dgm="http://schemas.openxmlformats.org/drawingml/2006/diagram" xmlns:a="http://schemas.openxmlformats.org/drawingml/2006/main">
+  <dgm:ptLst>
+    <dgm:pt modelId="{24478752-F7A4-43E7-8B12-EB9EF4E54054}" type="doc">
+      <dgm:prSet loTypeId="urn:microsoft.com/office/officeart/2005/8/layout/cycle1" loCatId="cycle" qsTypeId="urn:microsoft.com/office/officeart/2005/8/quickstyle/simple1" qsCatId="simple" csTypeId="urn:microsoft.com/office/officeart/2005/8/colors/accent1_2" csCatId="accent1" phldr="1"/>
+      <dgm:spPr/>
+      <dgm:t>
+        <a:bodyPr/>
+        <a:lstStyle/>
+        <a:p>
+          <a:endParaRPr lang="en-US"/>
+        </a:p>
+      </dgm:t>
+    </dgm:pt>
+    <dgm:pt modelId="{99C85D52-7F7C-4CAC-888E-C59818E5096F}">
+      <dgm:prSet phldrT="[Text]"/>
+      <dgm:spPr/>
+      <dgm:t>
+        <a:bodyPr/>
+        <a:lstStyle/>
+        <a:p>
+          <a:r>
+            <a:rPr lang="en-US" dirty="0" smtClean="0"/>
+            <a:t>Select &amp;  Infect</a:t>
+          </a:r>
+          <a:endParaRPr lang="en-US" dirty="0"/>
+        </a:p>
+      </dgm:t>
+    </dgm:pt>
+    <dgm:pt modelId="{954E1A12-F41F-414D-8F1E-6FD7E34B60BA}" type="parTrans" cxnId="{30408B54-714E-4972-883A-E359592B78B4}">
+      <dgm:prSet/>
+      <dgm:spPr/>
+      <dgm:t>
+        <a:bodyPr/>
+        <a:lstStyle/>
+        <a:p>
+          <a:endParaRPr lang="en-US"/>
+        </a:p>
+      </dgm:t>
+    </dgm:pt>
+    <dgm:pt modelId="{C8E6336B-7C85-4E02-8971-8B9BCBFEBB6F}" type="sibTrans" cxnId="{30408B54-714E-4972-883A-E359592B78B4}">
+      <dgm:prSet/>
+      <dgm:spPr/>
+      <dgm:t>
+        <a:bodyPr/>
+        <a:lstStyle/>
+        <a:p>
+          <a:endParaRPr lang="en-US"/>
+        </a:p>
+      </dgm:t>
+    </dgm:pt>
+    <dgm:pt modelId="{B9A2C1F4-257D-47F0-86AE-D1A6357DBB72}">
+      <dgm:prSet phldrT="[Text]"/>
+      <dgm:spPr/>
+      <dgm:t>
+        <a:bodyPr/>
+        <a:lstStyle/>
+        <a:p>
+          <a:r>
+            <a:rPr lang="en-US" dirty="0" smtClean="0"/>
+            <a:t>Evaluate individual Fitness</a:t>
+          </a:r>
+          <a:endParaRPr lang="en-US" dirty="0"/>
+        </a:p>
+      </dgm:t>
+    </dgm:pt>
+    <dgm:pt modelId="{37E7AB18-7F59-4D1B-8E43-5C62945F0734}" type="parTrans" cxnId="{9203F163-EB80-4EE1-9590-F2B8B0011F54}">
+      <dgm:prSet/>
+      <dgm:spPr/>
+      <dgm:t>
+        <a:bodyPr/>
+        <a:lstStyle/>
+        <a:p>
+          <a:endParaRPr lang="en-US"/>
+        </a:p>
+      </dgm:t>
+    </dgm:pt>
+    <dgm:pt modelId="{10935347-7A84-44D2-9C15-90F43F23E306}" type="sibTrans" cxnId="{9203F163-EB80-4EE1-9590-F2B8B0011F54}">
+      <dgm:prSet/>
+      <dgm:spPr/>
+      <dgm:t>
+        <a:bodyPr/>
+        <a:lstStyle/>
+        <a:p>
+          <a:endParaRPr lang="en-US"/>
+        </a:p>
+      </dgm:t>
+    </dgm:pt>
+    <dgm:pt modelId="{CB4A29D2-812F-49FF-A7C2-DF1395A552FC}">
+      <dgm:prSet phldrT="[Text]"/>
+      <dgm:spPr/>
+      <dgm:t>
+        <a:bodyPr/>
+        <a:lstStyle/>
+        <a:p>
+          <a:r>
+            <a:rPr lang="en-US" dirty="0" smtClean="0"/>
+            <a:t>Create offspring</a:t>
+          </a:r>
+        </a:p>
+        <a:p>
+          <a:r>
+            <a:rPr lang="en-US" dirty="0" smtClean="0"/>
+            <a:t>Parents die</a:t>
+          </a:r>
+          <a:endParaRPr lang="en-US" dirty="0"/>
+        </a:p>
+      </dgm:t>
+    </dgm:pt>
+    <dgm:pt modelId="{252D764F-9FFF-43AD-BB9E-8F6A1A4EA4E7}" type="parTrans" cxnId="{F15E2B25-D1FD-4243-9640-4A8C1CA0BB2D}">
+      <dgm:prSet/>
+      <dgm:spPr/>
+      <dgm:t>
+        <a:bodyPr/>
+        <a:lstStyle/>
+        <a:p>
+          <a:endParaRPr lang="en-US"/>
+        </a:p>
+      </dgm:t>
+    </dgm:pt>
+    <dgm:pt modelId="{B9E54EEF-6CE8-4647-B428-172542A10FEE}" type="sibTrans" cxnId="{F15E2B25-D1FD-4243-9640-4A8C1CA0BB2D}">
+      <dgm:prSet/>
+      <dgm:spPr/>
+      <dgm:t>
+        <a:bodyPr/>
+        <a:lstStyle/>
+        <a:p>
+          <a:endParaRPr lang="en-US"/>
+        </a:p>
+      </dgm:t>
+    </dgm:pt>
+    <dgm:pt modelId="{FFCA3F44-C45C-4BAD-9F42-C3A4C04186FF}">
+      <dgm:prSet phldrT="[Text]"/>
+      <dgm:spPr/>
+      <dgm:t>
+        <a:bodyPr/>
+        <a:lstStyle/>
+        <a:p>
+          <a:r>
+            <a:rPr lang="en-US" dirty="0" smtClean="0"/>
+            <a:t>Mutate</a:t>
+          </a:r>
+          <a:endParaRPr lang="en-US" dirty="0"/>
+        </a:p>
+      </dgm:t>
+    </dgm:pt>
+    <dgm:pt modelId="{348594BB-2ED4-493C-A9D7-8B15400D8079}" type="parTrans" cxnId="{C9C505EC-3837-4753-B8AC-8BCCAFBA9F53}">
+      <dgm:prSet/>
+      <dgm:spPr/>
+      <dgm:t>
+        <a:bodyPr/>
+        <a:lstStyle/>
+        <a:p>
+          <a:endParaRPr lang="en-US"/>
+        </a:p>
+      </dgm:t>
+    </dgm:pt>
+    <dgm:pt modelId="{4F95A79E-BA84-4CBA-A6BF-5A7A00BC2FE8}" type="sibTrans" cxnId="{C9C505EC-3837-4753-B8AC-8BCCAFBA9F53}">
+      <dgm:prSet/>
+      <dgm:spPr/>
+      <dgm:t>
+        <a:bodyPr/>
+        <a:lstStyle/>
+        <a:p>
+          <a:endParaRPr lang="en-US"/>
+        </a:p>
+      </dgm:t>
+    </dgm:pt>
+    <dgm:pt modelId="{B6EB22EC-B9DE-4E86-8D09-4D224C3045D0}">
+      <dgm:prSet phldrT="[Text]"/>
+      <dgm:spPr/>
+      <dgm:t>
+        <a:bodyPr/>
+        <a:lstStyle/>
+        <a:p>
+          <a:r>
+            <a:rPr lang="en-US" dirty="0" smtClean="0"/>
+            <a:t>Evaluate Population Fitness/Cull</a:t>
+          </a:r>
+          <a:endParaRPr lang="en-US" dirty="0"/>
+        </a:p>
+      </dgm:t>
+    </dgm:pt>
+    <dgm:pt modelId="{88698EEF-7307-4B78-A85A-436233C4BD6A}" type="parTrans" cxnId="{54A3A29D-1239-4697-B7B9-CA69A9F0DC1E}">
+      <dgm:prSet/>
+      <dgm:spPr/>
+      <dgm:t>
+        <a:bodyPr/>
+        <a:lstStyle/>
+        <a:p>
+          <a:endParaRPr lang="en-US"/>
+        </a:p>
+      </dgm:t>
+    </dgm:pt>
+    <dgm:pt modelId="{31B31508-BE24-4482-A7CF-511C32716CBE}" type="sibTrans" cxnId="{54A3A29D-1239-4697-B7B9-CA69A9F0DC1E}">
+      <dgm:prSet/>
+      <dgm:spPr/>
+      <dgm:t>
+        <a:bodyPr/>
+        <a:lstStyle/>
+        <a:p>
+          <a:endParaRPr lang="en-US"/>
+        </a:p>
+      </dgm:t>
+    </dgm:pt>
+    <dgm:pt modelId="{7E5A290C-A087-43D2-B541-2401B8BBAC35}" type="pres">
+      <dgm:prSet presAssocID="{24478752-F7A4-43E7-8B12-EB9EF4E54054}" presName="cycle" presStyleCnt="0">
+        <dgm:presLayoutVars>
+          <dgm:dir/>
+          <dgm:resizeHandles val="exact"/>
+        </dgm:presLayoutVars>
+      </dgm:prSet>
+      <dgm:spPr/>
+    </dgm:pt>
+    <dgm:pt modelId="{42B70306-1654-485F-B173-3A9C2D343F77}" type="pres">
+      <dgm:prSet presAssocID="{99C85D52-7F7C-4CAC-888E-C59818E5096F}" presName="dummy" presStyleCnt="0"/>
+      <dgm:spPr/>
+    </dgm:pt>
+    <dgm:pt modelId="{32E76D69-0622-4B02-9CD2-1307B1AE8ED9}" type="pres">
+      <dgm:prSet presAssocID="{99C85D52-7F7C-4CAC-888E-C59818E5096F}" presName="node" presStyleLbl="revTx" presStyleIdx="0" presStyleCnt="5" custScaleX="100073">
+        <dgm:presLayoutVars>
+          <dgm:bulletEnabled val="1"/>
+        </dgm:presLayoutVars>
+      </dgm:prSet>
+      <dgm:spPr/>
+      <dgm:t>
+        <a:bodyPr/>
+        <a:lstStyle/>
+        <a:p>
+          <a:endParaRPr lang="en-US"/>
+        </a:p>
+      </dgm:t>
+    </dgm:pt>
+    <dgm:pt modelId="{533DA9A2-BCA5-476C-8680-8E725F4B3C01}" type="pres">
+      <dgm:prSet presAssocID="{C8E6336B-7C85-4E02-8971-8B9BCBFEBB6F}" presName="sibTrans" presStyleLbl="node1" presStyleIdx="0" presStyleCnt="5"/>
+      <dgm:spPr/>
+    </dgm:pt>
+    <dgm:pt modelId="{8699CCD6-EAF2-46F1-8206-3D04BA99E1B5}" type="pres">
+      <dgm:prSet presAssocID="{B9A2C1F4-257D-47F0-86AE-D1A6357DBB72}" presName="dummy" presStyleCnt="0"/>
+      <dgm:spPr/>
+    </dgm:pt>
+    <dgm:pt modelId="{C19D2C29-88CE-45D4-ADDC-ECE387AD96E8}" type="pres">
+      <dgm:prSet presAssocID="{B9A2C1F4-257D-47F0-86AE-D1A6357DBB72}" presName="node" presStyleLbl="revTx" presStyleIdx="1" presStyleCnt="5">
+        <dgm:presLayoutVars>
+          <dgm:bulletEnabled val="1"/>
+        </dgm:presLayoutVars>
+      </dgm:prSet>
+      <dgm:spPr/>
+    </dgm:pt>
+    <dgm:pt modelId="{81313DC2-BEF4-4BE1-9F81-F30DD35688BF}" type="pres">
+      <dgm:prSet presAssocID="{10935347-7A84-44D2-9C15-90F43F23E306}" presName="sibTrans" presStyleLbl="node1" presStyleIdx="1" presStyleCnt="5"/>
+      <dgm:spPr/>
+    </dgm:pt>
+    <dgm:pt modelId="{8FE6B7F3-DDFA-43F1-9F6B-ED17A0DE7FDB}" type="pres">
+      <dgm:prSet presAssocID="{CB4A29D2-812F-49FF-A7C2-DF1395A552FC}" presName="dummy" presStyleCnt="0"/>
+      <dgm:spPr/>
+    </dgm:pt>
+    <dgm:pt modelId="{19851196-3C73-4CE8-8AFF-C2493999DDBC}" type="pres">
+      <dgm:prSet presAssocID="{CB4A29D2-812F-49FF-A7C2-DF1395A552FC}" presName="node" presStyleLbl="revTx" presStyleIdx="2" presStyleCnt="5" custScaleX="129007">
+        <dgm:presLayoutVars>
+          <dgm:bulletEnabled val="1"/>
+        </dgm:presLayoutVars>
+      </dgm:prSet>
+      <dgm:spPr/>
+      <dgm:t>
+        <a:bodyPr/>
+        <a:lstStyle/>
+        <a:p>
+          <a:endParaRPr lang="en-US"/>
+        </a:p>
+      </dgm:t>
+    </dgm:pt>
+    <dgm:pt modelId="{0427C397-54A9-4C24-A692-4D3593C91608}" type="pres">
+      <dgm:prSet presAssocID="{B9E54EEF-6CE8-4647-B428-172542A10FEE}" presName="sibTrans" presStyleLbl="node1" presStyleIdx="2" presStyleCnt="5"/>
+      <dgm:spPr/>
+    </dgm:pt>
+    <dgm:pt modelId="{52671960-557E-4FBC-814F-13FBDA1875E8}" type="pres">
+      <dgm:prSet presAssocID="{FFCA3F44-C45C-4BAD-9F42-C3A4C04186FF}" presName="dummy" presStyleCnt="0"/>
+      <dgm:spPr/>
+    </dgm:pt>
+    <dgm:pt modelId="{619376EC-69ED-40B9-9D05-298B18F9F07D}" type="pres">
+      <dgm:prSet presAssocID="{FFCA3F44-C45C-4BAD-9F42-C3A4C04186FF}" presName="node" presStyleLbl="revTx" presStyleIdx="3" presStyleCnt="5">
+        <dgm:presLayoutVars>
+          <dgm:bulletEnabled val="1"/>
+        </dgm:presLayoutVars>
+      </dgm:prSet>
+      <dgm:spPr/>
+    </dgm:pt>
+    <dgm:pt modelId="{2D0D0A25-4D7D-45D3-B1E7-787EA3B04651}" type="pres">
+      <dgm:prSet presAssocID="{4F95A79E-BA84-4CBA-A6BF-5A7A00BC2FE8}" presName="sibTrans" presStyleLbl="node1" presStyleIdx="3" presStyleCnt="5"/>
+      <dgm:spPr/>
+    </dgm:pt>
+    <dgm:pt modelId="{07C8BC63-6442-4E0A-979D-E649AE1FBF11}" type="pres">
+      <dgm:prSet presAssocID="{B6EB22EC-B9DE-4E86-8D09-4D224C3045D0}" presName="dummy" presStyleCnt="0"/>
+      <dgm:spPr/>
+    </dgm:pt>
+    <dgm:pt modelId="{5639B958-625B-4763-92D7-1D75903368EB}" type="pres">
+      <dgm:prSet presAssocID="{B6EB22EC-B9DE-4E86-8D09-4D224C3045D0}" presName="node" presStyleLbl="revTx" presStyleIdx="4" presStyleCnt="5">
+        <dgm:presLayoutVars>
+          <dgm:bulletEnabled val="1"/>
+        </dgm:presLayoutVars>
+      </dgm:prSet>
+      <dgm:spPr/>
+      <dgm:t>
+        <a:bodyPr/>
+        <a:lstStyle/>
+        <a:p>
+          <a:endParaRPr lang="en-US"/>
+        </a:p>
+      </dgm:t>
+    </dgm:pt>
+    <dgm:pt modelId="{9015A0BE-CA27-44F3-8905-217050F11F05}" type="pres">
+      <dgm:prSet presAssocID="{31B31508-BE24-4482-A7CF-511C32716CBE}" presName="sibTrans" presStyleLbl="node1" presStyleIdx="4" presStyleCnt="5"/>
+      <dgm:spPr/>
+    </dgm:pt>
+  </dgm:ptLst>
+  <dgm:cxnLst>
+    <dgm:cxn modelId="{B7DBDABB-110E-4E3F-8483-3998981D0E62}" type="presOf" srcId="{CB4A29D2-812F-49FF-A7C2-DF1395A552FC}" destId="{19851196-3C73-4CE8-8AFF-C2493999DDBC}" srcOrd="0" destOrd="0" presId="urn:microsoft.com/office/officeart/2005/8/layout/cycle1"/>
+    <dgm:cxn modelId="{4E834EB1-B26F-4110-8AB7-58EE6E76788D}" type="presOf" srcId="{FFCA3F44-C45C-4BAD-9F42-C3A4C04186FF}" destId="{619376EC-69ED-40B9-9D05-298B18F9F07D}" srcOrd="0" destOrd="0" presId="urn:microsoft.com/office/officeart/2005/8/layout/cycle1"/>
+    <dgm:cxn modelId="{9203F163-EB80-4EE1-9590-F2B8B0011F54}" srcId="{24478752-F7A4-43E7-8B12-EB9EF4E54054}" destId="{B9A2C1F4-257D-47F0-86AE-D1A6357DBB72}" srcOrd="1" destOrd="0" parTransId="{37E7AB18-7F59-4D1B-8E43-5C62945F0734}" sibTransId="{10935347-7A84-44D2-9C15-90F43F23E306}"/>
+    <dgm:cxn modelId="{F15E2B25-D1FD-4243-9640-4A8C1CA0BB2D}" srcId="{24478752-F7A4-43E7-8B12-EB9EF4E54054}" destId="{CB4A29D2-812F-49FF-A7C2-DF1395A552FC}" srcOrd="2" destOrd="0" parTransId="{252D764F-9FFF-43AD-BB9E-8F6A1A4EA4E7}" sibTransId="{B9E54EEF-6CE8-4647-B428-172542A10FEE}"/>
+    <dgm:cxn modelId="{C9C505EC-3837-4753-B8AC-8BCCAFBA9F53}" srcId="{24478752-F7A4-43E7-8B12-EB9EF4E54054}" destId="{FFCA3F44-C45C-4BAD-9F42-C3A4C04186FF}" srcOrd="3" destOrd="0" parTransId="{348594BB-2ED4-493C-A9D7-8B15400D8079}" sibTransId="{4F95A79E-BA84-4CBA-A6BF-5A7A00BC2FE8}"/>
+    <dgm:cxn modelId="{30408B54-714E-4972-883A-E359592B78B4}" srcId="{24478752-F7A4-43E7-8B12-EB9EF4E54054}" destId="{99C85D52-7F7C-4CAC-888E-C59818E5096F}" srcOrd="0" destOrd="0" parTransId="{954E1A12-F41F-414D-8F1E-6FD7E34B60BA}" sibTransId="{C8E6336B-7C85-4E02-8971-8B9BCBFEBB6F}"/>
+    <dgm:cxn modelId="{812FE667-C3CC-4567-A83C-2E4276260583}" type="presOf" srcId="{C8E6336B-7C85-4E02-8971-8B9BCBFEBB6F}" destId="{533DA9A2-BCA5-476C-8680-8E725F4B3C01}" srcOrd="0" destOrd="0" presId="urn:microsoft.com/office/officeart/2005/8/layout/cycle1"/>
+    <dgm:cxn modelId="{F4AF072F-1C1C-44FD-AFCC-D26D968A547E}" type="presOf" srcId="{99C85D52-7F7C-4CAC-888E-C59818E5096F}" destId="{32E76D69-0622-4B02-9CD2-1307B1AE8ED9}" srcOrd="0" destOrd="0" presId="urn:microsoft.com/office/officeart/2005/8/layout/cycle1"/>
+    <dgm:cxn modelId="{D4DF4947-133C-4BAB-8393-9A2334C261F3}" type="presOf" srcId="{10935347-7A84-44D2-9C15-90F43F23E306}" destId="{81313DC2-BEF4-4BE1-9F81-F30DD35688BF}" srcOrd="0" destOrd="0" presId="urn:microsoft.com/office/officeart/2005/8/layout/cycle1"/>
+    <dgm:cxn modelId="{600E9663-76EE-4E02-B8EE-B28748F9F0FA}" type="presOf" srcId="{B6EB22EC-B9DE-4E86-8D09-4D224C3045D0}" destId="{5639B958-625B-4763-92D7-1D75903368EB}" srcOrd="0" destOrd="0" presId="urn:microsoft.com/office/officeart/2005/8/layout/cycle1"/>
+    <dgm:cxn modelId="{5C6E375D-2FD7-48D4-BD68-A247FE3F1DC5}" type="presOf" srcId="{B9E54EEF-6CE8-4647-B428-172542A10FEE}" destId="{0427C397-54A9-4C24-A692-4D3593C91608}" srcOrd="0" destOrd="0" presId="urn:microsoft.com/office/officeart/2005/8/layout/cycle1"/>
+    <dgm:cxn modelId="{54A3A29D-1239-4697-B7B9-CA69A9F0DC1E}" srcId="{24478752-F7A4-43E7-8B12-EB9EF4E54054}" destId="{B6EB22EC-B9DE-4E86-8D09-4D224C3045D0}" srcOrd="4" destOrd="0" parTransId="{88698EEF-7307-4B78-A85A-436233C4BD6A}" sibTransId="{31B31508-BE24-4482-A7CF-511C32716CBE}"/>
+    <dgm:cxn modelId="{7A85BFCE-87A6-4A92-A38C-59D5322E439B}" type="presOf" srcId="{24478752-F7A4-43E7-8B12-EB9EF4E54054}" destId="{7E5A290C-A087-43D2-B541-2401B8BBAC35}" srcOrd="0" destOrd="0" presId="urn:microsoft.com/office/officeart/2005/8/layout/cycle1"/>
+    <dgm:cxn modelId="{3B01A016-625D-49F1-94AF-AAF3A021589F}" type="presOf" srcId="{4F95A79E-BA84-4CBA-A6BF-5A7A00BC2FE8}" destId="{2D0D0A25-4D7D-45D3-B1E7-787EA3B04651}" srcOrd="0" destOrd="0" presId="urn:microsoft.com/office/officeart/2005/8/layout/cycle1"/>
+    <dgm:cxn modelId="{8ED3D557-5C7D-46D7-AC89-C90BFF34EB93}" type="presOf" srcId="{31B31508-BE24-4482-A7CF-511C32716CBE}" destId="{9015A0BE-CA27-44F3-8905-217050F11F05}" srcOrd="0" destOrd="0" presId="urn:microsoft.com/office/officeart/2005/8/layout/cycle1"/>
+    <dgm:cxn modelId="{29CA56D1-5E4D-4B71-8832-B045B6D5862F}" type="presOf" srcId="{B9A2C1F4-257D-47F0-86AE-D1A6357DBB72}" destId="{C19D2C29-88CE-45D4-ADDC-ECE387AD96E8}" srcOrd="0" destOrd="0" presId="urn:microsoft.com/office/officeart/2005/8/layout/cycle1"/>
+    <dgm:cxn modelId="{1FAF3DE1-6957-441B-811F-6D113692E092}" type="presParOf" srcId="{7E5A290C-A087-43D2-B541-2401B8BBAC35}" destId="{42B70306-1654-485F-B173-3A9C2D343F77}" srcOrd="0" destOrd="0" presId="urn:microsoft.com/office/officeart/2005/8/layout/cycle1"/>
+    <dgm:cxn modelId="{7BC702C4-81A5-42B0-A17A-3FEBB4551047}" type="presParOf" srcId="{7E5A290C-A087-43D2-B541-2401B8BBAC35}" destId="{32E76D69-0622-4B02-9CD2-1307B1AE8ED9}" srcOrd="1" destOrd="0" presId="urn:microsoft.com/office/officeart/2005/8/layout/cycle1"/>
+    <dgm:cxn modelId="{5F67CAFC-DCFC-4DEA-A143-93B6762AA1D3}" type="presParOf" srcId="{7E5A290C-A087-43D2-B541-2401B8BBAC35}" destId="{533DA9A2-BCA5-476C-8680-8E725F4B3C01}" srcOrd="2" destOrd="0" presId="urn:microsoft.com/office/officeart/2005/8/layout/cycle1"/>
+    <dgm:cxn modelId="{AC5D9B60-5EE3-4C19-B512-1E2A51DE8B89}" type="presParOf" srcId="{7E5A290C-A087-43D2-B541-2401B8BBAC35}" destId="{8699CCD6-EAF2-46F1-8206-3D04BA99E1B5}" srcOrd="3" destOrd="0" presId="urn:microsoft.com/office/officeart/2005/8/layout/cycle1"/>
+    <dgm:cxn modelId="{15312F27-6589-4995-8624-349E44FD535F}" type="presParOf" srcId="{7E5A290C-A087-43D2-B541-2401B8BBAC35}" destId="{C19D2C29-88CE-45D4-ADDC-ECE387AD96E8}" srcOrd="4" destOrd="0" presId="urn:microsoft.com/office/officeart/2005/8/layout/cycle1"/>
+    <dgm:cxn modelId="{14EB2DDA-23DF-4803-BC21-E3C3AA32ED48}" type="presParOf" srcId="{7E5A290C-A087-43D2-B541-2401B8BBAC35}" destId="{81313DC2-BEF4-4BE1-9F81-F30DD35688BF}" srcOrd="5" destOrd="0" presId="urn:microsoft.com/office/officeart/2005/8/layout/cycle1"/>
+    <dgm:cxn modelId="{C1373469-530D-474D-BBB3-247882D8B12E}" type="presParOf" srcId="{7E5A290C-A087-43D2-B541-2401B8BBAC35}" destId="{8FE6B7F3-DDFA-43F1-9F6B-ED17A0DE7FDB}" srcOrd="6" destOrd="0" presId="urn:microsoft.com/office/officeart/2005/8/layout/cycle1"/>
+    <dgm:cxn modelId="{C1E42E53-0ED8-4F68-8C16-8236B440D9ED}" type="presParOf" srcId="{7E5A290C-A087-43D2-B541-2401B8BBAC35}" destId="{19851196-3C73-4CE8-8AFF-C2493999DDBC}" srcOrd="7" destOrd="0" presId="urn:microsoft.com/office/officeart/2005/8/layout/cycle1"/>
+    <dgm:cxn modelId="{94F0A45B-450D-4306-8DDE-C60645A3304C}" type="presParOf" srcId="{7E5A290C-A087-43D2-B541-2401B8BBAC35}" destId="{0427C397-54A9-4C24-A692-4D3593C91608}" srcOrd="8" destOrd="0" presId="urn:microsoft.com/office/officeart/2005/8/layout/cycle1"/>
+    <dgm:cxn modelId="{CD34687B-0BBE-4AB8-9CA0-3082980851E6}" type="presParOf" srcId="{7E5A290C-A087-43D2-B541-2401B8BBAC35}" destId="{52671960-557E-4FBC-814F-13FBDA1875E8}" srcOrd="9" destOrd="0" presId="urn:microsoft.com/office/officeart/2005/8/layout/cycle1"/>
+    <dgm:cxn modelId="{AA5CFC97-E903-4D3A-972A-E261BC2683C5}" type="presParOf" srcId="{7E5A290C-A087-43D2-B541-2401B8BBAC35}" destId="{619376EC-69ED-40B9-9D05-298B18F9F07D}" srcOrd="10" destOrd="0" presId="urn:microsoft.com/office/officeart/2005/8/layout/cycle1"/>
+    <dgm:cxn modelId="{A26288D8-3D81-4E12-8A5D-2533C8313589}" type="presParOf" srcId="{7E5A290C-A087-43D2-B541-2401B8BBAC35}" destId="{2D0D0A25-4D7D-45D3-B1E7-787EA3B04651}" srcOrd="11" destOrd="0" presId="urn:microsoft.com/office/officeart/2005/8/layout/cycle1"/>
+    <dgm:cxn modelId="{D2A14705-F5F7-4F66-A0F9-7D431AB83A94}" type="presParOf" srcId="{7E5A290C-A087-43D2-B541-2401B8BBAC35}" destId="{07C8BC63-6442-4E0A-979D-E649AE1FBF11}" srcOrd="12" destOrd="0" presId="urn:microsoft.com/office/officeart/2005/8/layout/cycle1"/>
+    <dgm:cxn modelId="{84787E41-5CCC-404E-86E5-8C28BE80DEEA}" type="presParOf" srcId="{7E5A290C-A087-43D2-B541-2401B8BBAC35}" destId="{5639B958-625B-4763-92D7-1D75903368EB}" srcOrd="13" destOrd="0" presId="urn:microsoft.com/office/officeart/2005/8/layout/cycle1"/>
+    <dgm:cxn modelId="{52E05D61-D6CC-4A4C-A611-64A1ACD2B6D4}" type="presParOf" srcId="{7E5A290C-A087-43D2-B541-2401B8BBAC35}" destId="{9015A0BE-CA27-44F3-8905-217050F11F05}" srcOrd="14" destOrd="0" presId="urn:microsoft.com/office/officeart/2005/8/layout/cycle1"/>
+  </dgm:cxnLst>
+  <dgm:bg/>
+  <dgm:whole/>
+  <dgm:extLst>
+    <a:ext uri="http://schemas.microsoft.com/office/drawing/2008/diagram">
+      <dsp:dataModelExt xmlns:dsp="http://schemas.microsoft.com/office/drawing/2008/diagram" relId="rId6" minVer="http://schemas.openxmlformats.org/drawingml/2006/diagram"/>
+    </a:ext>
+  </dgm:extLst>
+</dgm:dataModel>
+</file>
+
+<file path=ppt/diagrams/drawing1.xml><?xml version="1.0" encoding="utf-8"?>
+<dsp:drawing xmlns:dgm="http://schemas.openxmlformats.org/drawingml/2006/diagram" xmlns:dsp="http://schemas.microsoft.com/office/drawing/2008/diagram" xmlns:a="http://schemas.openxmlformats.org/drawingml/2006/main">
+  <dsp:spTree>
+    <dsp:nvGrpSpPr>
+      <dsp:cNvPr id="0" name=""/>
+      <dsp:cNvGrpSpPr/>
+    </dsp:nvGrpSpPr>
+    <dsp:grpSpPr/>
+    <dsp:sp modelId="{32E76D69-0622-4B02-9CD2-1307B1AE8ED9}">
+      <dsp:nvSpPr>
+        <dsp:cNvPr id="0" name=""/>
+        <dsp:cNvSpPr/>
+      </dsp:nvSpPr>
+      <dsp:spPr>
+        <a:xfrm>
+          <a:off x="4406164" y="31152"/>
+          <a:ext cx="1089771" cy="1088976"/>
+        </a:xfrm>
+        <a:prstGeom prst="rect">
+          <a:avLst/>
+        </a:prstGeom>
+        <a:noFill/>
+        <a:ln>
+          <a:noFill/>
+        </a:ln>
+        <a:effectLst/>
+      </dsp:spPr>
+      <dsp:style>
+        <a:lnRef idx="0">
+          <a:scrgbClr r="0" g="0" b="0"/>
+        </a:lnRef>
+        <a:fillRef idx="0">
+          <a:scrgbClr r="0" g="0" b="0"/>
+        </a:fillRef>
+        <a:effectRef idx="0">
+          <a:scrgbClr r="0" g="0" b="0"/>
+        </a:effectRef>
+        <a:fontRef idx="minor"/>
+      </dsp:style>
+      <dsp:txBody>
+        <a:bodyPr spcFirstLastPara="0" vert="horz" wrap="square" lIns="19050" tIns="19050" rIns="19050" bIns="19050" numCol="1" spcCol="1270" anchor="ctr" anchorCtr="0">
+          <a:noAutofit/>
+        </a:bodyPr>
+        <a:lstStyle/>
+        <a:p>
+          <a:pPr lvl="0" algn="ctr" defTabSz="666750">
+            <a:lnSpc>
+              <a:spcPct val="90000"/>
+            </a:lnSpc>
+            <a:spcBef>
+              <a:spcPct val="0"/>
+            </a:spcBef>
+            <a:spcAft>
+              <a:spcPct val="35000"/>
+            </a:spcAft>
+          </a:pPr>
+          <a:r>
+            <a:rPr lang="en-US" sz="1500" kern="1200" dirty="0" smtClean="0"/>
+            <a:t>Select &amp;  Infect</a:t>
+          </a:r>
+          <a:endParaRPr lang="en-US" sz="1500" kern="1200" dirty="0"/>
+        </a:p>
+      </dsp:txBody>
+      <dsp:txXfrm>
+        <a:off x="4406164" y="31152"/>
+        <a:ext cx="1089771" cy="1088976"/>
+      </dsp:txXfrm>
+    </dsp:sp>
+    <dsp:sp modelId="{533DA9A2-BCA5-476C-8680-8E725F4B3C01}">
+      <dsp:nvSpPr>
+        <dsp:cNvPr id="0" name=""/>
+        <dsp:cNvSpPr/>
+      </dsp:nvSpPr>
+      <dsp:spPr>
+        <a:xfrm>
+          <a:off x="1842378" y="-654"/>
+          <a:ext cx="4086055" cy="4086055"/>
+        </a:xfrm>
+        <a:prstGeom prst="circularArrow">
+          <a:avLst>
+            <a:gd name="adj1" fmla="val 5197"/>
+            <a:gd name="adj2" fmla="val 335680"/>
+            <a:gd name="adj3" fmla="val 21294193"/>
+            <a:gd name="adj4" fmla="val 19765405"/>
+            <a:gd name="adj5" fmla="val 6063"/>
+          </a:avLst>
+        </a:prstGeom>
+        <a:solidFill>
+          <a:schemeClr val="accent1">
+            <a:hueOff val="0"/>
+            <a:satOff val="0"/>
+            <a:lumOff val="0"/>
+            <a:alphaOff val="0"/>
+          </a:schemeClr>
+        </a:solidFill>
+        <a:ln w="31750" cap="flat" cmpd="sng" algn="ctr">
+          <a:solidFill>
+            <a:schemeClr val="lt1">
+              <a:hueOff val="0"/>
+              <a:satOff val="0"/>
+              <a:lumOff val="0"/>
+              <a:alphaOff val="0"/>
+            </a:schemeClr>
+          </a:solidFill>
+          <a:prstDash val="solid"/>
+        </a:ln>
+        <a:effectLst/>
+      </dsp:spPr>
+      <dsp:style>
+        <a:lnRef idx="2">
+          <a:scrgbClr r="0" g="0" b="0"/>
+        </a:lnRef>
+        <a:fillRef idx="1">
+          <a:scrgbClr r="0" g="0" b="0"/>
+        </a:fillRef>
+        <a:effectRef idx="0">
+          <a:scrgbClr r="0" g="0" b="0"/>
+        </a:effectRef>
+        <a:fontRef idx="minor">
+          <a:schemeClr val="lt1"/>
+        </a:fontRef>
+      </dsp:style>
+    </dsp:sp>
+    <dsp:sp modelId="{C19D2C29-88CE-45D4-ADDC-ECE387AD96E8}">
+      <dsp:nvSpPr>
+        <dsp:cNvPr id="0" name=""/>
+        <dsp:cNvSpPr/>
+      </dsp:nvSpPr>
+      <dsp:spPr>
+        <a:xfrm>
+          <a:off x="5065166" y="2058127"/>
+          <a:ext cx="1088976" cy="1088976"/>
+        </a:xfrm>
+        <a:prstGeom prst="rect">
+          <a:avLst/>
+        </a:prstGeom>
+        <a:noFill/>
+        <a:ln>
+          <a:noFill/>
+        </a:ln>
+        <a:effectLst/>
+      </dsp:spPr>
+      <dsp:style>
+        <a:lnRef idx="0">
+          <a:scrgbClr r="0" g="0" b="0"/>
+        </a:lnRef>
+        <a:fillRef idx="0">
+          <a:scrgbClr r="0" g="0" b="0"/>
+        </a:fillRef>
+        <a:effectRef idx="0">
+          <a:scrgbClr r="0" g="0" b="0"/>
+        </a:effectRef>
+        <a:fontRef idx="minor"/>
+      </dsp:style>
+      <dsp:txBody>
+        <a:bodyPr spcFirstLastPara="0" vert="horz" wrap="square" lIns="19050" tIns="19050" rIns="19050" bIns="19050" numCol="1" spcCol="1270" anchor="ctr" anchorCtr="0">
+          <a:noAutofit/>
+        </a:bodyPr>
+        <a:lstStyle/>
+        <a:p>
+          <a:pPr lvl="0" algn="ctr" defTabSz="666750">
+            <a:lnSpc>
+              <a:spcPct val="90000"/>
+            </a:lnSpc>
+            <a:spcBef>
+              <a:spcPct val="0"/>
+            </a:spcBef>
+            <a:spcAft>
+              <a:spcPct val="35000"/>
+            </a:spcAft>
+          </a:pPr>
+          <a:r>
+            <a:rPr lang="en-US" sz="1500" kern="1200" dirty="0" smtClean="0"/>
+            <a:t>Evaluate individual Fitness</a:t>
+          </a:r>
+          <a:endParaRPr lang="en-US" sz="1500" kern="1200" dirty="0"/>
+        </a:p>
+      </dsp:txBody>
+      <dsp:txXfrm>
+        <a:off x="5065166" y="2058127"/>
+        <a:ext cx="1088976" cy="1088976"/>
+      </dsp:txXfrm>
+    </dsp:sp>
+    <dsp:sp modelId="{81313DC2-BEF4-4BE1-9F81-F30DD35688BF}">
+      <dsp:nvSpPr>
+        <dsp:cNvPr id="0" name=""/>
+        <dsp:cNvSpPr/>
+      </dsp:nvSpPr>
+      <dsp:spPr>
+        <a:xfrm>
+          <a:off x="1842378" y="-654"/>
+          <a:ext cx="4086055" cy="4086055"/>
+        </a:xfrm>
+        <a:prstGeom prst="circularArrow">
+          <a:avLst>
+            <a:gd name="adj1" fmla="val 5197"/>
+            <a:gd name="adj2" fmla="val 335680"/>
+            <a:gd name="adj3" fmla="val 3696589"/>
+            <a:gd name="adj4" fmla="val 2252527"/>
+            <a:gd name="adj5" fmla="val 6063"/>
+          </a:avLst>
+        </a:prstGeom>
+        <a:solidFill>
+          <a:schemeClr val="accent1">
+            <a:hueOff val="0"/>
+            <a:satOff val="0"/>
+            <a:lumOff val="0"/>
+            <a:alphaOff val="0"/>
+          </a:schemeClr>
+        </a:solidFill>
+        <a:ln w="31750" cap="flat" cmpd="sng" algn="ctr">
+          <a:solidFill>
+            <a:schemeClr val="lt1">
+              <a:hueOff val="0"/>
+              <a:satOff val="0"/>
+              <a:lumOff val="0"/>
+              <a:alphaOff val="0"/>
+            </a:schemeClr>
+          </a:solidFill>
+          <a:prstDash val="solid"/>
+        </a:ln>
+        <a:effectLst/>
+      </dsp:spPr>
+      <dsp:style>
+        <a:lnRef idx="2">
+          <a:scrgbClr r="0" g="0" b="0"/>
+        </a:lnRef>
+        <a:fillRef idx="1">
+          <a:scrgbClr r="0" g="0" b="0"/>
+        </a:fillRef>
+        <a:effectRef idx="0">
+          <a:scrgbClr r="0" g="0" b="0"/>
+        </a:effectRef>
+        <a:fontRef idx="minor">
+          <a:schemeClr val="lt1"/>
+        </a:fontRef>
+      </dsp:style>
+    </dsp:sp>
+    <dsp:sp modelId="{19851196-3C73-4CE8-8AFF-C2493999DDBC}">
+      <dsp:nvSpPr>
+        <dsp:cNvPr id="0" name=""/>
+        <dsp:cNvSpPr/>
+      </dsp:nvSpPr>
+      <dsp:spPr>
+        <a:xfrm>
+          <a:off x="3182978" y="3310866"/>
+          <a:ext cx="1404855" cy="1088976"/>
+        </a:xfrm>
+        <a:prstGeom prst="rect">
+          <a:avLst/>
+        </a:prstGeom>
+        <a:noFill/>
+        <a:ln>
+          <a:noFill/>
+        </a:ln>
+        <a:effectLst/>
+      </dsp:spPr>
+      <dsp:style>
+        <a:lnRef idx="0">
+          <a:scrgbClr r="0" g="0" b="0"/>
+        </a:lnRef>
+        <a:fillRef idx="0">
+          <a:scrgbClr r="0" g="0" b="0"/>
+        </a:fillRef>
+        <a:effectRef idx="0">
+          <a:scrgbClr r="0" g="0" b="0"/>
+        </a:effectRef>
+        <a:fontRef idx="minor"/>
+      </dsp:style>
+      <dsp:txBody>
+        <a:bodyPr spcFirstLastPara="0" vert="horz" wrap="square" lIns="19050" tIns="19050" rIns="19050" bIns="19050" numCol="1" spcCol="1270" anchor="ctr" anchorCtr="0">
+          <a:noAutofit/>
+        </a:bodyPr>
+        <a:lstStyle/>
+        <a:p>
+          <a:pPr lvl="0" algn="ctr" defTabSz="666750">
+            <a:lnSpc>
+              <a:spcPct val="90000"/>
+            </a:lnSpc>
+            <a:spcBef>
+              <a:spcPct val="0"/>
+            </a:spcBef>
+            <a:spcAft>
+              <a:spcPct val="35000"/>
+            </a:spcAft>
+          </a:pPr>
+          <a:r>
+            <a:rPr lang="en-US" sz="1500" kern="1200" dirty="0" smtClean="0"/>
+            <a:t>Create offspring</a:t>
+          </a:r>
+        </a:p>
+        <a:p>
+          <a:pPr lvl="0" algn="ctr" defTabSz="666750">
+            <a:lnSpc>
+              <a:spcPct val="90000"/>
+            </a:lnSpc>
+            <a:spcBef>
+              <a:spcPct val="0"/>
+            </a:spcBef>
+            <a:spcAft>
+              <a:spcPct val="35000"/>
+            </a:spcAft>
+          </a:pPr>
+          <a:r>
+            <a:rPr lang="en-US" sz="1500" kern="1200" dirty="0" smtClean="0"/>
+            <a:t>Parents die</a:t>
+          </a:r>
+          <a:endParaRPr lang="en-US" sz="1500" kern="1200" dirty="0"/>
+        </a:p>
+      </dsp:txBody>
+      <dsp:txXfrm>
+        <a:off x="3182978" y="3310866"/>
+        <a:ext cx="1404855" cy="1088976"/>
+      </dsp:txXfrm>
+    </dsp:sp>
+    <dsp:sp modelId="{0427C397-54A9-4C24-A692-4D3593C91608}">
+      <dsp:nvSpPr>
+        <dsp:cNvPr id="0" name=""/>
+        <dsp:cNvSpPr/>
+      </dsp:nvSpPr>
+      <dsp:spPr>
+        <a:xfrm>
+          <a:off x="1842378" y="-654"/>
+          <a:ext cx="4086055" cy="4086055"/>
+        </a:xfrm>
+        <a:prstGeom prst="circularArrow">
+          <a:avLst>
+            <a:gd name="adj1" fmla="val 5197"/>
+            <a:gd name="adj2" fmla="val 335680"/>
+            <a:gd name="adj3" fmla="val 8211793"/>
+            <a:gd name="adj4" fmla="val 6767731"/>
+            <a:gd name="adj5" fmla="val 6063"/>
+          </a:avLst>
+        </a:prstGeom>
+        <a:solidFill>
+          <a:schemeClr val="accent1">
+            <a:hueOff val="0"/>
+            <a:satOff val="0"/>
+            <a:lumOff val="0"/>
+            <a:alphaOff val="0"/>
+          </a:schemeClr>
+        </a:solidFill>
+        <a:ln w="31750" cap="flat" cmpd="sng" algn="ctr">
+          <a:solidFill>
+            <a:schemeClr val="lt1">
+              <a:hueOff val="0"/>
+              <a:satOff val="0"/>
+              <a:lumOff val="0"/>
+              <a:alphaOff val="0"/>
+            </a:schemeClr>
+          </a:solidFill>
+          <a:prstDash val="solid"/>
+        </a:ln>
+        <a:effectLst/>
+      </dsp:spPr>
+      <dsp:style>
+        <a:lnRef idx="2">
+          <a:scrgbClr r="0" g="0" b="0"/>
+        </a:lnRef>
+        <a:fillRef idx="1">
+          <a:scrgbClr r="0" g="0" b="0"/>
+        </a:fillRef>
+        <a:effectRef idx="0">
+          <a:scrgbClr r="0" g="0" b="0"/>
+        </a:effectRef>
+        <a:fontRef idx="minor">
+          <a:schemeClr val="lt1"/>
+        </a:fontRef>
+      </dsp:style>
+    </dsp:sp>
+    <dsp:sp modelId="{619376EC-69ED-40B9-9D05-298B18F9F07D}">
+      <dsp:nvSpPr>
+        <dsp:cNvPr id="0" name=""/>
+        <dsp:cNvSpPr/>
+      </dsp:nvSpPr>
+      <dsp:spPr>
+        <a:xfrm>
+          <a:off x="1616670" y="2058127"/>
+          <a:ext cx="1088976" cy="1088976"/>
+        </a:xfrm>
+        <a:prstGeom prst="rect">
+          <a:avLst/>
+        </a:prstGeom>
+        <a:noFill/>
+        <a:ln>
+          <a:noFill/>
+        </a:ln>
+        <a:effectLst/>
+      </dsp:spPr>
+      <dsp:style>
+        <a:lnRef idx="0">
+          <a:scrgbClr r="0" g="0" b="0"/>
+        </a:lnRef>
+        <a:fillRef idx="0">
+          <a:scrgbClr r="0" g="0" b="0"/>
+        </a:fillRef>
+        <a:effectRef idx="0">
+          <a:scrgbClr r="0" g="0" b="0"/>
+        </a:effectRef>
+        <a:fontRef idx="minor"/>
+      </dsp:style>
+      <dsp:txBody>
+        <a:bodyPr spcFirstLastPara="0" vert="horz" wrap="square" lIns="19050" tIns="19050" rIns="19050" bIns="19050" numCol="1" spcCol="1270" anchor="ctr" anchorCtr="0">
+          <a:noAutofit/>
+        </a:bodyPr>
+        <a:lstStyle/>
+        <a:p>
+          <a:pPr lvl="0" algn="ctr" defTabSz="666750">
+            <a:lnSpc>
+              <a:spcPct val="90000"/>
+            </a:lnSpc>
+            <a:spcBef>
+              <a:spcPct val="0"/>
+            </a:spcBef>
+            <a:spcAft>
+              <a:spcPct val="35000"/>
+            </a:spcAft>
+          </a:pPr>
+          <a:r>
+            <a:rPr lang="en-US" sz="1500" kern="1200" dirty="0" smtClean="0"/>
+            <a:t>Mutate</a:t>
+          </a:r>
+          <a:endParaRPr lang="en-US" sz="1500" kern="1200" dirty="0"/>
+        </a:p>
+      </dsp:txBody>
+      <dsp:txXfrm>
+        <a:off x="1616670" y="2058127"/>
+        <a:ext cx="1088976" cy="1088976"/>
+      </dsp:txXfrm>
+    </dsp:sp>
+    <dsp:sp modelId="{2D0D0A25-4D7D-45D3-B1E7-787EA3B04651}">
+      <dsp:nvSpPr>
+        <dsp:cNvPr id="0" name=""/>
+        <dsp:cNvSpPr/>
+      </dsp:nvSpPr>
+      <dsp:spPr>
+        <a:xfrm>
+          <a:off x="1842378" y="-654"/>
+          <a:ext cx="4086055" cy="4086055"/>
+        </a:xfrm>
+        <a:prstGeom prst="circularArrow">
+          <a:avLst>
+            <a:gd name="adj1" fmla="val 5197"/>
+            <a:gd name="adj2" fmla="val 335680"/>
+            <a:gd name="adj3" fmla="val 12298915"/>
+            <a:gd name="adj4" fmla="val 10770127"/>
+            <a:gd name="adj5" fmla="val 6063"/>
+          </a:avLst>
+        </a:prstGeom>
+        <a:solidFill>
+          <a:schemeClr val="accent1">
+            <a:hueOff val="0"/>
+            <a:satOff val="0"/>
+            <a:lumOff val="0"/>
+            <a:alphaOff val="0"/>
+          </a:schemeClr>
+        </a:solidFill>
+        <a:ln w="31750" cap="flat" cmpd="sng" algn="ctr">
+          <a:solidFill>
+            <a:schemeClr val="lt1">
+              <a:hueOff val="0"/>
+              <a:satOff val="0"/>
+              <a:lumOff val="0"/>
+              <a:alphaOff val="0"/>
+            </a:schemeClr>
+          </a:solidFill>
+          <a:prstDash val="solid"/>
+        </a:ln>
+        <a:effectLst/>
+      </dsp:spPr>
+      <dsp:style>
+        <a:lnRef idx="2">
+          <a:scrgbClr r="0" g="0" b="0"/>
+        </a:lnRef>
+        <a:fillRef idx="1">
+          <a:scrgbClr r="0" g="0" b="0"/>
+        </a:fillRef>
+        <a:effectRef idx="0">
+          <a:scrgbClr r="0" g="0" b="0"/>
+        </a:effectRef>
+        <a:fontRef idx="minor">
+          <a:schemeClr val="lt1"/>
+        </a:fontRef>
+      </dsp:style>
+    </dsp:sp>
+    <dsp:sp modelId="{5639B958-625B-4763-92D7-1D75903368EB}">
+      <dsp:nvSpPr>
+        <dsp:cNvPr id="0" name=""/>
+        <dsp:cNvSpPr/>
+      </dsp:nvSpPr>
+      <dsp:spPr>
+        <a:xfrm>
+          <a:off x="2275274" y="31152"/>
+          <a:ext cx="1088976" cy="1088976"/>
+        </a:xfrm>
+        <a:prstGeom prst="rect">
+          <a:avLst/>
+        </a:prstGeom>
+        <a:noFill/>
+        <a:ln>
+          <a:noFill/>
+        </a:ln>
+        <a:effectLst/>
+      </dsp:spPr>
+      <dsp:style>
+        <a:lnRef idx="0">
+          <a:scrgbClr r="0" g="0" b="0"/>
+        </a:lnRef>
+        <a:fillRef idx="0">
+          <a:scrgbClr r="0" g="0" b="0"/>
+        </a:fillRef>
+        <a:effectRef idx="0">
+          <a:scrgbClr r="0" g="0" b="0"/>
+        </a:effectRef>
+        <a:fontRef idx="minor"/>
+      </dsp:style>
+      <dsp:txBody>
+        <a:bodyPr spcFirstLastPara="0" vert="horz" wrap="square" lIns="19050" tIns="19050" rIns="19050" bIns="19050" numCol="1" spcCol="1270" anchor="ctr" anchorCtr="0">
+          <a:noAutofit/>
+        </a:bodyPr>
+        <a:lstStyle/>
+        <a:p>
+          <a:pPr lvl="0" algn="ctr" defTabSz="666750">
+            <a:lnSpc>
+              <a:spcPct val="90000"/>
+            </a:lnSpc>
+            <a:spcBef>
+              <a:spcPct val="0"/>
+            </a:spcBef>
+            <a:spcAft>
+              <a:spcPct val="35000"/>
+            </a:spcAft>
+          </a:pPr>
+          <a:r>
+            <a:rPr lang="en-US" sz="1500" kern="1200" dirty="0" smtClean="0"/>
+            <a:t>Evaluate Population Fitness/Cull</a:t>
+          </a:r>
+          <a:endParaRPr lang="en-US" sz="1500" kern="1200" dirty="0"/>
+        </a:p>
+      </dsp:txBody>
+      <dsp:txXfrm>
+        <a:off x="2275274" y="31152"/>
+        <a:ext cx="1088976" cy="1088976"/>
+      </dsp:txXfrm>
+    </dsp:sp>
+    <dsp:sp modelId="{9015A0BE-CA27-44F3-8905-217050F11F05}">
+      <dsp:nvSpPr>
+        <dsp:cNvPr id="0" name=""/>
+        <dsp:cNvSpPr/>
+      </dsp:nvSpPr>
+      <dsp:spPr>
+        <a:xfrm>
+          <a:off x="1842378" y="-654"/>
+          <a:ext cx="4086055" cy="4086055"/>
+        </a:xfrm>
+        <a:prstGeom prst="circularArrow">
+          <a:avLst>
+            <a:gd name="adj1" fmla="val 5197"/>
+            <a:gd name="adj2" fmla="val 335680"/>
+            <a:gd name="adj3" fmla="val 16865883"/>
+            <a:gd name="adj4" fmla="val 15197651"/>
+            <a:gd name="adj5" fmla="val 6063"/>
+          </a:avLst>
+        </a:prstGeom>
+        <a:solidFill>
+          <a:schemeClr val="accent1">
+            <a:hueOff val="0"/>
+            <a:satOff val="0"/>
+            <a:lumOff val="0"/>
+            <a:alphaOff val="0"/>
+          </a:schemeClr>
+        </a:solidFill>
+        <a:ln w="31750" cap="flat" cmpd="sng" algn="ctr">
+          <a:solidFill>
+            <a:schemeClr val="lt1">
+              <a:hueOff val="0"/>
+              <a:satOff val="0"/>
+              <a:lumOff val="0"/>
+              <a:alphaOff val="0"/>
+            </a:schemeClr>
+          </a:solidFill>
+          <a:prstDash val="solid"/>
+        </a:ln>
+        <a:effectLst/>
+      </dsp:spPr>
+      <dsp:style>
+        <a:lnRef idx="2">
+          <a:scrgbClr r="0" g="0" b="0"/>
+        </a:lnRef>
+        <a:fillRef idx="1">
+          <a:scrgbClr r="0" g="0" b="0"/>
+        </a:fillRef>
+        <a:effectRef idx="0">
+          <a:scrgbClr r="0" g="0" b="0"/>
+        </a:effectRef>
+        <a:fontRef idx="minor">
+          <a:schemeClr val="lt1"/>
+        </a:fontRef>
+      </dsp:style>
+    </dsp:sp>
+  </dsp:spTree>
+</dsp:drawing>
+</file>
+
+<file path=ppt/diagrams/layout1.xml><?xml version="1.0" encoding="utf-8"?>
+<dgm:layoutDef xmlns:dgm="http://schemas.openxmlformats.org/drawingml/2006/diagram" xmlns:a="http://schemas.openxmlformats.org/drawingml/2006/main" uniqueId="urn:microsoft.com/office/officeart/2005/8/layout/cycle1">
+  <dgm:title val=""/>
+  <dgm:desc val=""/>
+  <dgm:catLst>
+    <dgm:cat type="cycle" pri="2000"/>
+  </dgm:catLst>
+  <dgm:sampData>
+    <dgm:dataModel>
+      <dgm:ptLst>
+        <dgm:pt modelId="0" type="doc"/>
+        <dgm:pt modelId="1">
+          <dgm:prSet phldr="1"/>
+        </dgm:pt>
+        <dgm:pt modelId="2">
+          <dgm:prSet phldr="1"/>
+        </dgm:pt>
+        <dgm:pt modelId="3">
+          <dgm:prSet phldr="1"/>
+        </dgm:pt>
+        <dgm:pt modelId="4">
+          <dgm:prSet phldr="1"/>
+        </dgm:pt>
+        <dgm:pt modelId="5">
+          <dgm:prSet phldr="1"/>
+        </dgm:pt>
+      </dgm:ptLst>
+      <dgm:cxnLst>
+        <dgm:cxn modelId="6" srcId="0" destId="1" srcOrd="0" destOrd="0"/>
+        <dgm:cxn modelId="7" srcId="0" destId="2" srcOrd="1" destOrd="0"/>
+        <dgm:cxn modelId="8" srcId="0" destId="3" srcOrd="2" destOrd="0"/>
+        <dgm:cxn modelId="9" srcId="0" destId="4" srcOrd="3" destOrd="0"/>
+        <dgm:cxn modelId="10" srcId="0" destId="5" srcOrd="4" destOrd="0"/>
+      </dgm:cxnLst>
+      <dgm:bg/>
+      <dgm:whole/>
+    </dgm:dataModel>
+  </dgm:sampData>
+  <dgm:styleData>
+    <dgm:dataModel>
+      <dgm:ptLst>
+        <dgm:pt modelId="0" type="doc"/>
+        <dgm:pt modelId="1"/>
+        <dgm:pt modelId="2"/>
+        <dgm:pt modelId="3"/>
+      </dgm:ptLst>
+      <dgm:cxnLst>
+        <dgm:cxn modelId="4" srcId="0" destId="1" srcOrd="0" destOrd="0"/>
+        <dgm:cxn modelId="5" srcId="0" destId="2" srcOrd="1" destOrd="0"/>
+        <dgm:cxn modelId="6" srcId="0" destId="3" srcOrd="2" destOrd="0"/>
+      </dgm:cxnLst>
+      <dgm:bg/>
+      <dgm:whole/>
+    </dgm:dataModel>
+  </dgm:styleData>
+  <dgm:clrData>
+    <dgm:dataModel>
+      <dgm:ptLst>
+        <dgm:pt modelId="0" type="doc"/>
+        <dgm:pt modelId="1"/>
+        <dgm:pt modelId="2"/>
+        <dgm:pt modelId="3"/>
+        <dgm:pt modelId="4"/>
+        <dgm:pt modelId="5"/>
+        <dgm:pt modelId="6"/>
+      </dgm:ptLst>
+      <dgm:cxnLst>
+        <dgm:cxn modelId="7" srcId="0" destId="1" srcOrd="0" destOrd="0"/>
+        <dgm:cxn modelId="8" srcId="0" destId="2" srcOrd="1" destOrd="0"/>
+        <dgm:cxn modelId="9" srcId="0" destId="3" srcOrd="2" destOrd="0"/>
+        <dgm:cxn modelId="10" srcId="0" destId="4" srcOrd="3" destOrd="0"/>
+        <dgm:cxn modelId="11" srcId="0" destId="5" srcOrd="4" destOrd="0"/>
+        <dgm:cxn modelId="12" srcId="0" destId="6" srcOrd="5" destOrd="0"/>
+      </dgm:cxnLst>
+      <dgm:bg/>
+      <dgm:whole/>
+    </dgm:dataModel>
+  </dgm:clrData>
+  <dgm:layoutNode name="cycle">
+    <dgm:varLst>
+      <dgm:dir/>
+      <dgm:resizeHandles val="exact"/>
+    </dgm:varLst>
+    <dgm:choose name="Name0">
+      <dgm:if name="Name1" func="var" arg="dir" op="equ" val="norm">
+        <dgm:alg type="cycle">
+          <dgm:param type="stAng" val="0"/>
+          <dgm:param type="spanAng" val="360"/>
+        </dgm:alg>
+      </dgm:if>
+      <dgm:else name="Name2">
+        <dgm:alg type="cycle">
+          <dgm:param type="stAng" val="0"/>
+          <dgm:param type="spanAng" val="-360"/>
+        </dgm:alg>
+      </dgm:else>
+    </dgm:choose>
+    <dgm:shape xmlns:r="http://schemas.openxmlformats.org/officeDocument/2006/relationships" r:blip="">
+      <dgm:adjLst/>
+    </dgm:shape>
+    <dgm:presOf/>
+    <dgm:choose name="Name3">
+      <dgm:if name="Name4" func="var" arg="dir" op="equ" val="norm">
+        <dgm:constrLst>
+          <dgm:constr type="diam" val="1"/>
+          <dgm:constr type="w" for="ch" forName="node" refType="w"/>
+          <dgm:constr type="w" for="ch" ptType="sibTrans" refType="w" refFor="ch" refForName="node" fact="0.5"/>
+          <dgm:constr type="h" for="ch" ptType="sibTrans" op="equ"/>
+          <dgm:constr type="diam" for="ch" ptType="sibTrans" refType="diam" op="equ"/>
+          <dgm:constr type="sibSp" refType="w" refFor="ch" refForName="node" fact="0.15"/>
+          <dgm:constr type="w" for="ch" forName="dummy" refType="sibSp" fact="2.8"/>
+          <dgm:constr type="primFontSz" for="ch" forName="node" op="equ" val="65"/>
+        </dgm:constrLst>
+      </dgm:if>
+      <dgm:else name="Name5">
+        <dgm:constrLst>
+          <dgm:constr type="diam" val="1"/>
+          <dgm:constr type="w" for="ch" forName="node" refType="w"/>
+          <dgm:constr type="w" for="ch" ptType="sibTrans" refType="w" refFor="ch" refForName="node" fact="0.5"/>
+          <dgm:constr type="h" for="ch" ptType="sibTrans" op="equ"/>
+          <dgm:constr type="diam" for="ch" ptType="sibTrans" refType="diam" op="equ" fact="-1"/>
+          <dgm:constr type="sibSp" refType="w" refFor="ch" refForName="node" fact="0.15"/>
+          <dgm:constr type="w" for="ch" forName="dummy" refType="sibSp" fact="2.8"/>
+          <dgm:constr type="primFontSz" for="ch" forName="node" op="equ" val="65"/>
+        </dgm:constrLst>
+      </dgm:else>
+    </dgm:choose>
+    <dgm:ruleLst>
+      <dgm:rule type="diam" val="INF" fact="NaN" max="NaN"/>
+    </dgm:ruleLst>
+    <dgm:forEach name="nodesForEach" axis="ch" ptType="node">
+      <dgm:choose name="Name6">
+        <dgm:if name="Name7" axis="par ch" ptType="doc node" func="cnt" op="gt" val="1">
+          <dgm:layoutNode name="dummy">
+            <dgm:alg type="sp"/>
+            <dgm:shape xmlns:r="http://schemas.openxmlformats.org/officeDocument/2006/relationships" r:blip="">
+              <dgm:adjLst/>
+            </dgm:shape>
+            <dgm:presOf/>
+            <dgm:constrLst>
+              <dgm:constr type="h" refType="w"/>
+            </dgm:constrLst>
+            <dgm:ruleLst/>
+          </dgm:layoutNode>
+        </dgm:if>
+        <dgm:else name="Name8"/>
+      </dgm:choose>
+      <dgm:layoutNode name="node" styleLbl="revTx">
+        <dgm:varLst>
+          <dgm:bulletEnabled val="1"/>
+        </dgm:varLst>
+        <dgm:alg type="tx">
+          <dgm:param type="txAnchorVertCh" val="mid"/>
+        </dgm:alg>
+        <dgm:shape xmlns:r="http://schemas.openxmlformats.org/officeDocument/2006/relationships" type="rect" r:blip="">
+          <dgm:adjLst/>
+        </dgm:shape>
+        <dgm:presOf axis="desOrSelf" ptType="node"/>
+        <dgm:constrLst>
+          <dgm:constr type="h" refType="w"/>
+          <dgm:constr type="lMarg" refType="primFontSz" fact="0.1"/>
+          <dgm:constr type="rMarg" refType="primFontSz" fact="0.1"/>
+          <dgm:constr type="tMarg" refType="primFontSz" fact="0.1"/>
+          <dgm:constr type="bMarg" refType="primFontSz" fact="0.1"/>
+        </dgm:constrLst>
+        <dgm:ruleLst>
+          <dgm:rule type="primFontSz" val="5" fact="NaN" max="NaN"/>
+        </dgm:ruleLst>
+      </dgm:layoutNode>
+      <dgm:choose name="Name9">
+        <dgm:if name="Name10" axis="par ch" ptType="doc node" func="cnt" op="gt" val="1">
+          <dgm:forEach name="Name11" axis="followSib" ptType="sibTrans" hideLastTrans="0" cnt="1">
+            <dgm:layoutNode name="sibTrans" styleLbl="node1">
+              <dgm:alg type="conn">
+                <dgm:param type="connRout" val="curve"/>
+                <dgm:param type="begPts" val="radial"/>
+                <dgm:param type="endPts" val="radial"/>
+              </dgm:alg>
+              <dgm:shape xmlns:r="http://schemas.openxmlformats.org/officeDocument/2006/relationships" type="conn" r:blip="">
+                <dgm:adjLst/>
+              </dgm:shape>
+              <dgm:presOf axis="self"/>
+              <dgm:constrLst>
+                <dgm:constr type="h" refType="w" fact="0.65"/>
+                <dgm:constr type="begPad"/>
+                <dgm:constr type="endPad"/>
+              </dgm:constrLst>
+              <dgm:ruleLst/>
+            </dgm:layoutNode>
+          </dgm:forEach>
+        </dgm:if>
+        <dgm:else name="Name12"/>
+      </dgm:choose>
+    </dgm:forEach>
+  </dgm:layoutNode>
+</dgm:layoutDef>
+</file>
+
+<file path=ppt/diagrams/quickStyle1.xml><?xml version="1.0" encoding="utf-8"?>
+<dgm:styleDef xmlns:dgm="http://schemas.openxmlformats.org/drawingml/2006/diagram" xmlns:a="http://schemas.openxmlformats.org/drawingml/2006/main" uniqueId="urn:microsoft.com/office/officeart/2005/8/quickstyle/simple1">
+  <dgm:title val=""/>
+  <dgm:desc val=""/>
+  <dgm:catLst>
+    <dgm:cat type="simple" pri="10100"/>
+  </dgm:catLst>
+  <dgm:scene3d>
+    <a:camera prst="orthographicFront"/>
+    <a:lightRig rig="threePt" dir="t"/>
+  </dgm:scene3d>
+  <dgm:styleLbl name="node0">
+    <dgm:scene3d>
+      <a:camera prst="orthographicFront"/>
+      <a:lightRig rig="threePt" dir="t"/>
+    </dgm:scene3d>
+    <dgm:sp3d/>
+    <dgm:txPr/>
+    <dgm:style>
+      <a:lnRef idx="2">
+        <a:scrgbClr r="0" g="0" b="0"/>
+      </a:lnRef>
+      <a:fillRef idx="1">
+        <a:scrgbClr r="0" g="0" b="0"/>
+      </a:fillRef>
+      <a:effectRef idx="0">
+        <a:scrgbClr r="0" g="0" b="0"/>
+      </a:effectRef>
+      <a:fontRef idx="minor">
+        <a:schemeClr val="lt1"/>
+      </a:fontRef>
+    </dgm:style>
+  </dgm:styleLbl>
+  <dgm:styleLbl name="lnNode1">
+    <dgm:scene3d>
+      <a:camera prst="orthographicFront"/>
+      <a:lightRig rig="threePt" dir="t"/>
+    </dgm:scene3d>
+    <dgm:sp3d/>
+    <dgm:txPr/>
+    <dgm:style>
+      <a:lnRef idx="2">
+        <a:scrgbClr r="0" g="0" b="0"/>
+      </a:lnRef>
+      <a:fillRef idx="1">
+        <a:scrgbClr r="0" g="0" b="0"/>
+      </a:fillRef>
+      <a:effectRef idx="0">
+        <a:scrgbClr r="0" g="0" b="0"/>
+      </a:effectRef>
+      <a:fontRef idx="minor">
+        <a:schemeClr val="lt1"/>
+      </a:fontRef>
+    </dgm:style>
+  </dgm:styleLbl>
+  <dgm:styleLbl name="vennNode1">
+    <dgm:scene3d>
+      <a:camera prst="orthographicFront"/>
+      <a:lightRig rig="threePt" dir="t"/>
+    </dgm:scene3d>
+    <dgm:sp3d/>
+    <dgm:txPr/>
+    <dgm:style>
+      <a:lnRef idx="2">
+        <a:scrgbClr r="0" g="0" b="0"/>
+      </a:lnRef>
+      <a:fillRef idx="1">
+        <a:scrgbClr r="0" g="0" b="0"/>
+      </a:fillRef>
+      <a:effectRef idx="0">
+        <a:scrgbClr r="0" g="0" b="0"/>
+      </a:effectRef>
+      <a:fontRef idx="minor">
+        <a:schemeClr val="tx1"/>
+      </a:fontRef>
+    </dgm:style>
+  </dgm:styleLbl>
+  <dgm:styleLbl name="alignNode1">
+    <dgm:scene3d>
+      <a:camera prst="orthographicFront"/>
+      <a:lightRig rig="threePt" dir="t"/>
+    </dgm:scene3d>
+    <dgm:sp3d/>
+    <dgm:txPr/>
+    <dgm:style>
+      <a:lnRef idx="2">
+        <a:scrgbClr r="0" g="0" b="0"/>
+      </a:lnRef>
+      <a:fillRef idx="1">
+        <a:scrgbClr r="0" g="0" b="0"/>
+      </a:fillRef>
+      <a:effectRef idx="0">
+        <a:scrgbClr r="0" g="0" b="0"/>
+      </a:effectRef>
+      <a:fontRef idx="minor">
+        <a:schemeClr val="lt1"/>
+      </a:fontRef>
+    </dgm:style>
+  </dgm:styleLbl>
+  <dgm:styleLbl name="node1">
+    <dgm:scene3d>
+      <a:camera prst="orthographicFront"/>
+      <a:lightRig rig="threePt" dir="t"/>
+    </dgm:scene3d>
+    <dgm:sp3d/>
+    <dgm:txPr/>
+    <dgm:style>
+      <a:lnRef idx="2">
+        <a:scrgbClr r="0" g="0" b="0"/>
+      </a:lnRef>
+      <a:fillRef idx="1">
+        <a:scrgbClr r="0" g="0" b="0"/>
+      </a:fillRef>
+      <a:effectRef idx="0">
+        <a:scrgbClr r="0" g="0" b="0"/>
+      </a:effectRef>
+      <a:fontRef idx="minor">
+        <a:schemeClr val="lt1"/>
+      </a:fontRef>
+    </dgm:style>
+  </dgm:styleLbl>
+  <dgm:styleLbl name="node2">
+    <dgm:scene3d>
+      <a:camera prst="orthographicFront"/>
+      <a:lightRig rig="threePt" dir="t"/>
+    </dgm:scene3d>
+    <dgm:sp3d/>
+    <dgm:txPr/>
+    <dgm:style>
+      <a:lnRef idx="2">
+        <a:scrgbClr r="0" g="0" b="0"/>
+      </a:lnRef>
+      <a:fillRef idx="1">
+        <a:scrgbClr r="0" g="0" b="0"/>
+      </a:fillRef>
+      <a:effectRef idx="0">
+        <a:scrgbClr r="0" g="0" b="0"/>
+      </a:effectRef>
+      <a:fontRef idx="minor">
+        <a:schemeClr val="lt1"/>
+      </a:fontRef>
+    </dgm:style>
+  </dgm:styleLbl>
+  <dgm:styleLbl name="node3">
+    <dgm:scene3d>
+      <a:camera prst="orthographicFront"/>
+      <a:lightRig rig="threePt" dir="t"/>
+    </dgm:scene3d>
+    <dgm:sp3d/>
+    <dgm:txPr/>
+    <dgm:style>
+      <a:lnRef idx="2">
+        <a:scrgbClr r="0" g="0" b="0"/>
+      </a:lnRef>
+      <a:fillRef idx="1">
+        <a:scrgbClr r="0" g="0" b="0"/>
+      </a:fillRef>
+      <a:effectRef idx="0">
+        <a:scrgbClr r="0" g="0" b="0"/>
+      </a:effectRef>
+      <a:fontRef idx="minor">
+        <a:schemeClr val="lt1"/>
+      </a:fontRef>
+    </dgm:style>
+  </dgm:styleLbl>
+  <dgm:styleLbl name="node4">
+    <dgm:scene3d>
+      <a:camera prst="orthographicFront"/>
+      <a:lightRig rig="threePt" dir="t"/>
+    </dgm:scene3d>
+    <dgm:sp3d/>
+    <dgm:txPr/>
+    <dgm:style>
+      <a:lnRef idx="2">
+        <a:scrgbClr r="0" g="0" b="0"/>
+      </a:lnRef>
+      <a:fillRef idx="1">
+        <a:scrgbClr r="0" g="0" b="0"/>
+      </a:fillRef>
+      <a:effectRef idx="0">
+        <a:scrgbClr r="0" g="0" b="0"/>
+      </a:effectRef>
+      <a:fontRef idx="minor">
+        <a:schemeClr val="lt1"/>
+      </a:fontRef>
+    </dgm:style>
+  </dgm:styleLbl>
+  <dgm:styleLbl name="fgImgPlace1">
+    <dgm:scene3d>
+      <a:camera prst="orthographicFront"/>
+      <a:lightRig rig="threePt" dir="t"/>
+    </dgm:scene3d>
+    <dgm:sp3d/>
+    <dgm:txPr/>
+    <dgm:style>
+      <a:lnRef idx="2">
+        <a:scrgbClr r="0" g="0" b="0"/>
+      </a:lnRef>
+      <a:fillRef idx="1">
+        <a:scrgbClr r="0" g="0" b="0"/>
+      </a:fillRef>
+      <a:effectRef idx="0">
+        <a:scrgbClr r="0" g="0" b="0"/>
+      </a:effectRef>
+      <a:fontRef idx="minor"/>
+    </dgm:style>
+  </dgm:styleLbl>
+  <dgm:styleLbl name="alignImgPlace1">
+    <dgm:scene3d>
+      <a:camera prst="orthographicFront"/>
+      <a:lightRig rig="threePt" dir="t"/>
+    </dgm:scene3d>
+    <dgm:sp3d/>
+    <dgm:txPr/>
+    <dgm:style>
+      <a:lnRef idx="2">
+        <a:scrgbClr r="0" g="0" b="0"/>
+      </a:lnRef>
+      <a:fillRef idx="1">
+        <a:scrgbClr r="0" g="0" b="0"/>
+      </a:fillRef>
+      <a:effectRef idx="0">
+        <a:scrgbClr r="0" g="0" b="0"/>
+      </a:effectRef>
+      <a:fontRef idx="minor"/>
+    </dgm:style>
+  </dgm:styleLbl>
+  <dgm:styleLbl name="bgImgPlace1">
+    <dgm:scene3d>
+      <a:camera prst="orthographicFront"/>
+      <a:lightRig rig="threePt" dir="t"/>
+    </dgm:scene3d>
+    <dgm:sp3d/>
+    <dgm:txPr/>
+    <dgm:style>
+      <a:lnRef idx="2">
+        <a:scrgbClr r="0" g="0" b="0"/>
+      </a:lnRef>
+      <a:fillRef idx="1">
+        <a:scrgbClr r="0" g="0" b="0"/>
+      </a:fillRef>
+      <a:effectRef idx="0">
+        <a:scrgbClr r="0" g="0" b="0"/>
+      </a:effectRef>
+      <a:fontRef idx="minor"/>
+    </dgm:style>
+  </dgm:styleLbl>
+  <dgm:styleLbl name="sibTrans2D1">
+    <dgm:scene3d>
+      <a:camera prst="orthographicFront"/>
+      <a:lightRig rig="threePt" dir="t"/>
+    </dgm:scene3d>
+    <dgm:sp3d/>
+    <dgm:txPr/>
+    <dgm:style>
+      <a:lnRef idx="0">
+        <a:scrgbClr r="0" g="0" b="0"/>
+      </a:lnRef>
+      <a:fillRef idx="1">
+        <a:scrgbClr r="0" g="0" b="0"/>
+      </a:fillRef>
+      <a:effectRef idx="0">
+        <a:scrgbClr r="0" g="0" b="0"/>
+      </a:effectRef>
+      <a:fontRef idx="minor">
+        <a:schemeClr val="lt1"/>
+      </a:fontRef>
+    </dgm:style>
+  </dgm:styleLbl>
+  <dgm:styleLbl name="fgSibTrans2D1">
+    <dgm:scene3d>
+      <a:camera prst="orthographicFront"/>
+      <a:lightRig rig="threePt" dir="t"/>
+    </dgm:scene3d>
+    <dgm:sp3d/>
+    <dgm:txPr/>
+    <dgm:style>
+      <a:lnRef idx="0">
+        <a:scrgbClr r="0" g="0" b="0"/>
+      </a:lnRef>
+      <a:fillRef idx="1">
+        <a:scrgbClr r="0" g="0" b="0"/>
+      </a:fillRef>
+      <a:effectRef idx="0">
+        <a:scrgbClr r="0" g="0" b="0"/>
+      </a:effectRef>
+      <a:fontRef idx="minor">
+        <a:schemeClr val="lt1"/>
+      </a:fontRef>
+    </dgm:style>
+  </dgm:styleLbl>
+  <dgm:styleLbl name="bgSibTrans2D1">
+    <dgm:scene3d>
+      <a:camera prst="orthographicFront"/>
+      <a:lightRig rig="threePt" dir="t"/>
+    </dgm:scene3d>
+    <dgm:sp3d/>
+    <dgm:txPr/>
+    <dgm:style>
+      <a:lnRef idx="0">
+        <a:scrgbClr r="0" g="0" b="0"/>
+      </a:lnRef>
+      <a:fillRef idx="1">
+        <a:scrgbClr r="0" g="0" b="0"/>
+      </a:fillRef>
+      <a:effectRef idx="0">
+        <a:scrgbClr r="0" g="0" b="0"/>
+      </a:effectRef>
+      <a:fontRef idx="minor">
+        <a:schemeClr val="lt1"/>
+      </a:fontRef>
+    </dgm:style>
+  </dgm:styleLbl>
+  <dgm:styleLbl name="sibTrans1D1">
+    <dgm:scene3d>
+      <a:camera prst="orthographicFront"/>
+      <a:lightRig rig="threePt" dir="t"/>
+    </dgm:scene3d>
+    <dgm:sp3d/>
+    <dgm:txPr/>
+    <dgm:style>
+      <a:lnRef idx="1">
+        <a:scrgbClr r="0" g="0" b="0"/>
+      </a:lnRef>
+      <a:fillRef idx="0">
+        <a:scrgbClr r="0" g="0" b="0"/>
+      </a:fillRef>
+      <a:effectRef idx="0">
+        <a:scrgbClr r="0" g="0" b="0"/>
+      </a:effectRef>
+      <a:fontRef idx="minor"/>
+    </dgm:style>
+  </dgm:styleLbl>
+  <dgm:styleLbl name="callout">
+    <dgm:scene3d>
+      <a:camera prst="orthographicFront"/>
+      <a:lightRig rig="threePt" dir="t"/>
+    </dgm:scene3d>
+    <dgm:sp3d/>
+    <dgm:txPr/>
+    <dgm:style>
+      <a:lnRef idx="2">
+        <a:scrgbClr r="0" g="0" b="0"/>
+      </a:lnRef>
+      <a:fillRef idx="1">
+        <a:scrgbClr r="0" g="0" b="0"/>
+      </a:fillRef>
+      <a:effectRef idx="0">
+        <a:scrgbClr r="0" g="0" b="0"/>
+      </a:effectRef>
+      <a:fontRef idx="minor"/>
+    </dgm:style>
+  </dgm:styleLbl>
+  <dgm:styleLbl name="asst0">
+    <dgm:scene3d>
+      <a:camera prst="orthographicFront"/>
+      <a:lightRig rig="threePt" dir="t"/>
+    </dgm:scene3d>
+    <dgm:sp3d/>
+    <dgm:txPr/>
+    <dgm:style>
+      <a:lnRef idx="2">
+        <a:scrgbClr r="0" g="0" b="0"/>
+      </a:lnRef>
+      <a:fillRef idx="1">
+        <a:scrgbClr r="0" g="0" b="0"/>
+      </a:fillRef>
+      <a:effectRef idx="0">
+        <a:scrgbClr r="0" g="0" b="0"/>
+      </a:effectRef>
+      <a:fontRef idx="minor">
+        <a:schemeClr val="lt1"/>
+      </a:fontRef>
+    </dgm:style>
+  </dgm:styleLbl>
+  <dgm:styleLbl name="asst1">
+    <dgm:scene3d>
+      <a:camera prst="orthographicFront"/>
+      <a:lightRig rig="threePt" dir="t"/>
+    </dgm:scene3d>
+    <dgm:sp3d/>
+    <dgm:txPr/>
+    <dgm:style>
+      <a:lnRef idx="2">
+        <a:scrgbClr r="0" g="0" b="0"/>
+      </a:lnRef>
+      <a:fillRef idx="1">
+        <a:scrgbClr r="0" g="0" b="0"/>
+      </a:fillRef>
+      <a:effectRef idx="0">
+        <a:scrgbClr r="0" g="0" b="0"/>
+      </a:effectRef>
+      <a:fontRef idx="minor">
+        <a:schemeClr val="lt1"/>
+      </a:fontRef>
+    </dgm:style>
+  </dgm:styleLbl>
+  <dgm:styleLbl name="asst2">
+    <dgm:scene3d>
+      <a:camera prst="orthographicFront"/>
+      <a:lightRig rig="threePt" dir="t"/>
+    </dgm:scene3d>
+    <dgm:sp3d/>
+    <dgm:txPr/>
+    <dgm:style>
+      <a:lnRef idx="2">
+        <a:scrgbClr r="0" g="0" b="0"/>
+      </a:lnRef>
+      <a:fillRef idx="1">
+        <a:scrgbClr r="0" g="0" b="0"/>
+      </a:fillRef>
+      <a:effectRef idx="0">
+        <a:scrgbClr r="0" g="0" b="0"/>
+      </a:effectRef>
+      <a:fontRef idx="minor">
+        <a:schemeClr val="lt1"/>
+      </a:fontRef>
+    </dgm:style>
+  </dgm:styleLbl>
+  <dgm:styleLbl name="asst3">
+    <dgm:scene3d>
+      <a:camera prst="orthographicFront"/>
+      <a:lightRig rig="threePt" dir="t"/>
+    </dgm:scene3d>
+    <dgm:sp3d/>
+    <dgm:txPr/>
+    <dgm:style>
+      <a:lnRef idx="2">
+        <a:scrgbClr r="0" g="0" b="0"/>
+      </a:lnRef>
+      <a:fillRef idx="1">
+        <a:scrgbClr r="0" g="0" b="0"/>
+      </a:fillRef>
+      <a:effectRef idx="0">
+        <a:scrgbClr r="0" g="0" b="0"/>
+      </a:effectRef>
+      <a:fontRef idx="minor">
+        <a:schemeClr val="lt1"/>
+      </a:fontRef>
+    </dgm:style>
+  </dgm:styleLbl>
+  <dgm:styleLbl name="asst4">
+    <dgm:scene3d>
+      <a:camera prst="orthographicFront"/>
+      <a:lightRig rig="threePt" dir="t"/>
+    </dgm:scene3d>
+    <dgm:sp3d/>
+    <dgm:txPr/>
+    <dgm:style>
+      <a:lnRef idx="2">
+        <a:scrgbClr r="0" g="0" b="0"/>
+      </a:lnRef>
+      <a:fillRef idx="1">
+        <a:scrgbClr r="0" g="0" b="0"/>
+      </a:fillRef>
+      <a:effectRef idx="0">
+        <a:scrgbClr r="0" g="0" b="0"/>
+      </a:effectRef>
+      <a:fontRef idx="minor">
+        <a:schemeClr val="lt1"/>
+      </a:fontRef>
+    </dgm:style>
+  </dgm:styleLbl>
+  <dgm:styleLbl name="parChTrans2D1">
+    <dgm:scene3d>
+      <a:camera prst="orthographicFront"/>
+      <a:lightRig rig="threePt" dir="t"/>
+    </dgm:scene3d>
+    <dgm:sp3d/>
+    <dgm:txPr/>
+    <dgm:style>
+      <a:lnRef idx="2">
+        <a:scrgbClr r="0" g="0" b="0"/>
+      </a:lnRef>
+      <a:fillRef idx="1">
+        <a:scrgbClr r="0" g="0" b="0"/>
+      </a:fillRef>
+      <a:effectRef idx="0">
+        <a:scrgbClr r="0" g="0" b="0"/>
+      </a:effectRef>
+      <a:fontRef idx="minor">
+        <a:schemeClr val="lt1"/>
+      </a:fontRef>
+    </dgm:style>
+  </dgm:styleLbl>
+  <dgm:styleLbl name="parChTrans2D2">
+    <dgm:scene3d>
+      <a:camera prst="orthographicFront"/>
+      <a:lightRig rig="threePt" dir="t"/>
+    </dgm:scene3d>
+    <dgm:sp3d/>
+    <dgm:txPr/>
+    <dgm:style>
+      <a:lnRef idx="2">
+        <a:scrgbClr r="0" g="0" b="0"/>
+      </a:lnRef>
+      <a:fillRef idx="1">
+        <a:scrgbClr r="0" g="0" b="0"/>
+      </a:fillRef>
+      <a:effectRef idx="0">
+        <a:scrgbClr r="0" g="0" b="0"/>
+      </a:effectRef>
+      <a:fontRef idx="minor">
+        <a:schemeClr val="lt1"/>
+      </a:fontRef>
+    </dgm:style>
+  </dgm:styleLbl>
+  <dgm:styleLbl name="parChTrans2D3">
+    <dgm:scene3d>
+      <a:camera prst="orthographicFront"/>
+      <a:lightRig rig="threePt" dir="t"/>
+    </dgm:scene3d>
+    <dgm:sp3d/>
+    <dgm:txPr/>
+    <dgm:style>
+      <a:lnRef idx="2">
+        <a:scrgbClr r="0" g="0" b="0"/>
+      </a:lnRef>
+      <a:fillRef idx="1">
+        <a:scrgbClr r="0" g="0" b="0"/>
+      </a:fillRef>
+      <a:effectRef idx="0">
+        <a:scrgbClr r="0" g="0" b="0"/>
+      </a:effectRef>
+      <a:fontRef idx="minor">
+        <a:schemeClr val="lt1"/>
+      </a:fontRef>
+    </dgm:style>
+  </dgm:styleLbl>
+  <dgm:styleLbl name="parChTrans2D4">
+    <dgm:scene3d>
+      <a:camera prst="orthographicFront"/>
+      <a:lightRig rig="threePt" dir="t"/>
+    </dgm:scene3d>
+    <dgm:sp3d/>
+    <dgm:txPr/>
+    <dgm:style>
+      <a:lnRef idx="2">
+        <a:scrgbClr r="0" g="0" b="0"/>
+      </a:lnRef>
+      <a:fillRef idx="1">
+        <a:scrgbClr r="0" g="0" b="0"/>
+      </a:fillRef>
+      <a:effectRef idx="0">
+        <a:scrgbClr r="0" g="0" b="0"/>
+      </a:effectRef>
+      <a:fontRef idx="minor">
+        <a:schemeClr val="lt1"/>
+      </a:fontRef>
+    </dgm:style>
+  </dgm:styleLbl>
+  <dgm:styleLbl name="parChTrans1D1">
+    <dgm:scene3d>
+      <a:camera prst="orthographicFront"/>
+      <a:lightRig rig="threePt" dir="t"/>
+    </dgm:scene3d>
+    <dgm:sp3d/>
+    <dgm:txPr/>
+    <dgm:style>
+      <a:lnRef idx="2">
+        <a:scrgbClr r="0" g="0" b="0"/>
+      </a:lnRef>
+      <a:fillRef idx="0">
+        <a:scrgbClr r="0" g="0" b="0"/>
+      </a:fillRef>
+      <a:effectRef idx="0">
+        <a:scrgbClr r="0" g="0" b="0"/>
+      </a:effectRef>
+      <a:fontRef idx="minor"/>
+    </dgm:style>
+  </dgm:styleLbl>
+  <dgm:styleLbl name="parChTrans1D2">
+    <dgm:scene3d>
+      <a:camera prst="orthographicFront"/>
+      <a:lightRig rig="threePt" dir="t"/>
+    </dgm:scene3d>
+    <dgm:sp3d/>
+    <dgm:txPr/>
+    <dgm:style>
+      <a:lnRef idx="2">
+        <a:scrgbClr r="0" g="0" b="0"/>
+      </a:lnRef>
+      <a:fillRef idx="0">
+        <a:scrgbClr r="0" g="0" b="0"/>
+      </a:fillRef>
+      <a:effectRef idx="0">
+        <a:scrgbClr r="0" g="0" b="0"/>
+      </a:effectRef>
+      <a:fontRef idx="minor"/>
+    </dgm:style>
+  </dgm:styleLbl>
+  <dgm:styleLbl name="parChTrans1D3">
+    <dgm:scene3d>
+      <a:camera prst="orthographicFront"/>
+      <a:lightRig rig="threePt" dir="t"/>
+    </dgm:scene3d>
+    <dgm:sp3d/>
+    <dgm:txPr/>
+    <dgm:style>
+      <a:lnRef idx="2">
+        <a:scrgbClr r="0" g="0" b="0"/>
+      </a:lnRef>
+      <a:fillRef idx="0">
+        <a:scrgbClr r="0" g="0" b="0"/>
+      </a:fillRef>
+      <a:effectRef idx="0">
+        <a:scrgbClr r="0" g="0" b="0"/>
+      </a:effectRef>
+      <a:fontRef idx="minor"/>
+    </dgm:style>
+  </dgm:styleLbl>
+  <dgm:styleLbl name="parChTrans1D4">
+    <dgm:scene3d>
+      <a:camera prst="orthographicFront"/>
+      <a:lightRig rig="threePt" dir="t"/>
+    </dgm:scene3d>
+    <dgm:sp3d/>
+    <dgm:txPr/>
+    <dgm:style>
+      <a:lnRef idx="2">
+        <a:scrgbClr r="0" g="0" b="0"/>
+      </a:lnRef>
+      <a:fillRef idx="0">
+        <a:scrgbClr r="0" g="0" b="0"/>
+      </a:fillRef>
+      <a:effectRef idx="0">
+        <a:scrgbClr r="0" g="0" b="0"/>
+      </a:effectRef>
+      <a:fontRef idx="minor"/>
+    </dgm:style>
+  </dgm:styleLbl>
+  <dgm:styleLbl name="fgAcc1">
+    <dgm:scene3d>
+      <a:camera prst="orthographicFront"/>
+      <a:lightRig rig="threePt" dir="t"/>
+    </dgm:scene3d>
+    <dgm:sp3d/>
+    <dgm:txPr/>
+    <dgm:style>
+      <a:lnRef idx="2">
+        <a:scrgbClr r="0" g="0" b="0"/>
+      </a:lnRef>
+      <a:fillRef idx="1">
+        <a:scrgbClr r="0" g="0" b="0"/>
+      </a:fillRef>
+      <a:effectRef idx="0">
+        <a:scrgbClr r="0" g="0" b="0"/>
+      </a:effectRef>
+      <a:fontRef idx="minor"/>
+    </dgm:style>
+  </dgm:styleLbl>
+  <dgm:styleLbl name="conFgAcc1">
+    <dgm:scene3d>
+      <a:camera prst="orthographicFront"/>
+      <a:lightRig rig="threePt" dir="t"/>
+    </dgm:scene3d>
+    <dgm:sp3d/>
+    <dgm:txPr/>
+    <dgm:style>
+      <a:lnRef idx="2">
+        <a:scrgbClr r="0" g="0" b="0"/>
+      </a:lnRef>
+      <a:fillRef idx="1">
+        <a:scrgbClr r="0" g="0" b="0"/>
+      </a:fillRef>
+      <a:effectRef idx="0">
+        <a:scrgbClr r="0" g="0" b="0"/>
+      </a:effectRef>
+      <a:fontRef idx="minor"/>
+    </dgm:style>
+  </dgm:styleLbl>
+  <dgm:styleLbl name="alignAcc1">
+    <dgm:scene3d>
+      <a:camera prst="orthographicFront"/>
+      <a:lightRig rig="threePt" dir="t"/>
+    </dgm:scene3d>
+    <dgm:sp3d/>
+    <dgm:txPr/>
+    <dgm:style>
+      <a:lnRef idx="2">
+        <a:scrgbClr r="0" g="0" b="0"/>
+      </a:lnRef>
+      <a:fillRef idx="1">
+        <a:scrgbClr r="0" g="0" b="0"/>
+      </a:fillRef>
+      <a:effectRef idx="0">
+        <a:scrgbClr r="0" g="0" b="0"/>
+      </a:effectRef>
+      <a:fontRef idx="minor"/>
+    </dgm:style>
+  </dgm:styleLbl>
+  <dgm:styleLbl name="trAlignAcc1">
+    <dgm:scene3d>
+      <a:camera prst="orthographicFront"/>
+      <a:lightRig rig="threePt" dir="t"/>
+    </dgm:scene3d>
+    <dgm:sp3d/>
+    <dgm:txPr/>
+    <dgm:style>
+      <a:lnRef idx="1">
+        <a:scrgbClr r="0" g="0" b="0"/>
+      </a:lnRef>
+      <a:fillRef idx="1">
+        <a:scrgbClr r="0" g="0" b="0"/>
+      </a:fillRef>
+      <a:effectRef idx="0">
+        <a:scrgbClr r="0" g="0" b="0"/>
+      </a:effectRef>
+      <a:fontRef idx="minor"/>
+    </dgm:style>
+  </dgm:styleLbl>
+  <dgm:styleLbl name="bgAcc1">
+    <dgm:scene3d>
+      <a:camera prst="orthographicFront"/>
+      <a:lightRig rig="threePt" dir="t"/>
+    </dgm:scene3d>
+    <dgm:sp3d/>
+    <dgm:txPr/>
+    <dgm:style>
+      <a:lnRef idx="2">
+        <a:scrgbClr r="0" g="0" b="0"/>
+      </a:lnRef>
+      <a:fillRef idx="1">
+        <a:scrgbClr r="0" g="0" b="0"/>
+      </a:fillRef>
+      <a:effectRef idx="0">
+        <a:scrgbClr r="0" g="0" b="0"/>
+      </a:effectRef>
+      <a:fontRef idx="minor"/>
+    </dgm:style>
+  </dgm:styleLbl>
+  <dgm:styleLbl name="solidFgAcc1">
+    <dgm:scene3d>
+      <a:camera prst="orthographicFront"/>
+      <a:lightRig rig="threePt" dir="t"/>
+    </dgm:scene3d>
+    <dgm:sp3d/>
+    <dgm:txPr/>
+    <dgm:style>
+      <a:lnRef idx="2">
+        <a:scrgbClr r="0" g="0" b="0"/>
+      </a:lnRef>
+      <a:fillRef idx="1">
+        <a:scrgbClr r="0" g="0" b="0"/>
+      </a:fillRef>
+      <a:effectRef idx="0">
+        <a:scrgbClr r="0" g="0" b="0"/>
+      </a:effectRef>
+      <a:fontRef idx="minor"/>
+    </dgm:style>
+  </dgm:styleLbl>
+  <dgm:styleLbl name="solidAlignAcc1">
+    <dgm:scene3d>
+      <a:camera prst="orthographicFront"/>
+      <a:lightRig rig="threePt" dir="t"/>
+    </dgm:scene3d>
+    <dgm:sp3d/>
+    <dgm:txPr/>
+    <dgm:style>
+      <a:lnRef idx="2">
+        <a:scrgbClr r="0" g="0" b="0"/>
+      </a:lnRef>
+      <a:fillRef idx="1">
+        <a:scrgbClr r="0" g="0" b="0"/>
+      </a:fillRef>
+      <a:effectRef idx="0">
+        <a:scrgbClr r="0" g="0" b="0"/>
+      </a:effectRef>
+      <a:fontRef idx="minor"/>
+    </dgm:style>
+  </dgm:styleLbl>
+  <dgm:styleLbl name="solidBgAcc1">
+    <dgm:scene3d>
+      <a:camera prst="orthographicFront"/>
+      <a:lightRig rig="threePt" dir="t"/>
+    </dgm:scene3d>
+    <dgm:sp3d/>
+    <dgm:txPr/>
+    <dgm:style>
+      <a:lnRef idx="2">
+        <a:scrgbClr r="0" g="0" b="0"/>
+      </a:lnRef>
+      <a:fillRef idx="1">
+        <a:scrgbClr r="0" g="0" b="0"/>
+      </a:fillRef>
+      <a:effectRef idx="0">
+        <a:scrgbClr r="0" g="0" b="0"/>
+      </a:effectRef>
+      <a:fontRef idx="minor"/>
+    </dgm:style>
+  </dgm:styleLbl>
+  <dgm:styleLbl name="fgAccFollowNode1">
+    <dgm:scene3d>
+      <a:camera prst="orthographicFront"/>
+      <a:lightRig rig="threePt" dir="t"/>
+    </dgm:scene3d>
+    <dgm:sp3d/>
+    <dgm:txPr/>
+    <dgm:style>
+      <a:lnRef idx="2">
+        <a:scrgbClr r="0" g="0" b="0"/>
+      </a:lnRef>
+      <a:fillRef idx="1">
+        <a:scrgbClr r="0" g="0" b="0"/>
+      </a:fillRef>
+      <a:effectRef idx="0">
+        <a:scrgbClr r="0" g="0" b="0"/>
+      </a:effectRef>
+      <a:fontRef idx="minor"/>
+    </dgm:style>
+  </dgm:styleLbl>
+  <dgm:styleLbl name="alignAccFollowNode1">
+    <dgm:scene3d>
+      <a:camera prst="orthographicFront"/>
+      <a:lightRig rig="threePt" dir="t"/>
+    </dgm:scene3d>
+    <dgm:sp3d/>
+    <dgm:txPr/>
+    <dgm:style>
+      <a:lnRef idx="2">
+        <a:scrgbClr r="0" g="0" b="0"/>
+      </a:lnRef>
+      <a:fillRef idx="1">
+        <a:scrgbClr r="0" g="0" b="0"/>
+      </a:fillRef>
+      <a:effectRef idx="0">
+        <a:scrgbClr r="0" g="0" b="0"/>
+      </a:effectRef>
+      <a:fontRef idx="minor"/>
+    </dgm:style>
+  </dgm:styleLbl>
+  <dgm:styleLbl name="bgAccFollowNode1">
+    <dgm:scene3d>
+      <a:camera prst="orthographicFront"/>
+      <a:lightRig rig="threePt" dir="t"/>
+    </dgm:scene3d>
+    <dgm:sp3d/>
+    <dgm:txPr/>
+    <dgm:style>
+      <a:lnRef idx="2">
+        <a:scrgbClr r="0" g="0" b="0"/>
+      </a:lnRef>
+      <a:fillRef idx="1">
+        <a:scrgbClr r="0" g="0" b="0"/>
+      </a:fillRef>
+      <a:effectRef idx="0">
+        <a:scrgbClr r="0" g="0" b="0"/>
+      </a:effectRef>
+      <a:fontRef idx="minor"/>
+    </dgm:style>
+  </dgm:styleLbl>
+  <dgm:styleLbl name="fgAcc0">
+    <dgm:scene3d>
+      <a:camera prst="orthographicFront"/>
+      <a:lightRig rig="threePt" dir="t"/>
+    </dgm:scene3d>
+    <dgm:sp3d/>
+    <dgm:txPr/>
+    <dgm:style>
+      <a:lnRef idx="2">
+        <a:scrgbClr r="0" g="0" b="0"/>
+      </a:lnRef>
+      <a:fillRef idx="1">
+        <a:scrgbClr r="0" g="0" b="0"/>
+      </a:fillRef>
+      <a:effectRef idx="0">
+        <a:scrgbClr r="0" g="0" b="0"/>
+      </a:effectRef>
+      <a:fontRef idx="minor"/>
+    </dgm:style>
+  </dgm:styleLbl>
+  <dgm:styleLbl name="fgAcc2">
+    <dgm:scene3d>
+      <a:camera prst="orthographicFront"/>
+      <a:lightRig rig="threePt" dir="t"/>
+    </dgm:scene3d>
+    <dgm:sp3d/>
+    <dgm:txPr/>
+    <dgm:style>
+      <a:lnRef idx="2">
+        <a:scrgbClr r="0" g="0" b="0"/>
+      </a:lnRef>
+      <a:fillRef idx="1">
+        <a:scrgbClr r="0" g="0" b="0"/>
+      </a:fillRef>
+      <a:effectRef idx="0">
+        <a:scrgbClr r="0" g="0" b="0"/>
+      </a:effectRef>
+      <a:fontRef idx="minor"/>
+    </dgm:style>
+  </dgm:styleLbl>
+  <dgm:styleLbl name="fgAcc3">
+    <dgm:scene3d>
+      <a:camera prst="orthographicFront"/>
+      <a:lightRig rig="threePt" dir="t"/>
+    </dgm:scene3d>
+    <dgm:sp3d/>
+    <dgm:txPr/>
+    <dgm:style>
+      <a:lnRef idx="2">
+        <a:scrgbClr r="0" g="0" b="0"/>
+      </a:lnRef>
+      <a:fillRef idx="1">
+        <a:scrgbClr r="0" g="0" b="0"/>
+      </a:fillRef>
+      <a:effectRef idx="0">
+        <a:scrgbClr r="0" g="0" b="0"/>
+      </a:effectRef>
+      <a:fontRef idx="minor"/>
+    </dgm:style>
+  </dgm:styleLbl>
+  <dgm:styleLbl name="fgAcc4">
+    <dgm:scene3d>
+      <a:camera prst="orthographicFront"/>
+      <a:lightRig rig="threePt" dir="t"/>
+    </dgm:scene3d>
+    <dgm:sp3d/>
+    <dgm:txPr/>
+    <dgm:style>
+      <a:lnRef idx="2">
+        <a:scrgbClr r="0" g="0" b="0"/>
+      </a:lnRef>
+      <a:fillRef idx="1">
+        <a:scrgbClr r="0" g="0" b="0"/>
+      </a:fillRef>
+      <a:effectRef idx="0">
+        <a:scrgbClr r="0" g="0" b="0"/>
+      </a:effectRef>
+      <a:fontRef idx="minor"/>
+    </dgm:style>
+  </dgm:styleLbl>
+  <dgm:styleLbl name="bgShp">
+    <dgm:scene3d>
+      <a:camera prst="orthographicFront"/>
+      <a:lightRig rig="threePt" dir="t"/>
+    </dgm:scene3d>
+    <dgm:sp3d/>
+    <dgm:txPr/>
+    <dgm:style>
+      <a:lnRef idx="0">
+        <a:scrgbClr r="0" g="0" b="0"/>
+      </a:lnRef>
+      <a:fillRef idx="1">
+        <a:scrgbClr r="0" g="0" b="0"/>
+      </a:fillRef>
+      <a:effectRef idx="0">
+        <a:scrgbClr r="0" g="0" b="0"/>
+      </a:effectRef>
+      <a:fontRef idx="minor"/>
+    </dgm:style>
+  </dgm:styleLbl>
+  <dgm:styleLbl name="dkBgShp">
+    <dgm:scene3d>
+      <a:camera prst="orthographicFront"/>
+      <a:lightRig rig="threePt" dir="t"/>
+    </dgm:scene3d>
+    <dgm:sp3d/>
+    <dgm:txPr/>
+    <dgm:style>
+      <a:lnRef idx="0">
+        <a:scrgbClr r="0" g="0" b="0"/>
+      </a:lnRef>
+      <a:fillRef idx="1">
+        <a:scrgbClr r="0" g="0" b="0"/>
+      </a:fillRef>
+      <a:effectRef idx="0">
+        <a:scrgbClr r="0" g="0" b="0"/>
+      </a:effectRef>
+      <a:fontRef idx="minor"/>
+    </dgm:style>
+  </dgm:styleLbl>
+  <dgm:styleLbl name="trBgShp">
+    <dgm:scene3d>
+      <a:camera prst="orthographicFront"/>
+      <a:lightRig rig="threePt" dir="t"/>
+    </dgm:scene3d>
+    <dgm:sp3d/>
+    <dgm:txPr/>
+    <dgm:style>
+      <a:lnRef idx="0">
+        <a:scrgbClr r="0" g="0" b="0"/>
+      </a:lnRef>
+      <a:fillRef idx="1">
+        <a:scrgbClr r="0" g="0" b="0"/>
+      </a:fillRef>
+      <a:effectRef idx="0">
+        <a:scrgbClr r="0" g="0" b="0"/>
+      </a:effectRef>
+      <a:fontRef idx="minor"/>
+    </dgm:style>
+  </dgm:styleLbl>
+  <dgm:styleLbl name="fgShp">
+    <dgm:scene3d>
+      <a:camera prst="orthographicFront"/>
+      <a:lightRig rig="threePt" dir="t"/>
+    </dgm:scene3d>
+    <dgm:sp3d/>
+    <dgm:txPr/>
+    <dgm:style>
+      <a:lnRef idx="2">
+        <a:scrgbClr r="0" g="0" b="0"/>
+      </a:lnRef>
+      <a:fillRef idx="1">
+        <a:scrgbClr r="0" g="0" b="0"/>
+      </a:fillRef>
+      <a:effectRef idx="0">
+        <a:scrgbClr r="0" g="0" b="0"/>
+      </a:effectRef>
+      <a:fontRef idx="minor"/>
+    </dgm:style>
+  </dgm:styleLbl>
+  <dgm:styleLbl name="revTx">
+    <dgm:scene3d>
+      <a:camera prst="orthographicFront"/>
+      <a:lightRig rig="threePt" dir="t"/>
+    </dgm:scene3d>
+    <dgm:sp3d/>
+    <dgm:txPr/>
+    <dgm:style>
+      <a:lnRef idx="0">
+        <a:scrgbClr r="0" g="0" b="0"/>
+      </a:lnRef>
+      <a:fillRef idx="0">
+        <a:scrgbClr r="0" g="0" b="0"/>
+      </a:fillRef>
+      <a:effectRef idx="0">
+        <a:scrgbClr r="0" g="0" b="0"/>
+      </a:effectRef>
+      <a:fontRef idx="minor"/>
+    </dgm:style>
+  </dgm:styleLbl>
+</dgm:styleDef>
 </file>
 
 <file path=ppt/notesMasters/notesMaster1.xml><?xml version="1.0" encoding="utf-8"?>
@@ -220,7 +3166,7 @@
           <a:p>
             <a:fld id="{44201544-D0D1-5B41-A16A-F722EC0150C2}" type="datetimeFigureOut">
               <a:rPr lang="en-US" smtClean="0"/>
-              <a:t>6/5/15</a:t>
+              <a:t>6/5/2015</a:t>
             </a:fld>
             <a:endParaRPr lang="en-US"/>
           </a:p>
@@ -620,6 +3566,98 @@
 </p:notes>
 </file>
 
+<file path=ppt/notesSlides/notesSlide2.xml><?xml version="1.0" encoding="utf-8"?>
+<p:notes xmlns:a="http://schemas.openxmlformats.org/drawingml/2006/main" xmlns:r="http://schemas.openxmlformats.org/officeDocument/2006/relationships" xmlns:p="http://schemas.openxmlformats.org/presentationml/2006/main">
+  <p:cSld>
+    <p:spTree>
+      <p:nvGrpSpPr>
+        <p:cNvPr id="1" name=""/>
+        <p:cNvGrpSpPr/>
+        <p:nvPr/>
+      </p:nvGrpSpPr>
+      <p:grpSpPr>
+        <a:xfrm>
+          <a:off x="0" y="0"/>
+          <a:ext cx="0" cy="0"/>
+          <a:chOff x="0" y="0"/>
+          <a:chExt cx="0" cy="0"/>
+        </a:xfrm>
+      </p:grpSpPr>
+      <p:sp>
+        <p:nvSpPr>
+          <p:cNvPr id="2" name="Slide Image Placeholder 1"/>
+          <p:cNvSpPr>
+            <a:spLocks noGrp="1" noRot="1" noChangeAspect="1"/>
+          </p:cNvSpPr>
+          <p:nvPr>
+            <p:ph type="sldImg"/>
+          </p:nvPr>
+        </p:nvSpPr>
+        <p:spPr/>
+      </p:sp>
+      <p:sp>
+        <p:nvSpPr>
+          <p:cNvPr id="3" name="Notes Placeholder 2"/>
+          <p:cNvSpPr>
+            <a:spLocks noGrp="1"/>
+          </p:cNvSpPr>
+          <p:nvPr>
+            <p:ph type="body" idx="1"/>
+          </p:nvPr>
+        </p:nvSpPr>
+        <p:spPr/>
+        <p:txBody>
+          <a:bodyPr/>
+          <a:lstStyle/>
+          <a:p>
+            <a:r>
+              <a:rPr lang="en-US" dirty="0" err="1" smtClean="0"/>
+              <a:t>Mutator</a:t>
+            </a:r>
+            <a:r>
+              <a:rPr lang="en-US" baseline="0" dirty="0" smtClean="0"/>
+              <a:t> on virus?</a:t>
+            </a:r>
+            <a:endParaRPr lang="en-US" dirty="0"/>
+          </a:p>
+        </p:txBody>
+      </p:sp>
+      <p:sp>
+        <p:nvSpPr>
+          <p:cNvPr id="4" name="Slide Number Placeholder 3"/>
+          <p:cNvSpPr>
+            <a:spLocks noGrp="1"/>
+          </p:cNvSpPr>
+          <p:nvPr>
+            <p:ph type="sldNum" sz="quarter" idx="10"/>
+          </p:nvPr>
+        </p:nvSpPr>
+        <p:spPr/>
+        <p:txBody>
+          <a:bodyPr/>
+          <a:lstStyle/>
+          <a:p>
+            <a:fld id="{A5403194-167F-AC44-900D-A8D876675B66}" type="slidenum">
+              <a:rPr lang="en-US" smtClean="0"/>
+              <a:t>10</a:t>
+            </a:fld>
+            <a:endParaRPr lang="en-US"/>
+          </a:p>
+        </p:txBody>
+      </p:sp>
+    </p:spTree>
+    <p:extLst>
+      <p:ext uri="{BB962C8B-B14F-4D97-AF65-F5344CB8AC3E}">
+        <p14:creationId xmlns:p14="http://schemas.microsoft.com/office/powerpoint/2010/main" val="3140315170"/>
+      </p:ext>
+    </p:extLst>
+  </p:cSld>
+  <p:clrMapOvr>
+    <a:masterClrMapping/>
+  </p:clrMapOvr>
+</p:notes>
+</file>
+
 <file path=ppt/slideLayouts/slideLayout1.xml><?xml version="1.0" encoding="utf-8"?>
 <p:sldLayout xmlns:a="http://schemas.openxmlformats.org/drawingml/2006/main" xmlns:r="http://schemas.openxmlformats.org/officeDocument/2006/relationships" xmlns:p="http://schemas.openxmlformats.org/presentationml/2006/main" type="title" preserve="1">
   <p:cSld name="Title Slide">
@@ -851,7 +3889,7 @@
           <a:p>
             <a:fld id="{1778F24D-EB19-4AE0-B015-2BEA6D5224F2}" type="datetimeFigureOut">
               <a:rPr lang="en-US" smtClean="0"/>
-              <a:t>6/5/15</a:t>
+              <a:t>6/5/2015</a:t>
             </a:fld>
             <a:endParaRPr lang="en-US"/>
           </a:p>
@@ -1164,7 +4202,7 @@
           <a:p>
             <a:fld id="{1778F24D-EB19-4AE0-B015-2BEA6D5224F2}" type="datetimeFigureOut">
               <a:rPr lang="en-US" smtClean="0"/>
-              <a:t>6/5/15</a:t>
+              <a:t>6/5/2015</a:t>
             </a:fld>
             <a:endParaRPr lang="en-US"/>
           </a:p>
@@ -1371,7 +4409,7 @@
           <a:p>
             <a:fld id="{1778F24D-EB19-4AE0-B015-2BEA6D5224F2}" type="datetimeFigureOut">
               <a:rPr lang="en-US" smtClean="0"/>
-              <a:t>6/5/15</a:t>
+              <a:t>6/5/2015</a:t>
             </a:fld>
             <a:endParaRPr lang="en-US"/>
           </a:p>
@@ -1576,7 +4614,7 @@
           <a:p>
             <a:fld id="{1778F24D-EB19-4AE0-B015-2BEA6D5224F2}" type="datetimeFigureOut">
               <a:rPr lang="en-US" smtClean="0"/>
-              <a:t>6/5/15</a:t>
+              <a:t>6/5/2015</a:t>
             </a:fld>
             <a:endParaRPr lang="en-US"/>
           </a:p>
@@ -1771,7 +4809,7 @@
           <a:p>
             <a:fld id="{1778F24D-EB19-4AE0-B015-2BEA6D5224F2}" type="datetimeFigureOut">
               <a:rPr lang="en-US" smtClean="0"/>
-              <a:t>6/5/15</a:t>
+              <a:t>6/5/2015</a:t>
             </a:fld>
             <a:endParaRPr lang="en-US"/>
           </a:p>
@@ -2041,7 +5079,7 @@
           <a:p>
             <a:fld id="{1778F24D-EB19-4AE0-B015-2BEA6D5224F2}" type="datetimeFigureOut">
               <a:rPr lang="en-US" smtClean="0"/>
-              <a:t>6/5/15</a:t>
+              <a:t>6/5/2015</a:t>
             </a:fld>
             <a:endParaRPr lang="en-US"/>
           </a:p>
@@ -2352,7 +5390,7 @@
           <a:p>
             <a:fld id="{1778F24D-EB19-4AE0-B015-2BEA6D5224F2}" type="datetimeFigureOut">
               <a:rPr lang="en-US" smtClean="0"/>
-              <a:t>6/5/15</a:t>
+              <a:t>6/5/2015</a:t>
             </a:fld>
             <a:endParaRPr lang="en-US"/>
           </a:p>
@@ -2813,7 +5851,7 @@
           <a:p>
             <a:fld id="{1778F24D-EB19-4AE0-B015-2BEA6D5224F2}" type="datetimeFigureOut">
               <a:rPr lang="en-US" smtClean="0"/>
-              <a:t>6/5/15</a:t>
+              <a:t>6/5/2015</a:t>
             </a:fld>
             <a:endParaRPr lang="en-US"/>
           </a:p>
@@ -2952,7 +5990,7 @@
           <a:p>
             <a:fld id="{1778F24D-EB19-4AE0-B015-2BEA6D5224F2}" type="datetimeFigureOut">
               <a:rPr lang="en-US" smtClean="0"/>
-              <a:t>6/5/15</a:t>
+              <a:t>6/5/2015</a:t>
             </a:fld>
             <a:endParaRPr lang="en-US"/>
           </a:p>
@@ -3068,7 +6106,7 @@
           <a:p>
             <a:fld id="{1778F24D-EB19-4AE0-B015-2BEA6D5224F2}" type="datetimeFigureOut">
               <a:rPr lang="en-US" smtClean="0"/>
-              <a:t>6/5/15</a:t>
+              <a:t>6/5/2015</a:t>
             </a:fld>
             <a:endParaRPr lang="en-US"/>
           </a:p>
@@ -3354,7 +6392,7 @@
           <a:p>
             <a:fld id="{1778F24D-EB19-4AE0-B015-2BEA6D5224F2}" type="datetimeFigureOut">
               <a:rPr lang="en-US" smtClean="0"/>
-              <a:t>6/5/15</a:t>
+              <a:t>6/5/2015</a:t>
             </a:fld>
             <a:endParaRPr lang="en-US"/>
           </a:p>
@@ -3692,7 +6730,7 @@
           <a:p>
             <a:fld id="{1778F24D-EB19-4AE0-B015-2BEA6D5224F2}" type="datetimeFigureOut">
               <a:rPr lang="en-US" smtClean="0"/>
-              <a:t>6/5/15</a:t>
+              <a:t>6/5/2015</a:t>
             </a:fld>
             <a:endParaRPr lang="en-US"/>
           </a:p>
@@ -3968,7 +7006,7 @@
           <a:p>
             <a:fld id="{1778F24D-EB19-4AE0-B015-2BEA6D5224F2}" type="datetimeFigureOut">
               <a:rPr lang="en-US" smtClean="0"/>
-              <a:t>6/5/15</a:t>
+              <a:t>6/5/2015</a:t>
             </a:fld>
             <a:endParaRPr lang="en-US"/>
           </a:p>
@@ -4635,9 +7673,10 @@
               </a:spcBef>
             </a:pPr>
             <a:r>
-              <a:rPr lang="en-US" dirty="0" smtClean="0"/>
+              <a:rPr lang="en-US" sz="2000" dirty="0" smtClean="0"/>
               <a:t>Genome</a:t>
             </a:r>
+            <a:endParaRPr lang="en-US" dirty="0" smtClean="0"/>
           </a:p>
           <a:p>
             <a:pPr lvl="2">
@@ -4646,7 +7685,7 @@
               </a:spcBef>
             </a:pPr>
             <a:r>
-              <a:rPr lang="en-US" sz="1600" dirty="0" smtClean="0"/>
+              <a:rPr lang="en-US" sz="1800" dirty="0" smtClean="0"/>
               <a:t>Virus</a:t>
             </a:r>
           </a:p>
@@ -4656,7 +7695,7 @@
                 <a:spcPts val="0"/>
               </a:spcBef>
             </a:pPr>
-            <a:endParaRPr lang="en-US" sz="1600" dirty="0"/>
+            <a:endParaRPr lang="en-US" sz="1800" dirty="0"/>
           </a:p>
           <a:p>
             <a:pPr lvl="2">
@@ -4664,7 +7703,7 @@
                 <a:spcPts val="0"/>
               </a:spcBef>
             </a:pPr>
-            <a:endParaRPr lang="en-US" sz="1600" dirty="0" smtClean="0"/>
+            <a:endParaRPr lang="en-US" sz="1800" dirty="0" smtClean="0"/>
           </a:p>
           <a:p>
             <a:pPr lvl="2">
@@ -4673,10 +7712,54 @@
               </a:spcBef>
             </a:pPr>
             <a:r>
-              <a:rPr lang="en-US" sz="1600" dirty="0" smtClean="0"/>
+              <a:rPr lang="en-US" sz="1800" dirty="0" smtClean="0"/>
               <a:t>Bacteria</a:t>
             </a:r>
-            <a:endParaRPr lang="en-US" dirty="0" smtClean="0"/>
+          </a:p>
+          <a:p>
+            <a:pPr lvl="2">
+              <a:spcBef>
+                <a:spcPts val="0"/>
+              </a:spcBef>
+            </a:pPr>
+            <a:endParaRPr lang="en-US" sz="1800" dirty="0"/>
+          </a:p>
+          <a:p>
+            <a:pPr lvl="2">
+              <a:spcBef>
+                <a:spcPts val="0"/>
+              </a:spcBef>
+            </a:pPr>
+            <a:endParaRPr lang="en-US" sz="1800" dirty="0" smtClean="0"/>
+          </a:p>
+          <a:p>
+            <a:pPr marL="914400" lvl="2" indent="0">
+              <a:spcBef>
+                <a:spcPts val="0"/>
+              </a:spcBef>
+              <a:buNone/>
+            </a:pPr>
+            <a:r>
+              <a:rPr lang="en-US" sz="1800" dirty="0" smtClean="0"/>
+              <a:t>Resistance, viability, and virulence genes are variable length</a:t>
+            </a:r>
+          </a:p>
+          <a:p>
+            <a:pPr marL="914400" lvl="2" indent="0">
+              <a:spcBef>
+                <a:spcPts val="0"/>
+              </a:spcBef>
+              <a:buNone/>
+            </a:pPr>
+            <a:r>
+              <a:rPr lang="en-US" sz="1800" dirty="0" smtClean="0"/>
+              <a:t>There is a cost to virulence and resistance, defined in the </a:t>
+            </a:r>
+            <a:r>
+              <a:rPr lang="en-US" sz="1800" dirty="0" err="1" smtClean="0"/>
+              <a:t>config</a:t>
+            </a:r>
+            <a:endParaRPr lang="en-US" sz="2400" dirty="0" smtClean="0"/>
           </a:p>
         </p:txBody>
       </p:sp>
@@ -5160,109 +8243,834 @@
           </a:p>
         </p:txBody>
       </p:sp>
-      <p:sp>
-        <p:nvSpPr>
-          <p:cNvPr id="3" name="Content Placeholder 2"/>
+      <mc:AlternateContent xmlns:mc="http://schemas.openxmlformats.org/markup-compatibility/2006">
+        <mc:Choice xmlns:a14="http://schemas.microsoft.com/office/drawing/2010/main" Requires="a14">
+          <p:sp>
+            <p:nvSpPr>
+              <p:cNvPr id="3" name="Content Placeholder 2"/>
+              <p:cNvSpPr>
+                <a:spLocks noGrp="1"/>
+              </p:cNvSpPr>
+              <p:nvPr>
+                <p:ph idx="1"/>
+              </p:nvPr>
+            </p:nvSpPr>
+            <p:spPr/>
+            <p:txBody>
+              <a:bodyPr/>
+              <a:lstStyle/>
+              <a:p>
+                <a:r>
+                  <a:rPr lang="en-US" dirty="0" smtClean="0"/>
+                  <a:t>Fitness – 3 types</a:t>
+                </a:r>
+              </a:p>
+              <a:p>
+                <a:pPr lvl="1">
+                  <a:buFont typeface="+mj-lt"/>
+                  <a:buAutoNum type="arabicPeriod"/>
+                </a:pPr>
+                <a:r>
+                  <a:rPr lang="en-US" dirty="0" smtClean="0"/>
+                  <a:t>Viability – the most objective fitness, but not what we are optimizing</a:t>
+                </a:r>
+              </a:p>
+              <a:p>
+                <a:pPr lvl="1">
+                  <a:buFont typeface="+mj-lt"/>
+                  <a:buAutoNum type="arabicPeriod"/>
+                </a:pPr>
+                <a:r>
+                  <a:rPr lang="en-US" dirty="0" smtClean="0"/>
+                  <a:t>Individual fitness – Functions on following slide, determine number of offspring</a:t>
+                </a:r>
+              </a:p>
+              <a:p>
+                <a:pPr lvl="1">
+                  <a:buFont typeface="+mj-lt"/>
+                  <a:buAutoNum type="arabicPeriod"/>
+                </a:pPr>
+                <a:r>
+                  <a:rPr lang="en-US" dirty="0" smtClean="0"/>
+                  <a:t>Population fitness – Our reported fitness, the number of living descendants of each parent in the </a:t>
+                </a:r>
+                <a14:m>
+                  <m:oMath xmlns:m="http://schemas.openxmlformats.org/officeDocument/2006/math">
+                    <m:r>
+                      <a:rPr lang="en-US" b="0" i="1" smtClean="0">
+                        <a:latin typeface="Cambria Math" panose="02040503050406030204" pitchFamily="18" charset="0"/>
+                      </a:rPr>
+                      <m:t>𝑛</m:t>
+                    </m:r>
+                    <m:r>
+                      <a:rPr lang="en-US" b="0" i="1" smtClean="0">
+                        <a:latin typeface="Cambria Math" panose="02040503050406030204" pitchFamily="18" charset="0"/>
+                      </a:rPr>
+                      <m:t>−1</m:t>
+                    </m:r>
+                  </m:oMath>
+                </a14:m>
+                <a:r>
+                  <a:rPr lang="en-US" dirty="0" smtClean="0"/>
+                  <a:t> generation. </a:t>
+                </a:r>
+                <a:endParaRPr lang="en-US" dirty="0"/>
+              </a:p>
+            </p:txBody>
+          </p:sp>
+        </mc:Choice>
+        <mc:Fallback>
+          <p:sp>
+            <p:nvSpPr>
+              <p:cNvPr id="3" name="Content Placeholder 2"/>
+              <p:cNvSpPr>
+                <a:spLocks noGrp="1" noRot="1" noChangeAspect="1" noMove="1" noResize="1" noEditPoints="1" noAdjustHandles="1" noChangeArrowheads="1" noChangeShapeType="1" noTextEdit="1"/>
+              </p:cNvSpPr>
+              <p:nvPr>
+                <p:ph idx="1"/>
+              </p:nvPr>
+            </p:nvSpPr>
+            <p:spPr>
+              <a:blipFill rotWithShape="0">
+                <a:blip r:embed="rId2"/>
+                <a:stretch>
+                  <a:fillRect l="-1099" t="-1333" r="-628"/>
+                </a:stretch>
+              </a:blipFill>
+            </p:spPr>
+            <p:txBody>
+              <a:bodyPr/>
+              <a:lstStyle/>
+              <a:p>
+                <a:r>
+                  <a:rPr lang="en-US">
+                    <a:noFill/>
+                  </a:rPr>
+                  <a:t> </a:t>
+                </a:r>
+              </a:p>
+            </p:txBody>
+          </p:sp>
+        </mc:Fallback>
+      </mc:AlternateContent>
+    </p:spTree>
+    <p:extLst>
+      <p:ext uri="{BB962C8B-B14F-4D97-AF65-F5344CB8AC3E}">
+        <p14:creationId xmlns:p14="http://schemas.microsoft.com/office/powerpoint/2010/main" val="1616865820"/>
+      </p:ext>
+    </p:extLst>
+  </p:cSld>
+  <p:clrMapOvr>
+    <a:masterClrMapping/>
+  </p:clrMapOvr>
+</p:sld>
+</file>
+
+<file path=ppt/slides/slide12.xml><?xml version="1.0" encoding="utf-8"?>
+<p:sld xmlns:a="http://schemas.openxmlformats.org/drawingml/2006/main" xmlns:r="http://schemas.openxmlformats.org/officeDocument/2006/relationships" xmlns:p="http://schemas.openxmlformats.org/presentationml/2006/main">
+  <p:cSld>
+    <p:spTree>
+      <p:nvGrpSpPr>
+        <p:cNvPr id="1" name=""/>
+        <p:cNvGrpSpPr/>
+        <p:nvPr/>
+      </p:nvGrpSpPr>
+      <p:grpSpPr>
+        <a:xfrm>
+          <a:off x="0" y="0"/>
+          <a:ext cx="0" cy="0"/>
+          <a:chOff x="0" y="0"/>
+          <a:chExt cx="0" cy="0"/>
+        </a:xfrm>
+      </p:grpSpPr>
+      <p:sp>
+        <p:nvSpPr>
+          <p:cNvPr id="2" name="Title 1"/>
           <p:cNvSpPr>
             <a:spLocks noGrp="1"/>
           </p:cNvSpPr>
           <p:nvPr>
-            <p:ph idx="1"/>
+            <p:ph type="title"/>
           </p:nvPr>
         </p:nvSpPr>
         <p:spPr/>
         <p:txBody>
-          <a:bodyPr>
-            <a:normAutofit/>
-          </a:bodyPr>
+          <a:bodyPr/>
           <a:lstStyle/>
           <a:p>
             <a:r>
               <a:rPr lang="en-US" dirty="0" smtClean="0"/>
-              <a:t>No crossover (both reproduce asexually in nature)</a:t>
-            </a:r>
-          </a:p>
-          <a:p>
-            <a:r>
-              <a:rPr lang="en-US" dirty="0" smtClean="0"/>
-              <a:t>Mutation rate?</a:t>
-            </a:r>
-          </a:p>
-          <a:p>
-            <a:r>
-              <a:rPr lang="en-US" dirty="0" smtClean="0"/>
-              <a:t>Fitness functions?</a:t>
-            </a:r>
-          </a:p>
-          <a:p>
-            <a:r>
-              <a:rPr lang="en-US" dirty="0" smtClean="0"/>
-              <a:t>Selection- fitness-proportional</a:t>
+              <a:t>How does it work?</a:t>
             </a:r>
             <a:endParaRPr lang="en-US" dirty="0"/>
           </a:p>
         </p:txBody>
       </p:sp>
-      <p:pic>
-        <p:nvPicPr>
-          <p:cNvPr id="4" name="Picture 3" descr="Screen Shot 2015-06-05 at 2.55.48 PM.png"/>
-          <p:cNvPicPr>
-            <a:picLocks noChangeAspect="1"/>
-          </p:cNvPicPr>
-          <p:nvPr/>
-        </p:nvPicPr>
-        <p:blipFill>
-          <a:blip r:embed="rId2">
-            <a:extLst>
-              <a:ext uri="{28A0092B-C50C-407E-A947-70E740481C1C}">
-                <a14:useLocalDpi xmlns:a14="http://schemas.microsoft.com/office/drawing/2010/main" val="0"/>
-              </a:ext>
-            </a:extLst>
-          </a:blip>
-          <a:stretch>
-            <a:fillRect/>
-          </a:stretch>
-        </p:blipFill>
-        <p:spPr>
-          <a:xfrm>
-            <a:off x="4965700" y="2924167"/>
-            <a:ext cx="4178300" cy="546100"/>
-          </a:xfrm>
-          <a:prstGeom prst="rect">
-            <a:avLst/>
-          </a:prstGeom>
-        </p:spPr>
-      </p:pic>
-      <p:pic>
-        <p:nvPicPr>
-          <p:cNvPr id="5" name="Picture 4" descr="Screen Shot 2015-06-05 at 2.55.54 PM.png"/>
-          <p:cNvPicPr>
-            <a:picLocks noChangeAspect="1"/>
-          </p:cNvPicPr>
-          <p:nvPr/>
-        </p:nvPicPr>
-        <p:blipFill>
-          <a:blip r:embed="rId3">
-            <a:extLst>
-              <a:ext uri="{28A0092B-C50C-407E-A947-70E740481C1C}">
-                <a14:useLocalDpi xmlns:a14="http://schemas.microsoft.com/office/drawing/2010/main" val="0"/>
-              </a:ext>
-            </a:extLst>
-          </a:blip>
-          <a:stretch>
-            <a:fillRect/>
-          </a:stretch>
-        </p:blipFill>
-        <p:spPr>
-          <a:xfrm>
-            <a:off x="3691279" y="3470267"/>
-            <a:ext cx="1625600" cy="444500"/>
-          </a:xfrm>
-          <a:prstGeom prst="rect">
-            <a:avLst/>
-          </a:prstGeom>
-        </p:spPr>
-      </p:pic>
+      <mc:AlternateContent xmlns:mc="http://schemas.openxmlformats.org/markup-compatibility/2006">
+        <mc:Choice xmlns:a14="http://schemas.microsoft.com/office/drawing/2010/main" Requires="a14">
+          <p:sp>
+            <p:nvSpPr>
+              <p:cNvPr id="3" name="Content Placeholder 2"/>
+              <p:cNvSpPr>
+                <a:spLocks noGrp="1"/>
+              </p:cNvSpPr>
+              <p:nvPr>
+                <p:ph idx="1"/>
+              </p:nvPr>
+            </p:nvSpPr>
+            <p:spPr/>
+            <p:txBody>
+              <a:bodyPr>
+                <a:normAutofit fontScale="92500"/>
+              </a:bodyPr>
+              <a:lstStyle/>
+              <a:p>
+                <a:r>
+                  <a:rPr lang="en-US" dirty="0" smtClean="0"/>
+                  <a:t>Fitness functions</a:t>
+                </a:r>
+              </a:p>
+              <a:p>
+                <a:pPr lvl="1"/>
+                <a14:m>
+                  <m:oMath xmlns:m="http://schemas.openxmlformats.org/officeDocument/2006/math">
+                    <m:sSub>
+                      <m:sSubPr>
+                        <m:ctrlPr>
+                          <a:rPr lang="en-US" b="0" i="1" smtClean="0">
+                            <a:latin typeface="Cambria Math" panose="02040503050406030204" pitchFamily="18" charset="0"/>
+                          </a:rPr>
+                        </m:ctrlPr>
+                      </m:sSubPr>
+                      <m:e>
+                        <m:r>
+                          <a:rPr lang="en-US" b="0" i="1" smtClean="0">
+                            <a:latin typeface="Cambria Math" panose="02040503050406030204" pitchFamily="18" charset="0"/>
+                          </a:rPr>
+                          <m:t>𝑊</m:t>
+                        </m:r>
+                      </m:e>
+                      <m:sub>
+                        <m:r>
+                          <a:rPr lang="en-US" b="0" i="1" smtClean="0">
+                            <a:latin typeface="Cambria Math" panose="02040503050406030204" pitchFamily="18" charset="0"/>
+                          </a:rPr>
+                          <m:t>𝐻</m:t>
+                        </m:r>
+                        <m:r>
+                          <a:rPr lang="en-US" b="0" i="1" smtClean="0">
+                            <a:latin typeface="Cambria Math" panose="02040503050406030204" pitchFamily="18" charset="0"/>
+                          </a:rPr>
+                          <m:t> </m:t>
+                        </m:r>
+                      </m:sub>
+                    </m:sSub>
+                    <m:d>
+                      <m:dPr>
+                        <m:ctrlPr>
+                          <a:rPr lang="en-US" b="0" i="1" smtClean="0">
+                            <a:latin typeface="Cambria Math" panose="02040503050406030204" pitchFamily="18" charset="0"/>
+                          </a:rPr>
+                        </m:ctrlPr>
+                      </m:dPr>
+                      <m:e>
+                        <m:r>
+                          <a:rPr lang="en-US" b="0" i="1" smtClean="0">
+                            <a:latin typeface="Cambria Math" panose="02040503050406030204" pitchFamily="18" charset="0"/>
+                          </a:rPr>
+                          <m:t>𝑖</m:t>
+                        </m:r>
+                        <m:r>
+                          <a:rPr lang="en-US" b="0" i="1" smtClean="0">
+                            <a:latin typeface="Cambria Math" panose="02040503050406030204" pitchFamily="18" charset="0"/>
+                          </a:rPr>
+                          <m:t>,</m:t>
+                        </m:r>
+                        <m:r>
+                          <a:rPr lang="en-US" b="0" i="1" smtClean="0">
+                            <a:latin typeface="Cambria Math" panose="02040503050406030204" pitchFamily="18" charset="0"/>
+                          </a:rPr>
+                          <m:t>𝑛</m:t>
+                        </m:r>
+                      </m:e>
+                    </m:d>
+                    <m:r>
+                      <a:rPr lang="en-US" b="0" i="1" smtClean="0">
+                        <a:latin typeface="Cambria Math" panose="02040503050406030204" pitchFamily="18" charset="0"/>
+                      </a:rPr>
+                      <m:t>=</m:t>
+                    </m:r>
+                    <m:sSup>
+                      <m:sSupPr>
+                        <m:ctrlPr>
+                          <a:rPr lang="en-US" b="0" i="1" smtClean="0">
+                            <a:latin typeface="Cambria Math" panose="02040503050406030204" pitchFamily="18" charset="0"/>
+                          </a:rPr>
+                        </m:ctrlPr>
+                      </m:sSupPr>
+                      <m:e>
+                        <m:d>
+                          <m:dPr>
+                            <m:ctrlPr>
+                              <a:rPr lang="en-US" b="0" i="1" smtClean="0">
+                                <a:latin typeface="Cambria Math" panose="02040503050406030204" pitchFamily="18" charset="0"/>
+                              </a:rPr>
+                            </m:ctrlPr>
+                          </m:dPr>
+                          <m:e>
+                            <m:r>
+                              <a:rPr lang="en-US" b="0" i="1" smtClean="0">
+                                <a:latin typeface="Cambria Math" panose="02040503050406030204" pitchFamily="18" charset="0"/>
+                              </a:rPr>
+                              <m:t>1 −</m:t>
+                            </m:r>
+                            <m:sSub>
+                              <m:sSubPr>
+                                <m:ctrlPr>
+                                  <a:rPr lang="en-US" b="0" i="1" smtClean="0">
+                                    <a:latin typeface="Cambria Math" panose="02040503050406030204" pitchFamily="18" charset="0"/>
+                                  </a:rPr>
+                                </m:ctrlPr>
+                              </m:sSubPr>
+                              <m:e>
+                                <m:r>
+                                  <a:rPr lang="en-US" b="0" i="1" smtClean="0">
+                                    <a:latin typeface="Cambria Math" panose="02040503050406030204" pitchFamily="18" charset="0"/>
+                                  </a:rPr>
+                                  <m:t>𝑠</m:t>
+                                </m:r>
+                              </m:e>
+                              <m:sub>
+                                <m:r>
+                                  <a:rPr lang="en-US" b="0" i="1" smtClean="0">
+                                    <a:latin typeface="Cambria Math" panose="02040503050406030204" pitchFamily="18" charset="0"/>
+                                  </a:rPr>
+                                  <m:t>𝑣</m:t>
+                                </m:r>
+                              </m:sub>
+                            </m:sSub>
+                          </m:e>
+                        </m:d>
+                      </m:e>
+                      <m:sup>
+                        <m:r>
+                          <a:rPr lang="en-US" b="0" i="1" smtClean="0">
+                            <a:latin typeface="Cambria Math" panose="02040503050406030204" pitchFamily="18" charset="0"/>
+                          </a:rPr>
+                          <m:t>𝑛</m:t>
+                        </m:r>
+                      </m:sup>
+                    </m:sSup>
+                    <m:r>
+                      <a:rPr lang="en-US" b="0" i="1" smtClean="0">
+                        <a:latin typeface="Cambria Math" panose="02040503050406030204" pitchFamily="18" charset="0"/>
+                      </a:rPr>
+                      <m:t>⋅</m:t>
+                    </m:r>
+                    <m:sSup>
+                      <m:sSupPr>
+                        <m:ctrlPr>
+                          <a:rPr lang="en-US" b="0" i="1" smtClean="0">
+                            <a:latin typeface="Cambria Math" panose="02040503050406030204" pitchFamily="18" charset="0"/>
+                          </a:rPr>
+                        </m:ctrlPr>
+                      </m:sSupPr>
+                      <m:e>
+                        <m:d>
+                          <m:dPr>
+                            <m:ctrlPr>
+                              <a:rPr lang="en-US" b="0" i="1" smtClean="0">
+                                <a:latin typeface="Cambria Math" panose="02040503050406030204" pitchFamily="18" charset="0"/>
+                              </a:rPr>
+                            </m:ctrlPr>
+                          </m:dPr>
+                          <m:e>
+                            <m:r>
+                              <a:rPr lang="en-US" b="0" i="1" smtClean="0">
+                                <a:latin typeface="Cambria Math" panose="02040503050406030204" pitchFamily="18" charset="0"/>
+                              </a:rPr>
+                              <m:t>1 −</m:t>
+                            </m:r>
+                            <m:r>
+                              <a:rPr lang="en-US" b="0" i="1" smtClean="0">
+                                <a:latin typeface="Cambria Math" panose="02040503050406030204" pitchFamily="18" charset="0"/>
+                              </a:rPr>
+                              <m:t>𝑐</m:t>
+                            </m:r>
+                          </m:e>
+                        </m:d>
+                      </m:e>
+                      <m:sup>
+                        <m:r>
+                          <a:rPr lang="en-US" b="0" i="1" smtClean="0">
+                            <a:latin typeface="Cambria Math" panose="02040503050406030204" pitchFamily="18" charset="0"/>
+                          </a:rPr>
+                          <m:t>𝑧</m:t>
+                        </m:r>
+                      </m:sup>
+                    </m:sSup>
+                    <m:r>
+                      <a:rPr lang="en-US" b="0" i="1" smtClean="0">
+                        <a:latin typeface="Cambria Math" panose="02040503050406030204" pitchFamily="18" charset="0"/>
+                      </a:rPr>
+                      <m:t>⋅</m:t>
+                    </m:r>
+                    <m:d>
+                      <m:dPr>
+                        <m:ctrlPr>
+                          <a:rPr lang="en-US" b="0" i="1" smtClean="0">
+                            <a:latin typeface="Cambria Math" panose="02040503050406030204" pitchFamily="18" charset="0"/>
+                          </a:rPr>
+                        </m:ctrlPr>
+                      </m:dPr>
+                      <m:e>
+                        <m:r>
+                          <a:rPr lang="en-US" b="0" i="1" smtClean="0">
+                            <a:latin typeface="Cambria Math" panose="02040503050406030204" pitchFamily="18" charset="0"/>
+                          </a:rPr>
+                          <m:t>1−</m:t>
+                        </m:r>
+                        <m:r>
+                          <a:rPr lang="en-US" b="0" i="1" smtClean="0">
+                            <a:latin typeface="Cambria Math" panose="02040503050406030204" pitchFamily="18" charset="0"/>
+                          </a:rPr>
+                          <m:t>𝑠</m:t>
+                        </m:r>
+                        <m:r>
+                          <a:rPr lang="en-US" b="0" i="1" smtClean="0">
+                            <a:latin typeface="Cambria Math" panose="02040503050406030204" pitchFamily="18" charset="0"/>
+                          </a:rPr>
+                          <m:t>⋅</m:t>
+                        </m:r>
+                        <m:sSub>
+                          <m:sSubPr>
+                            <m:ctrlPr>
+                              <a:rPr lang="en-US" b="0" i="1" smtClean="0">
+                                <a:latin typeface="Cambria Math" panose="02040503050406030204" pitchFamily="18" charset="0"/>
+                              </a:rPr>
+                            </m:ctrlPr>
+                          </m:sSubPr>
+                          <m:e>
+                            <m:r>
+                              <a:rPr lang="en-US" b="0" i="1" smtClean="0">
+                                <a:latin typeface="Cambria Math" panose="02040503050406030204" pitchFamily="18" charset="0"/>
+                              </a:rPr>
+                              <m:t>𝑊</m:t>
+                            </m:r>
+                          </m:e>
+                          <m:sub>
+                            <m:r>
+                              <a:rPr lang="en-US" b="0" i="1" smtClean="0">
+                                <a:latin typeface="Cambria Math" panose="02040503050406030204" pitchFamily="18" charset="0"/>
+                              </a:rPr>
+                              <m:t>𝑃𝑖𝑗</m:t>
+                            </m:r>
+                          </m:sub>
+                        </m:sSub>
+                      </m:e>
+                    </m:d>
+                  </m:oMath>
+                </a14:m>
+                <a:endParaRPr lang="en-US" b="0" i="1" dirty="0" smtClean="0">
+                  <a:latin typeface="Cambria Math" panose="02040503050406030204" pitchFamily="18" charset="0"/>
+                </a:endParaRPr>
+              </a:p>
+              <a:p>
+                <a:pPr lvl="1"/>
+                <a14:m>
+                  <m:oMath xmlns:m="http://schemas.openxmlformats.org/officeDocument/2006/math">
+                    <m:sSub>
+                      <m:sSubPr>
+                        <m:ctrlPr>
+                          <a:rPr lang="en-US" b="0" i="1" smtClean="0">
+                            <a:latin typeface="Cambria Math" panose="02040503050406030204" pitchFamily="18" charset="0"/>
+                          </a:rPr>
+                        </m:ctrlPr>
+                      </m:sSubPr>
+                      <m:e>
+                        <m:r>
+                          <a:rPr lang="en-US" b="0" i="1" smtClean="0">
+                            <a:latin typeface="Cambria Math" panose="02040503050406030204" pitchFamily="18" charset="0"/>
+                          </a:rPr>
+                          <m:t>𝑊</m:t>
+                        </m:r>
+                      </m:e>
+                      <m:sub>
+                        <m:r>
+                          <a:rPr lang="en-US" b="0" i="1" smtClean="0">
+                            <a:latin typeface="Cambria Math" panose="02040503050406030204" pitchFamily="18" charset="0"/>
+                          </a:rPr>
+                          <m:t>𝑃𝑖𝑗</m:t>
+                        </m:r>
+                      </m:sub>
+                    </m:sSub>
+                    <m:r>
+                      <a:rPr lang="en-US" b="0" i="1" smtClean="0">
+                        <a:latin typeface="Cambria Math" panose="02040503050406030204" pitchFamily="18" charset="0"/>
+                      </a:rPr>
+                      <m:t>=</m:t>
+                    </m:r>
+                    <m:sSup>
+                      <m:sSupPr>
+                        <m:ctrlPr>
+                          <a:rPr lang="en-US" b="0" i="1" smtClean="0">
+                            <a:latin typeface="Cambria Math" panose="02040503050406030204" pitchFamily="18" charset="0"/>
+                          </a:rPr>
+                        </m:ctrlPr>
+                      </m:sSupPr>
+                      <m:e>
+                        <m:d>
+                          <m:dPr>
+                            <m:ctrlPr>
+                              <a:rPr lang="en-US" b="0" i="1" smtClean="0">
+                                <a:latin typeface="Cambria Math" panose="02040503050406030204" pitchFamily="18" charset="0"/>
+                              </a:rPr>
+                            </m:ctrlPr>
+                          </m:dPr>
+                          <m:e>
+                            <m:r>
+                              <a:rPr lang="en-US" b="0" i="1" smtClean="0">
+                                <a:latin typeface="Cambria Math" panose="02040503050406030204" pitchFamily="18" charset="0"/>
+                              </a:rPr>
+                              <m:t>1−</m:t>
+                            </m:r>
+                            <m:r>
+                              <a:rPr lang="en-US" b="0" i="1" smtClean="0">
+                                <a:latin typeface="Cambria Math" panose="02040503050406030204" pitchFamily="18" charset="0"/>
+                              </a:rPr>
+                              <m:t>𝑝</m:t>
+                            </m:r>
+                          </m:e>
+                        </m:d>
+                      </m:e>
+                      <m:sup>
+                        <m:r>
+                          <a:rPr lang="en-US" b="0" i="1" smtClean="0">
+                            <a:latin typeface="Cambria Math" panose="02040503050406030204" pitchFamily="18" charset="0"/>
+                          </a:rPr>
+                          <m:t>𝑣</m:t>
+                        </m:r>
+                      </m:sup>
+                    </m:sSup>
+                    <m:r>
+                      <a:rPr lang="en-US" b="0" i="1" smtClean="0">
+                        <a:latin typeface="Cambria Math" panose="02040503050406030204" pitchFamily="18" charset="0"/>
+                      </a:rPr>
+                      <m:t> </m:t>
+                    </m:r>
+                  </m:oMath>
+                </a14:m>
+                <a:endParaRPr lang="en-US" dirty="0" smtClean="0"/>
+              </a:p>
+              <a:p>
+                <a:pPr lvl="1"/>
+                <a:r>
+                  <a:rPr lang="en-US" dirty="0" smtClean="0"/>
+                  <a:t>Where </a:t>
+                </a:r>
+                <a14:m>
+                  <m:oMath xmlns:m="http://schemas.openxmlformats.org/officeDocument/2006/math">
+                    <m:sSub>
+                      <m:sSubPr>
+                        <m:ctrlPr>
+                          <a:rPr lang="en-US" b="0" i="1" smtClean="0">
+                            <a:latin typeface="Cambria Math" panose="02040503050406030204" pitchFamily="18" charset="0"/>
+                          </a:rPr>
+                        </m:ctrlPr>
+                      </m:sSubPr>
+                      <m:e>
+                        <m:r>
+                          <a:rPr lang="en-US" b="0" i="1" smtClean="0">
+                            <a:latin typeface="Cambria Math" panose="02040503050406030204" pitchFamily="18" charset="0"/>
+                          </a:rPr>
+                          <m:t>𝑊</m:t>
+                        </m:r>
+                      </m:e>
+                      <m:sub>
+                        <m:r>
+                          <a:rPr lang="en-US" b="0" i="1" smtClean="0">
+                            <a:latin typeface="Cambria Math" panose="02040503050406030204" pitchFamily="18" charset="0"/>
+                          </a:rPr>
+                          <m:t>𝐻</m:t>
+                        </m:r>
+                      </m:sub>
+                    </m:sSub>
+                    <m:r>
+                      <a:rPr lang="en-US" b="0" i="1" smtClean="0">
+                        <a:latin typeface="Cambria Math" panose="02040503050406030204" pitchFamily="18" charset="0"/>
+                      </a:rPr>
+                      <m:t> </m:t>
+                    </m:r>
+                  </m:oMath>
+                </a14:m>
+                <a:r>
+                  <a:rPr lang="en-US" dirty="0" smtClean="0"/>
+                  <a:t>is the host fitness with resistance genotype </a:t>
+                </a:r>
+                <a14:m>
+                  <m:oMath xmlns:m="http://schemas.openxmlformats.org/officeDocument/2006/math">
+                    <m:r>
+                      <a:rPr lang="en-US" b="0" i="1" smtClean="0">
+                        <a:latin typeface="Cambria Math" panose="02040503050406030204" pitchFamily="18" charset="0"/>
+                      </a:rPr>
+                      <m:t>𝑖</m:t>
+                    </m:r>
+                    <m:r>
+                      <a:rPr lang="en-US" b="0" i="1" smtClean="0">
+                        <a:latin typeface="Cambria Math" panose="02040503050406030204" pitchFamily="18" charset="0"/>
+                      </a:rPr>
+                      <m:t>,</m:t>
+                    </m:r>
+                  </m:oMath>
+                </a14:m>
+                <a:r>
+                  <a:rPr lang="en-US" dirty="0" smtClean="0"/>
+                  <a:t> and number of deleterious mutations </a:t>
+                </a:r>
+                <a14:m>
+                  <m:oMath xmlns:m="http://schemas.openxmlformats.org/officeDocument/2006/math">
+                    <m:r>
+                      <a:rPr lang="en-US" b="0" i="1" smtClean="0">
+                        <a:latin typeface="Cambria Math" panose="02040503050406030204" pitchFamily="18" charset="0"/>
+                      </a:rPr>
+                      <m:t>𝑛</m:t>
+                    </m:r>
+                  </m:oMath>
+                </a14:m>
+                <a:r>
+                  <a:rPr lang="en-US" dirty="0" smtClean="0"/>
+                  <a:t>. </a:t>
+                </a:r>
+                <a14:m>
+                  <m:oMath xmlns:m="http://schemas.openxmlformats.org/officeDocument/2006/math">
+                    <m:sSub>
+                      <m:sSubPr>
+                        <m:ctrlPr>
+                          <a:rPr lang="en-US" b="0" i="1" smtClean="0">
+                            <a:latin typeface="Cambria Math" panose="02040503050406030204" pitchFamily="18" charset="0"/>
+                          </a:rPr>
+                        </m:ctrlPr>
+                      </m:sSubPr>
+                      <m:e>
+                        <m:r>
+                          <a:rPr lang="en-US" b="0" i="1" smtClean="0">
+                            <a:latin typeface="Cambria Math" panose="02040503050406030204" pitchFamily="18" charset="0"/>
+                          </a:rPr>
+                          <m:t>𝑠</m:t>
+                        </m:r>
+                      </m:e>
+                      <m:sub>
+                        <m:r>
+                          <a:rPr lang="en-US" b="0" i="1" smtClean="0">
+                            <a:latin typeface="Cambria Math" panose="02040503050406030204" pitchFamily="18" charset="0"/>
+                          </a:rPr>
+                          <m:t>𝑣</m:t>
+                        </m:r>
+                      </m:sub>
+                    </m:sSub>
+                    <m:r>
+                      <a:rPr lang="en-US" b="0" i="1" smtClean="0">
+                        <a:latin typeface="Cambria Math" panose="02040503050406030204" pitchFamily="18" charset="0"/>
+                      </a:rPr>
+                      <m:t> </m:t>
+                    </m:r>
+                  </m:oMath>
+                </a14:m>
+                <a:r>
+                  <a:rPr lang="en-US" dirty="0" smtClean="0"/>
+                  <a:t>is the per gene impact of the viability genes, </a:t>
+                </a:r>
+                <a14:m>
+                  <m:oMath xmlns:m="http://schemas.openxmlformats.org/officeDocument/2006/math">
+                    <m:r>
+                      <a:rPr lang="en-US" b="0" i="1" smtClean="0">
+                        <a:latin typeface="Cambria Math" panose="02040503050406030204" pitchFamily="18" charset="0"/>
+                      </a:rPr>
+                      <m:t>𝑐</m:t>
+                    </m:r>
+                    <m:r>
+                      <a:rPr lang="en-US" b="0" i="1" smtClean="0">
+                        <a:latin typeface="Cambria Math" panose="02040503050406030204" pitchFamily="18" charset="0"/>
+                      </a:rPr>
+                      <m:t> </m:t>
+                    </m:r>
+                  </m:oMath>
+                </a14:m>
+                <a:r>
+                  <a:rPr lang="en-US" dirty="0" smtClean="0"/>
+                  <a:t>is the cost of a resistance allele, </a:t>
+                </a:r>
+                <a14:m>
+                  <m:oMath xmlns:m="http://schemas.openxmlformats.org/officeDocument/2006/math">
+                    <m:r>
+                      <a:rPr lang="en-US" b="0" i="1" dirty="0" smtClean="0">
+                        <a:latin typeface="Cambria Math" panose="02040503050406030204" pitchFamily="18" charset="0"/>
+                      </a:rPr>
+                      <m:t>𝑧</m:t>
+                    </m:r>
+                  </m:oMath>
+                </a14:m>
+                <a:r>
+                  <a:rPr lang="en-US" dirty="0" smtClean="0"/>
+                  <a:t> is the number of resistance alleles, </a:t>
+                </a:r>
+                <a14:m>
+                  <m:oMath xmlns:m="http://schemas.openxmlformats.org/officeDocument/2006/math">
+                    <m:r>
+                      <a:rPr lang="en-US" b="0" i="1" smtClean="0">
+                        <a:latin typeface="Cambria Math" panose="02040503050406030204" pitchFamily="18" charset="0"/>
+                      </a:rPr>
+                      <m:t>𝑠</m:t>
+                    </m:r>
+                  </m:oMath>
+                </a14:m>
+                <a:r>
+                  <a:rPr lang="en-US" dirty="0" smtClean="0"/>
+                  <a:t> is the maximum virulence of the virus.</a:t>
+                </a:r>
+              </a:p>
+              <a:p>
+                <a:pPr lvl="1"/>
+                <a14:m>
+                  <m:oMath xmlns:m="http://schemas.openxmlformats.org/officeDocument/2006/math">
+                    <m:sSub>
+                      <m:sSubPr>
+                        <m:ctrlPr>
+                          <a:rPr lang="en-US" b="0" i="1" smtClean="0">
+                            <a:latin typeface="Cambria Math" panose="02040503050406030204" pitchFamily="18" charset="0"/>
+                          </a:rPr>
+                        </m:ctrlPr>
+                      </m:sSubPr>
+                      <m:e>
+                        <m:r>
+                          <a:rPr lang="en-US" b="0" i="1" smtClean="0">
+                            <a:latin typeface="Cambria Math" panose="02040503050406030204" pitchFamily="18" charset="0"/>
+                          </a:rPr>
+                          <m:t>𝑊</m:t>
+                        </m:r>
+                      </m:e>
+                      <m:sub>
+                        <m:r>
+                          <a:rPr lang="en-US" b="0" i="1" smtClean="0">
+                            <a:latin typeface="Cambria Math" panose="02040503050406030204" pitchFamily="18" charset="0"/>
+                          </a:rPr>
+                          <m:t>𝑃𝑖𝑗</m:t>
+                        </m:r>
+                      </m:sub>
+                    </m:sSub>
+                  </m:oMath>
+                </a14:m>
+                <a:r>
+                  <a:rPr lang="en-US" dirty="0" smtClean="0"/>
+                  <a:t> is the fitness of the parasite </a:t>
+                </a:r>
+                <a14:m>
+                  <m:oMath xmlns:m="http://schemas.openxmlformats.org/officeDocument/2006/math">
+                    <m:r>
+                      <a:rPr lang="en-US" b="0" i="1" smtClean="0">
+                        <a:latin typeface="Cambria Math" panose="02040503050406030204" pitchFamily="18" charset="0"/>
+                      </a:rPr>
+                      <m:t>𝑗</m:t>
+                    </m:r>
+                  </m:oMath>
+                </a14:m>
+                <a:r>
+                  <a:rPr lang="en-US" dirty="0" smtClean="0"/>
+                  <a:t> on host</a:t>
+                </a:r>
+                <a14:m>
+                  <m:oMath xmlns:m="http://schemas.openxmlformats.org/officeDocument/2006/math">
+                    <m:r>
+                      <a:rPr lang="en-US" b="0" i="1" smtClean="0">
+                        <a:latin typeface="Cambria Math" panose="02040503050406030204" pitchFamily="18" charset="0"/>
+                      </a:rPr>
+                      <m:t> </m:t>
+                    </m:r>
+                    <m:r>
+                      <a:rPr lang="en-US" b="0" i="1" smtClean="0">
+                        <a:latin typeface="Cambria Math" panose="02040503050406030204" pitchFamily="18" charset="0"/>
+                      </a:rPr>
+                      <m:t>𝑖</m:t>
+                    </m:r>
+                  </m:oMath>
+                </a14:m>
+                <a:r>
+                  <a:rPr lang="en-US" dirty="0" smtClean="0"/>
+                  <a:t>, where </a:t>
+                </a:r>
+                <a14:m>
+                  <m:oMath xmlns:m="http://schemas.openxmlformats.org/officeDocument/2006/math">
+                    <m:r>
+                      <a:rPr lang="en-US" b="0" i="1" smtClean="0">
+                        <a:latin typeface="Cambria Math" panose="02040503050406030204" pitchFamily="18" charset="0"/>
+                      </a:rPr>
+                      <m:t>𝑝</m:t>
+                    </m:r>
+                  </m:oMath>
+                </a14:m>
+                <a:r>
+                  <a:rPr lang="en-US" dirty="0" smtClean="0"/>
+                  <a:t> is the host of virulence, and </a:t>
+                </a:r>
+                <a14:m>
+                  <m:oMath xmlns:m="http://schemas.openxmlformats.org/officeDocument/2006/math">
+                    <m:r>
+                      <a:rPr lang="en-US" b="0" i="1" smtClean="0">
+                        <a:latin typeface="Cambria Math" panose="02040503050406030204" pitchFamily="18" charset="0"/>
+                      </a:rPr>
+                      <m:t>𝑣</m:t>
+                    </m:r>
+                    <m:r>
+                      <a:rPr lang="en-US" b="0" i="1" smtClean="0">
+                        <a:latin typeface="Cambria Math" panose="02040503050406030204" pitchFamily="18" charset="0"/>
+                      </a:rPr>
+                      <m:t> </m:t>
+                    </m:r>
+                  </m:oMath>
+                </a14:m>
+                <a:r>
+                  <a:rPr lang="en-US" dirty="0" smtClean="0"/>
+                  <a:t>is the number of virulence alleles</a:t>
+                </a:r>
+                <a:endParaRPr lang="en-US" dirty="0" smtClean="0"/>
+              </a:p>
+            </p:txBody>
+          </p:sp>
+        </mc:Choice>
+        <mc:Fallback>
+          <p:sp>
+            <p:nvSpPr>
+              <p:cNvPr id="3" name="Content Placeholder 2"/>
+              <p:cNvSpPr>
+                <a:spLocks noGrp="1" noRot="1" noChangeAspect="1" noMove="1" noResize="1" noEditPoints="1" noAdjustHandles="1" noChangeArrowheads="1" noChangeShapeType="1" noTextEdit="1"/>
+              </p:cNvSpPr>
+              <p:nvPr>
+                <p:ph idx="1"/>
+              </p:nvPr>
+            </p:nvSpPr>
+            <p:spPr>
+              <a:blipFill rotWithShape="0">
+                <a:blip r:embed="rId2"/>
+                <a:stretch>
+                  <a:fillRect l="-863" t="-1167" b="-500"/>
+                </a:stretch>
+              </a:blipFill>
+            </p:spPr>
+            <p:txBody>
+              <a:bodyPr/>
+              <a:lstStyle/>
+              <a:p>
+                <a:r>
+                  <a:rPr lang="en-US">
+                    <a:noFill/>
+                  </a:rPr>
+                  <a:t> </a:t>
+                </a:r>
+              </a:p>
+            </p:txBody>
+          </p:sp>
+        </mc:Fallback>
+      </mc:AlternateContent>
     </p:spTree>
     <p:extLst>
       <p:ext uri="{BB962C8B-B14F-4D97-AF65-F5344CB8AC3E}">
@@ -5276,7 +9084,468 @@
 </p:sld>
 </file>
 
-<file path=ppt/slides/slide12.xml><?xml version="1.0" encoding="utf-8"?>
+<file path=ppt/slides/slide13.xml><?xml version="1.0" encoding="utf-8"?>
+<p:sld xmlns:a="http://schemas.openxmlformats.org/drawingml/2006/main" xmlns:r="http://schemas.openxmlformats.org/officeDocument/2006/relationships" xmlns:p="http://schemas.openxmlformats.org/presentationml/2006/main">
+  <p:cSld>
+    <p:spTree>
+      <p:nvGrpSpPr>
+        <p:cNvPr id="1" name=""/>
+        <p:cNvGrpSpPr/>
+        <p:nvPr/>
+      </p:nvGrpSpPr>
+      <p:grpSpPr>
+        <a:xfrm>
+          <a:off x="0" y="0"/>
+          <a:ext cx="0" cy="0"/>
+          <a:chOff x="0" y="0"/>
+          <a:chExt cx="0" cy="0"/>
+        </a:xfrm>
+      </p:grpSpPr>
+      <p:sp>
+        <p:nvSpPr>
+          <p:cNvPr id="2" name="Title 1"/>
+          <p:cNvSpPr>
+            <a:spLocks noGrp="1"/>
+          </p:cNvSpPr>
+          <p:nvPr>
+            <p:ph type="title"/>
+          </p:nvPr>
+        </p:nvSpPr>
+        <p:spPr/>
+        <p:txBody>
+          <a:bodyPr/>
+          <a:lstStyle/>
+          <a:p>
+            <a:r>
+              <a:rPr lang="en-US" dirty="0" smtClean="0"/>
+              <a:t>How does it work?</a:t>
+            </a:r>
+            <a:endParaRPr lang="en-US" dirty="0"/>
+          </a:p>
+        </p:txBody>
+      </p:sp>
+      <p:sp>
+        <p:nvSpPr>
+          <p:cNvPr id="3" name="Content Placeholder 2"/>
+          <p:cNvSpPr>
+            <a:spLocks noGrp="1"/>
+          </p:cNvSpPr>
+          <p:nvPr>
+            <p:ph idx="1"/>
+          </p:nvPr>
+        </p:nvSpPr>
+        <p:spPr/>
+        <p:txBody>
+          <a:bodyPr/>
+          <a:lstStyle/>
+          <a:p>
+            <a:r>
+              <a:rPr lang="en-US" dirty="0"/>
+              <a:t>Viability</a:t>
+            </a:r>
+          </a:p>
+          <a:p>
+            <a:pPr lvl="1"/>
+            <a:r>
+              <a:rPr lang="en-US" dirty="0"/>
+              <a:t>D</a:t>
+            </a:r>
+            <a:r>
+              <a:rPr lang="en-US" dirty="0" smtClean="0"/>
+              <a:t>eleterious or wild type (no effect) phenotypes</a:t>
+            </a:r>
+          </a:p>
+          <a:p>
+            <a:pPr lvl="1"/>
+            <a:r>
+              <a:rPr lang="en-US" dirty="0" smtClean="0"/>
+              <a:t>Start out all wild type, adds cost to high mutation rates</a:t>
+            </a:r>
+          </a:p>
+          <a:p>
+            <a:r>
+              <a:rPr lang="en-US" dirty="0" smtClean="0"/>
+              <a:t>Virulence &amp; Resistance</a:t>
+            </a:r>
+          </a:p>
+          <a:p>
+            <a:pPr lvl="1"/>
+            <a:r>
+              <a:rPr lang="en-US" dirty="0" smtClean="0"/>
+              <a:t>Determine whether a virus can infect a bacteria according to the interaction model</a:t>
+            </a:r>
+            <a:endParaRPr lang="en-US" dirty="0"/>
+          </a:p>
+        </p:txBody>
+      </p:sp>
+    </p:spTree>
+    <p:extLst>
+      <p:ext uri="{BB962C8B-B14F-4D97-AF65-F5344CB8AC3E}">
+        <p14:creationId xmlns:p14="http://schemas.microsoft.com/office/powerpoint/2010/main" val="1148321712"/>
+      </p:ext>
+    </p:extLst>
+  </p:cSld>
+  <p:clrMapOvr>
+    <a:masterClrMapping/>
+  </p:clrMapOvr>
+</p:sld>
+</file>
+
+<file path=ppt/slides/slide14.xml><?xml version="1.0" encoding="utf-8"?>
+<p:sld xmlns:a="http://schemas.openxmlformats.org/drawingml/2006/main" xmlns:r="http://schemas.openxmlformats.org/officeDocument/2006/relationships" xmlns:p="http://schemas.openxmlformats.org/presentationml/2006/main">
+  <p:cSld>
+    <p:spTree>
+      <p:nvGrpSpPr>
+        <p:cNvPr id="1" name=""/>
+        <p:cNvGrpSpPr/>
+        <p:nvPr/>
+      </p:nvGrpSpPr>
+      <p:grpSpPr>
+        <a:xfrm>
+          <a:off x="0" y="0"/>
+          <a:ext cx="0" cy="0"/>
+          <a:chOff x="0" y="0"/>
+          <a:chExt cx="0" cy="0"/>
+        </a:xfrm>
+      </p:grpSpPr>
+      <p:sp>
+        <p:nvSpPr>
+          <p:cNvPr id="2" name="Title 1"/>
+          <p:cNvSpPr>
+            <a:spLocks noGrp="1"/>
+          </p:cNvSpPr>
+          <p:nvPr>
+            <p:ph type="title"/>
+          </p:nvPr>
+        </p:nvSpPr>
+        <p:spPr/>
+        <p:txBody>
+          <a:bodyPr/>
+          <a:lstStyle/>
+          <a:p>
+            <a:r>
+              <a:rPr lang="en-US" dirty="0"/>
+              <a:t>How does it work?</a:t>
+            </a:r>
+          </a:p>
+        </p:txBody>
+      </p:sp>
+      <p:sp>
+        <p:nvSpPr>
+          <p:cNvPr id="3" name="Content Placeholder 2"/>
+          <p:cNvSpPr>
+            <a:spLocks noGrp="1"/>
+          </p:cNvSpPr>
+          <p:nvPr>
+            <p:ph idx="1"/>
+          </p:nvPr>
+        </p:nvSpPr>
+        <p:spPr/>
+        <p:txBody>
+          <a:bodyPr>
+            <a:normAutofit lnSpcReduction="10000"/>
+          </a:bodyPr>
+          <a:lstStyle/>
+          <a:p>
+            <a:r>
+              <a:rPr lang="en-US" dirty="0"/>
+              <a:t>No crossover (both reproduce asexually in nature)</a:t>
+            </a:r>
+          </a:p>
+          <a:p>
+            <a:r>
+              <a:rPr lang="en-US" dirty="0"/>
+              <a:t>Mutation </a:t>
+            </a:r>
+            <a:r>
+              <a:rPr lang="en-US" dirty="0" smtClean="0"/>
+              <a:t>rate</a:t>
+            </a:r>
+          </a:p>
+          <a:p>
+            <a:pPr lvl="1"/>
+            <a:r>
+              <a:rPr lang="en-US" dirty="0" smtClean="0"/>
+              <a:t>Base is .001, increases to .1 if the </a:t>
+            </a:r>
+            <a:r>
+              <a:rPr lang="en-US" dirty="0" err="1" smtClean="0"/>
+              <a:t>mutator</a:t>
+            </a:r>
+            <a:r>
+              <a:rPr lang="en-US" dirty="0" smtClean="0"/>
+              <a:t> gene is 1.</a:t>
+            </a:r>
+            <a:endParaRPr lang="en-US" dirty="0"/>
+          </a:p>
+          <a:p>
+            <a:r>
+              <a:rPr lang="en-US" dirty="0" smtClean="0"/>
+              <a:t>Selection</a:t>
+            </a:r>
+          </a:p>
+          <a:p>
+            <a:pPr lvl="1"/>
+            <a:r>
+              <a:rPr lang="en-US" dirty="0" smtClean="0"/>
+              <a:t>Natural selection: Virus selects first bacteria it can infect (if it can). Organisms that have the most offspring before they die are selected for.</a:t>
+            </a:r>
+          </a:p>
+          <a:p>
+            <a:pPr lvl="1"/>
+            <a:r>
+              <a:rPr lang="en-US" dirty="0"/>
+              <a:t> </a:t>
+            </a:r>
+            <a:r>
+              <a:rPr lang="en-US" dirty="0" smtClean="0"/>
+              <a:t>fitness-proportional: Used to cull the population when it reaches carrying capacity.</a:t>
+            </a:r>
+          </a:p>
+          <a:p>
+            <a:pPr marL="0" indent="0">
+              <a:buNone/>
+            </a:pPr>
+            <a:endParaRPr lang="en-US" dirty="0"/>
+          </a:p>
+        </p:txBody>
+      </p:sp>
+    </p:spTree>
+    <p:extLst>
+      <p:ext uri="{BB962C8B-B14F-4D97-AF65-F5344CB8AC3E}">
+        <p14:creationId xmlns:p14="http://schemas.microsoft.com/office/powerpoint/2010/main" val="4167630872"/>
+      </p:ext>
+    </p:extLst>
+  </p:cSld>
+  <p:clrMapOvr>
+    <a:masterClrMapping/>
+  </p:clrMapOvr>
+</p:sld>
+</file>
+
+<file path=ppt/slides/slide15.xml><?xml version="1.0" encoding="utf-8"?>
+<p:sld xmlns:a="http://schemas.openxmlformats.org/drawingml/2006/main" xmlns:r="http://schemas.openxmlformats.org/officeDocument/2006/relationships" xmlns:p="http://schemas.openxmlformats.org/presentationml/2006/main">
+  <p:cSld>
+    <p:spTree>
+      <p:nvGrpSpPr>
+        <p:cNvPr id="1" name=""/>
+        <p:cNvGrpSpPr/>
+        <p:nvPr/>
+      </p:nvGrpSpPr>
+      <p:grpSpPr>
+        <a:xfrm>
+          <a:off x="0" y="0"/>
+          <a:ext cx="0" cy="0"/>
+          <a:chOff x="0" y="0"/>
+          <a:chExt cx="0" cy="0"/>
+        </a:xfrm>
+      </p:grpSpPr>
+      <p:sp>
+        <p:nvSpPr>
+          <p:cNvPr id="2" name="Title 1"/>
+          <p:cNvSpPr>
+            <a:spLocks noGrp="1"/>
+          </p:cNvSpPr>
+          <p:nvPr>
+            <p:ph type="title"/>
+          </p:nvPr>
+        </p:nvSpPr>
+        <p:spPr/>
+        <p:txBody>
+          <a:bodyPr/>
+          <a:lstStyle/>
+          <a:p>
+            <a:r>
+              <a:rPr lang="en-US" dirty="0" smtClean="0"/>
+              <a:t>How does it work?</a:t>
+            </a:r>
+            <a:endParaRPr lang="en-US" dirty="0"/>
+          </a:p>
+        </p:txBody>
+      </p:sp>
+      <p:graphicFrame>
+        <p:nvGraphicFramePr>
+          <p:cNvPr id="4" name="Content Placeholder 3"/>
+          <p:cNvGraphicFramePr>
+            <a:graphicFrameLocks noGrp="1"/>
+          </p:cNvGraphicFramePr>
+          <p:nvPr>
+            <p:ph idx="1"/>
+            <p:extLst>
+              <p:ext uri="{D42A27DB-BD31-4B8C-83A1-F6EECF244321}">
+                <p14:modId xmlns:p14="http://schemas.microsoft.com/office/powerpoint/2010/main" val="1886490406"/>
+              </p:ext>
+            </p:extLst>
+          </p:nvPr>
+        </p:nvGraphicFramePr>
+        <p:xfrm>
+          <a:off x="685800" y="1920240"/>
+          <a:ext cx="7770813" cy="4400550"/>
+        </p:xfrm>
+        <a:graphic>
+          <a:graphicData uri="http://schemas.openxmlformats.org/drawingml/2006/diagram">
+            <dgm:relIds xmlns:dgm="http://schemas.openxmlformats.org/drawingml/2006/diagram" xmlns:r="http://schemas.openxmlformats.org/officeDocument/2006/relationships" r:dm="rId2" r:lo="rId3" r:qs="rId4" r:cs="rId5"/>
+          </a:graphicData>
+        </a:graphic>
+      </p:graphicFrame>
+      <p:sp>
+        <p:nvSpPr>
+          <p:cNvPr id="5" name="Right Arrow 4"/>
+          <p:cNvSpPr/>
+          <p:nvPr/>
+        </p:nvSpPr>
+        <p:spPr>
+          <a:xfrm flipH="1">
+            <a:off x="6080760" y="2286000"/>
+            <a:ext cx="1017270" cy="365760"/>
+          </a:xfrm>
+          <a:prstGeom prst="rightArrow">
+            <a:avLst/>
+          </a:prstGeom>
+          <a:solidFill>
+            <a:schemeClr val="accent1"/>
+          </a:solidFill>
+          <a:effectLst/>
+        </p:spPr>
+        <p:style>
+          <a:lnRef idx="1">
+            <a:schemeClr val="accent1"/>
+          </a:lnRef>
+          <a:fillRef idx="3">
+            <a:schemeClr val="accent1"/>
+          </a:fillRef>
+          <a:effectRef idx="2">
+            <a:schemeClr val="accent1"/>
+          </a:effectRef>
+          <a:fontRef idx="minor">
+            <a:schemeClr val="lt1"/>
+          </a:fontRef>
+        </p:style>
+        <p:txBody>
+          <a:bodyPr rtlCol="0" anchor="ctr"/>
+          <a:lstStyle/>
+          <a:p>
+            <a:pPr algn="ctr"/>
+            <a:endParaRPr lang="en-US"/>
+          </a:p>
+        </p:txBody>
+      </p:sp>
+      <p:sp>
+        <p:nvSpPr>
+          <p:cNvPr id="6" name="TextBox 5"/>
+          <p:cNvSpPr txBox="1"/>
+          <p:nvPr/>
+        </p:nvSpPr>
+        <p:spPr>
+          <a:xfrm>
+            <a:off x="7098030" y="2307297"/>
+            <a:ext cx="1451610" cy="323165"/>
+          </a:xfrm>
+          <a:prstGeom prst="rect">
+            <a:avLst/>
+          </a:prstGeom>
+          <a:noFill/>
+        </p:spPr>
+        <p:txBody>
+          <a:bodyPr wrap="square" rtlCol="0">
+            <a:spAutoFit/>
+          </a:bodyPr>
+          <a:lstStyle/>
+          <a:p>
+            <a:r>
+              <a:rPr lang="en-US" sz="1500" dirty="0" smtClean="0"/>
+              <a:t>Initialize</a:t>
+            </a:r>
+            <a:endParaRPr lang="en-US" sz="1500" dirty="0"/>
+          </a:p>
+        </p:txBody>
+      </p:sp>
+      <p:sp>
+        <p:nvSpPr>
+          <p:cNvPr id="7" name="Right Arrow 6"/>
+          <p:cNvSpPr/>
+          <p:nvPr/>
+        </p:nvSpPr>
+        <p:spPr>
+          <a:xfrm flipH="1">
+            <a:off x="1891665" y="2243405"/>
+            <a:ext cx="1017270" cy="365760"/>
+          </a:xfrm>
+          <a:prstGeom prst="rightArrow">
+            <a:avLst/>
+          </a:prstGeom>
+          <a:solidFill>
+            <a:schemeClr val="accent1"/>
+          </a:solidFill>
+          <a:effectLst/>
+        </p:spPr>
+        <p:style>
+          <a:lnRef idx="1">
+            <a:schemeClr val="accent1"/>
+          </a:lnRef>
+          <a:fillRef idx="3">
+            <a:schemeClr val="accent1"/>
+          </a:fillRef>
+          <a:effectRef idx="2">
+            <a:schemeClr val="accent1"/>
+          </a:effectRef>
+          <a:fontRef idx="minor">
+            <a:schemeClr val="lt1"/>
+          </a:fontRef>
+        </p:style>
+        <p:txBody>
+          <a:bodyPr rtlCol="0" anchor="ctr"/>
+          <a:lstStyle/>
+          <a:p>
+            <a:pPr algn="ctr"/>
+            <a:endParaRPr lang="en-US"/>
+          </a:p>
+        </p:txBody>
+      </p:sp>
+      <p:sp>
+        <p:nvSpPr>
+          <p:cNvPr id="8" name="TextBox 7"/>
+          <p:cNvSpPr txBox="1"/>
+          <p:nvPr/>
+        </p:nvSpPr>
+        <p:spPr>
+          <a:xfrm>
+            <a:off x="1028700" y="2264702"/>
+            <a:ext cx="1154430" cy="323165"/>
+          </a:xfrm>
+          <a:prstGeom prst="rect">
+            <a:avLst/>
+          </a:prstGeom>
+          <a:noFill/>
+        </p:spPr>
+        <p:txBody>
+          <a:bodyPr wrap="square" rtlCol="0">
+            <a:spAutoFit/>
+          </a:bodyPr>
+          <a:lstStyle/>
+          <a:p>
+            <a:r>
+              <a:rPr lang="en-US" sz="1500" dirty="0" smtClean="0"/>
+              <a:t>Output</a:t>
+            </a:r>
+            <a:endParaRPr lang="en-US" sz="1500" dirty="0"/>
+          </a:p>
+        </p:txBody>
+      </p:sp>
+    </p:spTree>
+    <p:extLst>
+      <p:ext uri="{BB962C8B-B14F-4D97-AF65-F5344CB8AC3E}">
+        <p14:creationId xmlns:p14="http://schemas.microsoft.com/office/powerpoint/2010/main" val="3165127580"/>
+      </p:ext>
+    </p:extLst>
+  </p:cSld>
+  <p:clrMapOvr>
+    <a:masterClrMapping/>
+  </p:clrMapOvr>
+</p:sld>
+</file>
+
+<file path=ppt/slides/slide16.xml><?xml version="1.0" encoding="utf-8"?>
 <p:sld xmlns:a="http://schemas.openxmlformats.org/drawingml/2006/main" xmlns:r="http://schemas.openxmlformats.org/officeDocument/2006/relationships" xmlns:p="http://schemas.openxmlformats.org/presentationml/2006/main">
   <p:cSld>
     <p:spTree>
@@ -5351,7 +9620,7 @@
 </p:sld>
 </file>
 
-<file path=ppt/slides/slide13.xml><?xml version="1.0" encoding="utf-8"?>
+<file path=ppt/slides/slide17.xml><?xml version="1.0" encoding="utf-8"?>
 <p:sld xmlns:a="http://schemas.openxmlformats.org/drawingml/2006/main" xmlns:r="http://schemas.openxmlformats.org/officeDocument/2006/relationships" xmlns:p="http://schemas.openxmlformats.org/presentationml/2006/main">
   <p:cSld>
     <p:spTree>
@@ -5408,29 +9677,32 @@
           <a:p>
             <a:r>
               <a:rPr lang="en-US" dirty="0" smtClean="0"/>
-              <a:t>Allow mutation </a:t>
-            </a:r>
+              <a:t>Allow mutation evolution in both populations</a:t>
+            </a:r>
+          </a:p>
+          <a:p>
             <a:r>
               <a:rPr lang="en-US" dirty="0" smtClean="0"/>
-              <a:t>evolution in both populations</a:t>
-            </a:r>
-          </a:p>
-          <a:p>
+              <a:t>Allow mutation in interaction </a:t>
+            </a:r>
             <a:r>
               <a:rPr lang="en-US" dirty="0" smtClean="0"/>
-              <a:t>Allow mutation in interaction model</a:t>
+              <a:t>model</a:t>
             </a:r>
           </a:p>
           <a:p>
             <a:r>
               <a:rPr lang="en-US" dirty="0" smtClean="0"/>
-              <a:t>How does sampling bacteria methods </a:t>
-            </a:r>
-            <a:r>
-              <a:rPr lang="en-US" smtClean="0"/>
-              <a:t>affect evolution?</a:t>
-            </a:r>
-            <a:endParaRPr lang="en-US"/>
+              <a:t>Wider variety of mutation rates</a:t>
+            </a:r>
+            <a:endParaRPr lang="en-US" dirty="0" smtClean="0"/>
+          </a:p>
+          <a:p>
+            <a:r>
+              <a:rPr lang="en-US" dirty="0" smtClean="0"/>
+              <a:t>How does sampling bacteria methods affect evolution?</a:t>
+            </a:r>
+            <a:endParaRPr lang="en-US" dirty="0"/>
           </a:p>
         </p:txBody>
       </p:sp>
@@ -6325,6 +10597,36 @@
           </a:prstGeom>
         </p:spPr>
       </p:pic>
+      <p:sp>
+        <p:nvSpPr>
+          <p:cNvPr id="7" name="TextBox 6"/>
+          <p:cNvSpPr txBox="1"/>
+          <p:nvPr/>
+        </p:nvSpPr>
+        <p:spPr>
+          <a:xfrm>
+            <a:off x="685800" y="5597236"/>
+            <a:ext cx="7450403" cy="369332"/>
+          </a:xfrm>
+          <a:prstGeom prst="rect">
+            <a:avLst/>
+          </a:prstGeom>
+          <a:noFill/>
+        </p:spPr>
+        <p:txBody>
+          <a:bodyPr wrap="square" rtlCol="0">
+            <a:spAutoFit/>
+          </a:bodyPr>
+          <a:lstStyle/>
+          <a:p>
+            <a:r>
+              <a:rPr lang="en-US" dirty="0" smtClean="0"/>
+              <a:t>This models allows for a broader range of infectivity than the other model</a:t>
+            </a:r>
+            <a:endParaRPr lang="en-US" dirty="0"/>
+          </a:p>
+        </p:txBody>
+      </p:sp>
     </p:spTree>
     <p:extLst>
       <p:ext uri="{BB962C8B-B14F-4D97-AF65-F5344CB8AC3E}">
@@ -7021,7 +11323,7 @@
         </p:nvSpPr>
         <p:spPr>
           <a:xfrm>
-            <a:off x="685800" y="1958414"/>
+            <a:off x="685800" y="1821254"/>
             <a:ext cx="8047399" cy="4826994"/>
           </a:xfrm>
         </p:spPr>
@@ -7610,7 +11912,11 @@
           <a:p>
             <a:r>
               <a:rPr lang="en-US" dirty="0" smtClean="0"/>
-              <a:t>Implemented a coevolution GA using the Gene-for-gene interaction model</a:t>
+              <a:t>Implemented a coevolution GA </a:t>
+            </a:r>
+            <a:r>
+              <a:rPr lang="en-US" dirty="0" smtClean="0"/>
+              <a:t>to model the changes of various alleles as the populations interact.</a:t>
             </a:r>
             <a:endParaRPr lang="en-US" dirty="0"/>
           </a:p>

--- a/presentation.pptx
+++ b/presentation.pptx
@@ -23,8 +23,8 @@
     <p:sldId id="272" r:id="rId14"/>
     <p:sldId id="270" r:id="rId15"/>
     <p:sldId id="271" r:id="rId16"/>
-    <p:sldId id="262" r:id="rId17"/>
-    <p:sldId id="263" r:id="rId18"/>
+    <p:sldId id="263" r:id="rId17"/>
+    <p:sldId id="274" r:id="rId18"/>
   </p:sldIdLst>
   <p:sldSz cx="9144000" cy="6858000" type="screen4x3"/>
   <p:notesSz cx="6858000" cy="9144000"/>
@@ -125,7 +125,7 @@
   </p:defaultTextStyle>
   <p:extLst>
     <p:ext uri="{EFAFB233-063F-42B5-8137-9DF3F51BA10A}">
-      <p15:sldGuideLst xmlns:p15="http://schemas.microsoft.com/office/powerpoint/2012/main">
+      <p15:sldGuideLst xmlns:p15="http://schemas.microsoft.com/office/powerpoint/2012/main" xmlns="">
         <p15:guide id="1" orient="horz" pos="2160">
           <p15:clr>
             <a:srgbClr val="A4A3A4"/>
@@ -1102,6 +1102,13 @@
         </dgm:presLayoutVars>
       </dgm:prSet>
       <dgm:spPr/>
+      <dgm:t>
+        <a:bodyPr/>
+        <a:lstStyle/>
+        <a:p>
+          <a:endParaRPr lang="en-US"/>
+        </a:p>
+      </dgm:t>
     </dgm:pt>
     <dgm:pt modelId="{42B70306-1654-485F-B173-3A9C2D343F77}" type="pres">
       <dgm:prSet presAssocID="{99C85D52-7F7C-4CAC-888E-C59818E5096F}" presName="dummy" presStyleCnt="0"/>
@@ -1125,6 +1132,13 @@
     <dgm:pt modelId="{533DA9A2-BCA5-476C-8680-8E725F4B3C01}" type="pres">
       <dgm:prSet presAssocID="{C8E6336B-7C85-4E02-8971-8B9BCBFEBB6F}" presName="sibTrans" presStyleLbl="node1" presStyleIdx="0" presStyleCnt="5"/>
       <dgm:spPr/>
+      <dgm:t>
+        <a:bodyPr/>
+        <a:lstStyle/>
+        <a:p>
+          <a:endParaRPr lang="en-US"/>
+        </a:p>
+      </dgm:t>
     </dgm:pt>
     <dgm:pt modelId="{8699CCD6-EAF2-46F1-8206-3D04BA99E1B5}" type="pres">
       <dgm:prSet presAssocID="{B9A2C1F4-257D-47F0-86AE-D1A6357DBB72}" presName="dummy" presStyleCnt="0"/>
@@ -1137,10 +1151,24 @@
         </dgm:presLayoutVars>
       </dgm:prSet>
       <dgm:spPr/>
+      <dgm:t>
+        <a:bodyPr/>
+        <a:lstStyle/>
+        <a:p>
+          <a:endParaRPr lang="en-US"/>
+        </a:p>
+      </dgm:t>
     </dgm:pt>
     <dgm:pt modelId="{81313DC2-BEF4-4BE1-9F81-F30DD35688BF}" type="pres">
       <dgm:prSet presAssocID="{10935347-7A84-44D2-9C15-90F43F23E306}" presName="sibTrans" presStyleLbl="node1" presStyleIdx="1" presStyleCnt="5"/>
       <dgm:spPr/>
+      <dgm:t>
+        <a:bodyPr/>
+        <a:lstStyle/>
+        <a:p>
+          <a:endParaRPr lang="en-US"/>
+        </a:p>
+      </dgm:t>
     </dgm:pt>
     <dgm:pt modelId="{8FE6B7F3-DDFA-43F1-9F6B-ED17A0DE7FDB}" type="pres">
       <dgm:prSet presAssocID="{CB4A29D2-812F-49FF-A7C2-DF1395A552FC}" presName="dummy" presStyleCnt="0"/>
@@ -1164,6 +1192,13 @@
     <dgm:pt modelId="{0427C397-54A9-4C24-A692-4D3593C91608}" type="pres">
       <dgm:prSet presAssocID="{B9E54EEF-6CE8-4647-B428-172542A10FEE}" presName="sibTrans" presStyleLbl="node1" presStyleIdx="2" presStyleCnt="5"/>
       <dgm:spPr/>
+      <dgm:t>
+        <a:bodyPr/>
+        <a:lstStyle/>
+        <a:p>
+          <a:endParaRPr lang="en-US"/>
+        </a:p>
+      </dgm:t>
     </dgm:pt>
     <dgm:pt modelId="{52671960-557E-4FBC-814F-13FBDA1875E8}" type="pres">
       <dgm:prSet presAssocID="{FFCA3F44-C45C-4BAD-9F42-C3A4C04186FF}" presName="dummy" presStyleCnt="0"/>
@@ -1176,10 +1211,24 @@
         </dgm:presLayoutVars>
       </dgm:prSet>
       <dgm:spPr/>
+      <dgm:t>
+        <a:bodyPr/>
+        <a:lstStyle/>
+        <a:p>
+          <a:endParaRPr lang="en-US"/>
+        </a:p>
+      </dgm:t>
     </dgm:pt>
     <dgm:pt modelId="{2D0D0A25-4D7D-45D3-B1E7-787EA3B04651}" type="pres">
       <dgm:prSet presAssocID="{4F95A79E-BA84-4CBA-A6BF-5A7A00BC2FE8}" presName="sibTrans" presStyleLbl="node1" presStyleIdx="3" presStyleCnt="5"/>
       <dgm:spPr/>
+      <dgm:t>
+        <a:bodyPr/>
+        <a:lstStyle/>
+        <a:p>
+          <a:endParaRPr lang="en-US"/>
+        </a:p>
+      </dgm:t>
     </dgm:pt>
     <dgm:pt modelId="{07C8BC63-6442-4E0A-979D-E649AE1FBF11}" type="pres">
       <dgm:prSet presAssocID="{B6EB22EC-B9DE-4E86-8D09-4D224C3045D0}" presName="dummy" presStyleCnt="0"/>
@@ -1203,25 +1252,32 @@
     <dgm:pt modelId="{9015A0BE-CA27-44F3-8905-217050F11F05}" type="pres">
       <dgm:prSet presAssocID="{31B31508-BE24-4482-A7CF-511C32716CBE}" presName="sibTrans" presStyleLbl="node1" presStyleIdx="4" presStyleCnt="5"/>
       <dgm:spPr/>
+      <dgm:t>
+        <a:bodyPr/>
+        <a:lstStyle/>
+        <a:p>
+          <a:endParaRPr lang="en-US"/>
+        </a:p>
+      </dgm:t>
     </dgm:pt>
   </dgm:ptLst>
   <dgm:cxnLst>
+    <dgm:cxn modelId="{29CA56D1-5E4D-4B71-8832-B045B6D5862F}" type="presOf" srcId="{B9A2C1F4-257D-47F0-86AE-D1A6357DBB72}" destId="{C19D2C29-88CE-45D4-ADDC-ECE387AD96E8}" srcOrd="0" destOrd="0" presId="urn:microsoft.com/office/officeart/2005/8/layout/cycle1"/>
+    <dgm:cxn modelId="{812FE667-C3CC-4567-A83C-2E4276260583}" type="presOf" srcId="{C8E6336B-7C85-4E02-8971-8B9BCBFEBB6F}" destId="{533DA9A2-BCA5-476C-8680-8E725F4B3C01}" srcOrd="0" destOrd="0" presId="urn:microsoft.com/office/officeart/2005/8/layout/cycle1"/>
+    <dgm:cxn modelId="{4E834EB1-B26F-4110-8AB7-58EE6E76788D}" type="presOf" srcId="{FFCA3F44-C45C-4BAD-9F42-C3A4C04186FF}" destId="{619376EC-69ED-40B9-9D05-298B18F9F07D}" srcOrd="0" destOrd="0" presId="urn:microsoft.com/office/officeart/2005/8/layout/cycle1"/>
+    <dgm:cxn modelId="{C9C505EC-3837-4753-B8AC-8BCCAFBA9F53}" srcId="{24478752-F7A4-43E7-8B12-EB9EF4E54054}" destId="{FFCA3F44-C45C-4BAD-9F42-C3A4C04186FF}" srcOrd="3" destOrd="0" parTransId="{348594BB-2ED4-493C-A9D7-8B15400D8079}" sibTransId="{4F95A79E-BA84-4CBA-A6BF-5A7A00BC2FE8}"/>
+    <dgm:cxn modelId="{3B01A016-625D-49F1-94AF-AAF3A021589F}" type="presOf" srcId="{4F95A79E-BA84-4CBA-A6BF-5A7A00BC2FE8}" destId="{2D0D0A25-4D7D-45D3-B1E7-787EA3B04651}" srcOrd="0" destOrd="0" presId="urn:microsoft.com/office/officeart/2005/8/layout/cycle1"/>
+    <dgm:cxn modelId="{9203F163-EB80-4EE1-9590-F2B8B0011F54}" srcId="{24478752-F7A4-43E7-8B12-EB9EF4E54054}" destId="{B9A2C1F4-257D-47F0-86AE-D1A6357DBB72}" srcOrd="1" destOrd="0" parTransId="{37E7AB18-7F59-4D1B-8E43-5C62945F0734}" sibTransId="{10935347-7A84-44D2-9C15-90F43F23E306}"/>
+    <dgm:cxn modelId="{8ED3D557-5C7D-46D7-AC89-C90BFF34EB93}" type="presOf" srcId="{31B31508-BE24-4482-A7CF-511C32716CBE}" destId="{9015A0BE-CA27-44F3-8905-217050F11F05}" srcOrd="0" destOrd="0" presId="urn:microsoft.com/office/officeart/2005/8/layout/cycle1"/>
+    <dgm:cxn modelId="{30408B54-714E-4972-883A-E359592B78B4}" srcId="{24478752-F7A4-43E7-8B12-EB9EF4E54054}" destId="{99C85D52-7F7C-4CAC-888E-C59818E5096F}" srcOrd="0" destOrd="0" parTransId="{954E1A12-F41F-414D-8F1E-6FD7E34B60BA}" sibTransId="{C8E6336B-7C85-4E02-8971-8B9BCBFEBB6F}"/>
     <dgm:cxn modelId="{B7DBDABB-110E-4E3F-8483-3998981D0E62}" type="presOf" srcId="{CB4A29D2-812F-49FF-A7C2-DF1395A552FC}" destId="{19851196-3C73-4CE8-8AFF-C2493999DDBC}" srcOrd="0" destOrd="0" presId="urn:microsoft.com/office/officeart/2005/8/layout/cycle1"/>
-    <dgm:cxn modelId="{4E834EB1-B26F-4110-8AB7-58EE6E76788D}" type="presOf" srcId="{FFCA3F44-C45C-4BAD-9F42-C3A4C04186FF}" destId="{619376EC-69ED-40B9-9D05-298B18F9F07D}" srcOrd="0" destOrd="0" presId="urn:microsoft.com/office/officeart/2005/8/layout/cycle1"/>
-    <dgm:cxn modelId="{9203F163-EB80-4EE1-9590-F2B8B0011F54}" srcId="{24478752-F7A4-43E7-8B12-EB9EF4E54054}" destId="{B9A2C1F4-257D-47F0-86AE-D1A6357DBB72}" srcOrd="1" destOrd="0" parTransId="{37E7AB18-7F59-4D1B-8E43-5C62945F0734}" sibTransId="{10935347-7A84-44D2-9C15-90F43F23E306}"/>
+    <dgm:cxn modelId="{D4DF4947-133C-4BAB-8393-9A2334C261F3}" type="presOf" srcId="{10935347-7A84-44D2-9C15-90F43F23E306}" destId="{81313DC2-BEF4-4BE1-9F81-F30DD35688BF}" srcOrd="0" destOrd="0" presId="urn:microsoft.com/office/officeart/2005/8/layout/cycle1"/>
+    <dgm:cxn modelId="{7A85BFCE-87A6-4A92-A38C-59D5322E439B}" type="presOf" srcId="{24478752-F7A4-43E7-8B12-EB9EF4E54054}" destId="{7E5A290C-A087-43D2-B541-2401B8BBAC35}" srcOrd="0" destOrd="0" presId="urn:microsoft.com/office/officeart/2005/8/layout/cycle1"/>
+    <dgm:cxn modelId="{F4AF072F-1C1C-44FD-AFCC-D26D968A547E}" type="presOf" srcId="{99C85D52-7F7C-4CAC-888E-C59818E5096F}" destId="{32E76D69-0622-4B02-9CD2-1307B1AE8ED9}" srcOrd="0" destOrd="0" presId="urn:microsoft.com/office/officeart/2005/8/layout/cycle1"/>
+    <dgm:cxn modelId="{54A3A29D-1239-4697-B7B9-CA69A9F0DC1E}" srcId="{24478752-F7A4-43E7-8B12-EB9EF4E54054}" destId="{B6EB22EC-B9DE-4E86-8D09-4D224C3045D0}" srcOrd="4" destOrd="0" parTransId="{88698EEF-7307-4B78-A85A-436233C4BD6A}" sibTransId="{31B31508-BE24-4482-A7CF-511C32716CBE}"/>
+    <dgm:cxn modelId="{5C6E375D-2FD7-48D4-BD68-A247FE3F1DC5}" type="presOf" srcId="{B9E54EEF-6CE8-4647-B428-172542A10FEE}" destId="{0427C397-54A9-4C24-A692-4D3593C91608}" srcOrd="0" destOrd="0" presId="urn:microsoft.com/office/officeart/2005/8/layout/cycle1"/>
     <dgm:cxn modelId="{F15E2B25-D1FD-4243-9640-4A8C1CA0BB2D}" srcId="{24478752-F7A4-43E7-8B12-EB9EF4E54054}" destId="{CB4A29D2-812F-49FF-A7C2-DF1395A552FC}" srcOrd="2" destOrd="0" parTransId="{252D764F-9FFF-43AD-BB9E-8F6A1A4EA4E7}" sibTransId="{B9E54EEF-6CE8-4647-B428-172542A10FEE}"/>
-    <dgm:cxn modelId="{C9C505EC-3837-4753-B8AC-8BCCAFBA9F53}" srcId="{24478752-F7A4-43E7-8B12-EB9EF4E54054}" destId="{FFCA3F44-C45C-4BAD-9F42-C3A4C04186FF}" srcOrd="3" destOrd="0" parTransId="{348594BB-2ED4-493C-A9D7-8B15400D8079}" sibTransId="{4F95A79E-BA84-4CBA-A6BF-5A7A00BC2FE8}"/>
-    <dgm:cxn modelId="{30408B54-714E-4972-883A-E359592B78B4}" srcId="{24478752-F7A4-43E7-8B12-EB9EF4E54054}" destId="{99C85D52-7F7C-4CAC-888E-C59818E5096F}" srcOrd="0" destOrd="0" parTransId="{954E1A12-F41F-414D-8F1E-6FD7E34B60BA}" sibTransId="{C8E6336B-7C85-4E02-8971-8B9BCBFEBB6F}"/>
-    <dgm:cxn modelId="{812FE667-C3CC-4567-A83C-2E4276260583}" type="presOf" srcId="{C8E6336B-7C85-4E02-8971-8B9BCBFEBB6F}" destId="{533DA9A2-BCA5-476C-8680-8E725F4B3C01}" srcOrd="0" destOrd="0" presId="urn:microsoft.com/office/officeart/2005/8/layout/cycle1"/>
-    <dgm:cxn modelId="{F4AF072F-1C1C-44FD-AFCC-D26D968A547E}" type="presOf" srcId="{99C85D52-7F7C-4CAC-888E-C59818E5096F}" destId="{32E76D69-0622-4B02-9CD2-1307B1AE8ED9}" srcOrd="0" destOrd="0" presId="urn:microsoft.com/office/officeart/2005/8/layout/cycle1"/>
-    <dgm:cxn modelId="{D4DF4947-133C-4BAB-8393-9A2334C261F3}" type="presOf" srcId="{10935347-7A84-44D2-9C15-90F43F23E306}" destId="{81313DC2-BEF4-4BE1-9F81-F30DD35688BF}" srcOrd="0" destOrd="0" presId="urn:microsoft.com/office/officeart/2005/8/layout/cycle1"/>
     <dgm:cxn modelId="{600E9663-76EE-4E02-B8EE-B28748F9F0FA}" type="presOf" srcId="{B6EB22EC-B9DE-4E86-8D09-4D224C3045D0}" destId="{5639B958-625B-4763-92D7-1D75903368EB}" srcOrd="0" destOrd="0" presId="urn:microsoft.com/office/officeart/2005/8/layout/cycle1"/>
-    <dgm:cxn modelId="{5C6E375D-2FD7-48D4-BD68-A247FE3F1DC5}" type="presOf" srcId="{B9E54EEF-6CE8-4647-B428-172542A10FEE}" destId="{0427C397-54A9-4C24-A692-4D3593C91608}" srcOrd="0" destOrd="0" presId="urn:microsoft.com/office/officeart/2005/8/layout/cycle1"/>
-    <dgm:cxn modelId="{54A3A29D-1239-4697-B7B9-CA69A9F0DC1E}" srcId="{24478752-F7A4-43E7-8B12-EB9EF4E54054}" destId="{B6EB22EC-B9DE-4E86-8D09-4D224C3045D0}" srcOrd="4" destOrd="0" parTransId="{88698EEF-7307-4B78-A85A-436233C4BD6A}" sibTransId="{31B31508-BE24-4482-A7CF-511C32716CBE}"/>
-    <dgm:cxn modelId="{7A85BFCE-87A6-4A92-A38C-59D5322E439B}" type="presOf" srcId="{24478752-F7A4-43E7-8B12-EB9EF4E54054}" destId="{7E5A290C-A087-43D2-B541-2401B8BBAC35}" srcOrd="0" destOrd="0" presId="urn:microsoft.com/office/officeart/2005/8/layout/cycle1"/>
-    <dgm:cxn modelId="{3B01A016-625D-49F1-94AF-AAF3A021589F}" type="presOf" srcId="{4F95A79E-BA84-4CBA-A6BF-5A7A00BC2FE8}" destId="{2D0D0A25-4D7D-45D3-B1E7-787EA3B04651}" srcOrd="0" destOrd="0" presId="urn:microsoft.com/office/officeart/2005/8/layout/cycle1"/>
-    <dgm:cxn modelId="{8ED3D557-5C7D-46D7-AC89-C90BFF34EB93}" type="presOf" srcId="{31B31508-BE24-4482-A7CF-511C32716CBE}" destId="{9015A0BE-CA27-44F3-8905-217050F11F05}" srcOrd="0" destOrd="0" presId="urn:microsoft.com/office/officeart/2005/8/layout/cycle1"/>
-    <dgm:cxn modelId="{29CA56D1-5E4D-4B71-8832-B045B6D5862F}" type="presOf" srcId="{B9A2C1F4-257D-47F0-86AE-D1A6357DBB72}" destId="{C19D2C29-88CE-45D4-ADDC-ECE387AD96E8}" srcOrd="0" destOrd="0" presId="urn:microsoft.com/office/officeart/2005/8/layout/cycle1"/>
     <dgm:cxn modelId="{1FAF3DE1-6957-441B-811F-6D113692E092}" type="presParOf" srcId="{7E5A290C-A087-43D2-B541-2401B8BBAC35}" destId="{42B70306-1654-485F-B173-3A9C2D343F77}" srcOrd="0" destOrd="0" presId="urn:microsoft.com/office/officeart/2005/8/layout/cycle1"/>
     <dgm:cxn modelId="{7BC702C4-81A5-42B0-A17A-3FEBB4551047}" type="presParOf" srcId="{7E5A290C-A087-43D2-B541-2401B8BBAC35}" destId="{32E76D69-0622-4B02-9CD2-1307B1AE8ED9}" srcOrd="1" destOrd="0" presId="urn:microsoft.com/office/officeart/2005/8/layout/cycle1"/>
     <dgm:cxn modelId="{5F67CAFC-DCFC-4DEA-A143-93B6762AA1D3}" type="presParOf" srcId="{7E5A290C-A087-43D2-B541-2401B8BBAC35}" destId="{533DA9A2-BCA5-476C-8680-8E725F4B3C01}" srcOrd="2" destOrd="0" presId="urn:microsoft.com/office/officeart/2005/8/layout/cycle1"/>
@@ -1288,12 +1344,12 @@
         <a:fontRef idx="minor"/>
       </dsp:style>
       <dsp:txBody>
-        <a:bodyPr spcFirstLastPara="0" vert="horz" wrap="square" lIns="19050" tIns="19050" rIns="19050" bIns="19050" numCol="1" spcCol="1270" anchor="ctr" anchorCtr="0">
+        <a:bodyPr spcFirstLastPara="0" vert="horz" wrap="square" lIns="21590" tIns="21590" rIns="21590" bIns="21590" numCol="1" spcCol="1270" anchor="ctr" anchorCtr="0">
           <a:noAutofit/>
         </a:bodyPr>
         <a:lstStyle/>
         <a:p>
-          <a:pPr lvl="0" algn="ctr" defTabSz="666750">
+          <a:pPr lvl="0" algn="ctr" defTabSz="755650">
             <a:lnSpc>
               <a:spcPct val="90000"/>
             </a:lnSpc>
@@ -1305,10 +1361,10 @@
             </a:spcAft>
           </a:pPr>
           <a:r>
-            <a:rPr lang="en-US" sz="1500" kern="1200" dirty="0" smtClean="0"/>
+            <a:rPr lang="en-US" sz="1700" kern="1200" dirty="0" smtClean="0"/>
             <a:t>Select &amp;  Infect</a:t>
           </a:r>
-          <a:endParaRPr lang="en-US" sz="1500" kern="1200" dirty="0"/>
+          <a:endParaRPr lang="en-US" sz="1700" kern="1200" dirty="0"/>
         </a:p>
       </dsp:txBody>
       <dsp:txXfrm>
@@ -1403,12 +1459,12 @@
         <a:fontRef idx="minor"/>
       </dsp:style>
       <dsp:txBody>
-        <a:bodyPr spcFirstLastPara="0" vert="horz" wrap="square" lIns="19050" tIns="19050" rIns="19050" bIns="19050" numCol="1" spcCol="1270" anchor="ctr" anchorCtr="0">
+        <a:bodyPr spcFirstLastPara="0" vert="horz" wrap="square" lIns="21590" tIns="21590" rIns="21590" bIns="21590" numCol="1" spcCol="1270" anchor="ctr" anchorCtr="0">
           <a:noAutofit/>
         </a:bodyPr>
         <a:lstStyle/>
         <a:p>
-          <a:pPr lvl="0" algn="ctr" defTabSz="666750">
+          <a:pPr lvl="0" algn="ctr" defTabSz="755650">
             <a:lnSpc>
               <a:spcPct val="90000"/>
             </a:lnSpc>
@@ -1420,10 +1476,10 @@
             </a:spcAft>
           </a:pPr>
           <a:r>
-            <a:rPr lang="en-US" sz="1500" kern="1200" dirty="0" smtClean="0"/>
+            <a:rPr lang="en-US" sz="1700" kern="1200" dirty="0" smtClean="0"/>
             <a:t>Evaluate individual Fitness</a:t>
           </a:r>
-          <a:endParaRPr lang="en-US" sz="1500" kern="1200" dirty="0"/>
+          <a:endParaRPr lang="en-US" sz="1700" kern="1200" dirty="0"/>
         </a:p>
       </dsp:txBody>
       <dsp:txXfrm>
@@ -1518,12 +1574,12 @@
         <a:fontRef idx="minor"/>
       </dsp:style>
       <dsp:txBody>
-        <a:bodyPr spcFirstLastPara="0" vert="horz" wrap="square" lIns="19050" tIns="19050" rIns="19050" bIns="19050" numCol="1" spcCol="1270" anchor="ctr" anchorCtr="0">
+        <a:bodyPr spcFirstLastPara="0" vert="horz" wrap="square" lIns="21590" tIns="21590" rIns="21590" bIns="21590" numCol="1" spcCol="1270" anchor="ctr" anchorCtr="0">
           <a:noAutofit/>
         </a:bodyPr>
         <a:lstStyle/>
         <a:p>
-          <a:pPr lvl="0" algn="ctr" defTabSz="666750">
+          <a:pPr lvl="0" algn="ctr" defTabSz="755650">
             <a:lnSpc>
               <a:spcPct val="90000"/>
             </a:lnSpc>
@@ -1535,12 +1591,12 @@
             </a:spcAft>
           </a:pPr>
           <a:r>
-            <a:rPr lang="en-US" sz="1500" kern="1200" dirty="0" smtClean="0"/>
+            <a:rPr lang="en-US" sz="1700" kern="1200" dirty="0" smtClean="0"/>
             <a:t>Create offspring</a:t>
           </a:r>
         </a:p>
         <a:p>
-          <a:pPr lvl="0" algn="ctr" defTabSz="666750">
+          <a:pPr lvl="0" algn="ctr" defTabSz="755650">
             <a:lnSpc>
               <a:spcPct val="90000"/>
             </a:lnSpc>
@@ -1552,10 +1608,10 @@
             </a:spcAft>
           </a:pPr>
           <a:r>
-            <a:rPr lang="en-US" sz="1500" kern="1200" dirty="0" smtClean="0"/>
+            <a:rPr lang="en-US" sz="1700" kern="1200" dirty="0" smtClean="0"/>
             <a:t>Parents die</a:t>
           </a:r>
-          <a:endParaRPr lang="en-US" sz="1500" kern="1200" dirty="0"/>
+          <a:endParaRPr lang="en-US" sz="1700" kern="1200" dirty="0"/>
         </a:p>
       </dsp:txBody>
       <dsp:txXfrm>
@@ -1650,12 +1706,12 @@
         <a:fontRef idx="minor"/>
       </dsp:style>
       <dsp:txBody>
-        <a:bodyPr spcFirstLastPara="0" vert="horz" wrap="square" lIns="19050" tIns="19050" rIns="19050" bIns="19050" numCol="1" spcCol="1270" anchor="ctr" anchorCtr="0">
+        <a:bodyPr spcFirstLastPara="0" vert="horz" wrap="square" lIns="21590" tIns="21590" rIns="21590" bIns="21590" numCol="1" spcCol="1270" anchor="ctr" anchorCtr="0">
           <a:noAutofit/>
         </a:bodyPr>
         <a:lstStyle/>
         <a:p>
-          <a:pPr lvl="0" algn="ctr" defTabSz="666750">
+          <a:pPr lvl="0" algn="ctr" defTabSz="755650">
             <a:lnSpc>
               <a:spcPct val="90000"/>
             </a:lnSpc>
@@ -1667,10 +1723,10 @@
             </a:spcAft>
           </a:pPr>
           <a:r>
-            <a:rPr lang="en-US" sz="1500" kern="1200" dirty="0" smtClean="0"/>
+            <a:rPr lang="en-US" sz="1700" kern="1200" dirty="0" smtClean="0"/>
             <a:t>Mutate</a:t>
           </a:r>
-          <a:endParaRPr lang="en-US" sz="1500" kern="1200" dirty="0"/>
+          <a:endParaRPr lang="en-US" sz="1700" kern="1200" dirty="0"/>
         </a:p>
       </dsp:txBody>
       <dsp:txXfrm>
@@ -1765,12 +1821,12 @@
         <a:fontRef idx="minor"/>
       </dsp:style>
       <dsp:txBody>
-        <a:bodyPr spcFirstLastPara="0" vert="horz" wrap="square" lIns="19050" tIns="19050" rIns="19050" bIns="19050" numCol="1" spcCol="1270" anchor="ctr" anchorCtr="0">
+        <a:bodyPr spcFirstLastPara="0" vert="horz" wrap="square" lIns="21590" tIns="21590" rIns="21590" bIns="21590" numCol="1" spcCol="1270" anchor="ctr" anchorCtr="0">
           <a:noAutofit/>
         </a:bodyPr>
         <a:lstStyle/>
         <a:p>
-          <a:pPr lvl="0" algn="ctr" defTabSz="666750">
+          <a:pPr lvl="0" algn="ctr" defTabSz="755650">
             <a:lnSpc>
               <a:spcPct val="90000"/>
             </a:lnSpc>
@@ -1782,10 +1838,10 @@
             </a:spcAft>
           </a:pPr>
           <a:r>
-            <a:rPr lang="en-US" sz="1500" kern="1200" dirty="0" smtClean="0"/>
+            <a:rPr lang="en-US" sz="1700" kern="1200" dirty="0" smtClean="0"/>
             <a:t>Evaluate Population Fitness/Cull</a:t>
           </a:r>
-          <a:endParaRPr lang="en-US" sz="1500" kern="1200" dirty="0"/>
+          <a:endParaRPr lang="en-US" sz="1700" kern="1200" dirty="0"/>
         </a:p>
       </dsp:txBody>
       <dsp:txXfrm>
@@ -3166,7 +3222,7 @@
           <a:p>
             <a:fld id="{44201544-D0D1-5B41-A16A-F722EC0150C2}" type="datetimeFigureOut">
               <a:rPr lang="en-US" smtClean="0"/>
-              <a:t>6/5/2015</a:t>
+              <a:t>6/6/15</a:t>
             </a:fld>
             <a:endParaRPr lang="en-US"/>
           </a:p>
@@ -3889,7 +3945,7 @@
           <a:p>
             <a:fld id="{1778F24D-EB19-4AE0-B015-2BEA6D5224F2}" type="datetimeFigureOut">
               <a:rPr lang="en-US" smtClean="0"/>
-              <a:t>6/5/2015</a:t>
+              <a:t>6/6/15</a:t>
             </a:fld>
             <a:endParaRPr lang="en-US"/>
           </a:p>
@@ -4202,7 +4258,7 @@
           <a:p>
             <a:fld id="{1778F24D-EB19-4AE0-B015-2BEA6D5224F2}" type="datetimeFigureOut">
               <a:rPr lang="en-US" smtClean="0"/>
-              <a:t>6/5/2015</a:t>
+              <a:t>6/6/15</a:t>
             </a:fld>
             <a:endParaRPr lang="en-US"/>
           </a:p>
@@ -4409,7 +4465,7 @@
           <a:p>
             <a:fld id="{1778F24D-EB19-4AE0-B015-2BEA6D5224F2}" type="datetimeFigureOut">
               <a:rPr lang="en-US" smtClean="0"/>
-              <a:t>6/5/2015</a:t>
+              <a:t>6/6/15</a:t>
             </a:fld>
             <a:endParaRPr lang="en-US"/>
           </a:p>
@@ -4614,7 +4670,7 @@
           <a:p>
             <a:fld id="{1778F24D-EB19-4AE0-B015-2BEA6D5224F2}" type="datetimeFigureOut">
               <a:rPr lang="en-US" smtClean="0"/>
-              <a:t>6/5/2015</a:t>
+              <a:t>6/6/15</a:t>
             </a:fld>
             <a:endParaRPr lang="en-US"/>
           </a:p>
@@ -4809,7 +4865,7 @@
           <a:p>
             <a:fld id="{1778F24D-EB19-4AE0-B015-2BEA6D5224F2}" type="datetimeFigureOut">
               <a:rPr lang="en-US" smtClean="0"/>
-              <a:t>6/5/2015</a:t>
+              <a:t>6/6/15</a:t>
             </a:fld>
             <a:endParaRPr lang="en-US"/>
           </a:p>
@@ -5079,7 +5135,7 @@
           <a:p>
             <a:fld id="{1778F24D-EB19-4AE0-B015-2BEA6D5224F2}" type="datetimeFigureOut">
               <a:rPr lang="en-US" smtClean="0"/>
-              <a:t>6/5/2015</a:t>
+              <a:t>6/6/15</a:t>
             </a:fld>
             <a:endParaRPr lang="en-US"/>
           </a:p>
@@ -5390,7 +5446,7 @@
           <a:p>
             <a:fld id="{1778F24D-EB19-4AE0-B015-2BEA6D5224F2}" type="datetimeFigureOut">
               <a:rPr lang="en-US" smtClean="0"/>
-              <a:t>6/5/2015</a:t>
+              <a:t>6/6/15</a:t>
             </a:fld>
             <a:endParaRPr lang="en-US"/>
           </a:p>
@@ -5851,7 +5907,7 @@
           <a:p>
             <a:fld id="{1778F24D-EB19-4AE0-B015-2BEA6D5224F2}" type="datetimeFigureOut">
               <a:rPr lang="en-US" smtClean="0"/>
-              <a:t>6/5/2015</a:t>
+              <a:t>6/6/15</a:t>
             </a:fld>
             <a:endParaRPr lang="en-US"/>
           </a:p>
@@ -5990,7 +6046,7 @@
           <a:p>
             <a:fld id="{1778F24D-EB19-4AE0-B015-2BEA6D5224F2}" type="datetimeFigureOut">
               <a:rPr lang="en-US" smtClean="0"/>
-              <a:t>6/5/2015</a:t>
+              <a:t>6/6/15</a:t>
             </a:fld>
             <a:endParaRPr lang="en-US"/>
           </a:p>
@@ -6106,7 +6162,7 @@
           <a:p>
             <a:fld id="{1778F24D-EB19-4AE0-B015-2BEA6D5224F2}" type="datetimeFigureOut">
               <a:rPr lang="en-US" smtClean="0"/>
-              <a:t>6/5/2015</a:t>
+              <a:t>6/6/15</a:t>
             </a:fld>
             <a:endParaRPr lang="en-US"/>
           </a:p>
@@ -6392,7 +6448,7 @@
           <a:p>
             <a:fld id="{1778F24D-EB19-4AE0-B015-2BEA6D5224F2}" type="datetimeFigureOut">
               <a:rPr lang="en-US" smtClean="0"/>
-              <a:t>6/5/2015</a:t>
+              <a:t>6/6/15</a:t>
             </a:fld>
             <a:endParaRPr lang="en-US"/>
           </a:p>
@@ -6730,7 +6786,7 @@
           <a:p>
             <a:fld id="{1778F24D-EB19-4AE0-B015-2BEA6D5224F2}" type="datetimeFigureOut">
               <a:rPr lang="en-US" smtClean="0"/>
-              <a:t>6/5/2015</a:t>
+              <a:t>6/6/15</a:t>
             </a:fld>
             <a:endParaRPr lang="en-US"/>
           </a:p>
@@ -7006,7 +7062,7 @@
           <a:p>
             <a:fld id="{1778F24D-EB19-4AE0-B015-2BEA6D5224F2}" type="datetimeFigureOut">
               <a:rPr lang="en-US" smtClean="0"/>
-              <a:t>6/5/2015</a:t>
+              <a:t>6/6/15</a:t>
             </a:fld>
             <a:endParaRPr lang="en-US"/>
           </a:p>
@@ -8190,6 +8246,93 @@
           </a:p>
         </p:txBody>
       </p:sp>
+      <p:grpSp>
+        <p:nvGrpSpPr>
+          <p:cNvPr id="10" name="Group 9"/>
+          <p:cNvGrpSpPr/>
+          <p:nvPr/>
+        </p:nvGrpSpPr>
+        <p:grpSpPr>
+          <a:xfrm>
+            <a:off x="1450052" y="5833976"/>
+            <a:ext cx="6270194" cy="872774"/>
+            <a:chOff x="1450052" y="5867400"/>
+            <a:chExt cx="6270194" cy="872774"/>
+          </a:xfrm>
+        </p:grpSpPr>
+        <p:pic>
+          <p:nvPicPr>
+            <p:cNvPr id="11" name="Picture 10"/>
+            <p:cNvPicPr>
+              <a:picLocks noChangeAspect="1"/>
+            </p:cNvPicPr>
+            <p:nvPr/>
+          </p:nvPicPr>
+          <p:blipFill>
+            <a:blip r:embed="rId3"/>
+            <a:stretch>
+              <a:fillRect/>
+            </a:stretch>
+          </p:blipFill>
+          <p:spPr>
+            <a:xfrm>
+              <a:off x="1450052" y="5867400"/>
+              <a:ext cx="802952" cy="872774"/>
+            </a:xfrm>
+            <a:prstGeom prst="rect">
+              <a:avLst/>
+            </a:prstGeom>
+          </p:spPr>
+        </p:pic>
+        <p:pic>
+          <p:nvPicPr>
+            <p:cNvPr id="12" name="Picture 11"/>
+            <p:cNvPicPr>
+              <a:picLocks noChangeAspect="1"/>
+            </p:cNvPicPr>
+            <p:nvPr/>
+          </p:nvPicPr>
+          <p:blipFill>
+            <a:blip r:embed="rId3"/>
+            <a:stretch>
+              <a:fillRect/>
+            </a:stretch>
+          </p:blipFill>
+          <p:spPr>
+            <a:xfrm>
+              <a:off x="6917294" y="5867400"/>
+              <a:ext cx="802952" cy="872774"/>
+            </a:xfrm>
+            <a:prstGeom prst="rect">
+              <a:avLst/>
+            </a:prstGeom>
+          </p:spPr>
+        </p:pic>
+        <p:pic>
+          <p:nvPicPr>
+            <p:cNvPr id="13" name="Picture 12"/>
+            <p:cNvPicPr>
+              <a:picLocks noChangeAspect="1"/>
+            </p:cNvPicPr>
+            <p:nvPr/>
+          </p:nvPicPr>
+          <p:blipFill>
+            <a:blip r:embed="rId4"/>
+            <a:stretch>
+              <a:fillRect/>
+            </a:stretch>
+          </p:blipFill>
+          <p:spPr>
+            <a:xfrm>
+              <a:off x="3737111" y="5867400"/>
+              <a:ext cx="1611798" cy="872774"/>
+            </a:xfrm>
+            <a:prstGeom prst="rect">
+              <a:avLst/>
+            </a:prstGeom>
+          </p:spPr>
+        </p:pic>
+      </p:grpSp>
     </p:spTree>
     <p:extLst>
       <p:ext uri="{BB962C8B-B14F-4D97-AF65-F5344CB8AC3E}">
@@ -8200,6 +8343,13 @@
   <p:clrMapOvr>
     <a:masterClrMapping/>
   </p:clrMapOvr>
+  <p:timing>
+    <p:tnLst>
+      <p:par>
+        <p:cTn xmlns:p14="http://schemas.microsoft.com/office/powerpoint/2010/main" id="1" dur="indefinite" restart="never" nodeType="tmRoot"/>
+      </p:par>
+    </p:tnLst>
+  </p:timing>
 </p:sld>
 </file>
 
@@ -8243,8 +8393,8 @@
           </a:p>
         </p:txBody>
       </p:sp>
-      <mc:AlternateContent xmlns:mc="http://schemas.openxmlformats.org/markup-compatibility/2006">
-        <mc:Choice xmlns:a14="http://schemas.microsoft.com/office/drawing/2010/main" Requires="a14">
+      <mc:AlternateContent xmlns:mc="http://schemas.openxmlformats.org/markup-compatibility/2006" xmlns:a14="http://schemas.microsoft.com/office/drawing/2010/main">
+        <mc:Choice Requires="a14">
           <p:sp>
             <p:nvSpPr>
               <p:cNvPr id="3" name="Content Placeholder 2"/>
@@ -8295,7 +8445,7 @@
                   <a:t>Population fitness – Our reported fitness, the number of living descendants of each parent in the </a:t>
                 </a:r>
                 <a14:m>
-                  <m:oMath xmlns:m="http://schemas.openxmlformats.org/officeDocument/2006/math">
+                  <m:oMath xmlns:m="http://schemas.openxmlformats.org/officeDocument/2006/math" xmlns="">
                     <m:r>
                       <a:rPr lang="en-US" b="0" i="1" smtClean="0">
                         <a:latin typeface="Cambria Math" panose="02040503050406030204" pitchFamily="18" charset="0"/>
@@ -8319,7 +8469,7 @@
             </p:txBody>
           </p:sp>
         </mc:Choice>
-        <mc:Fallback>
+        <mc:Fallback xmlns="">
           <p:sp>
             <p:nvSpPr>
               <p:cNvPr id="3" name="Content Placeholder 2"/>
@@ -8353,6 +8503,93 @@
           </p:sp>
         </mc:Fallback>
       </mc:AlternateContent>
+      <p:grpSp>
+        <p:nvGrpSpPr>
+          <p:cNvPr id="4" name="Group 3"/>
+          <p:cNvGrpSpPr/>
+          <p:nvPr/>
+        </p:nvGrpSpPr>
+        <p:grpSpPr>
+          <a:xfrm>
+            <a:off x="1450052" y="5850688"/>
+            <a:ext cx="6270194" cy="872774"/>
+            <a:chOff x="1450052" y="5867400"/>
+            <a:chExt cx="6270194" cy="872774"/>
+          </a:xfrm>
+        </p:grpSpPr>
+        <p:pic>
+          <p:nvPicPr>
+            <p:cNvPr id="5" name="Picture 4"/>
+            <p:cNvPicPr>
+              <a:picLocks noChangeAspect="1"/>
+            </p:cNvPicPr>
+            <p:nvPr/>
+          </p:nvPicPr>
+          <p:blipFill>
+            <a:blip r:embed="rId3"/>
+            <a:stretch>
+              <a:fillRect/>
+            </a:stretch>
+          </p:blipFill>
+          <p:spPr>
+            <a:xfrm>
+              <a:off x="1450052" y="5867400"/>
+              <a:ext cx="802952" cy="872774"/>
+            </a:xfrm>
+            <a:prstGeom prst="rect">
+              <a:avLst/>
+            </a:prstGeom>
+          </p:spPr>
+        </p:pic>
+        <p:pic>
+          <p:nvPicPr>
+            <p:cNvPr id="6" name="Picture 5"/>
+            <p:cNvPicPr>
+              <a:picLocks noChangeAspect="1"/>
+            </p:cNvPicPr>
+            <p:nvPr/>
+          </p:nvPicPr>
+          <p:blipFill>
+            <a:blip r:embed="rId3"/>
+            <a:stretch>
+              <a:fillRect/>
+            </a:stretch>
+          </p:blipFill>
+          <p:spPr>
+            <a:xfrm>
+              <a:off x="6917294" y="5867400"/>
+              <a:ext cx="802952" cy="872774"/>
+            </a:xfrm>
+            <a:prstGeom prst="rect">
+              <a:avLst/>
+            </a:prstGeom>
+          </p:spPr>
+        </p:pic>
+        <p:pic>
+          <p:nvPicPr>
+            <p:cNvPr id="7" name="Picture 6"/>
+            <p:cNvPicPr>
+              <a:picLocks noChangeAspect="1"/>
+            </p:cNvPicPr>
+            <p:nvPr/>
+          </p:nvPicPr>
+          <p:blipFill>
+            <a:blip r:embed="rId4"/>
+            <a:stretch>
+              <a:fillRect/>
+            </a:stretch>
+          </p:blipFill>
+          <p:spPr>
+            <a:xfrm>
+              <a:off x="3737111" y="5867400"/>
+              <a:ext cx="1611798" cy="872774"/>
+            </a:xfrm>
+            <a:prstGeom prst="rect">
+              <a:avLst/>
+            </a:prstGeom>
+          </p:spPr>
+        </p:pic>
+      </p:grpSp>
     </p:spTree>
     <p:extLst>
       <p:ext uri="{BB962C8B-B14F-4D97-AF65-F5344CB8AC3E}">
@@ -8363,6 +8600,13 @@
   <p:clrMapOvr>
     <a:masterClrMapping/>
   </p:clrMapOvr>
+  <p:timing>
+    <p:tnLst>
+      <p:par>
+        <p:cTn xmlns:p14="http://schemas.microsoft.com/office/powerpoint/2010/main" id="1" dur="indefinite" restart="never" nodeType="tmRoot"/>
+      </p:par>
+    </p:tnLst>
+  </p:timing>
 </p:sld>
 </file>
 
@@ -8399,7 +8643,7 @@
           <a:lstStyle/>
           <a:p>
             <a:r>
-              <a:rPr lang="en-US" dirty="0" smtClean="0"/>
+              <a:rPr lang="en-US" smtClean="0"/>
               <a:t>How does it work?</a:t>
             </a:r>
             <a:endParaRPr lang="en-US" dirty="0"/>
@@ -8418,7 +8662,12 @@
                 <p:ph idx="1"/>
               </p:nvPr>
             </p:nvSpPr>
-            <p:spPr/>
+            <p:spPr>
+              <a:xfrm>
+                <a:off x="685800" y="2209801"/>
+                <a:ext cx="7770813" cy="3657599"/>
+              </a:xfrm>
+            </p:spPr>
             <p:txBody>
               <a:bodyPr>
                 <a:normAutofit fontScale="92500"/>
@@ -8432,334 +8681,14 @@
               </a:p>
               <a:p>
                 <a:pPr lvl="1"/>
-                <a14:m>
-                  <m:oMath xmlns:m="http://schemas.openxmlformats.org/officeDocument/2006/math">
-                    <m:sSub>
-                      <m:sSubPr>
-                        <m:ctrlPr>
-                          <a:rPr lang="en-US" b="0" i="1" smtClean="0">
-                            <a:latin typeface="Cambria Math" panose="02040503050406030204" pitchFamily="18" charset="0"/>
-                          </a:rPr>
-                        </m:ctrlPr>
-                      </m:sSubPr>
-                      <m:e>
-                        <m:r>
-                          <a:rPr lang="en-US" b="0" i="1" smtClean="0">
-                            <a:latin typeface="Cambria Math" panose="02040503050406030204" pitchFamily="18" charset="0"/>
-                          </a:rPr>
-                          <m:t>𝑊</m:t>
-                        </m:r>
-                      </m:e>
-                      <m:sub>
-                        <m:r>
-                          <a:rPr lang="en-US" b="0" i="1" smtClean="0">
-                            <a:latin typeface="Cambria Math" panose="02040503050406030204" pitchFamily="18" charset="0"/>
-                          </a:rPr>
-                          <m:t>𝐻</m:t>
-                        </m:r>
-                        <m:r>
-                          <a:rPr lang="en-US" b="0" i="1" smtClean="0">
-                            <a:latin typeface="Cambria Math" panose="02040503050406030204" pitchFamily="18" charset="0"/>
-                          </a:rPr>
-                          <m:t> </m:t>
-                        </m:r>
-                      </m:sub>
-                    </m:sSub>
-                    <m:d>
-                      <m:dPr>
-                        <m:ctrlPr>
-                          <a:rPr lang="en-US" b="0" i="1" smtClean="0">
-                            <a:latin typeface="Cambria Math" panose="02040503050406030204" pitchFamily="18" charset="0"/>
-                          </a:rPr>
-                        </m:ctrlPr>
-                      </m:dPr>
-                      <m:e>
-                        <m:r>
-                          <a:rPr lang="en-US" b="0" i="1" smtClean="0">
-                            <a:latin typeface="Cambria Math" panose="02040503050406030204" pitchFamily="18" charset="0"/>
-                          </a:rPr>
-                          <m:t>𝑖</m:t>
-                        </m:r>
-                        <m:r>
-                          <a:rPr lang="en-US" b="0" i="1" smtClean="0">
-                            <a:latin typeface="Cambria Math" panose="02040503050406030204" pitchFamily="18" charset="0"/>
-                          </a:rPr>
-                          <m:t>,</m:t>
-                        </m:r>
-                        <m:r>
-                          <a:rPr lang="en-US" b="0" i="1" smtClean="0">
-                            <a:latin typeface="Cambria Math" panose="02040503050406030204" pitchFamily="18" charset="0"/>
-                          </a:rPr>
-                          <m:t>𝑛</m:t>
-                        </m:r>
-                      </m:e>
-                    </m:d>
-                    <m:r>
-                      <a:rPr lang="en-US" b="0" i="1" smtClean="0">
-                        <a:latin typeface="Cambria Math" panose="02040503050406030204" pitchFamily="18" charset="0"/>
-                      </a:rPr>
-                      <m:t>=</m:t>
-                    </m:r>
-                    <m:sSup>
-                      <m:sSupPr>
-                        <m:ctrlPr>
-                          <a:rPr lang="en-US" b="0" i="1" smtClean="0">
-                            <a:latin typeface="Cambria Math" panose="02040503050406030204" pitchFamily="18" charset="0"/>
-                          </a:rPr>
-                        </m:ctrlPr>
-                      </m:sSupPr>
-                      <m:e>
-                        <m:d>
-                          <m:dPr>
-                            <m:ctrlPr>
-                              <a:rPr lang="en-US" b="0" i="1" smtClean="0">
-                                <a:latin typeface="Cambria Math" panose="02040503050406030204" pitchFamily="18" charset="0"/>
-                              </a:rPr>
-                            </m:ctrlPr>
-                          </m:dPr>
-                          <m:e>
-                            <m:r>
-                              <a:rPr lang="en-US" b="0" i="1" smtClean="0">
-                                <a:latin typeface="Cambria Math" panose="02040503050406030204" pitchFamily="18" charset="0"/>
-                              </a:rPr>
-                              <m:t>1 −</m:t>
-                            </m:r>
-                            <m:sSub>
-                              <m:sSubPr>
-                                <m:ctrlPr>
-                                  <a:rPr lang="en-US" b="0" i="1" smtClean="0">
-                                    <a:latin typeface="Cambria Math" panose="02040503050406030204" pitchFamily="18" charset="0"/>
-                                  </a:rPr>
-                                </m:ctrlPr>
-                              </m:sSubPr>
-                              <m:e>
-                                <m:r>
-                                  <a:rPr lang="en-US" b="0" i="1" smtClean="0">
-                                    <a:latin typeface="Cambria Math" panose="02040503050406030204" pitchFamily="18" charset="0"/>
-                                  </a:rPr>
-                                  <m:t>𝑠</m:t>
-                                </m:r>
-                              </m:e>
-                              <m:sub>
-                                <m:r>
-                                  <a:rPr lang="en-US" b="0" i="1" smtClean="0">
-                                    <a:latin typeface="Cambria Math" panose="02040503050406030204" pitchFamily="18" charset="0"/>
-                                  </a:rPr>
-                                  <m:t>𝑣</m:t>
-                                </m:r>
-                              </m:sub>
-                            </m:sSub>
-                          </m:e>
-                        </m:d>
-                      </m:e>
-                      <m:sup>
-                        <m:r>
-                          <a:rPr lang="en-US" b="0" i="1" smtClean="0">
-                            <a:latin typeface="Cambria Math" panose="02040503050406030204" pitchFamily="18" charset="0"/>
-                          </a:rPr>
-                          <m:t>𝑛</m:t>
-                        </m:r>
-                      </m:sup>
-                    </m:sSup>
-                    <m:r>
-                      <a:rPr lang="en-US" b="0" i="1" smtClean="0">
-                        <a:latin typeface="Cambria Math" panose="02040503050406030204" pitchFamily="18" charset="0"/>
-                      </a:rPr>
-                      <m:t>⋅</m:t>
-                    </m:r>
-                    <m:sSup>
-                      <m:sSupPr>
-                        <m:ctrlPr>
-                          <a:rPr lang="en-US" b="0" i="1" smtClean="0">
-                            <a:latin typeface="Cambria Math" panose="02040503050406030204" pitchFamily="18" charset="0"/>
-                          </a:rPr>
-                        </m:ctrlPr>
-                      </m:sSupPr>
-                      <m:e>
-                        <m:d>
-                          <m:dPr>
-                            <m:ctrlPr>
-                              <a:rPr lang="en-US" b="0" i="1" smtClean="0">
-                                <a:latin typeface="Cambria Math" panose="02040503050406030204" pitchFamily="18" charset="0"/>
-                              </a:rPr>
-                            </m:ctrlPr>
-                          </m:dPr>
-                          <m:e>
-                            <m:r>
-                              <a:rPr lang="en-US" b="0" i="1" smtClean="0">
-                                <a:latin typeface="Cambria Math" panose="02040503050406030204" pitchFamily="18" charset="0"/>
-                              </a:rPr>
-                              <m:t>1 −</m:t>
-                            </m:r>
-                            <m:r>
-                              <a:rPr lang="en-US" b="0" i="1" smtClean="0">
-                                <a:latin typeface="Cambria Math" panose="02040503050406030204" pitchFamily="18" charset="0"/>
-                              </a:rPr>
-                              <m:t>𝑐</m:t>
-                            </m:r>
-                          </m:e>
-                        </m:d>
-                      </m:e>
-                      <m:sup>
-                        <m:r>
-                          <a:rPr lang="en-US" b="0" i="1" smtClean="0">
-                            <a:latin typeface="Cambria Math" panose="02040503050406030204" pitchFamily="18" charset="0"/>
-                          </a:rPr>
-                          <m:t>𝑧</m:t>
-                        </m:r>
-                      </m:sup>
-                    </m:sSup>
-                    <m:r>
-                      <a:rPr lang="en-US" b="0" i="1" smtClean="0">
-                        <a:latin typeface="Cambria Math" panose="02040503050406030204" pitchFamily="18" charset="0"/>
-                      </a:rPr>
-                      <m:t>⋅</m:t>
-                    </m:r>
-                    <m:d>
-                      <m:dPr>
-                        <m:ctrlPr>
-                          <a:rPr lang="en-US" b="0" i="1" smtClean="0">
-                            <a:latin typeface="Cambria Math" panose="02040503050406030204" pitchFamily="18" charset="0"/>
-                          </a:rPr>
-                        </m:ctrlPr>
-                      </m:dPr>
-                      <m:e>
-                        <m:r>
-                          <a:rPr lang="en-US" b="0" i="1" smtClean="0">
-                            <a:latin typeface="Cambria Math" panose="02040503050406030204" pitchFamily="18" charset="0"/>
-                          </a:rPr>
-                          <m:t>1−</m:t>
-                        </m:r>
-                        <m:r>
-                          <a:rPr lang="en-US" b="0" i="1" smtClean="0">
-                            <a:latin typeface="Cambria Math" panose="02040503050406030204" pitchFamily="18" charset="0"/>
-                          </a:rPr>
-                          <m:t>𝑠</m:t>
-                        </m:r>
-                        <m:r>
-                          <a:rPr lang="en-US" b="0" i="1" smtClean="0">
-                            <a:latin typeface="Cambria Math" panose="02040503050406030204" pitchFamily="18" charset="0"/>
-                          </a:rPr>
-                          <m:t>⋅</m:t>
-                        </m:r>
-                        <m:sSub>
-                          <m:sSubPr>
-                            <m:ctrlPr>
-                              <a:rPr lang="en-US" b="0" i="1" smtClean="0">
-                                <a:latin typeface="Cambria Math" panose="02040503050406030204" pitchFamily="18" charset="0"/>
-                              </a:rPr>
-                            </m:ctrlPr>
-                          </m:sSubPr>
-                          <m:e>
-                            <m:r>
-                              <a:rPr lang="en-US" b="0" i="1" smtClean="0">
-                                <a:latin typeface="Cambria Math" panose="02040503050406030204" pitchFamily="18" charset="0"/>
-                              </a:rPr>
-                              <m:t>𝑊</m:t>
-                            </m:r>
-                          </m:e>
-                          <m:sub>
-                            <m:r>
-                              <a:rPr lang="en-US" b="0" i="1" smtClean="0">
-                                <a:latin typeface="Cambria Math" panose="02040503050406030204" pitchFamily="18" charset="0"/>
-                              </a:rPr>
-                              <m:t>𝑃𝑖𝑗</m:t>
-                            </m:r>
-                          </m:sub>
-                        </m:sSub>
-                      </m:e>
-                    </m:d>
-                  </m:oMath>
-                </a14:m>
+                <a14:m/>
                 <a:endParaRPr lang="en-US" b="0" i="1" dirty="0" smtClean="0">
                   <a:latin typeface="Cambria Math" panose="02040503050406030204" pitchFamily="18" charset="0"/>
                 </a:endParaRPr>
               </a:p>
               <a:p>
                 <a:pPr lvl="1"/>
-                <a14:m>
-                  <m:oMath xmlns:m="http://schemas.openxmlformats.org/officeDocument/2006/math">
-                    <m:sSub>
-                      <m:sSubPr>
-                        <m:ctrlPr>
-                          <a:rPr lang="en-US" b="0" i="1" smtClean="0">
-                            <a:latin typeface="Cambria Math" panose="02040503050406030204" pitchFamily="18" charset="0"/>
-                          </a:rPr>
-                        </m:ctrlPr>
-                      </m:sSubPr>
-                      <m:e>
-                        <m:r>
-                          <a:rPr lang="en-US" b="0" i="1" smtClean="0">
-                            <a:latin typeface="Cambria Math" panose="02040503050406030204" pitchFamily="18" charset="0"/>
-                          </a:rPr>
-                          <m:t>𝑊</m:t>
-                        </m:r>
-                      </m:e>
-                      <m:sub>
-                        <m:r>
-                          <a:rPr lang="en-US" b="0" i="1" smtClean="0">
-                            <a:latin typeface="Cambria Math" panose="02040503050406030204" pitchFamily="18" charset="0"/>
-                          </a:rPr>
-                          <m:t>𝑃𝑖𝑗</m:t>
-                        </m:r>
-                      </m:sub>
-                    </m:sSub>
-                    <m:r>
-                      <a:rPr lang="en-US" b="0" i="1" smtClean="0">
-                        <a:latin typeface="Cambria Math" panose="02040503050406030204" pitchFamily="18" charset="0"/>
-                      </a:rPr>
-                      <m:t>=</m:t>
-                    </m:r>
-                    <m:sSup>
-                      <m:sSupPr>
-                        <m:ctrlPr>
-                          <a:rPr lang="en-US" b="0" i="1" smtClean="0">
-                            <a:latin typeface="Cambria Math" panose="02040503050406030204" pitchFamily="18" charset="0"/>
-                          </a:rPr>
-                        </m:ctrlPr>
-                      </m:sSupPr>
-                      <m:e>
-                        <m:d>
-                          <m:dPr>
-                            <m:ctrlPr>
-                              <a:rPr lang="en-US" b="0" i="1" smtClean="0">
-                                <a:latin typeface="Cambria Math" panose="02040503050406030204" pitchFamily="18" charset="0"/>
-                              </a:rPr>
-                            </m:ctrlPr>
-                          </m:dPr>
-                          <m:e>
-                            <m:r>
-                              <a:rPr lang="en-US" b="0" i="1" smtClean="0">
-                                <a:latin typeface="Cambria Math" panose="02040503050406030204" pitchFamily="18" charset="0"/>
-                              </a:rPr>
-                              <m:t>1−</m:t>
-                            </m:r>
-                            <m:r>
-                              <a:rPr lang="en-US" b="0" i="1" smtClean="0">
-                                <a:latin typeface="Cambria Math" panose="02040503050406030204" pitchFamily="18" charset="0"/>
-                              </a:rPr>
-                              <m:t>𝑝</m:t>
-                            </m:r>
-                          </m:e>
-                        </m:d>
-                      </m:e>
-                      <m:sup>
-                        <m:r>
-                          <a:rPr lang="en-US" b="0" i="1" smtClean="0">
-                            <a:latin typeface="Cambria Math" panose="02040503050406030204" pitchFamily="18" charset="0"/>
-                          </a:rPr>
-                          <m:t>𝑣</m:t>
-                        </m:r>
-                      </m:sup>
-                    </m:sSup>
-                    <m:r>
-                      <a:rPr lang="en-US" b="0" i="1" smtClean="0">
-                        <a:latin typeface="Cambria Math" panose="02040503050406030204" pitchFamily="18" charset="0"/>
-                      </a:rPr>
-                      <m:t> </m:t>
-                    </m:r>
-                  </m:oMath>
-                </a14:m>
+                <a14:m/>
                 <a:endParaRPr lang="en-US" dirty="0" smtClean="0"/>
               </a:p>
               <a:p>
@@ -8768,162 +8697,37 @@
                   <a:rPr lang="en-US" dirty="0" smtClean="0"/>
                   <a:t>Where </a:t>
                 </a:r>
-                <a14:m>
-                  <m:oMath xmlns:m="http://schemas.openxmlformats.org/officeDocument/2006/math">
-                    <m:sSub>
-                      <m:sSubPr>
-                        <m:ctrlPr>
-                          <a:rPr lang="en-US" b="0" i="1" smtClean="0">
-                            <a:latin typeface="Cambria Math" panose="02040503050406030204" pitchFamily="18" charset="0"/>
-                          </a:rPr>
-                        </m:ctrlPr>
-                      </m:sSubPr>
-                      <m:e>
-                        <m:r>
-                          <a:rPr lang="en-US" b="0" i="1" smtClean="0">
-                            <a:latin typeface="Cambria Math" panose="02040503050406030204" pitchFamily="18" charset="0"/>
-                          </a:rPr>
-                          <m:t>𝑊</m:t>
-                        </m:r>
-                      </m:e>
-                      <m:sub>
-                        <m:r>
-                          <a:rPr lang="en-US" b="0" i="1" smtClean="0">
-                            <a:latin typeface="Cambria Math" panose="02040503050406030204" pitchFamily="18" charset="0"/>
-                          </a:rPr>
-                          <m:t>𝐻</m:t>
-                        </m:r>
-                      </m:sub>
-                    </m:sSub>
-                    <m:r>
-                      <a:rPr lang="en-US" b="0" i="1" smtClean="0">
-                        <a:latin typeface="Cambria Math" panose="02040503050406030204" pitchFamily="18" charset="0"/>
-                      </a:rPr>
-                      <m:t> </m:t>
-                    </m:r>
-                  </m:oMath>
-                </a14:m>
+                <a14:m/>
                 <a:r>
                   <a:rPr lang="en-US" dirty="0" smtClean="0"/>
                   <a:t>is the host fitness with resistance genotype </a:t>
                 </a:r>
-                <a14:m>
-                  <m:oMath xmlns:m="http://schemas.openxmlformats.org/officeDocument/2006/math">
-                    <m:r>
-                      <a:rPr lang="en-US" b="0" i="1" smtClean="0">
-                        <a:latin typeface="Cambria Math" panose="02040503050406030204" pitchFamily="18" charset="0"/>
-                      </a:rPr>
-                      <m:t>𝑖</m:t>
-                    </m:r>
-                    <m:r>
-                      <a:rPr lang="en-US" b="0" i="1" smtClean="0">
-                        <a:latin typeface="Cambria Math" panose="02040503050406030204" pitchFamily="18" charset="0"/>
-                      </a:rPr>
-                      <m:t>,</m:t>
-                    </m:r>
-                  </m:oMath>
-                </a14:m>
+                <a14:m/>
                 <a:r>
                   <a:rPr lang="en-US" dirty="0" smtClean="0"/>
                   <a:t> and number of deleterious mutations </a:t>
                 </a:r>
-                <a14:m>
-                  <m:oMath xmlns:m="http://schemas.openxmlformats.org/officeDocument/2006/math">
-                    <m:r>
-                      <a:rPr lang="en-US" b="0" i="1" smtClean="0">
-                        <a:latin typeface="Cambria Math" panose="02040503050406030204" pitchFamily="18" charset="0"/>
-                      </a:rPr>
-                      <m:t>𝑛</m:t>
-                    </m:r>
-                  </m:oMath>
-                </a14:m>
+                <a14:m/>
                 <a:r>
                   <a:rPr lang="en-US" dirty="0" smtClean="0"/>
                   <a:t>. </a:t>
                 </a:r>
-                <a14:m>
-                  <m:oMath xmlns:m="http://schemas.openxmlformats.org/officeDocument/2006/math">
-                    <m:sSub>
-                      <m:sSubPr>
-                        <m:ctrlPr>
-                          <a:rPr lang="en-US" b="0" i="1" smtClean="0">
-                            <a:latin typeface="Cambria Math" panose="02040503050406030204" pitchFamily="18" charset="0"/>
-                          </a:rPr>
-                        </m:ctrlPr>
-                      </m:sSubPr>
-                      <m:e>
-                        <m:r>
-                          <a:rPr lang="en-US" b="0" i="1" smtClean="0">
-                            <a:latin typeface="Cambria Math" panose="02040503050406030204" pitchFamily="18" charset="0"/>
-                          </a:rPr>
-                          <m:t>𝑠</m:t>
-                        </m:r>
-                      </m:e>
-                      <m:sub>
-                        <m:r>
-                          <a:rPr lang="en-US" b="0" i="1" smtClean="0">
-                            <a:latin typeface="Cambria Math" panose="02040503050406030204" pitchFamily="18" charset="0"/>
-                          </a:rPr>
-                          <m:t>𝑣</m:t>
-                        </m:r>
-                      </m:sub>
-                    </m:sSub>
-                    <m:r>
-                      <a:rPr lang="en-US" b="0" i="1" smtClean="0">
-                        <a:latin typeface="Cambria Math" panose="02040503050406030204" pitchFamily="18" charset="0"/>
-                      </a:rPr>
-                      <m:t> </m:t>
-                    </m:r>
-                  </m:oMath>
-                </a14:m>
+                <a14:m/>
                 <a:r>
                   <a:rPr lang="en-US" dirty="0" smtClean="0"/>
                   <a:t>is the per gene impact of the viability genes, </a:t>
                 </a:r>
-                <a14:m>
-                  <m:oMath xmlns:m="http://schemas.openxmlformats.org/officeDocument/2006/math">
-                    <m:r>
-                      <a:rPr lang="en-US" b="0" i="1" smtClean="0">
-                        <a:latin typeface="Cambria Math" panose="02040503050406030204" pitchFamily="18" charset="0"/>
-                      </a:rPr>
-                      <m:t>𝑐</m:t>
-                    </m:r>
-                    <m:r>
-                      <a:rPr lang="en-US" b="0" i="1" smtClean="0">
-                        <a:latin typeface="Cambria Math" panose="02040503050406030204" pitchFamily="18" charset="0"/>
-                      </a:rPr>
-                      <m:t> </m:t>
-                    </m:r>
-                  </m:oMath>
-                </a14:m>
+                <a14:m/>
                 <a:r>
                   <a:rPr lang="en-US" dirty="0" smtClean="0"/>
                   <a:t>is the cost of a resistance allele, </a:t>
                 </a:r>
-                <a14:m>
-                  <m:oMath xmlns:m="http://schemas.openxmlformats.org/officeDocument/2006/math">
-                    <m:r>
-                      <a:rPr lang="en-US" b="0" i="1" dirty="0" smtClean="0">
-                        <a:latin typeface="Cambria Math" panose="02040503050406030204" pitchFamily="18" charset="0"/>
-                      </a:rPr>
-                      <m:t>𝑧</m:t>
-                    </m:r>
-                  </m:oMath>
-                </a14:m>
+                <a14:m/>
                 <a:r>
                   <a:rPr lang="en-US" dirty="0" smtClean="0"/>
                   <a:t> is the number of resistance alleles, </a:t>
                 </a:r>
-                <a14:m>
-                  <m:oMath xmlns:m="http://schemas.openxmlformats.org/officeDocument/2006/math">
-                    <m:r>
-                      <a:rPr lang="en-US" b="0" i="1" smtClean="0">
-                        <a:latin typeface="Cambria Math" panose="02040503050406030204" pitchFamily="18" charset="0"/>
-                      </a:rPr>
-                      <m:t>𝑠</m:t>
-                    </m:r>
-                  </m:oMath>
-                </a14:m>
+                <a14:m/>
                 <a:r>
                   <a:rPr lang="en-US" dirty="0" smtClean="0"/>
                   <a:t> is the maximum virulence of the virus.</a:t>
@@ -8931,108 +8735,31 @@
               </a:p>
               <a:p>
                 <a:pPr lvl="1"/>
-                <a14:m>
-                  <m:oMath xmlns:m="http://schemas.openxmlformats.org/officeDocument/2006/math">
-                    <m:sSub>
-                      <m:sSubPr>
-                        <m:ctrlPr>
-                          <a:rPr lang="en-US" b="0" i="1" smtClean="0">
-                            <a:latin typeface="Cambria Math" panose="02040503050406030204" pitchFamily="18" charset="0"/>
-                          </a:rPr>
-                        </m:ctrlPr>
-                      </m:sSubPr>
-                      <m:e>
-                        <m:r>
-                          <a:rPr lang="en-US" b="0" i="1" smtClean="0">
-                            <a:latin typeface="Cambria Math" panose="02040503050406030204" pitchFamily="18" charset="0"/>
-                          </a:rPr>
-                          <m:t>𝑊</m:t>
-                        </m:r>
-                      </m:e>
-                      <m:sub>
-                        <m:r>
-                          <a:rPr lang="en-US" b="0" i="1" smtClean="0">
-                            <a:latin typeface="Cambria Math" panose="02040503050406030204" pitchFamily="18" charset="0"/>
-                          </a:rPr>
-                          <m:t>𝑃𝑖𝑗</m:t>
-                        </m:r>
-                      </m:sub>
-                    </m:sSub>
-                  </m:oMath>
-                </a14:m>
+                <a14:m/>
                 <a:r>
                   <a:rPr lang="en-US" dirty="0" smtClean="0"/>
                   <a:t> is the fitness of the parasite </a:t>
                 </a:r>
-                <a14:m>
-                  <m:oMath xmlns:m="http://schemas.openxmlformats.org/officeDocument/2006/math">
-                    <m:r>
-                      <a:rPr lang="en-US" b="0" i="1" smtClean="0">
-                        <a:latin typeface="Cambria Math" panose="02040503050406030204" pitchFamily="18" charset="0"/>
-                      </a:rPr>
-                      <m:t>𝑗</m:t>
-                    </m:r>
-                  </m:oMath>
-                </a14:m>
+                <a14:m/>
                 <a:r>
                   <a:rPr lang="en-US" dirty="0" smtClean="0"/>
                   <a:t> on host</a:t>
                 </a:r>
-                <a14:m>
-                  <m:oMath xmlns:m="http://schemas.openxmlformats.org/officeDocument/2006/math">
-                    <m:r>
-                      <a:rPr lang="en-US" b="0" i="1" smtClean="0">
-                        <a:latin typeface="Cambria Math" panose="02040503050406030204" pitchFamily="18" charset="0"/>
-                      </a:rPr>
-                      <m:t> </m:t>
-                    </m:r>
-                    <m:r>
-                      <a:rPr lang="en-US" b="0" i="1" smtClean="0">
-                        <a:latin typeface="Cambria Math" panose="02040503050406030204" pitchFamily="18" charset="0"/>
-                      </a:rPr>
-                      <m:t>𝑖</m:t>
-                    </m:r>
-                  </m:oMath>
-                </a14:m>
+                <a14:m/>
                 <a:r>
                   <a:rPr lang="en-US" dirty="0" smtClean="0"/>
                   <a:t>, where </a:t>
                 </a:r>
-                <a14:m>
-                  <m:oMath xmlns:m="http://schemas.openxmlformats.org/officeDocument/2006/math">
-                    <m:r>
-                      <a:rPr lang="en-US" b="0" i="1" smtClean="0">
-                        <a:latin typeface="Cambria Math" panose="02040503050406030204" pitchFamily="18" charset="0"/>
-                      </a:rPr>
-                      <m:t>𝑝</m:t>
-                    </m:r>
-                  </m:oMath>
-                </a14:m>
+                <a14:m/>
                 <a:r>
                   <a:rPr lang="en-US" dirty="0" smtClean="0"/>
                   <a:t> is the host of virulence, and </a:t>
                 </a:r>
-                <a14:m>
-                  <m:oMath xmlns:m="http://schemas.openxmlformats.org/officeDocument/2006/math">
-                    <m:r>
-                      <a:rPr lang="en-US" b="0" i="1" smtClean="0">
-                        <a:latin typeface="Cambria Math" panose="02040503050406030204" pitchFamily="18" charset="0"/>
-                      </a:rPr>
-                      <m:t>𝑣</m:t>
-                    </m:r>
-                    <m:r>
-                      <a:rPr lang="en-US" b="0" i="1" smtClean="0">
-                        <a:latin typeface="Cambria Math" panose="02040503050406030204" pitchFamily="18" charset="0"/>
-                      </a:rPr>
-                      <m:t> </m:t>
-                    </m:r>
-                  </m:oMath>
-                </a14:m>
+                <a14:m/>
                 <a:r>
                   <a:rPr lang="en-US" dirty="0" smtClean="0"/>
                   <a:t>is the number of virulence alleles</a:t>
                 </a:r>
-                <a:endParaRPr lang="en-US" dirty="0" smtClean="0"/>
               </a:p>
             </p:txBody>
           </p:sp>
@@ -9049,10 +8776,14 @@
               </p:nvPr>
             </p:nvSpPr>
             <p:spPr>
-              <a:blipFill rotWithShape="0">
+              <a:xfrm>
+                <a:off x="685800" y="2209801"/>
+                <a:ext cx="7770813" cy="3657599"/>
+              </a:xfrm>
+              <a:blipFill rotWithShape="1">
                 <a:blip r:embed="rId2"/>
                 <a:stretch>
-                  <a:fillRect l="-863" t="-1167" b="-500"/>
+                  <a:fillRect/>
                 </a:stretch>
               </a:blipFill>
             </p:spPr>
@@ -9071,6 +8802,93 @@
           </p:sp>
         </mc:Fallback>
       </mc:AlternateContent>
+      <p:grpSp>
+        <p:nvGrpSpPr>
+          <p:cNvPr id="10" name="Group 9"/>
+          <p:cNvGrpSpPr/>
+          <p:nvPr/>
+        </p:nvGrpSpPr>
+        <p:grpSpPr>
+          <a:xfrm>
+            <a:off x="1450052" y="5867400"/>
+            <a:ext cx="6270194" cy="872774"/>
+            <a:chOff x="1450052" y="5867400"/>
+            <a:chExt cx="6270194" cy="872774"/>
+          </a:xfrm>
+        </p:grpSpPr>
+        <p:pic>
+          <p:nvPicPr>
+            <p:cNvPr id="7" name="Picture 6"/>
+            <p:cNvPicPr>
+              <a:picLocks noChangeAspect="1"/>
+            </p:cNvPicPr>
+            <p:nvPr/>
+          </p:nvPicPr>
+          <p:blipFill>
+            <a:blip r:embed="rId3"/>
+            <a:stretch>
+              <a:fillRect/>
+            </a:stretch>
+          </p:blipFill>
+          <p:spPr>
+            <a:xfrm>
+              <a:off x="1450052" y="5867400"/>
+              <a:ext cx="802952" cy="872774"/>
+            </a:xfrm>
+            <a:prstGeom prst="rect">
+              <a:avLst/>
+            </a:prstGeom>
+          </p:spPr>
+        </p:pic>
+        <p:pic>
+          <p:nvPicPr>
+            <p:cNvPr id="8" name="Picture 7"/>
+            <p:cNvPicPr>
+              <a:picLocks noChangeAspect="1"/>
+            </p:cNvPicPr>
+            <p:nvPr/>
+          </p:nvPicPr>
+          <p:blipFill>
+            <a:blip r:embed="rId3"/>
+            <a:stretch>
+              <a:fillRect/>
+            </a:stretch>
+          </p:blipFill>
+          <p:spPr>
+            <a:xfrm>
+              <a:off x="6917294" y="5867400"/>
+              <a:ext cx="802952" cy="872774"/>
+            </a:xfrm>
+            <a:prstGeom prst="rect">
+              <a:avLst/>
+            </a:prstGeom>
+          </p:spPr>
+        </p:pic>
+        <p:pic>
+          <p:nvPicPr>
+            <p:cNvPr id="9" name="Picture 8"/>
+            <p:cNvPicPr>
+              <a:picLocks noChangeAspect="1"/>
+            </p:cNvPicPr>
+            <p:nvPr/>
+          </p:nvPicPr>
+          <p:blipFill>
+            <a:blip r:embed="rId4"/>
+            <a:stretch>
+              <a:fillRect/>
+            </a:stretch>
+          </p:blipFill>
+          <p:spPr>
+            <a:xfrm>
+              <a:off x="3737111" y="5867400"/>
+              <a:ext cx="1611798" cy="872774"/>
+            </a:xfrm>
+            <a:prstGeom prst="rect">
+              <a:avLst/>
+            </a:prstGeom>
+          </p:spPr>
+        </p:pic>
+      </p:grpSp>
     </p:spTree>
     <p:extLst>
       <p:ext uri="{BB962C8B-B14F-4D97-AF65-F5344CB8AC3E}">
@@ -9081,6 +8899,13 @@
   <p:clrMapOvr>
     <a:masterClrMapping/>
   </p:clrMapOvr>
+  <p:timing>
+    <p:tnLst>
+      <p:par>
+        <p:cTn xmlns:p14="http://schemas.microsoft.com/office/powerpoint/2010/main" id="1" dur="indefinite" restart="never" nodeType="tmRoot"/>
+      </p:par>
+    </p:tnLst>
+  </p:timing>
 </p:sld>
 </file>
 
@@ -9178,6 +9003,93 @@
           </a:p>
         </p:txBody>
       </p:sp>
+      <p:grpSp>
+        <p:nvGrpSpPr>
+          <p:cNvPr id="4" name="Group 3"/>
+          <p:cNvGrpSpPr/>
+          <p:nvPr/>
+        </p:nvGrpSpPr>
+        <p:grpSpPr>
+          <a:xfrm>
+            <a:off x="1450052" y="5867400"/>
+            <a:ext cx="6270194" cy="872774"/>
+            <a:chOff x="1450052" y="5867400"/>
+            <a:chExt cx="6270194" cy="872774"/>
+          </a:xfrm>
+        </p:grpSpPr>
+        <p:pic>
+          <p:nvPicPr>
+            <p:cNvPr id="5" name="Picture 4"/>
+            <p:cNvPicPr>
+              <a:picLocks noChangeAspect="1"/>
+            </p:cNvPicPr>
+            <p:nvPr/>
+          </p:nvPicPr>
+          <p:blipFill>
+            <a:blip r:embed="rId2"/>
+            <a:stretch>
+              <a:fillRect/>
+            </a:stretch>
+          </p:blipFill>
+          <p:spPr>
+            <a:xfrm>
+              <a:off x="1450052" y="5867400"/>
+              <a:ext cx="802952" cy="872774"/>
+            </a:xfrm>
+            <a:prstGeom prst="rect">
+              <a:avLst/>
+            </a:prstGeom>
+          </p:spPr>
+        </p:pic>
+        <p:pic>
+          <p:nvPicPr>
+            <p:cNvPr id="6" name="Picture 5"/>
+            <p:cNvPicPr>
+              <a:picLocks noChangeAspect="1"/>
+            </p:cNvPicPr>
+            <p:nvPr/>
+          </p:nvPicPr>
+          <p:blipFill>
+            <a:blip r:embed="rId2"/>
+            <a:stretch>
+              <a:fillRect/>
+            </a:stretch>
+          </p:blipFill>
+          <p:spPr>
+            <a:xfrm>
+              <a:off x="6917294" y="5867400"/>
+              <a:ext cx="802952" cy="872774"/>
+            </a:xfrm>
+            <a:prstGeom prst="rect">
+              <a:avLst/>
+            </a:prstGeom>
+          </p:spPr>
+        </p:pic>
+        <p:pic>
+          <p:nvPicPr>
+            <p:cNvPr id="7" name="Picture 6"/>
+            <p:cNvPicPr>
+              <a:picLocks noChangeAspect="1"/>
+            </p:cNvPicPr>
+            <p:nvPr/>
+          </p:nvPicPr>
+          <p:blipFill>
+            <a:blip r:embed="rId3"/>
+            <a:stretch>
+              <a:fillRect/>
+            </a:stretch>
+          </p:blipFill>
+          <p:spPr>
+            <a:xfrm>
+              <a:off x="3737111" y="5867400"/>
+              <a:ext cx="1611798" cy="872774"/>
+            </a:xfrm>
+            <a:prstGeom prst="rect">
+              <a:avLst/>
+            </a:prstGeom>
+          </p:spPr>
+        </p:pic>
+      </p:grpSp>
     </p:spTree>
     <p:extLst>
       <p:ext uri="{BB962C8B-B14F-4D97-AF65-F5344CB8AC3E}">
@@ -9188,6 +9100,13 @@
   <p:clrMapOvr>
     <a:masterClrMapping/>
   </p:clrMapOvr>
+  <p:timing>
+    <p:tnLst>
+      <p:par>
+        <p:cTn xmlns:p14="http://schemas.microsoft.com/office/powerpoint/2010/main" id="1" dur="indefinite" restart="never" nodeType="tmRoot"/>
+      </p:par>
+    </p:tnLst>
+  </p:timing>
 </p:sld>
 </file>
 
@@ -9310,6 +9229,93 @@
           </a:p>
         </p:txBody>
       </p:sp>
+      <p:grpSp>
+        <p:nvGrpSpPr>
+          <p:cNvPr id="4" name="Group 3"/>
+          <p:cNvGrpSpPr/>
+          <p:nvPr/>
+        </p:nvGrpSpPr>
+        <p:grpSpPr>
+          <a:xfrm>
+            <a:off x="1450052" y="5867400"/>
+            <a:ext cx="6270194" cy="872774"/>
+            <a:chOff x="1450052" y="5867400"/>
+            <a:chExt cx="6270194" cy="872774"/>
+          </a:xfrm>
+        </p:grpSpPr>
+        <p:pic>
+          <p:nvPicPr>
+            <p:cNvPr id="5" name="Picture 4"/>
+            <p:cNvPicPr>
+              <a:picLocks noChangeAspect="1"/>
+            </p:cNvPicPr>
+            <p:nvPr/>
+          </p:nvPicPr>
+          <p:blipFill>
+            <a:blip r:embed="rId2"/>
+            <a:stretch>
+              <a:fillRect/>
+            </a:stretch>
+          </p:blipFill>
+          <p:spPr>
+            <a:xfrm>
+              <a:off x="1450052" y="5867400"/>
+              <a:ext cx="802952" cy="872774"/>
+            </a:xfrm>
+            <a:prstGeom prst="rect">
+              <a:avLst/>
+            </a:prstGeom>
+          </p:spPr>
+        </p:pic>
+        <p:pic>
+          <p:nvPicPr>
+            <p:cNvPr id="6" name="Picture 5"/>
+            <p:cNvPicPr>
+              <a:picLocks noChangeAspect="1"/>
+            </p:cNvPicPr>
+            <p:nvPr/>
+          </p:nvPicPr>
+          <p:blipFill>
+            <a:blip r:embed="rId2"/>
+            <a:stretch>
+              <a:fillRect/>
+            </a:stretch>
+          </p:blipFill>
+          <p:spPr>
+            <a:xfrm>
+              <a:off x="6917294" y="5867400"/>
+              <a:ext cx="802952" cy="872774"/>
+            </a:xfrm>
+            <a:prstGeom prst="rect">
+              <a:avLst/>
+            </a:prstGeom>
+          </p:spPr>
+        </p:pic>
+        <p:pic>
+          <p:nvPicPr>
+            <p:cNvPr id="7" name="Picture 6"/>
+            <p:cNvPicPr>
+              <a:picLocks noChangeAspect="1"/>
+            </p:cNvPicPr>
+            <p:nvPr/>
+          </p:nvPicPr>
+          <p:blipFill>
+            <a:blip r:embed="rId3"/>
+            <a:stretch>
+              <a:fillRect/>
+            </a:stretch>
+          </p:blipFill>
+          <p:spPr>
+            <a:xfrm>
+              <a:off x="3737111" y="5867400"/>
+              <a:ext cx="1611798" cy="872774"/>
+            </a:xfrm>
+            <a:prstGeom prst="rect">
+              <a:avLst/>
+            </a:prstGeom>
+          </p:spPr>
+        </p:pic>
+      </p:grpSp>
     </p:spTree>
     <p:extLst>
       <p:ext uri="{BB962C8B-B14F-4D97-AF65-F5344CB8AC3E}">
@@ -9320,6 +9326,13 @@
   <p:clrMapOvr>
     <a:masterClrMapping/>
   </p:clrMapOvr>
+  <p:timing>
+    <p:tnLst>
+      <p:par>
+        <p:cTn xmlns:p14="http://schemas.microsoft.com/office/powerpoint/2010/main" id="1" dur="indefinite" restart="never" nodeType="tmRoot"/>
+      </p:par>
+    </p:tnLst>
+  </p:timing>
 </p:sld>
 </file>
 
@@ -9542,6 +9555,13 @@
   <p:clrMapOvr>
     <a:masterClrMapping/>
   </p:clrMapOvr>
+  <p:timing>
+    <p:tnLst>
+      <p:par>
+        <p:cTn xmlns:p14="http://schemas.microsoft.com/office/powerpoint/2010/main" id="1" dur="indefinite" restart="never" nodeType="tmRoot"/>
+      </p:par>
+    </p:tnLst>
+  </p:timing>
 </p:sld>
 </file>
 
@@ -9579,44 +9599,176 @@
           <a:p>
             <a:r>
               <a:rPr lang="en-US" dirty="0" smtClean="0"/>
-              <a:t>Any interesting results?</a:t>
+              <a:t>What do we still need to do?</a:t>
             </a:r>
             <a:endParaRPr lang="en-US" dirty="0"/>
           </a:p>
         </p:txBody>
       </p:sp>
-      <p:pic>
-        <p:nvPicPr>
-          <p:cNvPr id="6" name="Content Placeholder 5"/>
-          <p:cNvPicPr>
-            <a:picLocks noGrp="1" noChangeAspect="1"/>
-          </p:cNvPicPr>
+      <p:sp>
+        <p:nvSpPr>
+          <p:cNvPr id="3" name="Content Placeholder 2"/>
+          <p:cNvSpPr>
+            <a:spLocks noGrp="1"/>
+          </p:cNvSpPr>
           <p:nvPr>
             <p:ph idx="1"/>
           </p:nvPr>
-        </p:nvPicPr>
-        <p:blipFill rotWithShape="1">
-          <a:blip r:embed="rId2"/>
-          <a:srcRect l="-7" r="62"/>
-          <a:stretch/>
-        </p:blipFill>
-        <p:spPr>
+        </p:nvSpPr>
+        <p:spPr/>
+        <p:txBody>
+          <a:bodyPr/>
+          <a:lstStyle/>
+          <a:p>
+            <a:r>
+              <a:rPr lang="en-US" dirty="0" smtClean="0"/>
+              <a:t>Can we actually replicate their results?</a:t>
+            </a:r>
+            <a:endParaRPr lang="en-US" dirty="0" smtClean="0"/>
+          </a:p>
+          <a:p>
+            <a:r>
+              <a:rPr lang="en-US" dirty="0" smtClean="0"/>
+              <a:t>Allow </a:t>
+            </a:r>
+            <a:r>
+              <a:rPr lang="en-US" dirty="0" smtClean="0"/>
+              <a:t>mutation evolution in both populations</a:t>
+            </a:r>
+          </a:p>
+          <a:p>
+            <a:r>
+              <a:rPr lang="en-US" dirty="0" smtClean="0"/>
+              <a:t>Wider </a:t>
+            </a:r>
+            <a:r>
+              <a:rPr lang="en-US" dirty="0" smtClean="0"/>
+              <a:t>variety of mutation rates</a:t>
+            </a:r>
+          </a:p>
+          <a:p>
+            <a:r>
+              <a:rPr lang="en-US" dirty="0" smtClean="0"/>
+              <a:t>How does sampling bacteria methods affect evolution</a:t>
+            </a:r>
+            <a:r>
+              <a:rPr lang="en-US" dirty="0" smtClean="0"/>
+              <a:t>?</a:t>
+            </a:r>
+          </a:p>
+          <a:p>
+            <a:r>
+              <a:rPr lang="en-US" dirty="0" smtClean="0"/>
+              <a:t>Evolving interaction models</a:t>
+            </a:r>
+            <a:endParaRPr lang="en-US" dirty="0"/>
+          </a:p>
+        </p:txBody>
+      </p:sp>
+      <p:grpSp>
+        <p:nvGrpSpPr>
+          <p:cNvPr id="5" name="Group 4"/>
+          <p:cNvGrpSpPr/>
+          <p:nvPr/>
+        </p:nvGrpSpPr>
+        <p:grpSpPr>
           <a:xfrm>
-            <a:off x="685800" y="2681185"/>
-            <a:ext cx="4870690" cy="3657600"/>
+            <a:off x="1450052" y="5867400"/>
+            <a:ext cx="6270194" cy="872774"/>
+            <a:chOff x="1450052" y="5867400"/>
+            <a:chExt cx="6270194" cy="872774"/>
           </a:xfrm>
-        </p:spPr>
-      </p:pic>
+        </p:grpSpPr>
+        <p:pic>
+          <p:nvPicPr>
+            <p:cNvPr id="6" name="Picture 5"/>
+            <p:cNvPicPr>
+              <a:picLocks noChangeAspect="1"/>
+            </p:cNvPicPr>
+            <p:nvPr/>
+          </p:nvPicPr>
+          <p:blipFill>
+            <a:blip r:embed="rId2"/>
+            <a:stretch>
+              <a:fillRect/>
+            </a:stretch>
+          </p:blipFill>
+          <p:spPr>
+            <a:xfrm>
+              <a:off x="1450052" y="5867400"/>
+              <a:ext cx="802952" cy="872774"/>
+            </a:xfrm>
+            <a:prstGeom prst="rect">
+              <a:avLst/>
+            </a:prstGeom>
+          </p:spPr>
+        </p:pic>
+        <p:pic>
+          <p:nvPicPr>
+            <p:cNvPr id="7" name="Picture 6"/>
+            <p:cNvPicPr>
+              <a:picLocks noChangeAspect="1"/>
+            </p:cNvPicPr>
+            <p:nvPr/>
+          </p:nvPicPr>
+          <p:blipFill>
+            <a:blip r:embed="rId2"/>
+            <a:stretch>
+              <a:fillRect/>
+            </a:stretch>
+          </p:blipFill>
+          <p:spPr>
+            <a:xfrm>
+              <a:off x="6917294" y="5867400"/>
+              <a:ext cx="802952" cy="872774"/>
+            </a:xfrm>
+            <a:prstGeom prst="rect">
+              <a:avLst/>
+            </a:prstGeom>
+          </p:spPr>
+        </p:pic>
+        <p:pic>
+          <p:nvPicPr>
+            <p:cNvPr id="8" name="Picture 7"/>
+            <p:cNvPicPr>
+              <a:picLocks noChangeAspect="1"/>
+            </p:cNvPicPr>
+            <p:nvPr/>
+          </p:nvPicPr>
+          <p:blipFill>
+            <a:blip r:embed="rId3"/>
+            <a:stretch>
+              <a:fillRect/>
+            </a:stretch>
+          </p:blipFill>
+          <p:spPr>
+            <a:xfrm>
+              <a:off x="3737111" y="5867400"/>
+              <a:ext cx="1611798" cy="872774"/>
+            </a:xfrm>
+            <a:prstGeom prst="rect">
+              <a:avLst/>
+            </a:prstGeom>
+          </p:spPr>
+        </p:pic>
+      </p:grpSp>
     </p:spTree>
     <p:extLst>
       <p:ext uri="{BB962C8B-B14F-4D97-AF65-F5344CB8AC3E}">
-        <p14:creationId xmlns:p14="http://schemas.microsoft.com/office/powerpoint/2010/main" val="2083320753"/>
+        <p14:creationId xmlns:p14="http://schemas.microsoft.com/office/powerpoint/2010/main" val="2670437510"/>
       </p:ext>
     </p:extLst>
   </p:cSld>
   <p:clrMapOvr>
     <a:masterClrMapping/>
   </p:clrMapOvr>
+  <p:timing>
+    <p:tnLst>
+      <p:par>
+        <p:cTn xmlns:p14="http://schemas.microsoft.com/office/powerpoint/2010/main" id="1" dur="indefinite" restart="never" nodeType="tmRoot"/>
+      </p:par>
+    </p:tnLst>
+  </p:timing>
 </p:sld>
 </file>
 
@@ -9654,7 +9806,7 @@
           <a:p>
             <a:r>
               <a:rPr lang="en-US" dirty="0" smtClean="0"/>
-              <a:t>What do we still need to do?</a:t>
+              <a:t>Questions?</a:t>
             </a:r>
             <a:endParaRPr lang="en-US" dirty="0"/>
           </a:p>
@@ -9675,47 +9827,50 @@
           <a:bodyPr/>
           <a:lstStyle/>
           <a:p>
-            <a:r>
-              <a:rPr lang="en-US" dirty="0" smtClean="0"/>
-              <a:t>Allow mutation evolution in both populations</a:t>
-            </a:r>
-          </a:p>
-          <a:p>
-            <a:r>
-              <a:rPr lang="en-US" dirty="0" smtClean="0"/>
-              <a:t>Allow mutation in interaction </a:t>
-            </a:r>
-            <a:r>
-              <a:rPr lang="en-US" dirty="0" smtClean="0"/>
-              <a:t>model</a:t>
-            </a:r>
-          </a:p>
-          <a:p>
-            <a:r>
-              <a:rPr lang="en-US" dirty="0" smtClean="0"/>
-              <a:t>Wider variety of mutation rates</a:t>
-            </a:r>
-            <a:endParaRPr lang="en-US" dirty="0" smtClean="0"/>
-          </a:p>
-          <a:p>
-            <a:r>
-              <a:rPr lang="en-US" dirty="0" smtClean="0"/>
-              <a:t>How does sampling bacteria methods affect evolution?</a:t>
-            </a:r>
-            <a:endParaRPr lang="en-US" dirty="0"/>
-          </a:p>
-        </p:txBody>
-      </p:sp>
+            <a:endParaRPr lang="en-US"/>
+          </a:p>
+        </p:txBody>
+      </p:sp>
+      <p:pic>
+        <p:nvPicPr>
+          <p:cNvPr id="4" name="Content Placeholder 5"/>
+          <p:cNvPicPr>
+            <a:picLocks noChangeAspect="1"/>
+          </p:cNvPicPr>
+          <p:nvPr/>
+        </p:nvPicPr>
+        <p:blipFill rotWithShape="1">
+          <a:blip r:embed="rId2"/>
+          <a:srcRect l="-7" r="62"/>
+          <a:stretch/>
+        </p:blipFill>
+        <p:spPr>
+          <a:xfrm>
+            <a:off x="1654923" y="2056040"/>
+            <a:ext cx="5897546" cy="4428708"/>
+          </a:xfrm>
+          <a:prstGeom prst="rect">
+            <a:avLst/>
+          </a:prstGeom>
+        </p:spPr>
+      </p:pic>
     </p:spTree>
     <p:extLst>
       <p:ext uri="{BB962C8B-B14F-4D97-AF65-F5344CB8AC3E}">
-        <p14:creationId xmlns:p14="http://schemas.microsoft.com/office/powerpoint/2010/main" val="2670437510"/>
+        <p14:creationId xmlns:p14="http://schemas.microsoft.com/office/powerpoint/2010/main" val="2296906849"/>
       </p:ext>
     </p:extLst>
   </p:cSld>
   <p:clrMapOvr>
     <a:masterClrMapping/>
   </p:clrMapOvr>
+  <p:timing>
+    <p:tnLst>
+      <p:par>
+        <p:cTn xmlns:p14="http://schemas.microsoft.com/office/powerpoint/2010/main" id="1" dur="indefinite" restart="never" nodeType="tmRoot"/>
+      </p:par>
+    </p:tnLst>
+  </p:timing>
 </p:sld>
 </file>
 
@@ -10637,6 +10792,13 @@
   <p:clrMapOvr>
     <a:masterClrMapping/>
   </p:clrMapOvr>
+  <p:timing>
+    <p:tnLst>
+      <p:par>
+        <p:cTn xmlns:p14="http://schemas.microsoft.com/office/powerpoint/2010/main" id="1" dur="indefinite" restart="never" nodeType="tmRoot"/>
+      </p:par>
+    </p:tnLst>
+  </p:timing>
 </p:sld>
 </file>
 
@@ -11268,6 +11430,13 @@
   <p:clrMapOvr>
     <a:masterClrMapping/>
   </p:clrMapOvr>
+  <p:timing>
+    <p:tnLst>
+      <p:par>
+        <p:cTn xmlns:p14="http://schemas.microsoft.com/office/powerpoint/2010/main" id="1" dur="indefinite" restart="never" nodeType="tmRoot"/>
+      </p:par>
+    </p:tnLst>
+  </p:timing>
 </p:sld>
 </file>
 
@@ -11522,6 +11691,13 @@
   <p:clrMapOvr>
     <a:masterClrMapping/>
   </p:clrMapOvr>
+  <p:timing>
+    <p:tnLst>
+      <p:par>
+        <p:cTn xmlns:p14="http://schemas.microsoft.com/office/powerpoint/2010/main" id="1" dur="indefinite" restart="never" nodeType="tmRoot"/>
+      </p:par>
+    </p:tnLst>
+  </p:timing>
 </p:sld>
 </file>
 
@@ -11852,6 +12028,13 @@
   <p:clrMapOvr>
     <a:masterClrMapping/>
   </p:clrMapOvr>
+  <p:timing>
+    <p:tnLst>
+      <p:par>
+        <p:cTn xmlns:p14="http://schemas.microsoft.com/office/powerpoint/2010/main" id="1" dur="indefinite" restart="never" nodeType="tmRoot"/>
+      </p:par>
+    </p:tnLst>
+  </p:timing>
 </p:sld>
 </file>
 
@@ -11912,11 +12095,7 @@
           <a:p>
             <a:r>
               <a:rPr lang="en-US" dirty="0" smtClean="0"/>
-              <a:t>Implemented a coevolution GA </a:t>
-            </a:r>
-            <a:r>
-              <a:rPr lang="en-US" dirty="0" smtClean="0"/>
-              <a:t>to model the changes of various alleles as the populations interact.</a:t>
+              <a:t>Implemented a coevolution GA to model the changes of various alleles as the populations interact.</a:t>
             </a:r>
             <a:endParaRPr lang="en-US" dirty="0"/>
           </a:p>
@@ -11962,6 +12141,13 @@
   <p:clrMapOvr>
     <a:masterClrMapping/>
   </p:clrMapOvr>
+  <p:timing>
+    <p:tnLst>
+      <p:par>
+        <p:cTn xmlns:p14="http://schemas.microsoft.com/office/powerpoint/2010/main" id="1" dur="indefinite" restart="never" nodeType="tmRoot"/>
+      </p:par>
+    </p:tnLst>
+  </p:timing>
 </p:sld>
 </file>
 

--- a/presentation.pptx
+++ b/presentation.pptx
@@ -125,7 +125,7 @@
   </p:defaultTextStyle>
   <p:extLst>
     <p:ext uri="{EFAFB233-063F-42B5-8137-9DF3F51BA10A}">
-      <p15:sldGuideLst xmlns:p15="http://schemas.microsoft.com/office/powerpoint/2012/main" xmlns="">
+      <p15:sldGuideLst xmlns="" xmlns:p15="http://schemas.microsoft.com/office/powerpoint/2012/main">
         <p15:guide id="1" orient="horz" pos="2160">
           <p15:clr>
             <a:srgbClr val="A4A3A4"/>
@@ -1265,8 +1265,8 @@
     <dgm:cxn modelId="{29CA56D1-5E4D-4B71-8832-B045B6D5862F}" type="presOf" srcId="{B9A2C1F4-257D-47F0-86AE-D1A6357DBB72}" destId="{C19D2C29-88CE-45D4-ADDC-ECE387AD96E8}" srcOrd="0" destOrd="0" presId="urn:microsoft.com/office/officeart/2005/8/layout/cycle1"/>
     <dgm:cxn modelId="{812FE667-C3CC-4567-A83C-2E4276260583}" type="presOf" srcId="{C8E6336B-7C85-4E02-8971-8B9BCBFEBB6F}" destId="{533DA9A2-BCA5-476C-8680-8E725F4B3C01}" srcOrd="0" destOrd="0" presId="urn:microsoft.com/office/officeart/2005/8/layout/cycle1"/>
     <dgm:cxn modelId="{4E834EB1-B26F-4110-8AB7-58EE6E76788D}" type="presOf" srcId="{FFCA3F44-C45C-4BAD-9F42-C3A4C04186FF}" destId="{619376EC-69ED-40B9-9D05-298B18F9F07D}" srcOrd="0" destOrd="0" presId="urn:microsoft.com/office/officeart/2005/8/layout/cycle1"/>
+    <dgm:cxn modelId="{3B01A016-625D-49F1-94AF-AAF3A021589F}" type="presOf" srcId="{4F95A79E-BA84-4CBA-A6BF-5A7A00BC2FE8}" destId="{2D0D0A25-4D7D-45D3-B1E7-787EA3B04651}" srcOrd="0" destOrd="0" presId="urn:microsoft.com/office/officeart/2005/8/layout/cycle1"/>
     <dgm:cxn modelId="{C9C505EC-3837-4753-B8AC-8BCCAFBA9F53}" srcId="{24478752-F7A4-43E7-8B12-EB9EF4E54054}" destId="{FFCA3F44-C45C-4BAD-9F42-C3A4C04186FF}" srcOrd="3" destOrd="0" parTransId="{348594BB-2ED4-493C-A9D7-8B15400D8079}" sibTransId="{4F95A79E-BA84-4CBA-A6BF-5A7A00BC2FE8}"/>
-    <dgm:cxn modelId="{3B01A016-625D-49F1-94AF-AAF3A021589F}" type="presOf" srcId="{4F95A79E-BA84-4CBA-A6BF-5A7A00BC2FE8}" destId="{2D0D0A25-4D7D-45D3-B1E7-787EA3B04651}" srcOrd="0" destOrd="0" presId="urn:microsoft.com/office/officeart/2005/8/layout/cycle1"/>
     <dgm:cxn modelId="{9203F163-EB80-4EE1-9590-F2B8B0011F54}" srcId="{24478752-F7A4-43E7-8B12-EB9EF4E54054}" destId="{B9A2C1F4-257D-47F0-86AE-D1A6357DBB72}" srcOrd="1" destOrd="0" parTransId="{37E7AB18-7F59-4D1B-8E43-5C62945F0734}" sibTransId="{10935347-7A84-44D2-9C15-90F43F23E306}"/>
     <dgm:cxn modelId="{8ED3D557-5C7D-46D7-AC89-C90BFF34EB93}" type="presOf" srcId="{31B31508-BE24-4482-A7CF-511C32716CBE}" destId="{9015A0BE-CA27-44F3-8905-217050F11F05}" srcOrd="0" destOrd="0" presId="urn:microsoft.com/office/officeart/2005/8/layout/cycle1"/>
     <dgm:cxn modelId="{30408B54-714E-4972-883A-E359592B78B4}" srcId="{24478752-F7A4-43E7-8B12-EB9EF4E54054}" destId="{99C85D52-7F7C-4CAC-888E-C59818E5096F}" srcOrd="0" destOrd="0" parTransId="{954E1A12-F41F-414D-8F1E-6FD7E34B60BA}" sibTransId="{C8E6336B-7C85-4E02-8971-8B9BCBFEBB6F}"/>
@@ -7702,10 +7702,15 @@
             <a:spLocks noGrp="1"/>
           </p:cNvSpPr>
           <p:nvPr>
-            <p:ph idx="1"/>
+            <p:ph sz="half" idx="1"/>
           </p:nvPr>
         </p:nvSpPr>
-        <p:spPr/>
+        <p:spPr>
+          <a:xfrm>
+            <a:off x="685799" y="2209801"/>
+            <a:ext cx="8053007" cy="3188028"/>
+          </a:xfrm>
+        </p:spPr>
         <p:txBody>
           <a:bodyPr numCol="1">
             <a:normAutofit/>
@@ -7721,6 +7726,7 @@
               <a:rPr lang="en-US" dirty="0" smtClean="0"/>
               <a:t>Representation</a:t>
             </a:r>
+            <a:endParaRPr lang="en-US" dirty="0" smtClean="0"/>
           </a:p>
           <a:p>
             <a:pPr lvl="1">
@@ -7815,7 +7821,37 @@
               <a:rPr lang="en-US" sz="1800" dirty="0" err="1" smtClean="0"/>
               <a:t>config</a:t>
             </a:r>
-            <a:endParaRPr lang="en-US" sz="2400" dirty="0" smtClean="0"/>
+            <a:endParaRPr lang="en-US" sz="1800" dirty="0" smtClean="0"/>
+          </a:p>
+        </p:txBody>
+      </p:sp>
+      <p:sp>
+        <p:nvSpPr>
+          <p:cNvPr id="6" name="Content Placeholder 5"/>
+          <p:cNvSpPr>
+            <a:spLocks noGrp="1"/>
+          </p:cNvSpPr>
+          <p:nvPr>
+            <p:ph sz="half" idx="2"/>
+          </p:nvPr>
+        </p:nvSpPr>
+        <p:spPr>
+          <a:xfrm>
+            <a:off x="685799" y="5397829"/>
+            <a:ext cx="7772401" cy="469572"/>
+          </a:xfrm>
+        </p:spPr>
+        <p:txBody>
+          <a:bodyPr>
+            <a:normAutofit/>
+          </a:bodyPr>
+          <a:lstStyle/>
+          <a:p>
+            <a:r>
+              <a:rPr lang="en-US" dirty="0" smtClean="0"/>
+              <a:t>Phylogenic Tree</a:t>
+            </a:r>
+            <a:endParaRPr lang="en-US" dirty="0"/>
           </a:p>
         </p:txBody>
       </p:sp>
@@ -8445,7 +8481,7 @@
                   <a:t>Population fitness – Our reported fitness, the number of living descendants of each parent in the </a:t>
                 </a:r>
                 <a14:m>
-                  <m:oMath xmlns:m="http://schemas.openxmlformats.org/officeDocument/2006/math" xmlns="">
+                  <m:oMath xmlns="" xmlns:m="http://schemas.openxmlformats.org/officeDocument/2006/math">
                     <m:r>
                       <a:rPr lang="en-US" b="0" i="1" smtClean="0">
                         <a:latin typeface="Cambria Math" panose="02040503050406030204" pitchFamily="18" charset="0"/>
@@ -8481,10 +8517,10 @@
               </p:nvPr>
             </p:nvSpPr>
             <p:spPr>
-              <a:blipFill rotWithShape="0">
+              <a:blipFill rotWithShape="1">
                 <a:blip r:embed="rId2"/>
                 <a:stretch>
-                  <a:fillRect l="-1099" t="-1333" r="-628"/>
+                  <a:fillRect/>
                 </a:stretch>
               </a:blipFill>
             </p:spPr>
@@ -8650,158 +8686,85 @@
           </a:p>
         </p:txBody>
       </p:sp>
-      <mc:AlternateContent xmlns:mc="http://schemas.openxmlformats.org/markup-compatibility/2006">
-        <mc:Choice xmlns:a14="http://schemas.microsoft.com/office/drawing/2010/main" Requires="a14">
-          <p:sp>
-            <p:nvSpPr>
-              <p:cNvPr id="3" name="Content Placeholder 2"/>
-              <p:cNvSpPr>
-                <a:spLocks noGrp="1"/>
-              </p:cNvSpPr>
-              <p:nvPr>
-                <p:ph idx="1"/>
-              </p:nvPr>
-            </p:nvSpPr>
-            <p:spPr>
-              <a:xfrm>
-                <a:off x="685800" y="2209801"/>
-                <a:ext cx="7770813" cy="3657599"/>
-              </a:xfrm>
-            </p:spPr>
-            <p:txBody>
-              <a:bodyPr>
-                <a:normAutofit fontScale="92500"/>
-              </a:bodyPr>
-              <a:lstStyle/>
-              <a:p>
-                <a:r>
-                  <a:rPr lang="en-US" dirty="0" smtClean="0"/>
-                  <a:t>Fitness functions</a:t>
-                </a:r>
-              </a:p>
-              <a:p>
-                <a:pPr lvl="1"/>
-                <a14:m/>
-                <a:endParaRPr lang="en-US" b="0" i="1" dirty="0" smtClean="0">
-                  <a:latin typeface="Cambria Math" panose="02040503050406030204" pitchFamily="18" charset="0"/>
-                </a:endParaRPr>
-              </a:p>
-              <a:p>
-                <a:pPr lvl="1"/>
-                <a14:m/>
-                <a:endParaRPr lang="en-US" dirty="0" smtClean="0"/>
-              </a:p>
-              <a:p>
-                <a:pPr lvl="1"/>
-                <a:r>
-                  <a:rPr lang="en-US" dirty="0" smtClean="0"/>
-                  <a:t>Where </a:t>
-                </a:r>
-                <a14:m/>
-                <a:r>
-                  <a:rPr lang="en-US" dirty="0" smtClean="0"/>
-                  <a:t>is the host fitness with resistance genotype </a:t>
-                </a:r>
-                <a14:m/>
-                <a:r>
-                  <a:rPr lang="en-US" dirty="0" smtClean="0"/>
-                  <a:t> and number of deleterious mutations </a:t>
-                </a:r>
-                <a14:m/>
-                <a:r>
-                  <a:rPr lang="en-US" dirty="0" smtClean="0"/>
-                  <a:t>. </a:t>
-                </a:r>
-                <a14:m/>
-                <a:r>
-                  <a:rPr lang="en-US" dirty="0" smtClean="0"/>
-                  <a:t>is the per gene impact of the viability genes, </a:t>
-                </a:r>
-                <a14:m/>
-                <a:r>
-                  <a:rPr lang="en-US" dirty="0" smtClean="0"/>
-                  <a:t>is the cost of a resistance allele, </a:t>
-                </a:r>
-                <a14:m/>
-                <a:r>
-                  <a:rPr lang="en-US" dirty="0" smtClean="0"/>
-                  <a:t> is the number of resistance alleles, </a:t>
-                </a:r>
-                <a14:m/>
-                <a:r>
-                  <a:rPr lang="en-US" dirty="0" smtClean="0"/>
-                  <a:t> is the maximum virulence of the virus.</a:t>
-                </a:r>
-              </a:p>
-              <a:p>
-                <a:pPr lvl="1"/>
-                <a14:m/>
-                <a:r>
-                  <a:rPr lang="en-US" dirty="0" smtClean="0"/>
-                  <a:t> is the fitness of the parasite </a:t>
-                </a:r>
-                <a14:m/>
-                <a:r>
-                  <a:rPr lang="en-US" dirty="0" smtClean="0"/>
-                  <a:t> on host</a:t>
-                </a:r>
-                <a14:m/>
-                <a:r>
-                  <a:rPr lang="en-US" dirty="0" smtClean="0"/>
-                  <a:t>, where </a:t>
-                </a:r>
-                <a14:m/>
-                <a:r>
-                  <a:rPr lang="en-US" dirty="0" smtClean="0"/>
-                  <a:t> is the host of virulence, and </a:t>
-                </a:r>
-                <a14:m/>
-                <a:r>
-                  <a:rPr lang="en-US" dirty="0" smtClean="0"/>
-                  <a:t>is the number of virulence alleles</a:t>
-                </a:r>
-              </a:p>
-            </p:txBody>
-          </p:sp>
-        </mc:Choice>
-        <mc:Fallback>
-          <p:sp>
-            <p:nvSpPr>
-              <p:cNvPr id="3" name="Content Placeholder 2"/>
-              <p:cNvSpPr>
-                <a:spLocks noGrp="1" noRot="1" noChangeAspect="1" noMove="1" noResize="1" noEditPoints="1" noAdjustHandles="1" noChangeArrowheads="1" noChangeShapeType="1" noTextEdit="1"/>
-              </p:cNvSpPr>
-              <p:nvPr>
-                <p:ph idx="1"/>
-              </p:nvPr>
-            </p:nvSpPr>
-            <p:spPr>
-              <a:xfrm>
-                <a:off x="685800" y="2209801"/>
-                <a:ext cx="7770813" cy="3657599"/>
-              </a:xfrm>
-              <a:blipFill rotWithShape="1">
-                <a:blip r:embed="rId2"/>
-                <a:stretch>
-                  <a:fillRect/>
-                </a:stretch>
-              </a:blipFill>
-            </p:spPr>
-            <p:txBody>
-              <a:bodyPr/>
-              <a:lstStyle/>
-              <a:p>
-                <a:r>
-                  <a:rPr lang="en-US">
-                    <a:noFill/>
-                  </a:rPr>
-                  <a:t> </a:t>
-                </a:r>
-              </a:p>
-            </p:txBody>
-          </p:sp>
-        </mc:Fallback>
-      </mc:AlternateContent>
+      <p:sp>
+        <p:nvSpPr>
+          <p:cNvPr id="3" name="Content Placeholder 2"/>
+          <p:cNvSpPr>
+            <a:spLocks noGrp="1"/>
+          </p:cNvSpPr>
+          <p:nvPr>
+            <p:ph idx="1"/>
+          </p:nvPr>
+        </p:nvSpPr>
+        <p:spPr>
+          <a:xfrm>
+            <a:off x="685800" y="2209801"/>
+            <a:ext cx="7770813" cy="3657599"/>
+          </a:xfrm>
+        </p:spPr>
+        <p:txBody>
+          <a:bodyPr>
+            <a:normAutofit lnSpcReduction="10000"/>
+          </a:bodyPr>
+          <a:lstStyle/>
+          <a:p>
+            <a:r>
+              <a:rPr lang="en-US" dirty="0" smtClean="0">
+                <a:latin typeface="Cambria Math"/>
+                <a:cs typeface="Cambria Math"/>
+              </a:rPr>
+              <a:t>Fitness functions</a:t>
+            </a:r>
+          </a:p>
+          <a:p>
+            <a:pPr lvl="1"/>
+            <a:endParaRPr lang="en-US" b="0" i="1" dirty="0" smtClean="0">
+              <a:latin typeface="Cambria Math"/>
+              <a:cs typeface="Cambria Math"/>
+            </a:endParaRPr>
+          </a:p>
+          <a:p>
+            <a:pPr lvl="1"/>
+            <a:endParaRPr lang="en-US" dirty="0" smtClean="0">
+              <a:latin typeface="Cambria Math"/>
+              <a:cs typeface="Cambria Math"/>
+            </a:endParaRPr>
+          </a:p>
+          <a:p>
+            <a:pPr lvl="1"/>
+            <a:r>
+              <a:rPr lang="en-US" dirty="0" smtClean="0">
+                <a:latin typeface="Cambria Math"/>
+                <a:cs typeface="Cambria Math"/>
+              </a:rPr>
+              <a:t>Where is the host fitness with resistance genotype  and </a:t>
+            </a:r>
+            <a:r>
+              <a:rPr lang="en-US" dirty="0" smtClean="0">
+                <a:cs typeface="Cambria Math"/>
+              </a:rPr>
+              <a:t>number</a:t>
+            </a:r>
+            <a:r>
+              <a:rPr lang="en-US" dirty="0" smtClean="0">
+                <a:latin typeface="Cambria Math"/>
+                <a:cs typeface="Cambria Math"/>
+              </a:rPr>
+              <a:t> of deleterious mutations . is the per gene impact of the viability genes, is the cost of a resistance allele,  is the number of resistance alleles,  is the maximum virulence of the virus.</a:t>
+            </a:r>
+          </a:p>
+          <a:p>
+            <a:pPr lvl="1"/>
+            <a:r>
+              <a:rPr lang="en-US" dirty="0" smtClean="0">
+                <a:latin typeface="Cambria Math"/>
+                <a:cs typeface="Cambria Math"/>
+              </a:rPr>
+              <a:t> is the fitness of the parasite  on host, where  is the host of virulence, and is the number of virulence alleles</a:t>
+            </a:r>
+          </a:p>
+        </p:txBody>
+      </p:sp>
       <p:grpSp>
         <p:nvGrpSpPr>
           <p:cNvPr id="10" name="Group 9"/>
@@ -8825,7 +8788,7 @@
             <p:nvPr/>
           </p:nvPicPr>
           <p:blipFill>
-            <a:blip r:embed="rId3"/>
+            <a:blip r:embed="rId2"/>
             <a:stretch>
               <a:fillRect/>
             </a:stretch>
@@ -8849,7 +8812,7 @@
             <p:nvPr/>
           </p:nvPicPr>
           <p:blipFill>
-            <a:blip r:embed="rId3"/>
+            <a:blip r:embed="rId2"/>
             <a:stretch>
               <a:fillRect/>
             </a:stretch>
@@ -8873,7 +8836,7 @@
             <p:nvPr/>
           </p:nvPicPr>
           <p:blipFill>
-            <a:blip r:embed="rId4"/>
+            <a:blip r:embed="rId3"/>
             <a:stretch>
               <a:fillRect/>
             </a:stretch>
@@ -9624,36 +9587,23 @@
               <a:rPr lang="en-US" dirty="0" smtClean="0"/>
               <a:t>Can we actually replicate their results?</a:t>
             </a:r>
-            <a:endParaRPr lang="en-US" dirty="0" smtClean="0"/>
           </a:p>
           <a:p>
             <a:r>
               <a:rPr lang="en-US" dirty="0" smtClean="0"/>
-              <a:t>Allow </a:t>
-            </a:r>
+              <a:t>Allow mutation evolution in both populations</a:t>
+            </a:r>
+          </a:p>
+          <a:p>
             <a:r>
               <a:rPr lang="en-US" dirty="0" smtClean="0"/>
-              <a:t>mutation evolution in both populations</a:t>
+              <a:t>Wider variety of mutation rates</a:t>
             </a:r>
           </a:p>
           <a:p>
             <a:r>
               <a:rPr lang="en-US" dirty="0" smtClean="0"/>
-              <a:t>Wider </a:t>
-            </a:r>
-            <a:r>
-              <a:rPr lang="en-US" dirty="0" smtClean="0"/>
-              <a:t>variety of mutation rates</a:t>
-            </a:r>
-          </a:p>
-          <a:p>
-            <a:r>
-              <a:rPr lang="en-US" dirty="0" smtClean="0"/>
-              <a:t>How does sampling bacteria methods affect evolution</a:t>
-            </a:r>
-            <a:r>
-              <a:rPr lang="en-US" dirty="0" smtClean="0"/>
-              <a:t>?</a:t>
+              <a:t>How does sampling bacteria methods affect evolution?</a:t>
             </a:r>
           </a:p>
           <a:p>
@@ -12095,7 +12045,11 @@
           <a:p>
             <a:r>
               <a:rPr lang="en-US" dirty="0" smtClean="0"/>
-              <a:t>Implemented a coevolution GA to model the changes of various alleles as the populations interact.</a:t>
+              <a:t>(Mostly) implemented </a:t>
+            </a:r>
+            <a:r>
+              <a:rPr lang="en-US" dirty="0" smtClean="0"/>
+              <a:t>a coevolution GA to model the changes of various alleles as the populations interact.</a:t>
             </a:r>
             <a:endParaRPr lang="en-US" dirty="0"/>
           </a:p>

--- a/presentation.pptx
+++ b/presentation.pptx
@@ -125,7 +125,7 @@
   </p:defaultTextStyle>
   <p:extLst>
     <p:ext uri="{EFAFB233-063F-42B5-8137-9DF3F51BA10A}">
-      <p15:sldGuideLst xmlns="" xmlns:p15="http://schemas.microsoft.com/office/powerpoint/2012/main">
+      <p15:sldGuideLst xmlns:p15="http://schemas.microsoft.com/office/powerpoint/2012/main">
         <p15:guide id="1" orient="horz" pos="2160">
           <p15:clr>
             <a:srgbClr val="A4A3A4"/>
@@ -1344,12 +1344,12 @@
         <a:fontRef idx="minor"/>
       </dsp:style>
       <dsp:txBody>
-        <a:bodyPr spcFirstLastPara="0" vert="horz" wrap="square" lIns="21590" tIns="21590" rIns="21590" bIns="21590" numCol="1" spcCol="1270" anchor="ctr" anchorCtr="0">
+        <a:bodyPr spcFirstLastPara="0" vert="horz" wrap="square" lIns="19050" tIns="19050" rIns="19050" bIns="19050" numCol="1" spcCol="1270" anchor="ctr" anchorCtr="0">
           <a:noAutofit/>
         </a:bodyPr>
         <a:lstStyle/>
         <a:p>
-          <a:pPr lvl="0" algn="ctr" defTabSz="755650">
+          <a:pPr lvl="0" algn="ctr" defTabSz="666750">
             <a:lnSpc>
               <a:spcPct val="90000"/>
             </a:lnSpc>
@@ -1361,10 +1361,10 @@
             </a:spcAft>
           </a:pPr>
           <a:r>
-            <a:rPr lang="en-US" sz="1700" kern="1200" dirty="0" smtClean="0"/>
+            <a:rPr lang="en-US" sz="1500" kern="1200" dirty="0" smtClean="0"/>
             <a:t>Select &amp;  Infect</a:t>
           </a:r>
-          <a:endParaRPr lang="en-US" sz="1700" kern="1200" dirty="0"/>
+          <a:endParaRPr lang="en-US" sz="1500" kern="1200" dirty="0"/>
         </a:p>
       </dsp:txBody>
       <dsp:txXfrm>
@@ -1459,12 +1459,12 @@
         <a:fontRef idx="minor"/>
       </dsp:style>
       <dsp:txBody>
-        <a:bodyPr spcFirstLastPara="0" vert="horz" wrap="square" lIns="21590" tIns="21590" rIns="21590" bIns="21590" numCol="1" spcCol="1270" anchor="ctr" anchorCtr="0">
+        <a:bodyPr spcFirstLastPara="0" vert="horz" wrap="square" lIns="19050" tIns="19050" rIns="19050" bIns="19050" numCol="1" spcCol="1270" anchor="ctr" anchorCtr="0">
           <a:noAutofit/>
         </a:bodyPr>
         <a:lstStyle/>
         <a:p>
-          <a:pPr lvl="0" algn="ctr" defTabSz="755650">
+          <a:pPr lvl="0" algn="ctr" defTabSz="666750">
             <a:lnSpc>
               <a:spcPct val="90000"/>
             </a:lnSpc>
@@ -1476,10 +1476,10 @@
             </a:spcAft>
           </a:pPr>
           <a:r>
-            <a:rPr lang="en-US" sz="1700" kern="1200" dirty="0" smtClean="0"/>
+            <a:rPr lang="en-US" sz="1500" kern="1200" dirty="0" smtClean="0"/>
             <a:t>Evaluate individual Fitness</a:t>
           </a:r>
-          <a:endParaRPr lang="en-US" sz="1700" kern="1200" dirty="0"/>
+          <a:endParaRPr lang="en-US" sz="1500" kern="1200" dirty="0"/>
         </a:p>
       </dsp:txBody>
       <dsp:txXfrm>
@@ -1574,12 +1574,12 @@
         <a:fontRef idx="minor"/>
       </dsp:style>
       <dsp:txBody>
-        <a:bodyPr spcFirstLastPara="0" vert="horz" wrap="square" lIns="21590" tIns="21590" rIns="21590" bIns="21590" numCol="1" spcCol="1270" anchor="ctr" anchorCtr="0">
+        <a:bodyPr spcFirstLastPara="0" vert="horz" wrap="square" lIns="19050" tIns="19050" rIns="19050" bIns="19050" numCol="1" spcCol="1270" anchor="ctr" anchorCtr="0">
           <a:noAutofit/>
         </a:bodyPr>
         <a:lstStyle/>
         <a:p>
-          <a:pPr lvl="0" algn="ctr" defTabSz="755650">
+          <a:pPr lvl="0" algn="ctr" defTabSz="666750">
             <a:lnSpc>
               <a:spcPct val="90000"/>
             </a:lnSpc>
@@ -1591,12 +1591,12 @@
             </a:spcAft>
           </a:pPr>
           <a:r>
-            <a:rPr lang="en-US" sz="1700" kern="1200" dirty="0" smtClean="0"/>
+            <a:rPr lang="en-US" sz="1500" kern="1200" dirty="0" smtClean="0"/>
             <a:t>Create offspring</a:t>
           </a:r>
         </a:p>
         <a:p>
-          <a:pPr lvl="0" algn="ctr" defTabSz="755650">
+          <a:pPr lvl="0" algn="ctr" defTabSz="666750">
             <a:lnSpc>
               <a:spcPct val="90000"/>
             </a:lnSpc>
@@ -1608,10 +1608,10 @@
             </a:spcAft>
           </a:pPr>
           <a:r>
-            <a:rPr lang="en-US" sz="1700" kern="1200" dirty="0" smtClean="0"/>
+            <a:rPr lang="en-US" sz="1500" kern="1200" dirty="0" smtClean="0"/>
             <a:t>Parents die</a:t>
           </a:r>
-          <a:endParaRPr lang="en-US" sz="1700" kern="1200" dirty="0"/>
+          <a:endParaRPr lang="en-US" sz="1500" kern="1200" dirty="0"/>
         </a:p>
       </dsp:txBody>
       <dsp:txXfrm>
@@ -1706,12 +1706,12 @@
         <a:fontRef idx="minor"/>
       </dsp:style>
       <dsp:txBody>
-        <a:bodyPr spcFirstLastPara="0" vert="horz" wrap="square" lIns="21590" tIns="21590" rIns="21590" bIns="21590" numCol="1" spcCol="1270" anchor="ctr" anchorCtr="0">
+        <a:bodyPr spcFirstLastPara="0" vert="horz" wrap="square" lIns="19050" tIns="19050" rIns="19050" bIns="19050" numCol="1" spcCol="1270" anchor="ctr" anchorCtr="0">
           <a:noAutofit/>
         </a:bodyPr>
         <a:lstStyle/>
         <a:p>
-          <a:pPr lvl="0" algn="ctr" defTabSz="755650">
+          <a:pPr lvl="0" algn="ctr" defTabSz="666750">
             <a:lnSpc>
               <a:spcPct val="90000"/>
             </a:lnSpc>
@@ -1723,10 +1723,10 @@
             </a:spcAft>
           </a:pPr>
           <a:r>
-            <a:rPr lang="en-US" sz="1700" kern="1200" dirty="0" smtClean="0"/>
+            <a:rPr lang="en-US" sz="1500" kern="1200" dirty="0" smtClean="0"/>
             <a:t>Mutate</a:t>
           </a:r>
-          <a:endParaRPr lang="en-US" sz="1700" kern="1200" dirty="0"/>
+          <a:endParaRPr lang="en-US" sz="1500" kern="1200" dirty="0"/>
         </a:p>
       </dsp:txBody>
       <dsp:txXfrm>
@@ -1821,12 +1821,12 @@
         <a:fontRef idx="minor"/>
       </dsp:style>
       <dsp:txBody>
-        <a:bodyPr spcFirstLastPara="0" vert="horz" wrap="square" lIns="21590" tIns="21590" rIns="21590" bIns="21590" numCol="1" spcCol="1270" anchor="ctr" anchorCtr="0">
+        <a:bodyPr spcFirstLastPara="0" vert="horz" wrap="square" lIns="19050" tIns="19050" rIns="19050" bIns="19050" numCol="1" spcCol="1270" anchor="ctr" anchorCtr="0">
           <a:noAutofit/>
         </a:bodyPr>
         <a:lstStyle/>
         <a:p>
-          <a:pPr lvl="0" algn="ctr" defTabSz="755650">
+          <a:pPr lvl="0" algn="ctr" defTabSz="666750">
             <a:lnSpc>
               <a:spcPct val="90000"/>
             </a:lnSpc>
@@ -1838,10 +1838,10 @@
             </a:spcAft>
           </a:pPr>
           <a:r>
-            <a:rPr lang="en-US" sz="1700" kern="1200" dirty="0" smtClean="0"/>
+            <a:rPr lang="en-US" sz="1500" kern="1200" dirty="0" smtClean="0"/>
             <a:t>Evaluate Population Fitness/Cull</a:t>
           </a:r>
-          <a:endParaRPr lang="en-US" sz="1700" kern="1200" dirty="0"/>
+          <a:endParaRPr lang="en-US" sz="1500" kern="1200" dirty="0"/>
         </a:p>
       </dsp:txBody>
       <dsp:txXfrm>
@@ -3222,7 +3222,7 @@
           <a:p>
             <a:fld id="{44201544-D0D1-5B41-A16A-F722EC0150C2}" type="datetimeFigureOut">
               <a:rPr lang="en-US" smtClean="0"/>
-              <a:t>6/6/15</a:t>
+              <a:t>6/6/2015</a:t>
             </a:fld>
             <a:endParaRPr lang="en-US"/>
           </a:p>
@@ -3534,55 +3534,11 @@
           <a:bodyPr/>
           <a:lstStyle/>
           <a:p>
-            <a:pPr marL="342900" indent="-342900">
-              <a:buFont typeface="+mj-lt"/>
-              <a:buAutoNum type="arabicPeriod"/>
-            </a:pPr>
-            <a:r>
-              <a:rPr lang="en-US" dirty="0" smtClean="0"/>
-              <a:t> The virus injects genetic material (RNA or DNA) into the host.</a:t>
-            </a:r>
-          </a:p>
-          <a:p>
-            <a:pPr marL="800100" lvl="1" indent="-342900">
-              <a:buFont typeface="Arial" panose="020B0604020202020204" pitchFamily="34" charset="0"/>
-              <a:buChar char="•"/>
-            </a:pPr>
-            <a:r>
-              <a:rPr lang="en-US" dirty="0" smtClean="0"/>
-              <a:t>This can be incorporated into the host to silently replicate, but we are not </a:t>
-            </a:r>
-            <a:r>
-              <a:rPr lang="en-US" dirty="0" err="1" smtClean="0"/>
-              <a:t>modelling</a:t>
-            </a:r>
-            <a:r>
-              <a:rPr lang="en-US" dirty="0" smtClean="0"/>
-              <a:t> it.</a:t>
-            </a:r>
-          </a:p>
-          <a:p>
-            <a:pPr marL="342900" indent="-342900">
-              <a:buFont typeface="+mj-lt"/>
-              <a:buAutoNum type="arabicPeriod"/>
-            </a:pPr>
-            <a:r>
-              <a:rPr lang="en-US" dirty="0" smtClean="0"/>
-              <a:t> The genetic material is used to take over the host’s replication machinery and create viral genetic material and proteins.</a:t>
-            </a:r>
-          </a:p>
-          <a:p>
-            <a:pPr marL="342900" indent="-342900">
-              <a:buFont typeface="+mj-lt"/>
-              <a:buAutoNum type="arabicPeriod"/>
-            </a:pPr>
-            <a:r>
-              <a:rPr lang="en-US" dirty="0" smtClean="0"/>
-              <a:t>These are assembled into viruses and the cell is lysed to release them.</a:t>
-            </a:r>
-          </a:p>
-          <a:p>
-            <a:endParaRPr lang="en-US" dirty="0"/>
+            <a:r>
+              <a:rPr lang="en-US" smtClean="0"/>
+              <a:t>Liz</a:t>
+            </a:r>
+            <a:endParaRPr lang="en-US"/>
           </a:p>
         </p:txBody>
       </p:sp>
@@ -3603,7 +3559,7 @@
           <a:p>
             <a:fld id="{A5403194-167F-AC44-900D-A8D876675B66}" type="slidenum">
               <a:rPr lang="en-US" smtClean="0"/>
-              <a:t>3</a:t>
+              <a:t>1</a:t>
             </a:fld>
             <a:endParaRPr lang="en-US"/>
           </a:p>
@@ -3612,7 +3568,623 @@
     </p:spTree>
     <p:extLst>
       <p:ext uri="{BB962C8B-B14F-4D97-AF65-F5344CB8AC3E}">
-        <p14:creationId xmlns:p14="http://schemas.microsoft.com/office/powerpoint/2010/main" val="1497919997"/>
+        <p14:creationId xmlns:p14="http://schemas.microsoft.com/office/powerpoint/2010/main" val="4241179244"/>
+      </p:ext>
+    </p:extLst>
+  </p:cSld>
+  <p:clrMapOvr>
+    <a:masterClrMapping/>
+  </p:clrMapOvr>
+</p:notes>
+</file>
+
+<file path=ppt/notesSlides/notesSlide10.xml><?xml version="1.0" encoding="utf-8"?>
+<p:notes xmlns:a="http://schemas.openxmlformats.org/drawingml/2006/main" xmlns:r="http://schemas.openxmlformats.org/officeDocument/2006/relationships" xmlns:p="http://schemas.openxmlformats.org/presentationml/2006/main">
+  <p:cSld>
+    <p:spTree>
+      <p:nvGrpSpPr>
+        <p:cNvPr id="1" name=""/>
+        <p:cNvGrpSpPr/>
+        <p:nvPr/>
+      </p:nvGrpSpPr>
+      <p:grpSpPr>
+        <a:xfrm>
+          <a:off x="0" y="0"/>
+          <a:ext cx="0" cy="0"/>
+          <a:chOff x="0" y="0"/>
+          <a:chExt cx="0" cy="0"/>
+        </a:xfrm>
+      </p:grpSpPr>
+      <p:sp>
+        <p:nvSpPr>
+          <p:cNvPr id="2" name="Slide Image Placeholder 1"/>
+          <p:cNvSpPr>
+            <a:spLocks noGrp="1" noRot="1" noChangeAspect="1"/>
+          </p:cNvSpPr>
+          <p:nvPr>
+            <p:ph type="sldImg"/>
+          </p:nvPr>
+        </p:nvSpPr>
+        <p:spPr/>
+      </p:sp>
+      <p:sp>
+        <p:nvSpPr>
+          <p:cNvPr id="3" name="Notes Placeholder 2"/>
+          <p:cNvSpPr>
+            <a:spLocks noGrp="1"/>
+          </p:cNvSpPr>
+          <p:nvPr>
+            <p:ph type="body" idx="1"/>
+          </p:nvPr>
+        </p:nvSpPr>
+        <p:spPr/>
+        <p:txBody>
+          <a:bodyPr/>
+          <a:lstStyle/>
+          <a:p>
+            <a:r>
+              <a:rPr lang="en-US" dirty="0" smtClean="0"/>
+              <a:t>Sammy</a:t>
+            </a:r>
+            <a:endParaRPr lang="en-US" dirty="0"/>
+          </a:p>
+        </p:txBody>
+      </p:sp>
+      <p:sp>
+        <p:nvSpPr>
+          <p:cNvPr id="4" name="Slide Number Placeholder 3"/>
+          <p:cNvSpPr>
+            <a:spLocks noGrp="1"/>
+          </p:cNvSpPr>
+          <p:nvPr>
+            <p:ph type="sldNum" sz="quarter" idx="10"/>
+          </p:nvPr>
+        </p:nvSpPr>
+        <p:spPr/>
+        <p:txBody>
+          <a:bodyPr/>
+          <a:lstStyle/>
+          <a:p>
+            <a:fld id="{A5403194-167F-AC44-900D-A8D876675B66}" type="slidenum">
+              <a:rPr lang="en-US" smtClean="0"/>
+              <a:t>10</a:t>
+            </a:fld>
+            <a:endParaRPr lang="en-US"/>
+          </a:p>
+        </p:txBody>
+      </p:sp>
+    </p:spTree>
+    <p:extLst>
+      <p:ext uri="{BB962C8B-B14F-4D97-AF65-F5344CB8AC3E}">
+        <p14:creationId xmlns:p14="http://schemas.microsoft.com/office/powerpoint/2010/main" val="3140315170"/>
+      </p:ext>
+    </p:extLst>
+  </p:cSld>
+  <p:clrMapOvr>
+    <a:masterClrMapping/>
+  </p:clrMapOvr>
+</p:notes>
+</file>
+
+<file path=ppt/notesSlides/notesSlide11.xml><?xml version="1.0" encoding="utf-8"?>
+<p:notes xmlns:a="http://schemas.openxmlformats.org/drawingml/2006/main" xmlns:r="http://schemas.openxmlformats.org/officeDocument/2006/relationships" xmlns:p="http://schemas.openxmlformats.org/presentationml/2006/main">
+  <p:cSld>
+    <p:spTree>
+      <p:nvGrpSpPr>
+        <p:cNvPr id="1" name=""/>
+        <p:cNvGrpSpPr/>
+        <p:nvPr/>
+      </p:nvGrpSpPr>
+      <p:grpSpPr>
+        <a:xfrm>
+          <a:off x="0" y="0"/>
+          <a:ext cx="0" cy="0"/>
+          <a:chOff x="0" y="0"/>
+          <a:chExt cx="0" cy="0"/>
+        </a:xfrm>
+      </p:grpSpPr>
+      <p:sp>
+        <p:nvSpPr>
+          <p:cNvPr id="2" name="Slide Image Placeholder 1"/>
+          <p:cNvSpPr>
+            <a:spLocks noGrp="1" noRot="1" noChangeAspect="1"/>
+          </p:cNvSpPr>
+          <p:nvPr>
+            <p:ph type="sldImg"/>
+          </p:nvPr>
+        </p:nvSpPr>
+        <p:spPr/>
+      </p:sp>
+      <p:sp>
+        <p:nvSpPr>
+          <p:cNvPr id="3" name="Notes Placeholder 2"/>
+          <p:cNvSpPr>
+            <a:spLocks noGrp="1"/>
+          </p:cNvSpPr>
+          <p:nvPr>
+            <p:ph type="body" idx="1"/>
+          </p:nvPr>
+        </p:nvSpPr>
+        <p:spPr/>
+        <p:txBody>
+          <a:bodyPr/>
+          <a:lstStyle/>
+          <a:p>
+            <a:r>
+              <a:rPr lang="en-US" dirty="0" smtClean="0"/>
+              <a:t>Sammy</a:t>
+            </a:r>
+            <a:endParaRPr lang="en-US" dirty="0"/>
+          </a:p>
+        </p:txBody>
+      </p:sp>
+      <p:sp>
+        <p:nvSpPr>
+          <p:cNvPr id="4" name="Slide Number Placeholder 3"/>
+          <p:cNvSpPr>
+            <a:spLocks noGrp="1"/>
+          </p:cNvSpPr>
+          <p:nvPr>
+            <p:ph type="sldNum" sz="quarter" idx="10"/>
+          </p:nvPr>
+        </p:nvSpPr>
+        <p:spPr/>
+        <p:txBody>
+          <a:bodyPr/>
+          <a:lstStyle/>
+          <a:p>
+            <a:fld id="{A5403194-167F-AC44-900D-A8D876675B66}" type="slidenum">
+              <a:rPr lang="en-US" smtClean="0"/>
+              <a:t>11</a:t>
+            </a:fld>
+            <a:endParaRPr lang="en-US"/>
+          </a:p>
+        </p:txBody>
+      </p:sp>
+    </p:spTree>
+    <p:extLst>
+      <p:ext uri="{BB962C8B-B14F-4D97-AF65-F5344CB8AC3E}">
+        <p14:creationId xmlns:p14="http://schemas.microsoft.com/office/powerpoint/2010/main" val="1033725625"/>
+      </p:ext>
+    </p:extLst>
+  </p:cSld>
+  <p:clrMapOvr>
+    <a:masterClrMapping/>
+  </p:clrMapOvr>
+</p:notes>
+</file>
+
+<file path=ppt/notesSlides/notesSlide12.xml><?xml version="1.0" encoding="utf-8"?>
+<p:notes xmlns:a="http://schemas.openxmlformats.org/drawingml/2006/main" xmlns:r="http://schemas.openxmlformats.org/officeDocument/2006/relationships" xmlns:p="http://schemas.openxmlformats.org/presentationml/2006/main">
+  <p:cSld>
+    <p:spTree>
+      <p:nvGrpSpPr>
+        <p:cNvPr id="1" name=""/>
+        <p:cNvGrpSpPr/>
+        <p:nvPr/>
+      </p:nvGrpSpPr>
+      <p:grpSpPr>
+        <a:xfrm>
+          <a:off x="0" y="0"/>
+          <a:ext cx="0" cy="0"/>
+          <a:chOff x="0" y="0"/>
+          <a:chExt cx="0" cy="0"/>
+        </a:xfrm>
+      </p:grpSpPr>
+      <p:sp>
+        <p:nvSpPr>
+          <p:cNvPr id="2" name="Slide Image Placeholder 1"/>
+          <p:cNvSpPr>
+            <a:spLocks noGrp="1" noRot="1" noChangeAspect="1"/>
+          </p:cNvSpPr>
+          <p:nvPr>
+            <p:ph type="sldImg"/>
+          </p:nvPr>
+        </p:nvSpPr>
+        <p:spPr/>
+      </p:sp>
+      <p:sp>
+        <p:nvSpPr>
+          <p:cNvPr id="3" name="Notes Placeholder 2"/>
+          <p:cNvSpPr>
+            <a:spLocks noGrp="1"/>
+          </p:cNvSpPr>
+          <p:nvPr>
+            <p:ph type="body" idx="1"/>
+          </p:nvPr>
+        </p:nvSpPr>
+        <p:spPr/>
+        <p:txBody>
+          <a:bodyPr/>
+          <a:lstStyle/>
+          <a:p>
+            <a:r>
+              <a:rPr lang="en-US" dirty="0" smtClean="0"/>
+              <a:t>Sammy</a:t>
+            </a:r>
+            <a:endParaRPr lang="en-US" dirty="0"/>
+          </a:p>
+        </p:txBody>
+      </p:sp>
+      <p:sp>
+        <p:nvSpPr>
+          <p:cNvPr id="4" name="Slide Number Placeholder 3"/>
+          <p:cNvSpPr>
+            <a:spLocks noGrp="1"/>
+          </p:cNvSpPr>
+          <p:nvPr>
+            <p:ph type="sldNum" sz="quarter" idx="10"/>
+          </p:nvPr>
+        </p:nvSpPr>
+        <p:spPr/>
+        <p:txBody>
+          <a:bodyPr/>
+          <a:lstStyle/>
+          <a:p>
+            <a:fld id="{A5403194-167F-AC44-900D-A8D876675B66}" type="slidenum">
+              <a:rPr lang="en-US" smtClean="0"/>
+              <a:t>12</a:t>
+            </a:fld>
+            <a:endParaRPr lang="en-US"/>
+          </a:p>
+        </p:txBody>
+      </p:sp>
+    </p:spTree>
+    <p:extLst>
+      <p:ext uri="{BB962C8B-B14F-4D97-AF65-F5344CB8AC3E}">
+        <p14:creationId xmlns:p14="http://schemas.microsoft.com/office/powerpoint/2010/main" val="2658414796"/>
+      </p:ext>
+    </p:extLst>
+  </p:cSld>
+  <p:clrMapOvr>
+    <a:masterClrMapping/>
+  </p:clrMapOvr>
+</p:notes>
+</file>
+
+<file path=ppt/notesSlides/notesSlide13.xml><?xml version="1.0" encoding="utf-8"?>
+<p:notes xmlns:a="http://schemas.openxmlformats.org/drawingml/2006/main" xmlns:r="http://schemas.openxmlformats.org/officeDocument/2006/relationships" xmlns:p="http://schemas.openxmlformats.org/presentationml/2006/main">
+  <p:cSld>
+    <p:spTree>
+      <p:nvGrpSpPr>
+        <p:cNvPr id="1" name=""/>
+        <p:cNvGrpSpPr/>
+        <p:nvPr/>
+      </p:nvGrpSpPr>
+      <p:grpSpPr>
+        <a:xfrm>
+          <a:off x="0" y="0"/>
+          <a:ext cx="0" cy="0"/>
+          <a:chOff x="0" y="0"/>
+          <a:chExt cx="0" cy="0"/>
+        </a:xfrm>
+      </p:grpSpPr>
+      <p:sp>
+        <p:nvSpPr>
+          <p:cNvPr id="2" name="Slide Image Placeholder 1"/>
+          <p:cNvSpPr>
+            <a:spLocks noGrp="1" noRot="1" noChangeAspect="1"/>
+          </p:cNvSpPr>
+          <p:nvPr>
+            <p:ph type="sldImg"/>
+          </p:nvPr>
+        </p:nvSpPr>
+        <p:spPr/>
+      </p:sp>
+      <p:sp>
+        <p:nvSpPr>
+          <p:cNvPr id="3" name="Notes Placeholder 2"/>
+          <p:cNvSpPr>
+            <a:spLocks noGrp="1"/>
+          </p:cNvSpPr>
+          <p:nvPr>
+            <p:ph type="body" idx="1"/>
+          </p:nvPr>
+        </p:nvSpPr>
+        <p:spPr/>
+        <p:txBody>
+          <a:bodyPr/>
+          <a:lstStyle/>
+          <a:p>
+            <a:r>
+              <a:rPr lang="en-US" dirty="0" smtClean="0"/>
+              <a:t>Sammy</a:t>
+            </a:r>
+            <a:endParaRPr lang="en-US" dirty="0"/>
+          </a:p>
+        </p:txBody>
+      </p:sp>
+      <p:sp>
+        <p:nvSpPr>
+          <p:cNvPr id="4" name="Slide Number Placeholder 3"/>
+          <p:cNvSpPr>
+            <a:spLocks noGrp="1"/>
+          </p:cNvSpPr>
+          <p:nvPr>
+            <p:ph type="sldNum" sz="quarter" idx="10"/>
+          </p:nvPr>
+        </p:nvSpPr>
+        <p:spPr/>
+        <p:txBody>
+          <a:bodyPr/>
+          <a:lstStyle/>
+          <a:p>
+            <a:fld id="{A5403194-167F-AC44-900D-A8D876675B66}" type="slidenum">
+              <a:rPr lang="en-US" smtClean="0"/>
+              <a:t>13</a:t>
+            </a:fld>
+            <a:endParaRPr lang="en-US"/>
+          </a:p>
+        </p:txBody>
+      </p:sp>
+    </p:spTree>
+    <p:extLst>
+      <p:ext uri="{BB962C8B-B14F-4D97-AF65-F5344CB8AC3E}">
+        <p14:creationId xmlns:p14="http://schemas.microsoft.com/office/powerpoint/2010/main" val="3198622328"/>
+      </p:ext>
+    </p:extLst>
+  </p:cSld>
+  <p:clrMapOvr>
+    <a:masterClrMapping/>
+  </p:clrMapOvr>
+</p:notes>
+</file>
+
+<file path=ppt/notesSlides/notesSlide14.xml><?xml version="1.0" encoding="utf-8"?>
+<p:notes xmlns:a="http://schemas.openxmlformats.org/drawingml/2006/main" xmlns:r="http://schemas.openxmlformats.org/officeDocument/2006/relationships" xmlns:p="http://schemas.openxmlformats.org/presentationml/2006/main">
+  <p:cSld>
+    <p:spTree>
+      <p:nvGrpSpPr>
+        <p:cNvPr id="1" name=""/>
+        <p:cNvGrpSpPr/>
+        <p:nvPr/>
+      </p:nvGrpSpPr>
+      <p:grpSpPr>
+        <a:xfrm>
+          <a:off x="0" y="0"/>
+          <a:ext cx="0" cy="0"/>
+          <a:chOff x="0" y="0"/>
+          <a:chExt cx="0" cy="0"/>
+        </a:xfrm>
+      </p:grpSpPr>
+      <p:sp>
+        <p:nvSpPr>
+          <p:cNvPr id="2" name="Slide Image Placeholder 1"/>
+          <p:cNvSpPr>
+            <a:spLocks noGrp="1" noRot="1" noChangeAspect="1"/>
+          </p:cNvSpPr>
+          <p:nvPr>
+            <p:ph type="sldImg"/>
+          </p:nvPr>
+        </p:nvSpPr>
+        <p:spPr/>
+      </p:sp>
+      <p:sp>
+        <p:nvSpPr>
+          <p:cNvPr id="3" name="Notes Placeholder 2"/>
+          <p:cNvSpPr>
+            <a:spLocks noGrp="1"/>
+          </p:cNvSpPr>
+          <p:nvPr>
+            <p:ph type="body" idx="1"/>
+          </p:nvPr>
+        </p:nvSpPr>
+        <p:spPr/>
+        <p:txBody>
+          <a:bodyPr/>
+          <a:lstStyle/>
+          <a:p>
+            <a:r>
+              <a:rPr lang="en-US" dirty="0" smtClean="0"/>
+              <a:t>Sammy</a:t>
+            </a:r>
+            <a:endParaRPr lang="en-US" dirty="0"/>
+          </a:p>
+        </p:txBody>
+      </p:sp>
+      <p:sp>
+        <p:nvSpPr>
+          <p:cNvPr id="4" name="Slide Number Placeholder 3"/>
+          <p:cNvSpPr>
+            <a:spLocks noGrp="1"/>
+          </p:cNvSpPr>
+          <p:nvPr>
+            <p:ph type="sldNum" sz="quarter" idx="10"/>
+          </p:nvPr>
+        </p:nvSpPr>
+        <p:spPr/>
+        <p:txBody>
+          <a:bodyPr/>
+          <a:lstStyle/>
+          <a:p>
+            <a:fld id="{A5403194-167F-AC44-900D-A8D876675B66}" type="slidenum">
+              <a:rPr lang="en-US" smtClean="0"/>
+              <a:t>14</a:t>
+            </a:fld>
+            <a:endParaRPr lang="en-US"/>
+          </a:p>
+        </p:txBody>
+      </p:sp>
+    </p:spTree>
+    <p:extLst>
+      <p:ext uri="{BB962C8B-B14F-4D97-AF65-F5344CB8AC3E}">
+        <p14:creationId xmlns:p14="http://schemas.microsoft.com/office/powerpoint/2010/main" val="2870928923"/>
+      </p:ext>
+    </p:extLst>
+  </p:cSld>
+  <p:clrMapOvr>
+    <a:masterClrMapping/>
+  </p:clrMapOvr>
+</p:notes>
+</file>
+
+<file path=ppt/notesSlides/notesSlide15.xml><?xml version="1.0" encoding="utf-8"?>
+<p:notes xmlns:a="http://schemas.openxmlformats.org/drawingml/2006/main" xmlns:r="http://schemas.openxmlformats.org/officeDocument/2006/relationships" xmlns:p="http://schemas.openxmlformats.org/presentationml/2006/main">
+  <p:cSld>
+    <p:spTree>
+      <p:nvGrpSpPr>
+        <p:cNvPr id="1" name=""/>
+        <p:cNvGrpSpPr/>
+        <p:nvPr/>
+      </p:nvGrpSpPr>
+      <p:grpSpPr>
+        <a:xfrm>
+          <a:off x="0" y="0"/>
+          <a:ext cx="0" cy="0"/>
+          <a:chOff x="0" y="0"/>
+          <a:chExt cx="0" cy="0"/>
+        </a:xfrm>
+      </p:grpSpPr>
+      <p:sp>
+        <p:nvSpPr>
+          <p:cNvPr id="2" name="Slide Image Placeholder 1"/>
+          <p:cNvSpPr>
+            <a:spLocks noGrp="1" noRot="1" noChangeAspect="1"/>
+          </p:cNvSpPr>
+          <p:nvPr>
+            <p:ph type="sldImg"/>
+          </p:nvPr>
+        </p:nvSpPr>
+        <p:spPr/>
+      </p:sp>
+      <p:sp>
+        <p:nvSpPr>
+          <p:cNvPr id="3" name="Notes Placeholder 2"/>
+          <p:cNvSpPr>
+            <a:spLocks noGrp="1"/>
+          </p:cNvSpPr>
+          <p:nvPr>
+            <p:ph type="body" idx="1"/>
+          </p:nvPr>
+        </p:nvSpPr>
+        <p:spPr/>
+        <p:txBody>
+          <a:bodyPr/>
+          <a:lstStyle/>
+          <a:p>
+            <a:r>
+              <a:rPr lang="en-US" dirty="0" smtClean="0"/>
+              <a:t>Laura</a:t>
+            </a:r>
+            <a:endParaRPr lang="en-US" dirty="0"/>
+          </a:p>
+        </p:txBody>
+      </p:sp>
+      <p:sp>
+        <p:nvSpPr>
+          <p:cNvPr id="4" name="Slide Number Placeholder 3"/>
+          <p:cNvSpPr>
+            <a:spLocks noGrp="1"/>
+          </p:cNvSpPr>
+          <p:nvPr>
+            <p:ph type="sldNum" sz="quarter" idx="10"/>
+          </p:nvPr>
+        </p:nvSpPr>
+        <p:spPr/>
+        <p:txBody>
+          <a:bodyPr/>
+          <a:lstStyle/>
+          <a:p>
+            <a:fld id="{A5403194-167F-AC44-900D-A8D876675B66}" type="slidenum">
+              <a:rPr lang="en-US" smtClean="0"/>
+              <a:t>16</a:t>
+            </a:fld>
+            <a:endParaRPr lang="en-US"/>
+          </a:p>
+        </p:txBody>
+      </p:sp>
+    </p:spTree>
+    <p:extLst>
+      <p:ext uri="{BB962C8B-B14F-4D97-AF65-F5344CB8AC3E}">
+        <p14:creationId xmlns:p14="http://schemas.microsoft.com/office/powerpoint/2010/main" val="559051595"/>
+      </p:ext>
+    </p:extLst>
+  </p:cSld>
+  <p:clrMapOvr>
+    <a:masterClrMapping/>
+  </p:clrMapOvr>
+</p:notes>
+</file>
+
+<file path=ppt/notesSlides/notesSlide16.xml><?xml version="1.0" encoding="utf-8"?>
+<p:notes xmlns:a="http://schemas.openxmlformats.org/drawingml/2006/main" xmlns:r="http://schemas.openxmlformats.org/officeDocument/2006/relationships" xmlns:p="http://schemas.openxmlformats.org/presentationml/2006/main">
+  <p:cSld>
+    <p:spTree>
+      <p:nvGrpSpPr>
+        <p:cNvPr id="1" name=""/>
+        <p:cNvGrpSpPr/>
+        <p:nvPr/>
+      </p:nvGrpSpPr>
+      <p:grpSpPr>
+        <a:xfrm>
+          <a:off x="0" y="0"/>
+          <a:ext cx="0" cy="0"/>
+          <a:chOff x="0" y="0"/>
+          <a:chExt cx="0" cy="0"/>
+        </a:xfrm>
+      </p:grpSpPr>
+      <p:sp>
+        <p:nvSpPr>
+          <p:cNvPr id="2" name="Slide Image Placeholder 1"/>
+          <p:cNvSpPr>
+            <a:spLocks noGrp="1" noRot="1" noChangeAspect="1"/>
+          </p:cNvSpPr>
+          <p:nvPr>
+            <p:ph type="sldImg"/>
+          </p:nvPr>
+        </p:nvSpPr>
+        <p:spPr/>
+      </p:sp>
+      <p:sp>
+        <p:nvSpPr>
+          <p:cNvPr id="3" name="Notes Placeholder 2"/>
+          <p:cNvSpPr>
+            <a:spLocks noGrp="1"/>
+          </p:cNvSpPr>
+          <p:nvPr>
+            <p:ph type="body" idx="1"/>
+          </p:nvPr>
+        </p:nvSpPr>
+        <p:spPr/>
+        <p:txBody>
+          <a:bodyPr/>
+          <a:lstStyle/>
+          <a:p>
+            <a:r>
+              <a:rPr lang="en-US" dirty="0" smtClean="0"/>
+              <a:t>Liz</a:t>
+            </a:r>
+            <a:endParaRPr lang="en-US" dirty="0"/>
+          </a:p>
+        </p:txBody>
+      </p:sp>
+      <p:sp>
+        <p:nvSpPr>
+          <p:cNvPr id="4" name="Slide Number Placeholder 3"/>
+          <p:cNvSpPr>
+            <a:spLocks noGrp="1"/>
+          </p:cNvSpPr>
+          <p:nvPr>
+            <p:ph type="sldNum" sz="quarter" idx="10"/>
+          </p:nvPr>
+        </p:nvSpPr>
+        <p:spPr/>
+        <p:txBody>
+          <a:bodyPr/>
+          <a:lstStyle/>
+          <a:p>
+            <a:fld id="{A5403194-167F-AC44-900D-A8D876675B66}" type="slidenum">
+              <a:rPr lang="en-US" smtClean="0"/>
+              <a:t>17</a:t>
+            </a:fld>
+            <a:endParaRPr lang="en-US"/>
+          </a:p>
+        </p:txBody>
+      </p:sp>
+    </p:spTree>
+    <p:extLst>
+      <p:ext uri="{BB962C8B-B14F-4D97-AF65-F5344CB8AC3E}">
+        <p14:creationId xmlns:p14="http://schemas.microsoft.com/office/powerpoint/2010/main" val="3416415669"/>
       </p:ext>
     </p:extLst>
   </p:cSld>
@@ -3667,12 +4239,8 @@
           <a:lstStyle/>
           <a:p>
             <a:r>
-              <a:rPr lang="en-US" dirty="0" err="1" smtClean="0"/>
-              <a:t>Mutator</a:t>
-            </a:r>
-            <a:r>
-              <a:rPr lang="en-US" baseline="0" dirty="0" smtClean="0"/>
-              <a:t> on virus?</a:t>
+              <a:rPr lang="en-US" dirty="0" smtClean="0"/>
+              <a:t>Sammy	</a:t>
             </a:r>
             <a:endParaRPr lang="en-US" dirty="0"/>
           </a:p>
@@ -3695,7 +4263,7 @@
           <a:p>
             <a:fld id="{A5403194-167F-AC44-900D-A8D876675B66}" type="slidenum">
               <a:rPr lang="en-US" smtClean="0"/>
-              <a:t>10</a:t>
+              <a:t>2</a:t>
             </a:fld>
             <a:endParaRPr lang="en-US"/>
           </a:p>
@@ -3704,7 +4272,681 @@
     </p:spTree>
     <p:extLst>
       <p:ext uri="{BB962C8B-B14F-4D97-AF65-F5344CB8AC3E}">
-        <p14:creationId xmlns:p14="http://schemas.microsoft.com/office/powerpoint/2010/main" val="3140315170"/>
+        <p14:creationId xmlns:p14="http://schemas.microsoft.com/office/powerpoint/2010/main" val="1245561136"/>
+      </p:ext>
+    </p:extLst>
+  </p:cSld>
+  <p:clrMapOvr>
+    <a:masterClrMapping/>
+  </p:clrMapOvr>
+</p:notes>
+</file>
+
+<file path=ppt/notesSlides/notesSlide3.xml><?xml version="1.0" encoding="utf-8"?>
+<p:notes xmlns:a="http://schemas.openxmlformats.org/drawingml/2006/main" xmlns:r="http://schemas.openxmlformats.org/officeDocument/2006/relationships" xmlns:p="http://schemas.openxmlformats.org/presentationml/2006/main">
+  <p:cSld>
+    <p:spTree>
+      <p:nvGrpSpPr>
+        <p:cNvPr id="1" name=""/>
+        <p:cNvGrpSpPr/>
+        <p:nvPr/>
+      </p:nvGrpSpPr>
+      <p:grpSpPr>
+        <a:xfrm>
+          <a:off x="0" y="0"/>
+          <a:ext cx="0" cy="0"/>
+          <a:chOff x="0" y="0"/>
+          <a:chExt cx="0" cy="0"/>
+        </a:xfrm>
+      </p:grpSpPr>
+      <p:sp>
+        <p:nvSpPr>
+          <p:cNvPr id="2" name="Slide Image Placeholder 1"/>
+          <p:cNvSpPr>
+            <a:spLocks noGrp="1" noRot="1" noChangeAspect="1"/>
+          </p:cNvSpPr>
+          <p:nvPr>
+            <p:ph type="sldImg"/>
+          </p:nvPr>
+        </p:nvSpPr>
+        <p:spPr/>
+      </p:sp>
+      <p:sp>
+        <p:nvSpPr>
+          <p:cNvPr id="3" name="Notes Placeholder 2"/>
+          <p:cNvSpPr>
+            <a:spLocks noGrp="1"/>
+          </p:cNvSpPr>
+          <p:nvPr>
+            <p:ph type="body" idx="1"/>
+          </p:nvPr>
+        </p:nvSpPr>
+        <p:spPr/>
+        <p:txBody>
+          <a:bodyPr/>
+          <a:lstStyle/>
+          <a:p>
+            <a:pPr marL="0" indent="0">
+              <a:buFont typeface="+mj-lt"/>
+              <a:buNone/>
+            </a:pPr>
+            <a:r>
+              <a:rPr lang="en-US" dirty="0" smtClean="0"/>
+              <a:t>Sammy</a:t>
+            </a:r>
+          </a:p>
+          <a:p>
+            <a:pPr marL="342900" indent="-342900">
+              <a:buFont typeface="+mj-lt"/>
+              <a:buAutoNum type="arabicPeriod"/>
+            </a:pPr>
+            <a:r>
+              <a:rPr lang="en-US" dirty="0" smtClean="0"/>
+              <a:t> </a:t>
+            </a:r>
+            <a:r>
+              <a:rPr lang="en-US" dirty="0" smtClean="0"/>
+              <a:t>The virus injects genetic material (RNA or DNA) into the host.</a:t>
+            </a:r>
+          </a:p>
+          <a:p>
+            <a:pPr marL="800100" lvl="1" indent="-342900">
+              <a:buFont typeface="Arial" panose="020B0604020202020204" pitchFamily="34" charset="0"/>
+              <a:buChar char="•"/>
+            </a:pPr>
+            <a:r>
+              <a:rPr lang="en-US" dirty="0" smtClean="0"/>
+              <a:t>This can be incorporated into the host to silently replicate, but we are not </a:t>
+            </a:r>
+            <a:r>
+              <a:rPr lang="en-US" dirty="0" err="1" smtClean="0"/>
+              <a:t>modelling</a:t>
+            </a:r>
+            <a:r>
+              <a:rPr lang="en-US" dirty="0" smtClean="0"/>
+              <a:t> it.</a:t>
+            </a:r>
+          </a:p>
+          <a:p>
+            <a:pPr marL="342900" indent="-342900">
+              <a:buFont typeface="+mj-lt"/>
+              <a:buAutoNum type="arabicPeriod"/>
+            </a:pPr>
+            <a:r>
+              <a:rPr lang="en-US" dirty="0" smtClean="0"/>
+              <a:t> The genetic material is used to take over the host’s replication machinery and create viral genetic material and proteins.</a:t>
+            </a:r>
+          </a:p>
+          <a:p>
+            <a:pPr marL="342900" indent="-342900">
+              <a:buFont typeface="+mj-lt"/>
+              <a:buAutoNum type="arabicPeriod"/>
+            </a:pPr>
+            <a:r>
+              <a:rPr lang="en-US" dirty="0" smtClean="0"/>
+              <a:t>These are assembled into viruses and the cell is lysed to release them.</a:t>
+            </a:r>
+          </a:p>
+          <a:p>
+            <a:endParaRPr lang="en-US" dirty="0"/>
+          </a:p>
+        </p:txBody>
+      </p:sp>
+      <p:sp>
+        <p:nvSpPr>
+          <p:cNvPr id="4" name="Slide Number Placeholder 3"/>
+          <p:cNvSpPr>
+            <a:spLocks noGrp="1"/>
+          </p:cNvSpPr>
+          <p:nvPr>
+            <p:ph type="sldNum" sz="quarter" idx="10"/>
+          </p:nvPr>
+        </p:nvSpPr>
+        <p:spPr/>
+        <p:txBody>
+          <a:bodyPr/>
+          <a:lstStyle/>
+          <a:p>
+            <a:fld id="{A5403194-167F-AC44-900D-A8D876675B66}" type="slidenum">
+              <a:rPr lang="en-US" smtClean="0"/>
+              <a:t>3</a:t>
+            </a:fld>
+            <a:endParaRPr lang="en-US"/>
+          </a:p>
+        </p:txBody>
+      </p:sp>
+    </p:spTree>
+    <p:extLst>
+      <p:ext uri="{BB962C8B-B14F-4D97-AF65-F5344CB8AC3E}">
+        <p14:creationId xmlns:p14="http://schemas.microsoft.com/office/powerpoint/2010/main" val="1497919997"/>
+      </p:ext>
+    </p:extLst>
+  </p:cSld>
+  <p:clrMapOvr>
+    <a:masterClrMapping/>
+  </p:clrMapOvr>
+</p:notes>
+</file>
+
+<file path=ppt/notesSlides/notesSlide4.xml><?xml version="1.0" encoding="utf-8"?>
+<p:notes xmlns:a="http://schemas.openxmlformats.org/drawingml/2006/main" xmlns:r="http://schemas.openxmlformats.org/officeDocument/2006/relationships" xmlns:p="http://schemas.openxmlformats.org/presentationml/2006/main">
+  <p:cSld>
+    <p:spTree>
+      <p:nvGrpSpPr>
+        <p:cNvPr id="1" name=""/>
+        <p:cNvGrpSpPr/>
+        <p:nvPr/>
+      </p:nvGrpSpPr>
+      <p:grpSpPr>
+        <a:xfrm>
+          <a:off x="0" y="0"/>
+          <a:ext cx="0" cy="0"/>
+          <a:chOff x="0" y="0"/>
+          <a:chExt cx="0" cy="0"/>
+        </a:xfrm>
+      </p:grpSpPr>
+      <p:sp>
+        <p:nvSpPr>
+          <p:cNvPr id="2" name="Slide Image Placeholder 1"/>
+          <p:cNvSpPr>
+            <a:spLocks noGrp="1" noRot="1" noChangeAspect="1"/>
+          </p:cNvSpPr>
+          <p:nvPr>
+            <p:ph type="sldImg"/>
+          </p:nvPr>
+        </p:nvSpPr>
+        <p:spPr/>
+      </p:sp>
+      <p:sp>
+        <p:nvSpPr>
+          <p:cNvPr id="3" name="Notes Placeholder 2"/>
+          <p:cNvSpPr>
+            <a:spLocks noGrp="1"/>
+          </p:cNvSpPr>
+          <p:nvPr>
+            <p:ph type="body" idx="1"/>
+          </p:nvPr>
+        </p:nvSpPr>
+        <p:spPr/>
+        <p:txBody>
+          <a:bodyPr/>
+          <a:lstStyle/>
+          <a:p>
+            <a:r>
+              <a:rPr lang="en-US" dirty="0" smtClean="0"/>
+              <a:t>Laura</a:t>
+            </a:r>
+            <a:endParaRPr lang="en-US" dirty="0"/>
+          </a:p>
+        </p:txBody>
+      </p:sp>
+      <p:sp>
+        <p:nvSpPr>
+          <p:cNvPr id="4" name="Slide Number Placeholder 3"/>
+          <p:cNvSpPr>
+            <a:spLocks noGrp="1"/>
+          </p:cNvSpPr>
+          <p:nvPr>
+            <p:ph type="sldNum" sz="quarter" idx="10"/>
+          </p:nvPr>
+        </p:nvSpPr>
+        <p:spPr/>
+        <p:txBody>
+          <a:bodyPr/>
+          <a:lstStyle/>
+          <a:p>
+            <a:fld id="{A5403194-167F-AC44-900D-A8D876675B66}" type="slidenum">
+              <a:rPr lang="en-US" smtClean="0"/>
+              <a:t>4</a:t>
+            </a:fld>
+            <a:endParaRPr lang="en-US"/>
+          </a:p>
+        </p:txBody>
+      </p:sp>
+    </p:spTree>
+    <p:extLst>
+      <p:ext uri="{BB962C8B-B14F-4D97-AF65-F5344CB8AC3E}">
+        <p14:creationId xmlns:p14="http://schemas.microsoft.com/office/powerpoint/2010/main" val="1927208612"/>
+      </p:ext>
+    </p:extLst>
+  </p:cSld>
+  <p:clrMapOvr>
+    <a:masterClrMapping/>
+  </p:clrMapOvr>
+</p:notes>
+</file>
+
+<file path=ppt/notesSlides/notesSlide5.xml><?xml version="1.0" encoding="utf-8"?>
+<p:notes xmlns:a="http://schemas.openxmlformats.org/drawingml/2006/main" xmlns:r="http://schemas.openxmlformats.org/officeDocument/2006/relationships" xmlns:p="http://schemas.openxmlformats.org/presentationml/2006/main">
+  <p:cSld>
+    <p:spTree>
+      <p:nvGrpSpPr>
+        <p:cNvPr id="1" name=""/>
+        <p:cNvGrpSpPr/>
+        <p:nvPr/>
+      </p:nvGrpSpPr>
+      <p:grpSpPr>
+        <a:xfrm>
+          <a:off x="0" y="0"/>
+          <a:ext cx="0" cy="0"/>
+          <a:chOff x="0" y="0"/>
+          <a:chExt cx="0" cy="0"/>
+        </a:xfrm>
+      </p:grpSpPr>
+      <p:sp>
+        <p:nvSpPr>
+          <p:cNvPr id="2" name="Slide Image Placeholder 1"/>
+          <p:cNvSpPr>
+            <a:spLocks noGrp="1" noRot="1" noChangeAspect="1"/>
+          </p:cNvSpPr>
+          <p:nvPr>
+            <p:ph type="sldImg"/>
+          </p:nvPr>
+        </p:nvSpPr>
+        <p:spPr/>
+      </p:sp>
+      <p:sp>
+        <p:nvSpPr>
+          <p:cNvPr id="3" name="Notes Placeholder 2"/>
+          <p:cNvSpPr>
+            <a:spLocks noGrp="1"/>
+          </p:cNvSpPr>
+          <p:nvPr>
+            <p:ph type="body" idx="1"/>
+          </p:nvPr>
+        </p:nvSpPr>
+        <p:spPr/>
+        <p:txBody>
+          <a:bodyPr/>
+          <a:lstStyle/>
+          <a:p>
+            <a:r>
+              <a:rPr lang="en-US" dirty="0" smtClean="0"/>
+              <a:t>Laura</a:t>
+            </a:r>
+            <a:endParaRPr lang="en-US" dirty="0"/>
+          </a:p>
+        </p:txBody>
+      </p:sp>
+      <p:sp>
+        <p:nvSpPr>
+          <p:cNvPr id="4" name="Slide Number Placeholder 3"/>
+          <p:cNvSpPr>
+            <a:spLocks noGrp="1"/>
+          </p:cNvSpPr>
+          <p:nvPr>
+            <p:ph type="sldNum" sz="quarter" idx="10"/>
+          </p:nvPr>
+        </p:nvSpPr>
+        <p:spPr/>
+        <p:txBody>
+          <a:bodyPr/>
+          <a:lstStyle/>
+          <a:p>
+            <a:fld id="{A5403194-167F-AC44-900D-A8D876675B66}" type="slidenum">
+              <a:rPr lang="en-US" smtClean="0"/>
+              <a:t>5</a:t>
+            </a:fld>
+            <a:endParaRPr lang="en-US"/>
+          </a:p>
+        </p:txBody>
+      </p:sp>
+    </p:spTree>
+    <p:extLst>
+      <p:ext uri="{BB962C8B-B14F-4D97-AF65-F5344CB8AC3E}">
+        <p14:creationId xmlns:p14="http://schemas.microsoft.com/office/powerpoint/2010/main" val="1018052291"/>
+      </p:ext>
+    </p:extLst>
+  </p:cSld>
+  <p:clrMapOvr>
+    <a:masterClrMapping/>
+  </p:clrMapOvr>
+</p:notes>
+</file>
+
+<file path=ppt/notesSlides/notesSlide6.xml><?xml version="1.0" encoding="utf-8"?>
+<p:notes xmlns:a="http://schemas.openxmlformats.org/drawingml/2006/main" xmlns:r="http://schemas.openxmlformats.org/officeDocument/2006/relationships" xmlns:p="http://schemas.openxmlformats.org/presentationml/2006/main">
+  <p:cSld>
+    <p:spTree>
+      <p:nvGrpSpPr>
+        <p:cNvPr id="1" name=""/>
+        <p:cNvGrpSpPr/>
+        <p:nvPr/>
+      </p:nvGrpSpPr>
+      <p:grpSpPr>
+        <a:xfrm>
+          <a:off x="0" y="0"/>
+          <a:ext cx="0" cy="0"/>
+          <a:chOff x="0" y="0"/>
+          <a:chExt cx="0" cy="0"/>
+        </a:xfrm>
+      </p:grpSpPr>
+      <p:sp>
+        <p:nvSpPr>
+          <p:cNvPr id="2" name="Slide Image Placeholder 1"/>
+          <p:cNvSpPr>
+            <a:spLocks noGrp="1" noRot="1" noChangeAspect="1"/>
+          </p:cNvSpPr>
+          <p:nvPr>
+            <p:ph type="sldImg"/>
+          </p:nvPr>
+        </p:nvSpPr>
+        <p:spPr/>
+      </p:sp>
+      <p:sp>
+        <p:nvSpPr>
+          <p:cNvPr id="3" name="Notes Placeholder 2"/>
+          <p:cNvSpPr>
+            <a:spLocks noGrp="1"/>
+          </p:cNvSpPr>
+          <p:nvPr>
+            <p:ph type="body" idx="1"/>
+          </p:nvPr>
+        </p:nvSpPr>
+        <p:spPr/>
+        <p:txBody>
+          <a:bodyPr/>
+          <a:lstStyle/>
+          <a:p>
+            <a:r>
+              <a:rPr lang="en-US" dirty="0" smtClean="0"/>
+              <a:t>Laura</a:t>
+            </a:r>
+            <a:endParaRPr lang="en-US" dirty="0"/>
+          </a:p>
+        </p:txBody>
+      </p:sp>
+      <p:sp>
+        <p:nvSpPr>
+          <p:cNvPr id="4" name="Slide Number Placeholder 3"/>
+          <p:cNvSpPr>
+            <a:spLocks noGrp="1"/>
+          </p:cNvSpPr>
+          <p:nvPr>
+            <p:ph type="sldNum" sz="quarter" idx="10"/>
+          </p:nvPr>
+        </p:nvSpPr>
+        <p:spPr/>
+        <p:txBody>
+          <a:bodyPr/>
+          <a:lstStyle/>
+          <a:p>
+            <a:fld id="{A5403194-167F-AC44-900D-A8D876675B66}" type="slidenum">
+              <a:rPr lang="en-US" smtClean="0"/>
+              <a:t>6</a:t>
+            </a:fld>
+            <a:endParaRPr lang="en-US"/>
+          </a:p>
+        </p:txBody>
+      </p:sp>
+    </p:spTree>
+    <p:extLst>
+      <p:ext uri="{BB962C8B-B14F-4D97-AF65-F5344CB8AC3E}">
+        <p14:creationId xmlns:p14="http://schemas.microsoft.com/office/powerpoint/2010/main" val="3394648637"/>
+      </p:ext>
+    </p:extLst>
+  </p:cSld>
+  <p:clrMapOvr>
+    <a:masterClrMapping/>
+  </p:clrMapOvr>
+</p:notes>
+</file>
+
+<file path=ppt/notesSlides/notesSlide7.xml><?xml version="1.0" encoding="utf-8"?>
+<p:notes xmlns:a="http://schemas.openxmlformats.org/drawingml/2006/main" xmlns:r="http://schemas.openxmlformats.org/officeDocument/2006/relationships" xmlns:p="http://schemas.openxmlformats.org/presentationml/2006/main">
+  <p:cSld>
+    <p:spTree>
+      <p:nvGrpSpPr>
+        <p:cNvPr id="1" name=""/>
+        <p:cNvGrpSpPr/>
+        <p:nvPr/>
+      </p:nvGrpSpPr>
+      <p:grpSpPr>
+        <a:xfrm>
+          <a:off x="0" y="0"/>
+          <a:ext cx="0" cy="0"/>
+          <a:chOff x="0" y="0"/>
+          <a:chExt cx="0" cy="0"/>
+        </a:xfrm>
+      </p:grpSpPr>
+      <p:sp>
+        <p:nvSpPr>
+          <p:cNvPr id="2" name="Slide Image Placeholder 1"/>
+          <p:cNvSpPr>
+            <a:spLocks noGrp="1" noRot="1" noChangeAspect="1"/>
+          </p:cNvSpPr>
+          <p:nvPr>
+            <p:ph type="sldImg"/>
+          </p:nvPr>
+        </p:nvSpPr>
+        <p:spPr/>
+      </p:sp>
+      <p:sp>
+        <p:nvSpPr>
+          <p:cNvPr id="3" name="Notes Placeholder 2"/>
+          <p:cNvSpPr>
+            <a:spLocks noGrp="1"/>
+          </p:cNvSpPr>
+          <p:nvPr>
+            <p:ph type="body" idx="1"/>
+          </p:nvPr>
+        </p:nvSpPr>
+        <p:spPr/>
+        <p:txBody>
+          <a:bodyPr/>
+          <a:lstStyle/>
+          <a:p>
+            <a:r>
+              <a:rPr lang="en-US" dirty="0" smtClean="0"/>
+              <a:t>Laura</a:t>
+            </a:r>
+            <a:endParaRPr lang="en-US" dirty="0"/>
+          </a:p>
+        </p:txBody>
+      </p:sp>
+      <p:sp>
+        <p:nvSpPr>
+          <p:cNvPr id="4" name="Slide Number Placeholder 3"/>
+          <p:cNvSpPr>
+            <a:spLocks noGrp="1"/>
+          </p:cNvSpPr>
+          <p:nvPr>
+            <p:ph type="sldNum" sz="quarter" idx="10"/>
+          </p:nvPr>
+        </p:nvSpPr>
+        <p:spPr/>
+        <p:txBody>
+          <a:bodyPr/>
+          <a:lstStyle/>
+          <a:p>
+            <a:fld id="{A5403194-167F-AC44-900D-A8D876675B66}" type="slidenum">
+              <a:rPr lang="en-US" smtClean="0"/>
+              <a:t>7</a:t>
+            </a:fld>
+            <a:endParaRPr lang="en-US"/>
+          </a:p>
+        </p:txBody>
+      </p:sp>
+    </p:spTree>
+    <p:extLst>
+      <p:ext uri="{BB962C8B-B14F-4D97-AF65-F5344CB8AC3E}">
+        <p14:creationId xmlns:p14="http://schemas.microsoft.com/office/powerpoint/2010/main" val="3559894525"/>
+      </p:ext>
+    </p:extLst>
+  </p:cSld>
+  <p:clrMapOvr>
+    <a:masterClrMapping/>
+  </p:clrMapOvr>
+</p:notes>
+</file>
+
+<file path=ppt/notesSlides/notesSlide8.xml><?xml version="1.0" encoding="utf-8"?>
+<p:notes xmlns:a="http://schemas.openxmlformats.org/drawingml/2006/main" xmlns:r="http://schemas.openxmlformats.org/officeDocument/2006/relationships" xmlns:p="http://schemas.openxmlformats.org/presentationml/2006/main">
+  <p:cSld>
+    <p:spTree>
+      <p:nvGrpSpPr>
+        <p:cNvPr id="1" name=""/>
+        <p:cNvGrpSpPr/>
+        <p:nvPr/>
+      </p:nvGrpSpPr>
+      <p:grpSpPr>
+        <a:xfrm>
+          <a:off x="0" y="0"/>
+          <a:ext cx="0" cy="0"/>
+          <a:chOff x="0" y="0"/>
+          <a:chExt cx="0" cy="0"/>
+        </a:xfrm>
+      </p:grpSpPr>
+      <p:sp>
+        <p:nvSpPr>
+          <p:cNvPr id="2" name="Slide Image Placeholder 1"/>
+          <p:cNvSpPr>
+            <a:spLocks noGrp="1" noRot="1" noChangeAspect="1"/>
+          </p:cNvSpPr>
+          <p:nvPr>
+            <p:ph type="sldImg"/>
+          </p:nvPr>
+        </p:nvSpPr>
+        <p:spPr/>
+      </p:sp>
+      <p:sp>
+        <p:nvSpPr>
+          <p:cNvPr id="3" name="Notes Placeholder 2"/>
+          <p:cNvSpPr>
+            <a:spLocks noGrp="1"/>
+          </p:cNvSpPr>
+          <p:nvPr>
+            <p:ph type="body" idx="1"/>
+          </p:nvPr>
+        </p:nvSpPr>
+        <p:spPr/>
+        <p:txBody>
+          <a:bodyPr/>
+          <a:lstStyle/>
+          <a:p>
+            <a:r>
+              <a:rPr lang="en-US" dirty="0" smtClean="0"/>
+              <a:t>Laura</a:t>
+            </a:r>
+            <a:endParaRPr lang="en-US" dirty="0"/>
+          </a:p>
+        </p:txBody>
+      </p:sp>
+      <p:sp>
+        <p:nvSpPr>
+          <p:cNvPr id="4" name="Slide Number Placeholder 3"/>
+          <p:cNvSpPr>
+            <a:spLocks noGrp="1"/>
+          </p:cNvSpPr>
+          <p:nvPr>
+            <p:ph type="sldNum" sz="quarter" idx="10"/>
+          </p:nvPr>
+        </p:nvSpPr>
+        <p:spPr/>
+        <p:txBody>
+          <a:bodyPr/>
+          <a:lstStyle/>
+          <a:p>
+            <a:fld id="{A5403194-167F-AC44-900D-A8D876675B66}" type="slidenum">
+              <a:rPr lang="en-US" smtClean="0"/>
+              <a:t>8</a:t>
+            </a:fld>
+            <a:endParaRPr lang="en-US"/>
+          </a:p>
+        </p:txBody>
+      </p:sp>
+    </p:spTree>
+    <p:extLst>
+      <p:ext uri="{BB962C8B-B14F-4D97-AF65-F5344CB8AC3E}">
+        <p14:creationId xmlns:p14="http://schemas.microsoft.com/office/powerpoint/2010/main" val="1524214920"/>
+      </p:ext>
+    </p:extLst>
+  </p:cSld>
+  <p:clrMapOvr>
+    <a:masterClrMapping/>
+  </p:clrMapOvr>
+</p:notes>
+</file>
+
+<file path=ppt/notesSlides/notesSlide9.xml><?xml version="1.0" encoding="utf-8"?>
+<p:notes xmlns:a="http://schemas.openxmlformats.org/drawingml/2006/main" xmlns:r="http://schemas.openxmlformats.org/officeDocument/2006/relationships" xmlns:p="http://schemas.openxmlformats.org/presentationml/2006/main">
+  <p:cSld>
+    <p:spTree>
+      <p:nvGrpSpPr>
+        <p:cNvPr id="1" name=""/>
+        <p:cNvGrpSpPr/>
+        <p:nvPr/>
+      </p:nvGrpSpPr>
+      <p:grpSpPr>
+        <a:xfrm>
+          <a:off x="0" y="0"/>
+          <a:ext cx="0" cy="0"/>
+          <a:chOff x="0" y="0"/>
+          <a:chExt cx="0" cy="0"/>
+        </a:xfrm>
+      </p:grpSpPr>
+      <p:sp>
+        <p:nvSpPr>
+          <p:cNvPr id="2" name="Slide Image Placeholder 1"/>
+          <p:cNvSpPr>
+            <a:spLocks noGrp="1" noRot="1" noChangeAspect="1"/>
+          </p:cNvSpPr>
+          <p:nvPr>
+            <p:ph type="sldImg"/>
+          </p:nvPr>
+        </p:nvSpPr>
+        <p:spPr/>
+      </p:sp>
+      <p:sp>
+        <p:nvSpPr>
+          <p:cNvPr id="3" name="Notes Placeholder 2"/>
+          <p:cNvSpPr>
+            <a:spLocks noGrp="1"/>
+          </p:cNvSpPr>
+          <p:nvPr>
+            <p:ph type="body" idx="1"/>
+          </p:nvPr>
+        </p:nvSpPr>
+        <p:spPr/>
+        <p:txBody>
+          <a:bodyPr/>
+          <a:lstStyle/>
+          <a:p>
+            <a:r>
+              <a:rPr lang="en-US" dirty="0" smtClean="0"/>
+              <a:t>Laura</a:t>
+            </a:r>
+            <a:endParaRPr lang="en-US" dirty="0"/>
+          </a:p>
+        </p:txBody>
+      </p:sp>
+      <p:sp>
+        <p:nvSpPr>
+          <p:cNvPr id="4" name="Slide Number Placeholder 3"/>
+          <p:cNvSpPr>
+            <a:spLocks noGrp="1"/>
+          </p:cNvSpPr>
+          <p:nvPr>
+            <p:ph type="sldNum" sz="quarter" idx="10"/>
+          </p:nvPr>
+        </p:nvSpPr>
+        <p:spPr/>
+        <p:txBody>
+          <a:bodyPr/>
+          <a:lstStyle/>
+          <a:p>
+            <a:fld id="{A5403194-167F-AC44-900D-A8D876675B66}" type="slidenum">
+              <a:rPr lang="en-US" smtClean="0"/>
+              <a:t>9</a:t>
+            </a:fld>
+            <a:endParaRPr lang="en-US"/>
+          </a:p>
+        </p:txBody>
+      </p:sp>
+    </p:spTree>
+    <p:extLst>
+      <p:ext uri="{BB962C8B-B14F-4D97-AF65-F5344CB8AC3E}">
+        <p14:creationId xmlns:p14="http://schemas.microsoft.com/office/powerpoint/2010/main" val="2839547540"/>
       </p:ext>
     </p:extLst>
   </p:cSld>
@@ -3945,7 +5187,7 @@
           <a:p>
             <a:fld id="{1778F24D-EB19-4AE0-B015-2BEA6D5224F2}" type="datetimeFigureOut">
               <a:rPr lang="en-US" smtClean="0"/>
-              <a:t>6/6/15</a:t>
+              <a:t>6/6/2015</a:t>
             </a:fld>
             <a:endParaRPr lang="en-US"/>
           </a:p>
@@ -4258,7 +5500,7 @@
           <a:p>
             <a:fld id="{1778F24D-EB19-4AE0-B015-2BEA6D5224F2}" type="datetimeFigureOut">
               <a:rPr lang="en-US" smtClean="0"/>
-              <a:t>6/6/15</a:t>
+              <a:t>6/6/2015</a:t>
             </a:fld>
             <a:endParaRPr lang="en-US"/>
           </a:p>
@@ -4465,7 +5707,7 @@
           <a:p>
             <a:fld id="{1778F24D-EB19-4AE0-B015-2BEA6D5224F2}" type="datetimeFigureOut">
               <a:rPr lang="en-US" smtClean="0"/>
-              <a:t>6/6/15</a:t>
+              <a:t>6/6/2015</a:t>
             </a:fld>
             <a:endParaRPr lang="en-US"/>
           </a:p>
@@ -4670,7 +5912,7 @@
           <a:p>
             <a:fld id="{1778F24D-EB19-4AE0-B015-2BEA6D5224F2}" type="datetimeFigureOut">
               <a:rPr lang="en-US" smtClean="0"/>
-              <a:t>6/6/15</a:t>
+              <a:t>6/6/2015</a:t>
             </a:fld>
             <a:endParaRPr lang="en-US"/>
           </a:p>
@@ -4865,7 +6107,7 @@
           <a:p>
             <a:fld id="{1778F24D-EB19-4AE0-B015-2BEA6D5224F2}" type="datetimeFigureOut">
               <a:rPr lang="en-US" smtClean="0"/>
-              <a:t>6/6/15</a:t>
+              <a:t>6/6/2015</a:t>
             </a:fld>
             <a:endParaRPr lang="en-US"/>
           </a:p>
@@ -5135,7 +6377,7 @@
           <a:p>
             <a:fld id="{1778F24D-EB19-4AE0-B015-2BEA6D5224F2}" type="datetimeFigureOut">
               <a:rPr lang="en-US" smtClean="0"/>
-              <a:t>6/6/15</a:t>
+              <a:t>6/6/2015</a:t>
             </a:fld>
             <a:endParaRPr lang="en-US"/>
           </a:p>
@@ -5446,7 +6688,7 @@
           <a:p>
             <a:fld id="{1778F24D-EB19-4AE0-B015-2BEA6D5224F2}" type="datetimeFigureOut">
               <a:rPr lang="en-US" smtClean="0"/>
-              <a:t>6/6/15</a:t>
+              <a:t>6/6/2015</a:t>
             </a:fld>
             <a:endParaRPr lang="en-US"/>
           </a:p>
@@ -5907,7 +7149,7 @@
           <a:p>
             <a:fld id="{1778F24D-EB19-4AE0-B015-2BEA6D5224F2}" type="datetimeFigureOut">
               <a:rPr lang="en-US" smtClean="0"/>
-              <a:t>6/6/15</a:t>
+              <a:t>6/6/2015</a:t>
             </a:fld>
             <a:endParaRPr lang="en-US"/>
           </a:p>
@@ -6046,7 +7288,7 @@
           <a:p>
             <a:fld id="{1778F24D-EB19-4AE0-B015-2BEA6D5224F2}" type="datetimeFigureOut">
               <a:rPr lang="en-US" smtClean="0"/>
-              <a:t>6/6/15</a:t>
+              <a:t>6/6/2015</a:t>
             </a:fld>
             <a:endParaRPr lang="en-US"/>
           </a:p>
@@ -6162,7 +7404,7 @@
           <a:p>
             <a:fld id="{1778F24D-EB19-4AE0-B015-2BEA6D5224F2}" type="datetimeFigureOut">
               <a:rPr lang="en-US" smtClean="0"/>
-              <a:t>6/6/15</a:t>
+              <a:t>6/6/2015</a:t>
             </a:fld>
             <a:endParaRPr lang="en-US"/>
           </a:p>
@@ -6448,7 +7690,7 @@
           <a:p>
             <a:fld id="{1778F24D-EB19-4AE0-B015-2BEA6D5224F2}" type="datetimeFigureOut">
               <a:rPr lang="en-US" smtClean="0"/>
-              <a:t>6/6/15</a:t>
+              <a:t>6/6/2015</a:t>
             </a:fld>
             <a:endParaRPr lang="en-US"/>
           </a:p>
@@ -6786,7 +8028,7 @@
           <a:p>
             <a:fld id="{1778F24D-EB19-4AE0-B015-2BEA6D5224F2}" type="datetimeFigureOut">
               <a:rPr lang="en-US" smtClean="0"/>
-              <a:t>6/6/15</a:t>
+              <a:t>6/6/2015</a:t>
             </a:fld>
             <a:endParaRPr lang="en-US"/>
           </a:p>
@@ -7062,7 +8304,7 @@
           <a:p>
             <a:fld id="{1778F24D-EB19-4AE0-B015-2BEA6D5224F2}" type="datetimeFigureOut">
               <a:rPr lang="en-US" smtClean="0"/>
-              <a:t>6/6/15</a:t>
+              <a:t>6/6/2015</a:t>
             </a:fld>
             <a:endParaRPr lang="en-US"/>
           </a:p>
@@ -7443,7 +8685,7 @@
           <p:nvPr/>
         </p:nvPicPr>
         <p:blipFill rotWithShape="1">
-          <a:blip r:embed="rId2">
+          <a:blip r:embed="rId3">
             <a:alphaModFix/>
             <a:extLst>
               <a:ext uri="{28A0092B-C50C-407E-A947-70E740481C1C}">
@@ -7726,7 +8968,6 @@
               <a:rPr lang="en-US" dirty="0" smtClean="0"/>
               <a:t>Representation</a:t>
             </a:r>
-            <a:endParaRPr lang="en-US" dirty="0" smtClean="0"/>
           </a:p>
           <a:p>
             <a:pPr lvl="1">
@@ -8382,7 +9623,7 @@
   <p:timing>
     <p:tnLst>
       <p:par>
-        <p:cTn xmlns:p14="http://schemas.microsoft.com/office/powerpoint/2010/main" id="1" dur="indefinite" restart="never" nodeType="tmRoot"/>
+        <p:cTn id="1" dur="indefinite" restart="never" nodeType="tmRoot"/>
       </p:par>
     </p:tnLst>
   </p:timing>
@@ -8429,116 +9670,79 @@
           </a:p>
         </p:txBody>
       </p:sp>
-      <mc:AlternateContent xmlns:mc="http://schemas.openxmlformats.org/markup-compatibility/2006" xmlns:a14="http://schemas.microsoft.com/office/drawing/2010/main">
-        <mc:Choice Requires="a14">
-          <p:sp>
-            <p:nvSpPr>
-              <p:cNvPr id="3" name="Content Placeholder 2"/>
-              <p:cNvSpPr>
-                <a:spLocks noGrp="1"/>
-              </p:cNvSpPr>
-              <p:nvPr>
-                <p:ph idx="1"/>
-              </p:nvPr>
-            </p:nvSpPr>
-            <p:spPr/>
-            <p:txBody>
-              <a:bodyPr/>
-              <a:lstStyle/>
-              <a:p>
-                <a:r>
-                  <a:rPr lang="en-US" dirty="0" smtClean="0"/>
-                  <a:t>Fitness – 3 types</a:t>
-                </a:r>
-              </a:p>
-              <a:p>
-                <a:pPr lvl="1">
-                  <a:buFont typeface="+mj-lt"/>
-                  <a:buAutoNum type="arabicPeriod"/>
-                </a:pPr>
-                <a:r>
-                  <a:rPr lang="en-US" dirty="0" smtClean="0"/>
-                  <a:t>Viability – the most objective fitness, but not what we are optimizing</a:t>
-                </a:r>
-              </a:p>
-              <a:p>
-                <a:pPr lvl="1">
-                  <a:buFont typeface="+mj-lt"/>
-                  <a:buAutoNum type="arabicPeriod"/>
-                </a:pPr>
-                <a:r>
-                  <a:rPr lang="en-US" dirty="0" smtClean="0"/>
-                  <a:t>Individual fitness – Functions on following slide, determine number of offspring</a:t>
-                </a:r>
-              </a:p>
-              <a:p>
-                <a:pPr lvl="1">
-                  <a:buFont typeface="+mj-lt"/>
-                  <a:buAutoNum type="arabicPeriod"/>
-                </a:pPr>
-                <a:r>
-                  <a:rPr lang="en-US" dirty="0" smtClean="0"/>
-                  <a:t>Population fitness – Our reported fitness, the number of living descendants of each parent in the </a:t>
-                </a:r>
-                <a14:m>
-                  <m:oMath xmlns="" xmlns:m="http://schemas.openxmlformats.org/officeDocument/2006/math">
-                    <m:r>
-                      <a:rPr lang="en-US" b="0" i="1" smtClean="0">
-                        <a:latin typeface="Cambria Math" panose="02040503050406030204" pitchFamily="18" charset="0"/>
-                      </a:rPr>
-                      <m:t>𝑛</m:t>
-                    </m:r>
-                    <m:r>
-                      <a:rPr lang="en-US" b="0" i="1" smtClean="0">
-                        <a:latin typeface="Cambria Math" panose="02040503050406030204" pitchFamily="18" charset="0"/>
-                      </a:rPr>
-                      <m:t>−1</m:t>
-                    </m:r>
-                  </m:oMath>
-                </a14:m>
-                <a:r>
-                  <a:rPr lang="en-US" dirty="0" smtClean="0"/>
-                  <a:t> generation. </a:t>
-                </a:r>
-                <a:endParaRPr lang="en-US" dirty="0"/>
-              </a:p>
-            </p:txBody>
-          </p:sp>
-        </mc:Choice>
-        <mc:Fallback xmlns="">
-          <p:sp>
-            <p:nvSpPr>
-              <p:cNvPr id="3" name="Content Placeholder 2"/>
-              <p:cNvSpPr>
-                <a:spLocks noGrp="1" noRot="1" noChangeAspect="1" noMove="1" noResize="1" noEditPoints="1" noAdjustHandles="1" noChangeArrowheads="1" noChangeShapeType="1" noTextEdit="1"/>
-              </p:cNvSpPr>
-              <p:nvPr>
-                <p:ph idx="1"/>
-              </p:nvPr>
-            </p:nvSpPr>
-            <p:spPr>
-              <a:blipFill rotWithShape="1">
-                <a:blip r:embed="rId2"/>
-                <a:stretch>
-                  <a:fillRect/>
-                </a:stretch>
-              </a:blipFill>
-            </p:spPr>
-            <p:txBody>
-              <a:bodyPr/>
-              <a:lstStyle/>
-              <a:p>
-                <a:r>
-                  <a:rPr lang="en-US">
-                    <a:noFill/>
-                  </a:rPr>
-                  <a:t> </a:t>
-                </a:r>
-              </a:p>
-            </p:txBody>
-          </p:sp>
-        </mc:Fallback>
-      </mc:AlternateContent>
+      <p:sp>
+        <p:nvSpPr>
+          <p:cNvPr id="3" name="Content Placeholder 2"/>
+          <p:cNvSpPr>
+            <a:spLocks noGrp="1"/>
+          </p:cNvSpPr>
+          <p:nvPr>
+            <p:ph idx="1"/>
+          </p:nvPr>
+        </p:nvSpPr>
+        <p:spPr/>
+        <p:txBody>
+          <a:bodyPr/>
+          <a:lstStyle/>
+          <a:p>
+            <a:r>
+              <a:rPr lang="en-US" dirty="0" smtClean="0"/>
+              <a:t>Fitness – 3 types</a:t>
+            </a:r>
+          </a:p>
+          <a:p>
+            <a:pPr lvl="1">
+              <a:buFont typeface="+mj-lt"/>
+              <a:buAutoNum type="arabicPeriod"/>
+            </a:pPr>
+            <a:r>
+              <a:rPr lang="en-US" dirty="0" smtClean="0"/>
+              <a:t>Viability – the most objective fitness, but not what we are optimizing</a:t>
+            </a:r>
+          </a:p>
+          <a:p>
+            <a:pPr lvl="1">
+              <a:buFont typeface="+mj-lt"/>
+              <a:buAutoNum type="arabicPeriod"/>
+            </a:pPr>
+            <a:r>
+              <a:rPr lang="en-US" dirty="0" smtClean="0"/>
+              <a:t>Individual fitness </a:t>
+            </a:r>
+            <a:r>
+              <a:rPr lang="en-US" dirty="0" smtClean="0"/>
+              <a:t>– Functions on following slide, determine number of offspring</a:t>
+            </a:r>
+          </a:p>
+          <a:p>
+            <a:pPr lvl="1">
+              <a:buFont typeface="+mj-lt"/>
+              <a:buAutoNum type="arabicPeriod"/>
+            </a:pPr>
+            <a:r>
+              <a:rPr lang="en-US" dirty="0" smtClean="0"/>
+              <a:t>Overall fitness </a:t>
+            </a:r>
+            <a:r>
+              <a:rPr lang="en-US" dirty="0" smtClean="0"/>
+              <a:t>– Our reported fitness, the number of living descendants of each </a:t>
+            </a:r>
+            <a:r>
+              <a:rPr lang="en-US" dirty="0" smtClean="0"/>
+              <a:t>parent </a:t>
+            </a:r>
+            <a:r>
+              <a:rPr lang="en-US" i="1" dirty="0" smtClean="0"/>
+              <a:t>n</a:t>
+            </a:r>
+            <a:r>
+              <a:rPr lang="en-US" dirty="0" smtClean="0"/>
+              <a:t> generations back.</a:t>
+            </a:r>
+            <a:endParaRPr lang="en-US" dirty="0"/>
+          </a:p>
+        </p:txBody>
+      </p:sp>
       <p:grpSp>
         <p:nvGrpSpPr>
           <p:cNvPr id="4" name="Group 3"/>
@@ -8639,7 +9843,7 @@
   <p:timing>
     <p:tnLst>
       <p:par>
-        <p:cTn xmlns:p14="http://schemas.microsoft.com/office/powerpoint/2010/main" id="1" dur="indefinite" restart="never" nodeType="tmRoot"/>
+        <p:cTn id="1" dur="indefinite" restart="never" nodeType="tmRoot"/>
       </p:par>
     </p:tnLst>
   </p:timing>
@@ -8713,11 +9917,25 @@
                 <a:latin typeface="Cambria Math"/>
                 <a:cs typeface="Cambria Math"/>
               </a:rPr>
-              <a:t>Fitness functions</a:t>
+              <a:t>Fitness </a:t>
+            </a:r>
+            <a:r>
+              <a:rPr lang="en-US" dirty="0" smtClean="0">
+                <a:latin typeface="Cambria Math"/>
+                <a:cs typeface="Cambria Math"/>
+              </a:rPr>
+              <a:t>functions</a:t>
             </a:r>
           </a:p>
           <a:p>
             <a:pPr lvl="1"/>
+            <a:r>
+              <a:rPr lang="en-US" dirty="0">
+                <a:latin typeface="Cambria Math"/>
+                <a:cs typeface="Cambria Math"/>
+              </a:rPr>
+              <a:t> </a:t>
+            </a:r>
             <a:endParaRPr lang="en-US" b="0" i="1" dirty="0" smtClean="0">
               <a:latin typeface="Cambria Math"/>
               <a:cs typeface="Cambria Math"/>
@@ -8725,6 +9943,13 @@
           </a:p>
           <a:p>
             <a:pPr lvl="1"/>
+            <a:r>
+              <a:rPr lang="en-US" dirty="0" smtClean="0">
+                <a:latin typeface="Cambria Math"/>
+                <a:cs typeface="Cambria Math"/>
+              </a:rPr>
+              <a:t> </a:t>
+            </a:r>
             <a:endParaRPr lang="en-US" dirty="0" smtClean="0">
               <a:latin typeface="Cambria Math"/>
               <a:cs typeface="Cambria Math"/>
@@ -8788,7 +10013,7 @@
             <p:nvPr/>
           </p:nvPicPr>
           <p:blipFill>
-            <a:blip r:embed="rId2"/>
+            <a:blip r:embed="rId3"/>
             <a:stretch>
               <a:fillRect/>
             </a:stretch>
@@ -8812,7 +10037,7 @@
             <p:nvPr/>
           </p:nvPicPr>
           <p:blipFill>
-            <a:blip r:embed="rId2"/>
+            <a:blip r:embed="rId3"/>
             <a:stretch>
               <a:fillRect/>
             </a:stretch>
@@ -8836,7 +10061,7 @@
             <p:nvPr/>
           </p:nvPicPr>
           <p:blipFill>
-            <a:blip r:embed="rId3"/>
+            <a:blip r:embed="rId4"/>
             <a:stretch>
               <a:fillRect/>
             </a:stretch>
@@ -8852,6 +10077,54 @@
           </p:spPr>
         </p:pic>
       </p:grpSp>
+      <p:pic>
+        <p:nvPicPr>
+          <p:cNvPr id="11" name="Picture 10"/>
+          <p:cNvPicPr>
+            <a:picLocks noChangeAspect="1"/>
+          </p:cNvPicPr>
+          <p:nvPr/>
+        </p:nvPicPr>
+        <p:blipFill>
+          <a:blip r:embed="rId5"/>
+          <a:stretch>
+            <a:fillRect/>
+          </a:stretch>
+        </p:blipFill>
+        <p:spPr>
+          <a:xfrm>
+            <a:off x="1516083" y="2510675"/>
+            <a:ext cx="6053853" cy="530398"/>
+          </a:xfrm>
+          <a:prstGeom prst="rect">
+            <a:avLst/>
+          </a:prstGeom>
+        </p:spPr>
+      </p:pic>
+      <p:pic>
+        <p:nvPicPr>
+          <p:cNvPr id="12" name="Picture 11"/>
+          <p:cNvPicPr>
+            <a:picLocks noChangeAspect="1"/>
+          </p:cNvPicPr>
+          <p:nvPr/>
+        </p:nvPicPr>
+        <p:blipFill>
+          <a:blip r:embed="rId6"/>
+          <a:stretch>
+            <a:fillRect/>
+          </a:stretch>
+        </p:blipFill>
+        <p:spPr>
+          <a:xfrm>
+            <a:off x="1544279" y="2965352"/>
+            <a:ext cx="2194750" cy="512108"/>
+          </a:xfrm>
+          <a:prstGeom prst="rect">
+            <a:avLst/>
+          </a:prstGeom>
+        </p:spPr>
+      </p:pic>
     </p:spTree>
     <p:extLst>
       <p:ext uri="{BB962C8B-B14F-4D97-AF65-F5344CB8AC3E}">
@@ -8865,7 +10138,7 @@
   <p:timing>
     <p:tnLst>
       <p:par>
-        <p:cTn xmlns:p14="http://schemas.microsoft.com/office/powerpoint/2010/main" id="1" dur="indefinite" restart="never" nodeType="tmRoot"/>
+        <p:cTn id="1" dur="indefinite" restart="never" nodeType="tmRoot"/>
       </p:par>
     </p:tnLst>
   </p:timing>
@@ -8989,7 +10262,7 @@
             <p:nvPr/>
           </p:nvPicPr>
           <p:blipFill>
-            <a:blip r:embed="rId2"/>
+            <a:blip r:embed="rId3"/>
             <a:stretch>
               <a:fillRect/>
             </a:stretch>
@@ -9013,7 +10286,7 @@
             <p:nvPr/>
           </p:nvPicPr>
           <p:blipFill>
-            <a:blip r:embed="rId2"/>
+            <a:blip r:embed="rId3"/>
             <a:stretch>
               <a:fillRect/>
             </a:stretch>
@@ -9037,7 +10310,7 @@
             <p:nvPr/>
           </p:nvPicPr>
           <p:blipFill>
-            <a:blip r:embed="rId3"/>
+            <a:blip r:embed="rId4"/>
             <a:stretch>
               <a:fillRect/>
             </a:stretch>
@@ -9066,7 +10339,7 @@
   <p:timing>
     <p:tnLst>
       <p:par>
-        <p:cTn xmlns:p14="http://schemas.microsoft.com/office/powerpoint/2010/main" id="1" dur="indefinite" restart="never" nodeType="tmRoot"/>
+        <p:cTn id="1" dur="indefinite" restart="never" nodeType="tmRoot"/>
       </p:par>
     </p:tnLst>
   </p:timing>
@@ -9215,7 +10488,7 @@
             <p:nvPr/>
           </p:nvPicPr>
           <p:blipFill>
-            <a:blip r:embed="rId2"/>
+            <a:blip r:embed="rId3"/>
             <a:stretch>
               <a:fillRect/>
             </a:stretch>
@@ -9239,7 +10512,7 @@
             <p:nvPr/>
           </p:nvPicPr>
           <p:blipFill>
-            <a:blip r:embed="rId2"/>
+            <a:blip r:embed="rId3"/>
             <a:stretch>
               <a:fillRect/>
             </a:stretch>
@@ -9263,7 +10536,7 @@
             <p:nvPr/>
           </p:nvPicPr>
           <p:blipFill>
-            <a:blip r:embed="rId3"/>
+            <a:blip r:embed="rId4"/>
             <a:stretch>
               <a:fillRect/>
             </a:stretch>
@@ -9292,7 +10565,7 @@
   <p:timing>
     <p:tnLst>
       <p:par>
-        <p:cTn xmlns:p14="http://schemas.microsoft.com/office/powerpoint/2010/main" id="1" dur="indefinite" restart="never" nodeType="tmRoot"/>
+        <p:cTn id="1" dur="indefinite" restart="never" nodeType="tmRoot"/>
       </p:par>
     </p:tnLst>
   </p:timing>
@@ -9521,7 +10794,7 @@
   <p:timing>
     <p:tnLst>
       <p:par>
-        <p:cTn xmlns:p14="http://schemas.microsoft.com/office/powerpoint/2010/main" id="1" dur="indefinite" restart="never" nodeType="tmRoot"/>
+        <p:cTn id="1" dur="indefinite" restart="never" nodeType="tmRoot"/>
       </p:par>
     </p:tnLst>
   </p:timing>
@@ -9638,7 +10911,7 @@
             <p:nvPr/>
           </p:nvPicPr>
           <p:blipFill>
-            <a:blip r:embed="rId2"/>
+            <a:blip r:embed="rId3"/>
             <a:stretch>
               <a:fillRect/>
             </a:stretch>
@@ -9662,7 +10935,7 @@
             <p:nvPr/>
           </p:nvPicPr>
           <p:blipFill>
-            <a:blip r:embed="rId2"/>
+            <a:blip r:embed="rId3"/>
             <a:stretch>
               <a:fillRect/>
             </a:stretch>
@@ -9686,7 +10959,7 @@
             <p:nvPr/>
           </p:nvPicPr>
           <p:blipFill>
-            <a:blip r:embed="rId3"/>
+            <a:blip r:embed="rId4"/>
             <a:stretch>
               <a:fillRect/>
             </a:stretch>
@@ -9715,7 +10988,7 @@
   <p:timing>
     <p:tnLst>
       <p:par>
-        <p:cTn xmlns:p14="http://schemas.microsoft.com/office/powerpoint/2010/main" id="1" dur="indefinite" restart="never" nodeType="tmRoot"/>
+        <p:cTn id="1" dur="indefinite" restart="never" nodeType="tmRoot"/>
       </p:par>
     </p:tnLst>
   </p:timing>
@@ -9762,25 +11035,6 @@
           </a:p>
         </p:txBody>
       </p:sp>
-      <p:sp>
-        <p:nvSpPr>
-          <p:cNvPr id="3" name="Content Placeholder 2"/>
-          <p:cNvSpPr>
-            <a:spLocks noGrp="1"/>
-          </p:cNvSpPr>
-          <p:nvPr>
-            <p:ph idx="1"/>
-          </p:nvPr>
-        </p:nvSpPr>
-        <p:spPr/>
-        <p:txBody>
-          <a:bodyPr/>
-          <a:lstStyle/>
-          <a:p>
-            <a:endParaRPr lang="en-US"/>
-          </a:p>
-        </p:txBody>
-      </p:sp>
       <p:pic>
         <p:nvPicPr>
           <p:cNvPr id="4" name="Content Placeholder 5"/>
@@ -9790,14 +11044,14 @@
           <p:nvPr/>
         </p:nvPicPr>
         <p:blipFill rotWithShape="1">
-          <a:blip r:embed="rId2"/>
+          <a:blip r:embed="rId3"/>
           <a:srcRect l="-7" r="62"/>
           <a:stretch/>
         </p:blipFill>
         <p:spPr>
           <a:xfrm>
-            <a:off x="1654923" y="2056040"/>
-            <a:ext cx="5897546" cy="4428708"/>
+            <a:off x="1807148" y="2056040"/>
+            <a:ext cx="5529705" cy="4152481"/>
           </a:xfrm>
           <a:prstGeom prst="rect">
             <a:avLst/>
@@ -9817,7 +11071,7 @@
   <p:timing>
     <p:tnLst>
       <p:par>
-        <p:cTn xmlns:p14="http://schemas.microsoft.com/office/powerpoint/2010/main" id="1" dur="indefinite" restart="never" nodeType="tmRoot"/>
+        <p:cTn id="1" dur="indefinite" restart="never" nodeType="tmRoot"/>
       </p:par>
     </p:tnLst>
   </p:timing>
@@ -9875,7 +11129,7 @@
           </p:nvPr>
         </p:nvPicPr>
         <p:blipFill>
-          <a:blip r:embed="rId2"/>
+          <a:blip r:embed="rId3"/>
           <a:srcRect l="1923" r="1923"/>
           <a:stretch>
             <a:fillRect/>
@@ -10280,7 +11534,7 @@
           <p:nvPr/>
         </p:nvPicPr>
         <p:blipFill rotWithShape="1">
-          <a:blip r:embed="rId2"/>
+          <a:blip r:embed="rId3"/>
           <a:srcRect l="22266" r="33399"/>
           <a:stretch/>
         </p:blipFill>
@@ -10639,7 +11893,7 @@
           <p:nvPr/>
         </p:nvPicPr>
         <p:blipFill>
-          <a:blip r:embed="rId2"/>
+          <a:blip r:embed="rId3"/>
           <a:stretch>
             <a:fillRect/>
           </a:stretch>
@@ -10663,7 +11917,7 @@
           <p:nvPr/>
         </p:nvPicPr>
         <p:blipFill>
-          <a:blip r:embed="rId2"/>
+          <a:blip r:embed="rId3"/>
           <a:stretch>
             <a:fillRect/>
           </a:stretch>
@@ -10687,7 +11941,7 @@
           <p:nvPr/>
         </p:nvPicPr>
         <p:blipFill>
-          <a:blip r:embed="rId3"/>
+          <a:blip r:embed="rId4"/>
           <a:stretch>
             <a:fillRect/>
           </a:stretch>
@@ -10745,7 +11999,7 @@
   <p:timing>
     <p:tnLst>
       <p:par>
-        <p:cTn xmlns:p14="http://schemas.microsoft.com/office/powerpoint/2010/main" id="1" dur="indefinite" restart="never" nodeType="tmRoot"/>
+        <p:cTn id="1" dur="indefinite" restart="never" nodeType="tmRoot"/>
       </p:par>
     </p:tnLst>
   </p:timing>
@@ -11307,7 +12561,7 @@
           <p:nvPr/>
         </p:nvPicPr>
         <p:blipFill>
-          <a:blip r:embed="rId2"/>
+          <a:blip r:embed="rId3"/>
           <a:stretch>
             <a:fillRect/>
           </a:stretch>
@@ -11331,7 +12585,7 @@
           <p:nvPr/>
         </p:nvPicPr>
         <p:blipFill>
-          <a:blip r:embed="rId3"/>
+          <a:blip r:embed="rId4"/>
           <a:stretch>
             <a:fillRect/>
           </a:stretch>
@@ -11355,7 +12609,7 @@
           <p:nvPr/>
         </p:nvPicPr>
         <p:blipFill>
-          <a:blip r:embed="rId3"/>
+          <a:blip r:embed="rId4"/>
           <a:stretch>
             <a:fillRect/>
           </a:stretch>
@@ -11383,7 +12637,7 @@
   <p:timing>
     <p:tnLst>
       <p:par>
-        <p:cTn xmlns:p14="http://schemas.microsoft.com/office/powerpoint/2010/main" id="1" dur="indefinite" restart="never" nodeType="tmRoot"/>
+        <p:cTn id="1" dur="indefinite" restart="never" nodeType="tmRoot"/>
       </p:par>
     </p:tnLst>
   </p:timing>
@@ -11539,7 +12793,7 @@
             <a:avLst/>
           </a:prstGeom>
           <a:blipFill dpi="0" rotWithShape="1">
-            <a:blip r:embed="rId2">
+            <a:blip r:embed="rId3">
               <a:alphaModFix amt="81000"/>
             </a:blip>
             <a:srcRect/>
@@ -11589,7 +12843,7 @@
             <a:avLst/>
           </a:prstGeom>
           <a:blipFill dpi="0" rotWithShape="1">
-            <a:blip r:embed="rId3">
+            <a:blip r:embed="rId4">
               <a:alphaModFix amt="80000"/>
             </a:blip>
             <a:srcRect/>
@@ -11644,7 +12898,7 @@
   <p:timing>
     <p:tnLst>
       <p:par>
-        <p:cTn xmlns:p14="http://schemas.microsoft.com/office/powerpoint/2010/main" id="1" dur="indefinite" restart="never" nodeType="tmRoot"/>
+        <p:cTn id="1" dur="indefinite" restart="never" nodeType="tmRoot"/>
       </p:par>
     </p:tnLst>
   </p:timing>
@@ -11730,7 +12984,7 @@
           <p:nvPr/>
         </p:nvPicPr>
         <p:blipFill>
-          <a:blip r:embed="rId2">
+          <a:blip r:embed="rId3">
             <a:extLst>
               <a:ext uri="{28A0092B-C50C-407E-A947-70E740481C1C}">
                 <a14:useLocalDpi xmlns:a14="http://schemas.microsoft.com/office/drawing/2010/main" val="0"/>
@@ -11981,7 +13235,7 @@
   <p:timing>
     <p:tnLst>
       <p:par>
-        <p:cTn xmlns:p14="http://schemas.microsoft.com/office/powerpoint/2010/main" id="1" dur="indefinite" restart="never" nodeType="tmRoot"/>
+        <p:cTn id="1" dur="indefinite" restart="never" nodeType="tmRoot"/>
       </p:par>
     </p:tnLst>
   </p:timing>
@@ -12045,11 +13299,7 @@
           <a:p>
             <a:r>
               <a:rPr lang="en-US" dirty="0" smtClean="0"/>
-              <a:t>(Mostly) implemented </a:t>
-            </a:r>
-            <a:r>
-              <a:rPr lang="en-US" dirty="0" smtClean="0"/>
-              <a:t>a coevolution GA to model the changes of various alleles as the populations interact.</a:t>
+              <a:t>(Mostly) implemented a coevolution GA to model the changes of various alleles as the populations interact.</a:t>
             </a:r>
             <a:endParaRPr lang="en-US" dirty="0"/>
           </a:p>
@@ -12064,7 +13314,7 @@
           <p:nvPr/>
         </p:nvPicPr>
         <p:blipFill>
-          <a:blip r:embed="rId2">
+          <a:blip r:embed="rId3">
             <a:extLst>
               <a:ext uri="{28A0092B-C50C-407E-A947-70E740481C1C}">
                 <a14:useLocalDpi xmlns:a14="http://schemas.microsoft.com/office/drawing/2010/main" val="0"/>
@@ -12098,7 +13348,7 @@
   <p:timing>
     <p:tnLst>
       <p:par>
-        <p:cTn xmlns:p14="http://schemas.microsoft.com/office/powerpoint/2010/main" id="1" dur="indefinite" restart="never" nodeType="tmRoot"/>
+        <p:cTn id="1" dur="indefinite" restart="never" nodeType="tmRoot"/>
       </p:par>
     </p:tnLst>
   </p:timing>

--- a/presentation.pptx
+++ b/presentation.pptx
@@ -905,7 +905,11 @@
     </dgm:pt>
     <dgm:pt modelId="{99C85D52-7F7C-4CAC-888E-C59818E5096F}">
       <dgm:prSet phldrT="[Text]"/>
-      <dgm:spPr/>
+      <dgm:spPr>
+        <a:ln>
+          <a:noFill/>
+        </a:ln>
+      </dgm:spPr>
       <dgm:t>
         <a:bodyPr/>
         <a:lstStyle/>
@@ -931,7 +935,11 @@
     </dgm:pt>
     <dgm:pt modelId="{C8E6336B-7C85-4E02-8971-8B9BCBFEBB6F}" type="sibTrans" cxnId="{30408B54-714E-4972-883A-E359592B78B4}">
       <dgm:prSet/>
-      <dgm:spPr/>
+      <dgm:spPr>
+        <a:ln>
+          <a:noFill/>
+        </a:ln>
+      </dgm:spPr>
       <dgm:t>
         <a:bodyPr/>
         <a:lstStyle/>
@@ -942,7 +950,11 @@
     </dgm:pt>
     <dgm:pt modelId="{B9A2C1F4-257D-47F0-86AE-D1A6357DBB72}">
       <dgm:prSet phldrT="[Text]"/>
-      <dgm:spPr/>
+      <dgm:spPr>
+        <a:ln>
+          <a:noFill/>
+        </a:ln>
+      </dgm:spPr>
       <dgm:t>
         <a:bodyPr/>
         <a:lstStyle/>
@@ -968,7 +980,11 @@
     </dgm:pt>
     <dgm:pt modelId="{10935347-7A84-44D2-9C15-90F43F23E306}" type="sibTrans" cxnId="{9203F163-EB80-4EE1-9590-F2B8B0011F54}">
       <dgm:prSet/>
-      <dgm:spPr/>
+      <dgm:spPr>
+        <a:ln>
+          <a:noFill/>
+        </a:ln>
+      </dgm:spPr>
       <dgm:t>
         <a:bodyPr/>
         <a:lstStyle/>
@@ -979,7 +995,11 @@
     </dgm:pt>
     <dgm:pt modelId="{CB4A29D2-812F-49FF-A7C2-DF1395A552FC}">
       <dgm:prSet phldrT="[Text]"/>
-      <dgm:spPr/>
+      <dgm:spPr>
+        <a:ln>
+          <a:noFill/>
+        </a:ln>
+      </dgm:spPr>
       <dgm:t>
         <a:bodyPr/>
         <a:lstStyle/>
@@ -1011,7 +1031,11 @@
     </dgm:pt>
     <dgm:pt modelId="{B9E54EEF-6CE8-4647-B428-172542A10FEE}" type="sibTrans" cxnId="{F15E2B25-D1FD-4243-9640-4A8C1CA0BB2D}">
       <dgm:prSet/>
-      <dgm:spPr/>
+      <dgm:spPr>
+        <a:ln>
+          <a:noFill/>
+        </a:ln>
+      </dgm:spPr>
       <dgm:t>
         <a:bodyPr/>
         <a:lstStyle/>
@@ -1022,7 +1046,11 @@
     </dgm:pt>
     <dgm:pt modelId="{FFCA3F44-C45C-4BAD-9F42-C3A4C04186FF}">
       <dgm:prSet phldrT="[Text]"/>
-      <dgm:spPr/>
+      <dgm:spPr>
+        <a:ln>
+          <a:noFill/>
+        </a:ln>
+      </dgm:spPr>
       <dgm:t>
         <a:bodyPr/>
         <a:lstStyle/>
@@ -1048,7 +1076,11 @@
     </dgm:pt>
     <dgm:pt modelId="{4F95A79E-BA84-4CBA-A6BF-5A7A00BC2FE8}" type="sibTrans" cxnId="{C9C505EC-3837-4753-B8AC-8BCCAFBA9F53}">
       <dgm:prSet/>
-      <dgm:spPr/>
+      <dgm:spPr>
+        <a:ln>
+          <a:noFill/>
+        </a:ln>
+      </dgm:spPr>
       <dgm:t>
         <a:bodyPr/>
         <a:lstStyle/>
@@ -1059,7 +1091,11 @@
     </dgm:pt>
     <dgm:pt modelId="{B6EB22EC-B9DE-4E86-8D09-4D224C3045D0}">
       <dgm:prSet phldrT="[Text]"/>
-      <dgm:spPr/>
+      <dgm:spPr>
+        <a:ln>
+          <a:noFill/>
+        </a:ln>
+      </dgm:spPr>
       <dgm:t>
         <a:bodyPr/>
         <a:lstStyle/>
@@ -1085,7 +1121,11 @@
     </dgm:pt>
     <dgm:pt modelId="{31B31508-BE24-4482-A7CF-511C32716CBE}" type="sibTrans" cxnId="{54A3A29D-1239-4697-B7B9-CA69A9F0DC1E}">
       <dgm:prSet/>
-      <dgm:spPr/>
+      <dgm:spPr>
+        <a:ln>
+          <a:noFill/>
+        </a:ln>
+      </dgm:spPr>
       <dgm:t>
         <a:bodyPr/>
         <a:lstStyle/>
@@ -1298,7 +1338,7 @@
   <dgm:whole/>
   <dgm:extLst>
     <a:ext uri="http://schemas.microsoft.com/office/drawing/2008/diagram">
-      <dsp:dataModelExt xmlns:dsp="http://schemas.microsoft.com/office/drawing/2008/diagram" relId="rId6" minVer="http://schemas.openxmlformats.org/drawingml/2006/diagram"/>
+      <dsp:dataModelExt xmlns:dsp="http://schemas.microsoft.com/office/drawing/2008/diagram" relId="rId7" minVer="http://schemas.openxmlformats.org/drawingml/2006/diagram"/>
     </a:ext>
   </dgm:extLst>
 </dgm:dataModel>
@@ -1400,14 +1440,7 @@
           </a:schemeClr>
         </a:solidFill>
         <a:ln w="31750" cap="flat" cmpd="sng" algn="ctr">
-          <a:solidFill>
-            <a:schemeClr val="lt1">
-              <a:hueOff val="0"/>
-              <a:satOff val="0"/>
-              <a:lumOff val="0"/>
-              <a:alphaOff val="0"/>
-            </a:schemeClr>
-          </a:solidFill>
+          <a:noFill/>
           <a:prstDash val="solid"/>
         </a:ln>
         <a:effectLst/>
@@ -1515,14 +1548,7 @@
           </a:schemeClr>
         </a:solidFill>
         <a:ln w="31750" cap="flat" cmpd="sng" algn="ctr">
-          <a:solidFill>
-            <a:schemeClr val="lt1">
-              <a:hueOff val="0"/>
-              <a:satOff val="0"/>
-              <a:lumOff val="0"/>
-              <a:alphaOff val="0"/>
-            </a:schemeClr>
-          </a:solidFill>
+          <a:noFill/>
           <a:prstDash val="solid"/>
         </a:ln>
         <a:effectLst/>
@@ -1647,14 +1673,7 @@
           </a:schemeClr>
         </a:solidFill>
         <a:ln w="31750" cap="flat" cmpd="sng" algn="ctr">
-          <a:solidFill>
-            <a:schemeClr val="lt1">
-              <a:hueOff val="0"/>
-              <a:satOff val="0"/>
-              <a:lumOff val="0"/>
-              <a:alphaOff val="0"/>
-            </a:schemeClr>
-          </a:solidFill>
+          <a:noFill/>
           <a:prstDash val="solid"/>
         </a:ln>
         <a:effectLst/>
@@ -1762,14 +1781,7 @@
           </a:schemeClr>
         </a:solidFill>
         <a:ln w="31750" cap="flat" cmpd="sng" algn="ctr">
-          <a:solidFill>
-            <a:schemeClr val="lt1">
-              <a:hueOff val="0"/>
-              <a:satOff val="0"/>
-              <a:lumOff val="0"/>
-              <a:alphaOff val="0"/>
-            </a:schemeClr>
-          </a:solidFill>
+          <a:noFill/>
           <a:prstDash val="solid"/>
         </a:ln>
         <a:effectLst/>
@@ -1877,14 +1889,7 @@
           </a:schemeClr>
         </a:solidFill>
         <a:ln w="31750" cap="flat" cmpd="sng" algn="ctr">
-          <a:solidFill>
-            <a:schemeClr val="lt1">
-              <a:hueOff val="0"/>
-              <a:satOff val="0"/>
-              <a:lumOff val="0"/>
-              <a:alphaOff val="0"/>
-            </a:schemeClr>
-          </a:solidFill>
+          <a:noFill/>
           <a:prstDash val="solid"/>
         </a:ln>
         <a:effectLst/>
@@ -3535,10 +3540,10 @@
           <a:lstStyle/>
           <a:p>
             <a:r>
-              <a:rPr lang="en-US" smtClean="0"/>
+              <a:rPr lang="en-US" dirty="0" smtClean="0"/>
               <a:t>Liz</a:t>
             </a:r>
-            <a:endParaRPr lang="en-US"/>
+            <a:endParaRPr lang="en-US" dirty="0"/>
           </a:p>
         </p:txBody>
       </p:sp>
@@ -3626,6 +3631,68 @@
               <a:rPr lang="en-US" dirty="0" smtClean="0"/>
               <a:t>Sammy</a:t>
             </a:r>
+          </a:p>
+          <a:p>
+            <a:r>
+              <a:rPr lang="en-US" dirty="0" smtClean="0"/>
+              <a:t>Interaction initialized</a:t>
+            </a:r>
+            <a:r>
+              <a:rPr lang="en-US" baseline="0" dirty="0" smtClean="0"/>
+              <a:t> to gene for gene (1)</a:t>
+            </a:r>
+          </a:p>
+          <a:p>
+            <a:r>
+              <a:rPr lang="en-US" baseline="0" dirty="0" smtClean="0"/>
+              <a:t>Virulence and resistance </a:t>
+            </a:r>
+            <a:r>
+              <a:rPr lang="en-US" baseline="0" dirty="0" err="1" smtClean="0"/>
+              <a:t>init</a:t>
+            </a:r>
+            <a:r>
+              <a:rPr lang="en-US" baseline="0" dirty="0" smtClean="0"/>
+              <a:t> to random set of 1s and 0s</a:t>
+            </a:r>
+          </a:p>
+          <a:p>
+            <a:r>
+              <a:rPr lang="en-US" baseline="0" dirty="0" err="1" smtClean="0"/>
+              <a:t>Mutator</a:t>
+            </a:r>
+            <a:r>
+              <a:rPr lang="en-US" baseline="0" dirty="0" smtClean="0"/>
+              <a:t> is </a:t>
+            </a:r>
+            <a:r>
+              <a:rPr lang="en-US" baseline="0" dirty="0" err="1" smtClean="0"/>
+              <a:t>init</a:t>
+            </a:r>
+            <a:r>
+              <a:rPr lang="en-US" baseline="0" dirty="0" smtClean="0"/>
+              <a:t> to 0</a:t>
+            </a:r>
+          </a:p>
+          <a:p>
+            <a:r>
+              <a:rPr lang="en-US" baseline="0" dirty="0" smtClean="0"/>
+              <a:t>Viability </a:t>
+            </a:r>
+            <a:r>
+              <a:rPr lang="en-US" baseline="0" dirty="0" err="1" smtClean="0"/>
+              <a:t>init</a:t>
+            </a:r>
+            <a:r>
+              <a:rPr lang="en-US" baseline="0" dirty="0" smtClean="0"/>
+              <a:t> all 1s</a:t>
+            </a:r>
+          </a:p>
+          <a:p>
+            <a:r>
+              <a:rPr lang="en-US" baseline="0" dirty="0" smtClean="0"/>
+              <a:t>Test costs</a:t>
+            </a:r>
             <a:endParaRPr lang="en-US" dirty="0"/>
           </a:p>
         </p:txBody>
@@ -4064,6 +4131,130 @@
           <a:p>
             <a:r>
               <a:rPr lang="en-US" dirty="0" smtClean="0"/>
+              <a:t>Select is a random sample of 10% bacteria population</a:t>
+            </a:r>
+          </a:p>
+          <a:p>
+            <a:r>
+              <a:rPr lang="en-US" dirty="0" smtClean="0"/>
+              <a:t>First</a:t>
+            </a:r>
+            <a:r>
+              <a:rPr lang="en-US" baseline="0" dirty="0" smtClean="0"/>
+              <a:t> virus with the virulence to infect the bacteria will</a:t>
+            </a:r>
+          </a:p>
+          <a:p>
+            <a:r>
+              <a:rPr lang="en-US" baseline="0" dirty="0" smtClean="0"/>
+              <a:t>Virus removed from population upon infection</a:t>
+            </a:r>
+          </a:p>
+          <a:p>
+            <a:r>
+              <a:rPr lang="en-US" baseline="0" dirty="0" smtClean="0"/>
+              <a:t>Bacteria die upon viral reproduction, other bacteria reproduce (those not in the sample, plus those that weren’t infected)</a:t>
+            </a:r>
+          </a:p>
+          <a:p>
+            <a:r>
+              <a:rPr lang="en-US" baseline="0" dirty="0" smtClean="0"/>
+              <a:t>Fitness/reproduction rate of </a:t>
+            </a:r>
+            <a:r>
+              <a:rPr lang="en-US" baseline="0" dirty="0" err="1" smtClean="0"/>
+              <a:t>noninfected</a:t>
+            </a:r>
+            <a:r>
+              <a:rPr lang="en-US" baseline="0" dirty="0" smtClean="0"/>
+              <a:t> bacteria is dependent on viability</a:t>
+            </a:r>
+            <a:endParaRPr lang="en-US" dirty="0"/>
+          </a:p>
+        </p:txBody>
+      </p:sp>
+      <p:sp>
+        <p:nvSpPr>
+          <p:cNvPr id="4" name="Slide Number Placeholder 3"/>
+          <p:cNvSpPr>
+            <a:spLocks noGrp="1"/>
+          </p:cNvSpPr>
+          <p:nvPr>
+            <p:ph type="sldNum" sz="quarter" idx="10"/>
+          </p:nvPr>
+        </p:nvSpPr>
+        <p:spPr/>
+        <p:txBody>
+          <a:bodyPr/>
+          <a:lstStyle/>
+          <a:p>
+            <a:fld id="{A5403194-167F-AC44-900D-A8D876675B66}" type="slidenum">
+              <a:rPr lang="en-US" smtClean="0"/>
+              <a:t>15</a:t>
+            </a:fld>
+            <a:endParaRPr lang="en-US"/>
+          </a:p>
+        </p:txBody>
+      </p:sp>
+    </p:spTree>
+    <p:extLst>
+      <p:ext uri="{BB962C8B-B14F-4D97-AF65-F5344CB8AC3E}">
+        <p14:creationId xmlns:p14="http://schemas.microsoft.com/office/powerpoint/2010/main" val="3864348742"/>
+      </p:ext>
+    </p:extLst>
+  </p:cSld>
+  <p:clrMapOvr>
+    <a:masterClrMapping/>
+  </p:clrMapOvr>
+</p:notes>
+</file>
+
+<file path=ppt/notesSlides/notesSlide16.xml><?xml version="1.0" encoding="utf-8"?>
+<p:notes xmlns:a="http://schemas.openxmlformats.org/drawingml/2006/main" xmlns:r="http://schemas.openxmlformats.org/officeDocument/2006/relationships" xmlns:p="http://schemas.openxmlformats.org/presentationml/2006/main">
+  <p:cSld>
+    <p:spTree>
+      <p:nvGrpSpPr>
+        <p:cNvPr id="1" name=""/>
+        <p:cNvGrpSpPr/>
+        <p:nvPr/>
+      </p:nvGrpSpPr>
+      <p:grpSpPr>
+        <a:xfrm>
+          <a:off x="0" y="0"/>
+          <a:ext cx="0" cy="0"/>
+          <a:chOff x="0" y="0"/>
+          <a:chExt cx="0" cy="0"/>
+        </a:xfrm>
+      </p:grpSpPr>
+      <p:sp>
+        <p:nvSpPr>
+          <p:cNvPr id="2" name="Slide Image Placeholder 1"/>
+          <p:cNvSpPr>
+            <a:spLocks noGrp="1" noRot="1" noChangeAspect="1"/>
+          </p:cNvSpPr>
+          <p:nvPr>
+            <p:ph type="sldImg"/>
+          </p:nvPr>
+        </p:nvSpPr>
+        <p:spPr/>
+      </p:sp>
+      <p:sp>
+        <p:nvSpPr>
+          <p:cNvPr id="3" name="Notes Placeholder 2"/>
+          <p:cNvSpPr>
+            <a:spLocks noGrp="1"/>
+          </p:cNvSpPr>
+          <p:nvPr>
+            <p:ph type="body" idx="1"/>
+          </p:nvPr>
+        </p:nvSpPr>
+        <p:spPr/>
+        <p:txBody>
+          <a:bodyPr/>
+          <a:lstStyle/>
+          <a:p>
+            <a:r>
+              <a:rPr lang="en-US" dirty="0" smtClean="0"/>
               <a:t>Laura</a:t>
             </a:r>
             <a:endParaRPr lang="en-US" dirty="0"/>
@@ -4106,7 +4297,7 @@
 </p:notes>
 </file>
 
-<file path=ppt/notesSlides/notesSlide16.xml><?xml version="1.0" encoding="utf-8"?>
+<file path=ppt/notesSlides/notesSlide17.xml><?xml version="1.0" encoding="utf-8"?>
 <p:notes xmlns:a="http://schemas.openxmlformats.org/drawingml/2006/main" xmlns:r="http://schemas.openxmlformats.org/officeDocument/2006/relationships" xmlns:p="http://schemas.openxmlformats.org/presentationml/2006/main">
   <p:cSld>
     <p:spTree>
@@ -10622,7 +10813,7 @@
             <p:ph idx="1"/>
             <p:extLst>
               <p:ext uri="{D42A27DB-BD31-4B8C-83A1-F6EECF244321}">
-                <p14:modId xmlns:p14="http://schemas.microsoft.com/office/powerpoint/2010/main" val="1886490406"/>
+                <p14:modId xmlns:p14="http://schemas.microsoft.com/office/powerpoint/2010/main" val="1564558191"/>
               </p:ext>
             </p:extLst>
           </p:nvPr>
@@ -10633,7 +10824,7 @@
         </p:xfrm>
         <a:graphic>
           <a:graphicData uri="http://schemas.openxmlformats.org/drawingml/2006/diagram">
-            <dgm:relIds xmlns:dgm="http://schemas.openxmlformats.org/drawingml/2006/diagram" xmlns:r="http://schemas.openxmlformats.org/officeDocument/2006/relationships" r:dm="rId2" r:lo="rId3" r:qs="rId4" r:cs="rId5"/>
+            <dgm:relIds xmlns:dgm="http://schemas.openxmlformats.org/drawingml/2006/diagram" xmlns:r="http://schemas.openxmlformats.org/officeDocument/2006/relationships" r:dm="rId3" r:lo="rId4" r:qs="rId5" r:cs="rId6"/>
           </a:graphicData>
         </a:graphic>
       </p:graphicFrame>
@@ -10759,8 +10950,8 @@
         </p:nvSpPr>
         <p:spPr>
           <a:xfrm>
-            <a:off x="1028700" y="2264702"/>
-            <a:ext cx="1154430" cy="323165"/>
+            <a:off x="685800" y="2149286"/>
+            <a:ext cx="1205865" cy="553998"/>
           </a:xfrm>
           <a:prstGeom prst="rect">
             <a:avLst/>
@@ -10775,7 +10966,7 @@
           <a:p>
             <a:r>
               <a:rPr lang="en-US" sz="1500" dirty="0" smtClean="0"/>
-              <a:t>Output</a:t>
+              <a:t>Output Phylogeny</a:t>
             </a:r>
             <a:endParaRPr lang="en-US" sz="1500" dirty="0"/>
           </a:p>
@@ -10882,7 +11073,17 @@
           <a:p>
             <a:r>
               <a:rPr lang="en-US" dirty="0" smtClean="0"/>
-              <a:t>Evolving interaction models</a:t>
+              <a:t>Evolving interaction </a:t>
+            </a:r>
+            <a:r>
+              <a:rPr lang="en-US" dirty="0" smtClean="0"/>
+              <a:t>models</a:t>
+            </a:r>
+          </a:p>
+          <a:p>
+            <a:r>
+              <a:rPr lang="en-US" dirty="0" smtClean="0"/>
+              <a:t>Effect of different costs to virulence/resistance</a:t>
             </a:r>
             <a:endParaRPr lang="en-US" dirty="0"/>
           </a:p>

--- a/presentation.pptx
+++ b/presentation.pptx
@@ -4045,6 +4045,84 @@
               <a:rPr lang="en-US" dirty="0" smtClean="0"/>
               <a:t>Sammy</a:t>
             </a:r>
+          </a:p>
+          <a:p>
+            <a:r>
+              <a:rPr lang="en-US" dirty="0" smtClean="0"/>
+              <a:t>Since</a:t>
+            </a:r>
+            <a:r>
+              <a:rPr lang="en-US" baseline="0" dirty="0" smtClean="0"/>
+              <a:t> bacteria fitness is reliant on the host, a different fitness is needed for culling</a:t>
+            </a:r>
+          </a:p>
+          <a:p>
+            <a:r>
+              <a:rPr lang="en-US" baseline="0" dirty="0" smtClean="0"/>
+              <a:t>Uses (1-costDeleterious)^#</a:t>
+            </a:r>
+            <a:r>
+              <a:rPr lang="en-US" baseline="0" dirty="0" err="1" smtClean="0"/>
+              <a:t>deleteriousMutations</a:t>
+            </a:r>
+            <a:r>
+              <a:rPr lang="en-US" baseline="0" dirty="0" smtClean="0"/>
+              <a:t> </a:t>
+            </a:r>
+          </a:p>
+          <a:p>
+            <a:pPr marL="0" marR="0" indent="0" algn="l" defTabSz="457200" rtl="0" eaLnBrk="1" fontAlgn="auto" latinLnBrk="0" hangingPunct="1">
+              <a:lnSpc>
+                <a:spcPct val="100000"/>
+              </a:lnSpc>
+              <a:spcBef>
+                <a:spcPts val="0"/>
+              </a:spcBef>
+              <a:spcAft>
+                <a:spcPts val="0"/>
+              </a:spcAft>
+              <a:buClrTx/>
+              <a:buSzTx/>
+              <a:buFontTx/>
+              <a:buNone/>
+              <a:tabLst/>
+              <a:defRPr/>
+            </a:pPr>
+            <a:r>
+              <a:rPr lang="en-US" baseline="0" dirty="0" smtClean="0"/>
+              <a:t>	(1-costDeleterious)^#</a:t>
+            </a:r>
+            <a:r>
+              <a:rPr lang="en-US" baseline="0" dirty="0" err="1" smtClean="0"/>
+              <a:t>deleteriousMutations</a:t>
+            </a:r>
+            <a:endParaRPr lang="en-US" baseline="0" dirty="0" smtClean="0"/>
+          </a:p>
+          <a:p>
+            <a:pPr marL="0" marR="0" indent="0" algn="l" defTabSz="457200" rtl="0" eaLnBrk="1" fontAlgn="auto" latinLnBrk="0" hangingPunct="1">
+              <a:lnSpc>
+                <a:spcPct val="100000"/>
+              </a:lnSpc>
+              <a:spcBef>
+                <a:spcPts val="0"/>
+              </a:spcBef>
+              <a:spcAft>
+                <a:spcPts val="0"/>
+              </a:spcAft>
+              <a:buClrTx/>
+              <a:buSzTx/>
+              <a:buFontTx/>
+              <a:buNone/>
+              <a:tabLst/>
+              <a:defRPr/>
+            </a:pPr>
+            <a:r>
+              <a:rPr lang="en-US" baseline="0" dirty="0" smtClean="0"/>
+              <a:t>Works for both interaction models</a:t>
+            </a:r>
+            <a:endParaRPr lang="en-US" dirty="0" smtClean="0"/>
+          </a:p>
+          <a:p>
             <a:endParaRPr lang="en-US" dirty="0"/>
           </a:p>
         </p:txBody>
@@ -4131,7 +4209,7 @@
           <a:p>
             <a:r>
               <a:rPr lang="en-US" dirty="0" smtClean="0"/>
-              <a:t>Select is a random sample of 10% bacteria population</a:t>
+              <a:t>Select is a random sample of 20% bacteria population</a:t>
             </a:r>
           </a:p>
           <a:p>
@@ -9296,14 +9374,14 @@
           <p:nvPr>
             <p:extLst>
               <p:ext uri="{D42A27DB-BD31-4B8C-83A1-F6EECF244321}">
-                <p14:modId xmlns:p14="http://schemas.microsoft.com/office/powerpoint/2010/main" val="1279833664"/>
+                <p14:modId xmlns:p14="http://schemas.microsoft.com/office/powerpoint/2010/main" val="481788003"/>
               </p:ext>
             </p:extLst>
           </p:nvPr>
         </p:nvGraphicFramePr>
         <p:xfrm>
           <a:off x="1668776" y="3256280"/>
-          <a:ext cx="4218944" cy="370840"/>
+          <a:ext cx="5133806" cy="370840"/>
         </p:xfrm>
         <a:graphic>
           <a:graphicData uri="http://schemas.openxmlformats.org/drawingml/2006/table">
@@ -9312,11 +9390,15 @@
                 <a:tableStyleId>{5C22544A-7EE6-4342-B048-85BDC9FD1C3A}</a:tableStyleId>
               </a:tblPr>
               <a:tblGrid>
-                <a:gridCol w="2109472"/>
-                <a:gridCol w="527368"/>
-                <a:gridCol w="527368"/>
-                <a:gridCol w="527368"/>
-                <a:gridCol w="527368"/>
+                <a:gridCol w="2085806"/>
+                <a:gridCol w="381000"/>
+                <a:gridCol w="381000"/>
+                <a:gridCol w="381000"/>
+                <a:gridCol w="381000"/>
+                <a:gridCol w="381000"/>
+                <a:gridCol w="381000"/>
+                <a:gridCol w="381000"/>
+                <a:gridCol w="381000"/>
               </a:tblGrid>
               <a:tr h="370840">
                 <a:tc>
@@ -9389,6 +9471,74 @@
                     </a:solidFill>
                   </a:tcPr>
                 </a:tc>
+                <a:tc>
+                  <a:txBody>
+                    <a:bodyPr/>
+                    <a:lstStyle/>
+                    <a:p>
+                      <a:endParaRPr lang="en-US" dirty="0"/>
+                    </a:p>
+                  </a:txBody>
+                  <a:tcPr>
+                    <a:solidFill>
+                      <a:schemeClr val="accent1">
+                        <a:lumMod val="40000"/>
+                        <a:lumOff val="60000"/>
+                      </a:schemeClr>
+                    </a:solidFill>
+                  </a:tcPr>
+                </a:tc>
+                <a:tc>
+                  <a:txBody>
+                    <a:bodyPr/>
+                    <a:lstStyle/>
+                    <a:p>
+                      <a:endParaRPr lang="en-US" dirty="0"/>
+                    </a:p>
+                  </a:txBody>
+                  <a:tcPr>
+                    <a:solidFill>
+                      <a:schemeClr val="accent1">
+                        <a:lumMod val="40000"/>
+                        <a:lumOff val="60000"/>
+                      </a:schemeClr>
+                    </a:solidFill>
+                  </a:tcPr>
+                </a:tc>
+                <a:tc>
+                  <a:txBody>
+                    <a:bodyPr/>
+                    <a:lstStyle/>
+                    <a:p>
+                      <a:endParaRPr lang="en-US" dirty="0"/>
+                    </a:p>
+                  </a:txBody>
+                  <a:tcPr>
+                    <a:solidFill>
+                      <a:schemeClr val="accent1">
+                        <a:lumMod val="40000"/>
+                        <a:lumOff val="60000"/>
+                      </a:schemeClr>
+                    </a:solidFill>
+                  </a:tcPr>
+                </a:tc>
+                <a:tc>
+                  <a:txBody>
+                    <a:bodyPr/>
+                    <a:lstStyle/>
+                    <a:p>
+                      <a:endParaRPr lang="en-US" dirty="0"/>
+                    </a:p>
+                  </a:txBody>
+                  <a:tcPr>
+                    <a:solidFill>
+                      <a:schemeClr val="accent1">
+                        <a:lumMod val="40000"/>
+                        <a:lumOff val="60000"/>
+                      </a:schemeClr>
+                    </a:solidFill>
+                  </a:tcPr>
+                </a:tc>
               </a:tr>
             </a:tbl>
           </a:graphicData>
@@ -9402,8 +9552,8 @@
         </p:nvSpPr>
         <p:spPr>
           <a:xfrm>
-            <a:off x="4221938" y="3256280"/>
-            <a:ext cx="2019300" cy="370840"/>
+            <a:off x="3737111" y="3256280"/>
+            <a:ext cx="1375298" cy="370840"/>
           </a:xfrm>
           <a:prstGeom prst="rect">
             <a:avLst/>
@@ -9801,6 +9951,48 @@
           </p:spPr>
         </p:pic>
       </p:grpSp>
+      <p:sp>
+        <p:nvSpPr>
+          <p:cNvPr id="14" name="TextBox 13"/>
+          <p:cNvSpPr txBox="1"/>
+          <p:nvPr/>
+        </p:nvSpPr>
+        <p:spPr>
+          <a:xfrm>
+            <a:off x="5243253" y="3233689"/>
+            <a:ext cx="1299213" cy="369332"/>
+          </a:xfrm>
+          <a:prstGeom prst="rect">
+            <a:avLst/>
+          </a:prstGeom>
+          <a:noFill/>
+        </p:spPr>
+        <p:txBody>
+          <a:bodyPr wrap="square" rtlCol="0">
+            <a:spAutoFit/>
+          </a:bodyPr>
+          <a:lstStyle/>
+          <a:p>
+            <a:r>
+              <a:rPr lang="en-US" b="1" dirty="0" smtClean="0">
+                <a:solidFill>
+                  <a:schemeClr val="bg1">
+                    <a:lumMod val="95000"/>
+                  </a:schemeClr>
+                </a:solidFill>
+              </a:rPr>
+              <a:t>Viability </a:t>
+            </a:r>
+            <a:endParaRPr lang="en-US" b="1" dirty="0">
+              <a:solidFill>
+                <a:schemeClr val="bg1">
+                  <a:lumMod val="95000"/>
+                </a:schemeClr>
+              </a:solidFill>
+            </a:endParaRPr>
+          </a:p>
+        </p:txBody>
+      </p:sp>
     </p:spTree>
     <p:extLst>
       <p:ext uri="{BB962C8B-B14F-4D97-AF65-F5344CB8AC3E}">
